--- a/Current Presentation/Charlie Fall Term 2024 presentation.pptx
+++ b/Current Presentation/Charlie Fall Term 2024 presentation.pptx
@@ -104,6 +104,11 @@
       </a:defRPr>
     </a:lvl9pPr>
   </p:defaultTextStyle>
+  <p:extLst>
+    <p:ext uri="{EFAFB233-063F-42B5-8137-9DF3F51BA10A}">
+      <p15:sldGuideLst xmlns:p15="http://schemas.microsoft.com/office/powerpoint/2012/main"/>
+    </p:ext>
+  </p:extLst>
 </p:presentation>
 </file>
 
@@ -254,7 +259,7 @@
           <a:p>
             <a:fld id="{0F2E0057-352E-4528-A89B-462E0D2D677A}" type="datetimeFigureOut">
               <a:rPr lang="en-US" smtClean="0"/>
-              <a:t>2024-12-14</a:t>
+              <a:t>2024-12-15</a:t>
             </a:fld>
             <a:endParaRPr lang="en-US"/>
           </a:p>
@@ -452,7 +457,7 @@
           <a:p>
             <a:fld id="{0F2E0057-352E-4528-A89B-462E0D2D677A}" type="datetimeFigureOut">
               <a:rPr lang="en-US" smtClean="0"/>
-              <a:t>2024-12-14</a:t>
+              <a:t>2024-12-15</a:t>
             </a:fld>
             <a:endParaRPr lang="en-US"/>
           </a:p>
@@ -660,7 +665,7 @@
           <a:p>
             <a:fld id="{0F2E0057-352E-4528-A89B-462E0D2D677A}" type="datetimeFigureOut">
               <a:rPr lang="en-US" smtClean="0"/>
-              <a:t>2024-12-14</a:t>
+              <a:t>2024-12-15</a:t>
             </a:fld>
             <a:endParaRPr lang="en-US"/>
           </a:p>
@@ -858,7 +863,7 @@
           <a:p>
             <a:fld id="{0F2E0057-352E-4528-A89B-462E0D2D677A}" type="datetimeFigureOut">
               <a:rPr lang="en-US" smtClean="0"/>
-              <a:t>2024-12-14</a:t>
+              <a:t>2024-12-15</a:t>
             </a:fld>
             <a:endParaRPr lang="en-US"/>
           </a:p>
@@ -1133,7 +1138,7 @@
           <a:p>
             <a:fld id="{0F2E0057-352E-4528-A89B-462E0D2D677A}" type="datetimeFigureOut">
               <a:rPr lang="en-US" smtClean="0"/>
-              <a:t>2024-12-14</a:t>
+              <a:t>2024-12-15</a:t>
             </a:fld>
             <a:endParaRPr lang="en-US"/>
           </a:p>
@@ -1398,7 +1403,7 @@
           <a:p>
             <a:fld id="{0F2E0057-352E-4528-A89B-462E0D2D677A}" type="datetimeFigureOut">
               <a:rPr lang="en-US" smtClean="0"/>
-              <a:t>2024-12-14</a:t>
+              <a:t>2024-12-15</a:t>
             </a:fld>
             <a:endParaRPr lang="en-US"/>
           </a:p>
@@ -1810,7 +1815,7 @@
           <a:p>
             <a:fld id="{0F2E0057-352E-4528-A89B-462E0D2D677A}" type="datetimeFigureOut">
               <a:rPr lang="en-US" smtClean="0"/>
-              <a:t>2024-12-14</a:t>
+              <a:t>2024-12-15</a:t>
             </a:fld>
             <a:endParaRPr lang="en-US"/>
           </a:p>
@@ -1951,7 +1956,7 @@
           <a:p>
             <a:fld id="{0F2E0057-352E-4528-A89B-462E0D2D677A}" type="datetimeFigureOut">
               <a:rPr lang="en-US" smtClean="0"/>
-              <a:t>2024-12-14</a:t>
+              <a:t>2024-12-15</a:t>
             </a:fld>
             <a:endParaRPr lang="en-US"/>
           </a:p>
@@ -2064,7 +2069,7 @@
           <a:p>
             <a:fld id="{0F2E0057-352E-4528-A89B-462E0D2D677A}" type="datetimeFigureOut">
               <a:rPr lang="en-US" smtClean="0"/>
-              <a:t>2024-12-14</a:t>
+              <a:t>2024-12-15</a:t>
             </a:fld>
             <a:endParaRPr lang="en-US"/>
           </a:p>
@@ -2375,7 +2380,7 @@
           <a:p>
             <a:fld id="{0F2E0057-352E-4528-A89B-462E0D2D677A}" type="datetimeFigureOut">
               <a:rPr lang="en-US" smtClean="0"/>
-              <a:t>2024-12-14</a:t>
+              <a:t>2024-12-15</a:t>
             </a:fld>
             <a:endParaRPr lang="en-US"/>
           </a:p>
@@ -2663,7 +2668,7 @@
           <a:p>
             <a:fld id="{0F2E0057-352E-4528-A89B-462E0D2D677A}" type="datetimeFigureOut">
               <a:rPr lang="en-US" smtClean="0"/>
-              <a:t>2024-12-14</a:t>
+              <a:t>2024-12-15</a:t>
             </a:fld>
             <a:endParaRPr lang="en-US"/>
           </a:p>
@@ -2904,7 +2909,7 @@
           <a:p>
             <a:fld id="{0F2E0057-352E-4528-A89B-462E0D2D677A}" type="datetimeFigureOut">
               <a:rPr lang="en-US" smtClean="0"/>
-              <a:t>2024-12-14</a:t>
+              <a:t>2024-12-15</a:t>
             </a:fld>
             <a:endParaRPr lang="en-US"/>
           </a:p>
@@ -3397,7 +3402,7 @@
         </p:nvSpPr>
         <p:spPr>
           <a:xfrm>
-            <a:off x="1374648" y="914400"/>
+            <a:off x="1371600" y="914400"/>
             <a:ext cx="9144000" cy="2387600"/>
           </a:xfrm>
           <a:prstGeom prst="rect">
@@ -3484,205 +3489,6 @@
           </a:p>
         </p:txBody>
       </p:sp>
-      <p:sp>
-        <p:nvSpPr>
-          <p:cNvPr id="6" name="Oval 5">
-            <a:extLst>
-              <a:ext uri="{FF2B5EF4-FFF2-40B4-BE49-F238E27FC236}">
-                <a16:creationId xmlns:a16="http://schemas.microsoft.com/office/drawing/2014/main" id="{10AF82AD-4E7D-3287-18D5-E61F3CB4E707}"/>
-              </a:ext>
-            </a:extLst>
-          </p:cNvPr>
-          <p:cNvSpPr/>
-          <p:nvPr/>
-        </p:nvSpPr>
-        <p:spPr>
-          <a:xfrm>
-            <a:off x="257175" y="398351"/>
-            <a:ext cx="11553825" cy="3204927"/>
-          </a:xfrm>
-          <a:prstGeom prst="ellipse">
-            <a:avLst/>
-          </a:prstGeom>
-          <a:solidFill>
-            <a:srgbClr val="000080"/>
-          </a:solidFill>
-          <a:ln>
-            <a:noFill/>
-          </a:ln>
-          <a:effectLst>
-            <a:glow rad="38100">
-              <a:srgbClr val="000080">
-                <a:alpha val="60000"/>
-              </a:srgbClr>
-            </a:glow>
-            <a:softEdge rad="31750"/>
-          </a:effectLst>
-        </p:spPr>
-        <p:style>
-          <a:lnRef idx="2">
-            <a:schemeClr val="accent1">
-              <a:shade val="15000"/>
-            </a:schemeClr>
-          </a:lnRef>
-          <a:fillRef idx="1">
-            <a:schemeClr val="accent1"/>
-          </a:fillRef>
-          <a:effectRef idx="0">
-            <a:schemeClr val="accent1"/>
-          </a:effectRef>
-          <a:fontRef idx="minor">
-            <a:schemeClr val="lt1"/>
-          </a:fontRef>
-        </p:style>
-        <p:txBody>
-          <a:bodyPr rtlCol="0" anchor="ctr"/>
-          <a:lstStyle/>
-          <a:p>
-            <a:pPr algn="ctr"/>
-            <a:endParaRPr lang="en-US"/>
-          </a:p>
-        </p:txBody>
-      </p:sp>
-      <p:sp>
-        <p:nvSpPr>
-          <p:cNvPr id="5" name="Title 1">
-            <a:extLst>
-              <a:ext uri="{FF2B5EF4-FFF2-40B4-BE49-F238E27FC236}">
-                <a16:creationId xmlns:a16="http://schemas.microsoft.com/office/drawing/2014/main" id="{8349CD14-B416-F242-F249-82A5DC8216C8}"/>
-              </a:ext>
-            </a:extLst>
-          </p:cNvPr>
-          <p:cNvSpPr txBox="1">
-            <a:spLocks/>
-          </p:cNvSpPr>
-          <p:nvPr/>
-        </p:nvSpPr>
-        <p:spPr>
-          <a:xfrm>
-            <a:off x="1368552" y="914400"/>
-            <a:ext cx="9144000" cy="2387600"/>
-          </a:xfrm>
-          <a:prstGeom prst="rect">
-            <a:avLst/>
-          </a:prstGeom>
-        </p:spPr>
-        <p:txBody>
-          <a:bodyPr vert="horz" lIns="91440" tIns="45720" rIns="91440" bIns="45720" rtlCol="0" anchor="ctr">
-            <a:normAutofit/>
-          </a:bodyPr>
-          <a:lstStyle>
-            <a:lvl1pPr algn="ctr" defTabSz="914400" rtl="0" eaLnBrk="1" latinLnBrk="0" hangingPunct="1">
-              <a:lnSpc>
-                <a:spcPct val="90000"/>
-              </a:lnSpc>
-              <a:spcBef>
-                <a:spcPct val="0"/>
-              </a:spcBef>
-              <a:buNone/>
-              <a:defRPr sz="6000" kern="1200">
-                <a:solidFill>
-                  <a:schemeClr val="tx1"/>
-                </a:solidFill>
-                <a:latin typeface="+mj-lt"/>
-                <a:ea typeface="+mj-ea"/>
-                <a:cs typeface="+mj-cs"/>
-              </a:defRPr>
-            </a:lvl1pPr>
-          </a:lstStyle>
-          <a:p>
-            <a:r>
-              <a:rPr lang="en-US" sz="7200" b="1" dirty="0">
-                <a:solidFill>
-                  <a:srgbClr val="FF0000"/>
-                </a:solidFill>
-                <a:highlight>
-                  <a:srgbClr val="000080"/>
-                </a:highlight>
-              </a:rPr>
-              <a:t>Charlie Hatch’s “Fall” Presentation- 2024</a:t>
-            </a:r>
-          </a:p>
-        </p:txBody>
-      </p:sp>
-      <p:sp>
-        <p:nvSpPr>
-          <p:cNvPr id="7" name="TextBox 6">
-            <a:extLst>
-              <a:ext uri="{FF2B5EF4-FFF2-40B4-BE49-F238E27FC236}">
-                <a16:creationId xmlns:a16="http://schemas.microsoft.com/office/drawing/2014/main" id="{EDDAE2F4-DB81-3A9D-2808-5B4900718D1B}"/>
-              </a:ext>
-            </a:extLst>
-          </p:cNvPr>
-          <p:cNvSpPr txBox="1"/>
-          <p:nvPr/>
-        </p:nvSpPr>
-        <p:spPr>
-          <a:xfrm>
-            <a:off x="4672584" y="758951"/>
-            <a:ext cx="2615184" cy="369332"/>
-          </a:xfrm>
-          <a:prstGeom prst="rect">
-            <a:avLst/>
-          </a:prstGeom>
-          <a:noFill/>
-        </p:spPr>
-        <p:txBody>
-          <a:bodyPr wrap="square" rtlCol="0">
-            <a:spAutoFit/>
-          </a:bodyPr>
-          <a:lstStyle/>
-          <a:p>
-            <a:r>
-              <a:rPr lang="en-US" dirty="0">
-                <a:solidFill>
-                  <a:srgbClr val="002080"/>
-                </a:solidFill>
-              </a:rPr>
-              <a:t>Isn’t this format better?</a:t>
-            </a:r>
-          </a:p>
-        </p:txBody>
-      </p:sp>
-      <p:sp>
-        <p:nvSpPr>
-          <p:cNvPr id="10" name="TextBox 9">
-            <a:extLst>
-              <a:ext uri="{FF2B5EF4-FFF2-40B4-BE49-F238E27FC236}">
-                <a16:creationId xmlns:a16="http://schemas.microsoft.com/office/drawing/2014/main" id="{F13D9209-E238-AFB6-7595-5D719135E2BC}"/>
-              </a:ext>
-            </a:extLst>
-          </p:cNvPr>
-          <p:cNvSpPr txBox="1"/>
-          <p:nvPr/>
-        </p:nvSpPr>
-        <p:spPr>
-          <a:xfrm>
-            <a:off x="4118039" y="683942"/>
-            <a:ext cx="3724274" cy="519351"/>
-          </a:xfrm>
-          <a:prstGeom prst="ellipse">
-            <a:avLst/>
-          </a:prstGeom>
-          <a:solidFill>
-            <a:schemeClr val="bg1">
-              <a:lumMod val="95000"/>
-            </a:schemeClr>
-          </a:solidFill>
-        </p:spPr>
-        <p:txBody>
-          <a:bodyPr wrap="square" rtlCol="0">
-            <a:spAutoFit/>
-          </a:bodyPr>
-          <a:lstStyle/>
-          <a:p>
-            <a:r>
-              <a:rPr lang="en-US" dirty="0"/>
-              <a:t>Isn’t this format better?</a:t>
-            </a:r>
-          </a:p>
-        </p:txBody>
-      </p:sp>
     </p:spTree>
     <p:extLst>
       <p:ext uri="{BB962C8B-B14F-4D97-AF65-F5344CB8AC3E}">
@@ -3693,8 +3499,8 @@
   <p:clrMapOvr>
     <a:masterClrMapping/>
   </p:clrMapOvr>
-  <mc:AlternateContent xmlns:mc="http://schemas.openxmlformats.org/markup-compatibility/2006">
-    <mc:Choice xmlns:p14="http://schemas.microsoft.com/office/powerpoint/2010/main" Requires="p14">
+  <mc:AlternateContent xmlns:mc="http://schemas.openxmlformats.org/markup-compatibility/2006" xmlns:p14="http://schemas.microsoft.com/office/powerpoint/2010/main">
+    <mc:Choice Requires="p14">
       <p:timing>
         <p:tnLst>
           <p:par>
@@ -3823,80 +3629,8 @@
                                       </p:childTnLst>
                                     </p:cTn>
                                   </p:par>
-                                </p:childTnLst>
-                              </p:cTn>
-                            </p:par>
-                          </p:childTnLst>
-                        </p:cTn>
-                      </p:par>
-                      <p:par>
-                        <p:cTn id="13" fill="hold">
-                          <p:stCondLst>
-                            <p:cond delay="indefinite"/>
-                          </p:stCondLst>
-                          <p:childTnLst>
-                            <p:par>
-                              <p:cTn id="14" fill="hold">
-                                <p:stCondLst>
-                                  <p:cond delay="0"/>
-                                </p:stCondLst>
-                                <p:childTnLst>
                                   <p:par>
-                                    <p:cTn id="15" presetID="1" presetClass="entr" presetSubtype="0" fill="hold" grpId="0" nodeType="clickEffect">
-                                      <p:stCondLst>
-                                        <p:cond delay="0"/>
-                                      </p:stCondLst>
-                                      <p:childTnLst>
-                                        <p:set>
-                                          <p:cBhvr>
-                                            <p:cTn id="16" dur="1" fill="hold">
-                                              <p:stCondLst>
-                                                <p:cond delay="0"/>
-                                              </p:stCondLst>
-                                            </p:cTn>
-                                            <p:tgtEl>
-                                              <p:spTgt spid="6"/>
-                                            </p:tgtEl>
-                                            <p:attrNameLst>
-                                              <p:attrName>style.visibility</p:attrName>
-                                            </p:attrNameLst>
-                                          </p:cBhvr>
-                                          <p:to>
-                                            <p:strVal val="visible"/>
-                                          </p:to>
-                                        </p:set>
-                                      </p:childTnLst>
-                                    </p:cTn>
-                                  </p:par>
-                                  <p:par>
-                                    <p:cTn id="17" presetID="1" presetClass="entr" presetSubtype="0" fill="hold" grpId="0" nodeType="withEffect">
-                                      <p:stCondLst>
-                                        <p:cond delay="0"/>
-                                      </p:stCondLst>
-                                      <p:childTnLst>
-                                        <p:set>
-                                          <p:cBhvr>
-                                            <p:cTn id="18" dur="1" fill="hold">
-                                              <p:stCondLst>
-                                                <p:cond delay="0"/>
-                                              </p:stCondLst>
-                                            </p:cTn>
-                                            <p:tgtEl>
-                                              <p:spTgt spid="5"/>
-                                            </p:tgtEl>
-                                            <p:attrNameLst>
-                                              <p:attrName>style.visibility</p:attrName>
-                                            </p:attrNameLst>
-                                          </p:cBhvr>
-                                          <p:to>
-                                            <p:strVal val="visible"/>
-                                          </p:to>
-                                        </p:set>
-                                      </p:childTnLst>
-                                    </p:cTn>
-                                  </p:par>
-                                  <p:par>
-                                    <p:cTn id="19" presetID="1" presetClass="exit" presetSubtype="0" fill="hold" grpId="1" nodeType="withEffect">
+                                    <p:cTn id="13" presetID="1" presetClass="exit" presetSubtype="0" fill="hold" grpId="1" nodeType="withEffect">
                                       <p:stCondLst>
                                         <p:cond delay="0"/>
                                       </p:stCondLst>
@@ -3906,158 +3640,13 @@
                                       <p:childTnLst>
                                         <p:set>
                                           <p:cBhvr>
-                                            <p:cTn id="20" dur="1" fill="hold">
+                                            <p:cTn id="14" dur="1" fill="hold">
                                               <p:stCondLst>
                                                 <p:cond delay="0"/>
                                               </p:stCondLst>
                                             </p:cTn>
                                             <p:tgtEl>
                                               <p:spTgt spid="4"/>
-                                            </p:tgtEl>
-                                            <p:attrNameLst>
-                                              <p:attrName>style.visibility</p:attrName>
-                                            </p:attrNameLst>
-                                          </p:cBhvr>
-                                          <p:to>
-                                            <p:strVal val="hidden"/>
-                                          </p:to>
-                                        </p:set>
-                                      </p:childTnLst>
-                                    </p:cTn>
-                                  </p:par>
-                                  <p:par>
-                                    <p:cTn id="21" presetID="2" presetClass="entr" presetSubtype="1" fill="hold" grpId="0" nodeType="withEffect" p14:presetBounceEnd="75000">
-                                      <p:stCondLst>
-                                        <p:cond delay="500"/>
-                                      </p:stCondLst>
-                                      <p:childTnLst>
-                                        <p:set>
-                                          <p:cBhvr>
-                                            <p:cTn id="22" dur="1" fill="hold">
-                                              <p:stCondLst>
-                                                <p:cond delay="0"/>
-                                              </p:stCondLst>
-                                            </p:cTn>
-                                            <p:tgtEl>
-                                              <p:spTgt spid="7"/>
-                                            </p:tgtEl>
-                                            <p:attrNameLst>
-                                              <p:attrName>style.visibility</p:attrName>
-                                            </p:attrNameLst>
-                                          </p:cBhvr>
-                                          <p:to>
-                                            <p:strVal val="visible"/>
-                                          </p:to>
-                                        </p:set>
-                                        <p:anim calcmode="lin" valueType="num" p14:bounceEnd="75000">
-                                          <p:cBhvr additive="base">
-                                            <p:cTn id="23" dur="1000" fill="hold"/>
-                                            <p:tgtEl>
-                                              <p:spTgt spid="7"/>
-                                            </p:tgtEl>
-                                            <p:attrNameLst>
-                                              <p:attrName>ppt_x</p:attrName>
-                                            </p:attrNameLst>
-                                          </p:cBhvr>
-                                          <p:tavLst>
-                                            <p:tav tm="0">
-                                              <p:val>
-                                                <p:strVal val="#ppt_x"/>
-                                              </p:val>
-                                            </p:tav>
-                                            <p:tav tm="100000">
-                                              <p:val>
-                                                <p:strVal val="#ppt_x"/>
-                                              </p:val>
-                                            </p:tav>
-                                          </p:tavLst>
-                                        </p:anim>
-                                        <p:anim calcmode="lin" valueType="num" p14:bounceEnd="75000">
-                                          <p:cBhvr additive="base">
-                                            <p:cTn id="24" dur="1000" fill="hold"/>
-                                            <p:tgtEl>
-                                              <p:spTgt spid="7"/>
-                                            </p:tgtEl>
-                                            <p:attrNameLst>
-                                              <p:attrName>ppt_y</p:attrName>
-                                            </p:attrNameLst>
-                                          </p:cBhvr>
-                                          <p:tavLst>
-                                            <p:tav tm="0">
-                                              <p:val>
-                                                <p:strVal val="0-#ppt_h/2"/>
-                                              </p:val>
-                                            </p:tav>
-                                            <p:tav tm="100000">
-                                              <p:val>
-                                                <p:strVal val="#ppt_y"/>
-                                              </p:val>
-                                            </p:tav>
-                                          </p:tavLst>
-                                        </p:anim>
-                                      </p:childTnLst>
-                                    </p:cTn>
-                                  </p:par>
-                                </p:childTnLst>
-                              </p:cTn>
-                            </p:par>
-                            <p:par>
-                              <p:cTn id="25" fill="hold">
-                                <p:stCondLst>
-                                  <p:cond delay="3601"/>
-                                </p:stCondLst>
-                                <p:childTnLst>
-                                  <p:par>
-                                    <p:cTn id="26" presetID="1" presetClass="entr" presetSubtype="0" fill="hold" grpId="1" nodeType="afterEffect">
-                                      <p:stCondLst>
-                                        <p:cond delay="500"/>
-                                      </p:stCondLst>
-                                      <p:childTnLst>
-                                        <p:set>
-                                          <p:cBhvr>
-                                            <p:cTn id="27" dur="1" fill="hold">
-                                              <p:stCondLst>
-                                                <p:cond delay="0"/>
-                                              </p:stCondLst>
-                                            </p:cTn>
-                                            <p:tgtEl>
-                                              <p:spTgt spid="10"/>
-                                            </p:tgtEl>
-                                            <p:attrNameLst>
-                                              <p:attrName>style.visibility</p:attrName>
-                                            </p:attrNameLst>
-                                          </p:cBhvr>
-                                          <p:to>
-                                            <p:strVal val="visible"/>
-                                          </p:to>
-                                        </p:set>
-                                      </p:childTnLst>
-                                    </p:cTn>
-                                  </p:par>
-                                </p:childTnLst>
-                              </p:cTn>
-                            </p:par>
-                            <p:par>
-                              <p:cTn id="28" fill="hold">
-                                <p:stCondLst>
-                                  <p:cond delay="4101"/>
-                                </p:stCondLst>
-                                <p:childTnLst>
-                                  <p:par>
-                                    <p:cTn id="29" presetID="1" presetClass="exit" presetSubtype="0" fill="hold" grpId="0" nodeType="afterEffect">
-                                      <p:stCondLst>
-                                        <p:cond delay="100"/>
-                                      </p:stCondLst>
-                                      <p:childTnLst>
-                                        <p:set>
-                                          <p:cBhvr>
-                                            <p:cTn id="30" dur="1" fill="hold">
-                                              <p:stCondLst>
-                                                <p:cond delay="0"/>
-                                              </p:stCondLst>
-                                            </p:cTn>
-                                            <p:tgtEl>
-                                              <p:spTgt spid="10"/>
                                             </p:tgtEl>
                                             <p:attrNameLst>
                                               <p:attrName>style.visibility</p:attrName>
@@ -4077,19 +3666,19 @@
                         </p:cTn>
                       </p:par>
                       <p:par>
-                        <p:cTn id="31" fill="hold">
+                        <p:cTn id="15" fill="hold">
                           <p:stCondLst>
                             <p:cond delay="indefinite"/>
                           </p:stCondLst>
                           <p:childTnLst>
                             <p:par>
-                              <p:cTn id="32" fill="hold">
+                              <p:cTn id="16" fill="hold">
                                 <p:stCondLst>
                                   <p:cond delay="0"/>
                                 </p:stCondLst>
                                 <p:childTnLst>
                                   <p:par>
-                                    <p:cTn id="33" presetID="25" presetClass="entr" presetSubtype="0" fill="hold" grpId="0" nodeType="clickEffect">
+                                    <p:cTn id="17" presetID="25" presetClass="entr" presetSubtype="0" fill="hold" grpId="0" nodeType="clickEffect">
                                       <p:stCondLst>
                                         <p:cond delay="0"/>
                                       </p:stCondLst>
@@ -4099,7 +3688,7 @@
                                       <p:childTnLst>
                                         <p:set>
                                           <p:cBhvr>
-                                            <p:cTn id="34" dur="1" fill="hold">
+                                            <p:cTn id="18" dur="1" fill="hold">
                                               <p:stCondLst>
                                                 <p:cond delay="0"/>
                                               </p:stCondLst>
@@ -4117,7 +3706,7 @@
                                         </p:set>
                                         <p:anim calcmode="lin" valueType="num">
                                           <p:cBhvr>
-                                            <p:cTn id="35" dur="500" decel="50000" fill="hold">
+                                            <p:cTn id="19" dur="500" decel="50000" fill="hold">
                                               <p:stCondLst>
                                                 <p:cond delay="0"/>
                                               </p:stCondLst>
@@ -4144,7 +3733,7 @@
                                         </p:anim>
                                         <p:anim calcmode="lin" valueType="num">
                                           <p:cBhvr>
-                                            <p:cTn id="36" dur="500" decel="50000" fill="hold">
+                                            <p:cTn id="20" dur="500" decel="50000" fill="hold">
                                               <p:stCondLst>
                                                 <p:cond delay="0"/>
                                               </p:stCondLst>
@@ -4171,7 +3760,7 @@
                                         </p:anim>
                                         <p:anim calcmode="lin" valueType="num">
                                           <p:cBhvr>
-                                            <p:cTn id="37" dur="500" accel="50000" fill="hold">
+                                            <p:cTn id="21" dur="500" accel="50000" fill="hold">
                                               <p:stCondLst>
                                                 <p:cond delay="500"/>
                                               </p:stCondLst>
@@ -4198,7 +3787,7 @@
                                         </p:anim>
                                         <p:anim calcmode="lin" valueType="num">
                                           <p:cBhvr>
-                                            <p:cTn id="38" dur="1000" fill="hold"/>
+                                            <p:cTn id="22" dur="1000" fill="hold"/>
                                             <p:tgtEl>
                                               <p:spTgt spid="3"/>
                                             </p:tgtEl>
@@ -4221,7 +3810,7 @@
                                         </p:anim>
                                         <p:anim calcmode="lin" valueType="num">
                                           <p:cBhvr>
-                                            <p:cTn id="39" dur="500" decel="50000" fill="hold">
+                                            <p:cTn id="23" dur="500" decel="50000" fill="hold">
                                               <p:stCondLst>
                                                 <p:cond delay="0"/>
                                               </p:stCondLst>
@@ -4248,7 +3837,7 @@
                                         </p:anim>
                                         <p:anim calcmode="lin" valueType="num">
                                           <p:cBhvr>
-                                            <p:cTn id="40" dur="500" decel="50000" fill="hold">
+                                            <p:cTn id="24" dur="500" decel="50000" fill="hold">
                                               <p:stCondLst>
                                                 <p:cond delay="0"/>
                                               </p:stCondLst>
@@ -4275,7 +3864,7 @@
                                         </p:anim>
                                         <p:anim calcmode="lin" valueType="num">
                                           <p:cBhvr>
-                                            <p:cTn id="41" dur="500" accel="50000" fill="hold">
+                                            <p:cTn id="25" dur="500" accel="50000" fill="hold">
                                               <p:stCondLst>
                                                 <p:cond delay="500"/>
                                               </p:stCondLst>
@@ -4302,7 +3891,7 @@
                                         </p:anim>
                                         <p:animEffect transition="in" filter="fade">
                                           <p:cBhvr>
-                                            <p:cTn id="42" dur="1000" decel="50000">
+                                            <p:cTn id="26" dur="1000" decel="50000">
                                               <p:stCondLst>
                                                 <p:cond delay="0"/>
                                               </p:stCondLst>
@@ -4348,15 +3937,10 @@
           <p:bldP spid="4" grpId="0"/>
           <p:bldP spid="4" grpId="1"/>
           <p:bldP spid="3" grpId="0"/>
-          <p:bldP spid="6" grpId="0" animBg="1"/>
-          <p:bldP spid="5" grpId="0"/>
-          <p:bldP spid="7" grpId="0"/>
-          <p:bldP spid="10" grpId="0" animBg="1"/>
-          <p:bldP spid="10" grpId="1" animBg="1"/>
         </p:bldLst>
       </p:timing>
     </mc:Choice>
-    <mc:Fallback>
+    <mc:Fallback xmlns="">
       <p:timing>
         <p:tnLst>
           <p:par>

--- a/Current Presentation/Charlie Fall Term 2024 presentation.pptx
+++ b/Current Presentation/Charlie Fall Term 2024 presentation.pptx
@@ -3328,81 +3328,21 @@
       </p:grpSpPr>
       <p:sp>
         <p:nvSpPr>
-          <p:cNvPr id="2" name="Title 1">
-            <a:extLst>
-              <a:ext uri="{FF2B5EF4-FFF2-40B4-BE49-F238E27FC236}">
-                <a16:creationId xmlns:a16="http://schemas.microsoft.com/office/drawing/2014/main" id="{527109B3-C72C-E179-7B31-ADABB50A550E}"/>
-              </a:ext>
-            </a:extLst>
-          </p:cNvPr>
-          <p:cNvSpPr>
-            <a:spLocks noGrp="1"/>
-          </p:cNvSpPr>
-          <p:nvPr>
-            <p:ph type="ctrTitle"/>
-          </p:nvPr>
+          <p:cNvPr id="4" name="Title 1">
+            <a:extLst>
+              <a:ext uri="{FF2B5EF4-FFF2-40B4-BE49-F238E27FC236}">
+                <a16:creationId xmlns:a16="http://schemas.microsoft.com/office/drawing/2014/main" id="{267E1E79-3036-28CA-771D-53FF009B0802}"/>
+              </a:ext>
+            </a:extLst>
+          </p:cNvPr>
+          <p:cNvSpPr txBox="1">
+            <a:spLocks/>
+          </p:cNvSpPr>
+          <p:nvPr/>
         </p:nvSpPr>
         <p:spPr>
           <a:xfrm>
-            <a:off x="1371600" y="914400"/>
-            <a:ext cx="9144000" cy="2387600"/>
-          </a:xfrm>
-        </p:spPr>
-        <p:txBody>
-          <a:bodyPr anchor="ctr">
-            <a:normAutofit/>
-          </a:bodyPr>
-          <a:lstStyle/>
-          <a:p>
-            <a:pPr algn="l"/>
-            <a:r>
-              <a:rPr lang="en-US" dirty="0"/>
-              <a:t>Charlie Hatch’s </a:t>
-            </a:r>
-            <a:r>
-              <a:rPr lang="en-US" dirty="0">
-                <a:solidFill>
-                  <a:schemeClr val="bg1"/>
-                </a:solidFill>
-              </a:rPr>
-              <a:t>“</a:t>
-            </a:r>
-            <a:r>
-              <a:rPr lang="en-US" dirty="0"/>
-              <a:t>Fall</a:t>
-            </a:r>
-            <a:r>
-              <a:rPr lang="en-US" dirty="0">
-                <a:solidFill>
-                  <a:schemeClr val="bg1"/>
-                </a:solidFill>
-              </a:rPr>
-              <a:t>”</a:t>
-            </a:r>
-            <a:r>
-              <a:rPr lang="en-US" dirty="0"/>
-              <a:t>  Presentation- 2024</a:t>
-            </a:r>
-          </a:p>
-        </p:txBody>
-      </p:sp>
-      <p:sp>
-        <p:nvSpPr>
-          <p:cNvPr id="4" name="Title 1">
-            <a:extLst>
-              <a:ext uri="{FF2B5EF4-FFF2-40B4-BE49-F238E27FC236}">
-                <a16:creationId xmlns:a16="http://schemas.microsoft.com/office/drawing/2014/main" id="{267E1E79-3036-28CA-771D-53FF009B0802}"/>
-              </a:ext>
-            </a:extLst>
-          </p:cNvPr>
-          <p:cNvSpPr txBox="1">
-            <a:spLocks/>
-          </p:cNvSpPr>
-          <p:nvPr/>
-        </p:nvSpPr>
-        <p:spPr>
-          <a:xfrm>
-            <a:off x="1371600" y="914400"/>
+            <a:off x="1371600" y="923453"/>
             <a:ext cx="9144000" cy="2387600"/>
           </a:xfrm>
           <a:prstGeom prst="rect">
@@ -3447,6 +3387,66 @@
       </p:sp>
       <p:sp>
         <p:nvSpPr>
+          <p:cNvPr id="2" name="Title 1">
+            <a:extLst>
+              <a:ext uri="{FF2B5EF4-FFF2-40B4-BE49-F238E27FC236}">
+                <a16:creationId xmlns:a16="http://schemas.microsoft.com/office/drawing/2014/main" id="{527109B3-C72C-E179-7B31-ADABB50A550E}"/>
+              </a:ext>
+            </a:extLst>
+          </p:cNvPr>
+          <p:cNvSpPr>
+            <a:spLocks noGrp="1"/>
+          </p:cNvSpPr>
+          <p:nvPr>
+            <p:ph type="ctrTitle"/>
+          </p:nvPr>
+        </p:nvSpPr>
+        <p:spPr>
+          <a:xfrm>
+            <a:off x="1371600" y="923453"/>
+            <a:ext cx="9144000" cy="2387600"/>
+          </a:xfrm>
+        </p:spPr>
+        <p:txBody>
+          <a:bodyPr anchor="ctr">
+            <a:normAutofit/>
+          </a:bodyPr>
+          <a:lstStyle/>
+          <a:p>
+            <a:pPr algn="l"/>
+            <a:r>
+              <a:rPr lang="en-US" dirty="0"/>
+              <a:t>Charlie Hatch’s </a:t>
+            </a:r>
+            <a:r>
+              <a:rPr lang="en-US" dirty="0">
+                <a:solidFill>
+                  <a:schemeClr val="bg1"/>
+                </a:solidFill>
+              </a:rPr>
+              <a:t>“</a:t>
+            </a:r>
+            <a:r>
+              <a:rPr lang="en-US" dirty="0"/>
+              <a:t>Fall</a:t>
+            </a:r>
+            <a:r>
+              <a:rPr lang="en-US" dirty="0">
+                <a:solidFill>
+                  <a:schemeClr val="bg1"/>
+                </a:solidFill>
+              </a:rPr>
+              <a:t>”</a:t>
+            </a:r>
+            <a:r>
+              <a:rPr lang="en-US" dirty="0"/>
+              <a:t>  Presentation- 2024</a:t>
+            </a:r>
+          </a:p>
+        </p:txBody>
+      </p:sp>
+      <p:sp>
+        <p:nvSpPr>
           <p:cNvPr id="3" name="Subtitle 2">
             <a:extLst>
               <a:ext uri="{FF2B5EF4-FFF2-40B4-BE49-F238E27FC236}">
@@ -3484,7 +3484,412 @@
           <a:p>
             <a:r>
               <a:rPr lang="en-US" sz="1600" dirty="0"/>
-              <a:t>Before we start, I have a question. How is this the fall term, I mean look at the weather!</a:t>
+              <a:t>Before we start, here’s a question. how is this the fall term?</a:t>
+            </a:r>
+            <a:br>
+              <a:rPr lang="en-US" sz="1600" dirty="0"/>
+            </a:br>
+            <a:r>
+              <a:rPr lang="en-US" sz="1600" dirty="0"/>
+              <a:t>I mean, Look at the weather</a:t>
+            </a:r>
+          </a:p>
+        </p:txBody>
+      </p:sp>
+      <p:sp>
+        <p:nvSpPr>
+          <p:cNvPr id="11" name="Subtitle 2">
+            <a:extLst>
+              <a:ext uri="{FF2B5EF4-FFF2-40B4-BE49-F238E27FC236}">
+                <a16:creationId xmlns:a16="http://schemas.microsoft.com/office/drawing/2014/main" id="{25783995-F588-9C64-9A39-CBF816CB3A2A}"/>
+              </a:ext>
+            </a:extLst>
+          </p:cNvPr>
+          <p:cNvSpPr txBox="1">
+            <a:spLocks/>
+          </p:cNvSpPr>
+          <p:nvPr/>
+        </p:nvSpPr>
+        <p:spPr>
+          <a:xfrm>
+            <a:off x="4578036" y="5237479"/>
+            <a:ext cx="3162677" cy="305435"/>
+          </a:xfrm>
+          <a:prstGeom prst="rect">
+            <a:avLst/>
+          </a:prstGeom>
+        </p:spPr>
+        <p:txBody>
+          <a:bodyPr vert="horz" lIns="91440" tIns="45720" rIns="91440" bIns="45720" rtlCol="0">
+            <a:normAutofit lnSpcReduction="10000"/>
+          </a:bodyPr>
+          <a:lstStyle>
+            <a:lvl1pPr marL="0" indent="0" algn="ctr" defTabSz="914400" rtl="0" eaLnBrk="1" latinLnBrk="0" hangingPunct="1">
+              <a:lnSpc>
+                <a:spcPct val="90000"/>
+              </a:lnSpc>
+              <a:spcBef>
+                <a:spcPts val="1000"/>
+              </a:spcBef>
+              <a:buFont typeface="Arial" panose="020B0604020202020204" pitchFamily="34" charset="0"/>
+              <a:buNone/>
+              <a:defRPr sz="2400" kern="1200">
+                <a:solidFill>
+                  <a:schemeClr val="tx1"/>
+                </a:solidFill>
+                <a:latin typeface="+mn-lt"/>
+                <a:ea typeface="+mn-ea"/>
+                <a:cs typeface="+mn-cs"/>
+              </a:defRPr>
+            </a:lvl1pPr>
+            <a:lvl2pPr marL="457200" indent="0" algn="ctr" defTabSz="914400" rtl="0" eaLnBrk="1" latinLnBrk="0" hangingPunct="1">
+              <a:lnSpc>
+                <a:spcPct val="90000"/>
+              </a:lnSpc>
+              <a:spcBef>
+                <a:spcPts val="500"/>
+              </a:spcBef>
+              <a:buFont typeface="Arial" panose="020B0604020202020204" pitchFamily="34" charset="0"/>
+              <a:buNone/>
+              <a:defRPr sz="2000" kern="1200">
+                <a:solidFill>
+                  <a:schemeClr val="tx1"/>
+                </a:solidFill>
+                <a:latin typeface="+mn-lt"/>
+                <a:ea typeface="+mn-ea"/>
+                <a:cs typeface="+mn-cs"/>
+              </a:defRPr>
+            </a:lvl2pPr>
+            <a:lvl3pPr marL="914400" indent="0" algn="ctr" defTabSz="914400" rtl="0" eaLnBrk="1" latinLnBrk="0" hangingPunct="1">
+              <a:lnSpc>
+                <a:spcPct val="90000"/>
+              </a:lnSpc>
+              <a:spcBef>
+                <a:spcPts val="500"/>
+              </a:spcBef>
+              <a:buFont typeface="Arial" panose="020B0604020202020204" pitchFamily="34" charset="0"/>
+              <a:buNone/>
+              <a:defRPr sz="1800" kern="1200">
+                <a:solidFill>
+                  <a:schemeClr val="tx1"/>
+                </a:solidFill>
+                <a:latin typeface="+mn-lt"/>
+                <a:ea typeface="+mn-ea"/>
+                <a:cs typeface="+mn-cs"/>
+              </a:defRPr>
+            </a:lvl3pPr>
+            <a:lvl4pPr marL="1371600" indent="0" algn="ctr" defTabSz="914400" rtl="0" eaLnBrk="1" latinLnBrk="0" hangingPunct="1">
+              <a:lnSpc>
+                <a:spcPct val="90000"/>
+              </a:lnSpc>
+              <a:spcBef>
+                <a:spcPts val="500"/>
+              </a:spcBef>
+              <a:buFont typeface="Arial" panose="020B0604020202020204" pitchFamily="34" charset="0"/>
+              <a:buNone/>
+              <a:defRPr sz="1600" kern="1200">
+                <a:solidFill>
+                  <a:schemeClr val="tx1"/>
+                </a:solidFill>
+                <a:latin typeface="+mn-lt"/>
+                <a:ea typeface="+mn-ea"/>
+                <a:cs typeface="+mn-cs"/>
+              </a:defRPr>
+            </a:lvl4pPr>
+            <a:lvl5pPr marL="1828800" indent="0" algn="ctr" defTabSz="914400" rtl="0" eaLnBrk="1" latinLnBrk="0" hangingPunct="1">
+              <a:lnSpc>
+                <a:spcPct val="90000"/>
+              </a:lnSpc>
+              <a:spcBef>
+                <a:spcPts val="500"/>
+              </a:spcBef>
+              <a:buFont typeface="Arial" panose="020B0604020202020204" pitchFamily="34" charset="0"/>
+              <a:buNone/>
+              <a:defRPr sz="1600" kern="1200">
+                <a:solidFill>
+                  <a:schemeClr val="tx1"/>
+                </a:solidFill>
+                <a:latin typeface="+mn-lt"/>
+                <a:ea typeface="+mn-ea"/>
+                <a:cs typeface="+mn-cs"/>
+              </a:defRPr>
+            </a:lvl5pPr>
+            <a:lvl6pPr marL="2286000" indent="0" algn="ctr" defTabSz="914400" rtl="0" eaLnBrk="1" latinLnBrk="0" hangingPunct="1">
+              <a:lnSpc>
+                <a:spcPct val="90000"/>
+              </a:lnSpc>
+              <a:spcBef>
+                <a:spcPts val="500"/>
+              </a:spcBef>
+              <a:buFont typeface="Arial" panose="020B0604020202020204" pitchFamily="34" charset="0"/>
+              <a:buNone/>
+              <a:defRPr sz="1600" kern="1200">
+                <a:solidFill>
+                  <a:schemeClr val="tx1"/>
+                </a:solidFill>
+                <a:latin typeface="+mn-lt"/>
+                <a:ea typeface="+mn-ea"/>
+                <a:cs typeface="+mn-cs"/>
+              </a:defRPr>
+            </a:lvl6pPr>
+            <a:lvl7pPr marL="2743200" indent="0" algn="ctr" defTabSz="914400" rtl="0" eaLnBrk="1" latinLnBrk="0" hangingPunct="1">
+              <a:lnSpc>
+                <a:spcPct val="90000"/>
+              </a:lnSpc>
+              <a:spcBef>
+                <a:spcPts val="500"/>
+              </a:spcBef>
+              <a:buFont typeface="Arial" panose="020B0604020202020204" pitchFamily="34" charset="0"/>
+              <a:buNone/>
+              <a:defRPr sz="1600" kern="1200">
+                <a:solidFill>
+                  <a:schemeClr val="tx1"/>
+                </a:solidFill>
+                <a:latin typeface="+mn-lt"/>
+                <a:ea typeface="+mn-ea"/>
+                <a:cs typeface="+mn-cs"/>
+              </a:defRPr>
+            </a:lvl7pPr>
+            <a:lvl8pPr marL="3200400" indent="0" algn="ctr" defTabSz="914400" rtl="0" eaLnBrk="1" latinLnBrk="0" hangingPunct="1">
+              <a:lnSpc>
+                <a:spcPct val="90000"/>
+              </a:lnSpc>
+              <a:spcBef>
+                <a:spcPts val="500"/>
+              </a:spcBef>
+              <a:buFont typeface="Arial" panose="020B0604020202020204" pitchFamily="34" charset="0"/>
+              <a:buNone/>
+              <a:defRPr sz="1600" kern="1200">
+                <a:solidFill>
+                  <a:schemeClr val="tx1"/>
+                </a:solidFill>
+                <a:latin typeface="+mn-lt"/>
+                <a:ea typeface="+mn-ea"/>
+                <a:cs typeface="+mn-cs"/>
+              </a:defRPr>
+            </a:lvl8pPr>
+            <a:lvl9pPr marL="3657600" indent="0" algn="ctr" defTabSz="914400" rtl="0" eaLnBrk="1" latinLnBrk="0" hangingPunct="1">
+              <a:lnSpc>
+                <a:spcPct val="90000"/>
+              </a:lnSpc>
+              <a:spcBef>
+                <a:spcPts val="500"/>
+              </a:spcBef>
+              <a:buFont typeface="Arial" panose="020B0604020202020204" pitchFamily="34" charset="0"/>
+              <a:buNone/>
+              <a:defRPr sz="1600" kern="1200">
+                <a:solidFill>
+                  <a:schemeClr val="tx1"/>
+                </a:solidFill>
+                <a:latin typeface="+mn-lt"/>
+                <a:ea typeface="+mn-ea"/>
+                <a:cs typeface="+mn-cs"/>
+              </a:defRPr>
+            </a:lvl9pPr>
+          </a:lstStyle>
+          <a:p>
+            <a:r>
+              <a:rPr lang="en-US" sz="1600" dirty="0"/>
+              <a:t>So, Just a second, let me fix that</a:t>
+            </a:r>
+          </a:p>
+        </p:txBody>
+      </p:sp>
+      <p:sp>
+        <p:nvSpPr>
+          <p:cNvPr id="13" name="Subtitle 2">
+            <a:extLst>
+              <a:ext uri="{FF2B5EF4-FFF2-40B4-BE49-F238E27FC236}">
+                <a16:creationId xmlns:a16="http://schemas.microsoft.com/office/drawing/2014/main" id="{7CF1E6DB-9C04-662B-395A-57C8581211E7}"/>
+              </a:ext>
+            </a:extLst>
+          </p:cNvPr>
+          <p:cNvSpPr txBox="1">
+            <a:spLocks/>
+          </p:cNvSpPr>
+          <p:nvPr/>
+        </p:nvSpPr>
+        <p:spPr>
+          <a:xfrm>
+            <a:off x="4578036" y="5237479"/>
+            <a:ext cx="1976673" cy="305435"/>
+          </a:xfrm>
+          <a:prstGeom prst="rect">
+            <a:avLst/>
+          </a:prstGeom>
+        </p:spPr>
+        <p:txBody>
+          <a:bodyPr vert="horz" lIns="91440" tIns="45720" rIns="91440" bIns="45720" rtlCol="0">
+            <a:normAutofit lnSpcReduction="10000"/>
+          </a:bodyPr>
+          <a:lstStyle>
+            <a:lvl1pPr marL="0" indent="0" algn="ctr" defTabSz="914400" rtl="0" eaLnBrk="1" latinLnBrk="0" hangingPunct="1">
+              <a:lnSpc>
+                <a:spcPct val="90000"/>
+              </a:lnSpc>
+              <a:spcBef>
+                <a:spcPts val="1000"/>
+              </a:spcBef>
+              <a:buFont typeface="Arial" panose="020B0604020202020204" pitchFamily="34" charset="0"/>
+              <a:buNone/>
+              <a:defRPr sz="2400" kern="1200">
+                <a:solidFill>
+                  <a:schemeClr val="tx1"/>
+                </a:solidFill>
+                <a:latin typeface="+mn-lt"/>
+                <a:ea typeface="+mn-ea"/>
+                <a:cs typeface="+mn-cs"/>
+              </a:defRPr>
+            </a:lvl1pPr>
+            <a:lvl2pPr marL="457200" indent="0" algn="ctr" defTabSz="914400" rtl="0" eaLnBrk="1" latinLnBrk="0" hangingPunct="1">
+              <a:lnSpc>
+                <a:spcPct val="90000"/>
+              </a:lnSpc>
+              <a:spcBef>
+                <a:spcPts val="500"/>
+              </a:spcBef>
+              <a:buFont typeface="Arial" panose="020B0604020202020204" pitchFamily="34" charset="0"/>
+              <a:buNone/>
+              <a:defRPr sz="2000" kern="1200">
+                <a:solidFill>
+                  <a:schemeClr val="tx1"/>
+                </a:solidFill>
+                <a:latin typeface="+mn-lt"/>
+                <a:ea typeface="+mn-ea"/>
+                <a:cs typeface="+mn-cs"/>
+              </a:defRPr>
+            </a:lvl2pPr>
+            <a:lvl3pPr marL="914400" indent="0" algn="ctr" defTabSz="914400" rtl="0" eaLnBrk="1" latinLnBrk="0" hangingPunct="1">
+              <a:lnSpc>
+                <a:spcPct val="90000"/>
+              </a:lnSpc>
+              <a:spcBef>
+                <a:spcPts val="500"/>
+              </a:spcBef>
+              <a:buFont typeface="Arial" panose="020B0604020202020204" pitchFamily="34" charset="0"/>
+              <a:buNone/>
+              <a:defRPr sz="1800" kern="1200">
+                <a:solidFill>
+                  <a:schemeClr val="tx1"/>
+                </a:solidFill>
+                <a:latin typeface="+mn-lt"/>
+                <a:ea typeface="+mn-ea"/>
+                <a:cs typeface="+mn-cs"/>
+              </a:defRPr>
+            </a:lvl3pPr>
+            <a:lvl4pPr marL="1371600" indent="0" algn="ctr" defTabSz="914400" rtl="0" eaLnBrk="1" latinLnBrk="0" hangingPunct="1">
+              <a:lnSpc>
+                <a:spcPct val="90000"/>
+              </a:lnSpc>
+              <a:spcBef>
+                <a:spcPts val="500"/>
+              </a:spcBef>
+              <a:buFont typeface="Arial" panose="020B0604020202020204" pitchFamily="34" charset="0"/>
+              <a:buNone/>
+              <a:defRPr sz="1600" kern="1200">
+                <a:solidFill>
+                  <a:schemeClr val="tx1"/>
+                </a:solidFill>
+                <a:latin typeface="+mn-lt"/>
+                <a:ea typeface="+mn-ea"/>
+                <a:cs typeface="+mn-cs"/>
+              </a:defRPr>
+            </a:lvl4pPr>
+            <a:lvl5pPr marL="1828800" indent="0" algn="ctr" defTabSz="914400" rtl="0" eaLnBrk="1" latinLnBrk="0" hangingPunct="1">
+              <a:lnSpc>
+                <a:spcPct val="90000"/>
+              </a:lnSpc>
+              <a:spcBef>
+                <a:spcPts val="500"/>
+              </a:spcBef>
+              <a:buFont typeface="Arial" panose="020B0604020202020204" pitchFamily="34" charset="0"/>
+              <a:buNone/>
+              <a:defRPr sz="1600" kern="1200">
+                <a:solidFill>
+                  <a:schemeClr val="tx1"/>
+                </a:solidFill>
+                <a:latin typeface="+mn-lt"/>
+                <a:ea typeface="+mn-ea"/>
+                <a:cs typeface="+mn-cs"/>
+              </a:defRPr>
+            </a:lvl5pPr>
+            <a:lvl6pPr marL="2286000" indent="0" algn="ctr" defTabSz="914400" rtl="0" eaLnBrk="1" latinLnBrk="0" hangingPunct="1">
+              <a:lnSpc>
+                <a:spcPct val="90000"/>
+              </a:lnSpc>
+              <a:spcBef>
+                <a:spcPts val="500"/>
+              </a:spcBef>
+              <a:buFont typeface="Arial" panose="020B0604020202020204" pitchFamily="34" charset="0"/>
+              <a:buNone/>
+              <a:defRPr sz="1600" kern="1200">
+                <a:solidFill>
+                  <a:schemeClr val="tx1"/>
+                </a:solidFill>
+                <a:latin typeface="+mn-lt"/>
+                <a:ea typeface="+mn-ea"/>
+                <a:cs typeface="+mn-cs"/>
+              </a:defRPr>
+            </a:lvl6pPr>
+            <a:lvl7pPr marL="2743200" indent="0" algn="ctr" defTabSz="914400" rtl="0" eaLnBrk="1" latinLnBrk="0" hangingPunct="1">
+              <a:lnSpc>
+                <a:spcPct val="90000"/>
+              </a:lnSpc>
+              <a:spcBef>
+                <a:spcPts val="500"/>
+              </a:spcBef>
+              <a:buFont typeface="Arial" panose="020B0604020202020204" pitchFamily="34" charset="0"/>
+              <a:buNone/>
+              <a:defRPr sz="1600" kern="1200">
+                <a:solidFill>
+                  <a:schemeClr val="tx1"/>
+                </a:solidFill>
+                <a:latin typeface="+mn-lt"/>
+                <a:ea typeface="+mn-ea"/>
+                <a:cs typeface="+mn-cs"/>
+              </a:defRPr>
+            </a:lvl7pPr>
+            <a:lvl8pPr marL="3200400" indent="0" algn="ctr" defTabSz="914400" rtl="0" eaLnBrk="1" latinLnBrk="0" hangingPunct="1">
+              <a:lnSpc>
+                <a:spcPct val="90000"/>
+              </a:lnSpc>
+              <a:spcBef>
+                <a:spcPts val="500"/>
+              </a:spcBef>
+              <a:buFont typeface="Arial" panose="020B0604020202020204" pitchFamily="34" charset="0"/>
+              <a:buNone/>
+              <a:defRPr sz="1600" kern="1200">
+                <a:solidFill>
+                  <a:schemeClr val="tx1"/>
+                </a:solidFill>
+                <a:latin typeface="+mn-lt"/>
+                <a:ea typeface="+mn-ea"/>
+                <a:cs typeface="+mn-cs"/>
+              </a:defRPr>
+            </a:lvl8pPr>
+            <a:lvl9pPr marL="3657600" indent="0" algn="ctr" defTabSz="914400" rtl="0" eaLnBrk="1" latinLnBrk="0" hangingPunct="1">
+              <a:lnSpc>
+                <a:spcPct val="90000"/>
+              </a:lnSpc>
+              <a:spcBef>
+                <a:spcPts val="500"/>
+              </a:spcBef>
+              <a:buFont typeface="Arial" panose="020B0604020202020204" pitchFamily="34" charset="0"/>
+              <a:buNone/>
+              <a:defRPr sz="1600" kern="1200">
+                <a:solidFill>
+                  <a:schemeClr val="tx1"/>
+                </a:solidFill>
+                <a:latin typeface="+mn-lt"/>
+                <a:ea typeface="+mn-ea"/>
+                <a:cs typeface="+mn-cs"/>
+              </a:defRPr>
+            </a:lvl9pPr>
+          </a:lstStyle>
+          <a:p>
+            <a:r>
+              <a:rPr lang="en-US" sz="1600" dirty="0"/>
+              <a:t>There, that’s better</a:t>
             </a:r>
           </a:p>
         </p:txBody>
@@ -3499,1110 +3904,828 @@
   <p:clrMapOvr>
     <a:masterClrMapping/>
   </p:clrMapOvr>
-  <mc:AlternateContent xmlns:mc="http://schemas.openxmlformats.org/markup-compatibility/2006" xmlns:p14="http://schemas.microsoft.com/office/powerpoint/2010/main">
-    <mc:Choice Requires="p14">
-      <p:timing>
-        <p:tnLst>
-          <p:par>
-            <p:cTn id="1" dur="indefinite" restart="never" nodeType="tmRoot">
-              <p:childTnLst>
-                <p:seq concurrent="1" nextAc="seek">
-                  <p:cTn id="2" dur="indefinite" nodeType="mainSeq">
-                    <p:childTnLst>
-                      <p:par>
-                        <p:cTn id="3" fill="hold">
-                          <p:stCondLst>
-                            <p:cond delay="indefinite"/>
-                          </p:stCondLst>
-                          <p:childTnLst>
-                            <p:par>
-                              <p:cTn id="4" fill="hold">
-                                <p:stCondLst>
-                                  <p:cond delay="0"/>
-                                </p:stCondLst>
-                                <p:childTnLst>
-                                  <p:par>
-                                    <p:cTn id="5" presetID="1" presetClass="entr" presetSubtype="0" fill="hold" grpId="0" nodeType="clickEffect">
-                                      <p:stCondLst>
-                                        <p:cond delay="0"/>
-                                      </p:stCondLst>
-                                      <p:iterate type="lt">
-                                        <p:tmAbs val="100"/>
-                                      </p:iterate>
-                                      <p:childTnLst>
-                                        <p:set>
-                                          <p:cBhvr>
-                                            <p:cTn id="6" dur="1" fill="hold">
-                                              <p:stCondLst>
-                                                <p:cond delay="0"/>
-                                              </p:stCondLst>
-                                            </p:cTn>
-                                            <p:tgtEl>
-                                              <p:spTgt spid="2"/>
-                                            </p:tgtEl>
-                                            <p:attrNameLst>
-                                              <p:attrName>style.visibility</p:attrName>
-                                            </p:attrNameLst>
-                                          </p:cBhvr>
-                                          <p:to>
-                                            <p:strVal val="visible"/>
-                                          </p:to>
-                                        </p:set>
-                                      </p:childTnLst>
-                                    </p:cTn>
-                                  </p:par>
-                                </p:childTnLst>
-                              </p:cTn>
-                            </p:par>
-                          </p:childTnLst>
-                        </p:cTn>
-                      </p:par>
-                      <p:par>
-                        <p:cTn id="7" fill="hold">
-                          <p:stCondLst>
-                            <p:cond delay="indefinite"/>
-                          </p:stCondLst>
-                          <p:childTnLst>
-                            <p:par>
-                              <p:cTn id="8" fill="hold">
-                                <p:stCondLst>
-                                  <p:cond delay="0"/>
-                                </p:stCondLst>
-                                <p:childTnLst>
-                                  <p:par>
-                                    <p:cTn id="9" presetID="1" presetClass="exit" presetSubtype="0" fill="hold" grpId="1" nodeType="clickEffect">
-                                      <p:stCondLst>
-                                        <p:cond delay="0"/>
-                                      </p:stCondLst>
-                                      <p:iterate type="lt">
-                                        <p:tmAbs val="100"/>
-                                      </p:iterate>
-                                      <p:childTnLst>
-                                        <p:set>
-                                          <p:cBhvr>
-                                            <p:cTn id="10" dur="1" fill="hold">
-                                              <p:stCondLst>
-                                                <p:cond delay="0"/>
-                                              </p:stCondLst>
-                                            </p:cTn>
-                                            <p:tgtEl>
-                                              <p:spTgt spid="2"/>
-                                            </p:tgtEl>
-                                            <p:attrNameLst>
-                                              <p:attrName>style.visibility</p:attrName>
-                                            </p:attrNameLst>
-                                          </p:cBhvr>
-                                          <p:to>
-                                            <p:strVal val="hidden"/>
-                                          </p:to>
-                                        </p:set>
-                                      </p:childTnLst>
-                                    </p:cTn>
-                                  </p:par>
-                                  <p:par>
-                                    <p:cTn id="11" presetID="1" presetClass="entr" presetSubtype="0" fill="hold" grpId="0" nodeType="withEffect">
-                                      <p:stCondLst>
-                                        <p:cond delay="0"/>
-                                      </p:stCondLst>
-                                      <p:iterate type="lt">
-                                        <p:tmAbs val="100"/>
-                                      </p:iterate>
-                                      <p:childTnLst>
-                                        <p:set>
-                                          <p:cBhvr>
-                                            <p:cTn id="12" dur="1" fill="hold">
-                                              <p:stCondLst>
-                                                <p:cond delay="0"/>
-                                              </p:stCondLst>
-                                            </p:cTn>
-                                            <p:tgtEl>
-                                              <p:spTgt spid="4"/>
-                                            </p:tgtEl>
-                                            <p:attrNameLst>
-                                              <p:attrName>style.visibility</p:attrName>
-                                            </p:attrNameLst>
-                                          </p:cBhvr>
-                                          <p:to>
-                                            <p:strVal val="visible"/>
-                                          </p:to>
-                                        </p:set>
-                                      </p:childTnLst>
-                                    </p:cTn>
-                                  </p:par>
-                                  <p:par>
-                                    <p:cTn id="13" presetID="1" presetClass="exit" presetSubtype="0" fill="hold" grpId="1" nodeType="withEffect">
-                                      <p:stCondLst>
-                                        <p:cond delay="0"/>
-                                      </p:stCondLst>
-                                      <p:iterate type="lt">
-                                        <p:tmAbs val="100"/>
-                                      </p:iterate>
-                                      <p:childTnLst>
-                                        <p:set>
-                                          <p:cBhvr>
-                                            <p:cTn id="14" dur="1" fill="hold">
-                                              <p:stCondLst>
-                                                <p:cond delay="0"/>
-                                              </p:stCondLst>
-                                            </p:cTn>
-                                            <p:tgtEl>
-                                              <p:spTgt spid="4"/>
-                                            </p:tgtEl>
-                                            <p:attrNameLst>
-                                              <p:attrName>style.visibility</p:attrName>
-                                            </p:attrNameLst>
-                                          </p:cBhvr>
-                                          <p:to>
-                                            <p:strVal val="hidden"/>
-                                          </p:to>
-                                        </p:set>
-                                      </p:childTnLst>
-                                    </p:cTn>
-                                  </p:par>
-                                </p:childTnLst>
-                              </p:cTn>
-                            </p:par>
-                          </p:childTnLst>
-                        </p:cTn>
-                      </p:par>
-                      <p:par>
-                        <p:cTn id="15" fill="hold">
-                          <p:stCondLst>
-                            <p:cond delay="indefinite"/>
-                          </p:stCondLst>
-                          <p:childTnLst>
-                            <p:par>
-                              <p:cTn id="16" fill="hold">
-                                <p:stCondLst>
-                                  <p:cond delay="0"/>
-                                </p:stCondLst>
-                                <p:childTnLst>
-                                  <p:par>
-                                    <p:cTn id="17" presetID="25" presetClass="entr" presetSubtype="0" fill="hold" grpId="0" nodeType="clickEffect">
-                                      <p:stCondLst>
-                                        <p:cond delay="0"/>
-                                      </p:stCondLst>
-                                      <p:iterate type="lt">
-                                        <p:tmPct val="5000"/>
-                                      </p:iterate>
-                                      <p:childTnLst>
-                                        <p:set>
-                                          <p:cBhvr>
-                                            <p:cTn id="18" dur="1" fill="hold">
-                                              <p:stCondLst>
-                                                <p:cond delay="0"/>
-                                              </p:stCondLst>
-                                            </p:cTn>
-                                            <p:tgtEl>
-                                              <p:spTgt spid="3"/>
-                                            </p:tgtEl>
-                                            <p:attrNameLst>
-                                              <p:attrName>style.visibility</p:attrName>
-                                            </p:attrNameLst>
-                                          </p:cBhvr>
-                                          <p:to>
-                                            <p:strVal val="visible"/>
-                                          </p:to>
-                                        </p:set>
-                                        <p:anim calcmode="lin" valueType="num">
-                                          <p:cBhvr>
-                                            <p:cTn id="19" dur="500" decel="50000" fill="hold">
-                                              <p:stCondLst>
-                                                <p:cond delay="0"/>
-                                              </p:stCondLst>
-                                            </p:cTn>
-                                            <p:tgtEl>
-                                              <p:spTgt spid="3"/>
-                                            </p:tgtEl>
-                                            <p:attrNameLst>
-                                              <p:attrName>style.rotation</p:attrName>
-                                            </p:attrNameLst>
-                                          </p:cBhvr>
-                                          <p:tavLst>
-                                            <p:tav tm="0">
-                                              <p:val>
-                                                <p:fltVal val="-90"/>
-                                              </p:val>
-                                            </p:tav>
-                                            <p:tav tm="100000">
-                                              <p:val>
-                                                <p:fltVal val="0"/>
-                                              </p:val>
-                                            </p:tav>
-                                          </p:tavLst>
-                                        </p:anim>
-                                        <p:anim calcmode="lin" valueType="num">
-                                          <p:cBhvr>
-                                            <p:cTn id="20" dur="500" decel="50000" fill="hold">
-                                              <p:stCondLst>
-                                                <p:cond delay="0"/>
-                                              </p:stCondLst>
-                                            </p:cTn>
-                                            <p:tgtEl>
-                                              <p:spTgt spid="3"/>
-                                            </p:tgtEl>
-                                            <p:attrNameLst>
-                                              <p:attrName>ppt_w</p:attrName>
-                                            </p:attrNameLst>
-                                          </p:cBhvr>
-                                          <p:tavLst>
-                                            <p:tav tm="0">
-                                              <p:val>
-                                                <p:strVal val="#ppt_w"/>
-                                              </p:val>
-                                            </p:tav>
-                                            <p:tav tm="100000">
-                                              <p:val>
-                                                <p:strVal val="#ppt_w*.05"/>
-                                              </p:val>
-                                            </p:tav>
-                                          </p:tavLst>
-                                        </p:anim>
-                                        <p:anim calcmode="lin" valueType="num">
-                                          <p:cBhvr>
-                                            <p:cTn id="21" dur="500" accel="50000" fill="hold">
-                                              <p:stCondLst>
-                                                <p:cond delay="500"/>
-                                              </p:stCondLst>
-                                            </p:cTn>
-                                            <p:tgtEl>
-                                              <p:spTgt spid="3"/>
-                                            </p:tgtEl>
-                                            <p:attrNameLst>
-                                              <p:attrName>ppt_w</p:attrName>
-                                            </p:attrNameLst>
-                                          </p:cBhvr>
-                                          <p:tavLst>
-                                            <p:tav tm="0">
-                                              <p:val>
-                                                <p:strVal val="#ppt_w*.05"/>
-                                              </p:val>
-                                            </p:tav>
-                                            <p:tav tm="100000">
-                                              <p:val>
-                                                <p:strVal val="#ppt_w"/>
-                                              </p:val>
-                                            </p:tav>
-                                          </p:tavLst>
-                                        </p:anim>
-                                        <p:anim calcmode="lin" valueType="num">
-                                          <p:cBhvr>
-                                            <p:cTn id="22" dur="1000" fill="hold"/>
-                                            <p:tgtEl>
-                                              <p:spTgt spid="3"/>
-                                            </p:tgtEl>
-                                            <p:attrNameLst>
-                                              <p:attrName>ppt_h</p:attrName>
-                                            </p:attrNameLst>
-                                          </p:cBhvr>
-                                          <p:tavLst>
-                                            <p:tav tm="0">
-                                              <p:val>
-                                                <p:strVal val="#ppt_h"/>
-                                              </p:val>
-                                            </p:tav>
-                                            <p:tav tm="100000">
-                                              <p:val>
-                                                <p:strVal val="#ppt_h"/>
-                                              </p:val>
-                                            </p:tav>
-                                          </p:tavLst>
-                                        </p:anim>
-                                        <p:anim calcmode="lin" valueType="num">
-                                          <p:cBhvr>
-                                            <p:cTn id="23" dur="500" decel="50000" fill="hold">
-                                              <p:stCondLst>
-                                                <p:cond delay="0"/>
-                                              </p:stCondLst>
-                                            </p:cTn>
-                                            <p:tgtEl>
-                                              <p:spTgt spid="3"/>
-                                            </p:tgtEl>
-                                            <p:attrNameLst>
-                                              <p:attrName>ppt_x</p:attrName>
-                                            </p:attrNameLst>
-                                          </p:cBhvr>
-                                          <p:tavLst>
-                                            <p:tav tm="0">
-                                              <p:val>
-                                                <p:strVal val="#ppt_x+.4"/>
-                                              </p:val>
-                                            </p:tav>
-                                            <p:tav tm="100000">
-                                              <p:val>
-                                                <p:strVal val="#ppt_x"/>
-                                              </p:val>
-                                            </p:tav>
-                                          </p:tavLst>
-                                        </p:anim>
-                                        <p:anim calcmode="lin" valueType="num">
-                                          <p:cBhvr>
-                                            <p:cTn id="24" dur="500" decel="50000" fill="hold">
-                                              <p:stCondLst>
-                                                <p:cond delay="0"/>
-                                              </p:stCondLst>
-                                            </p:cTn>
-                                            <p:tgtEl>
-                                              <p:spTgt spid="3"/>
-                                            </p:tgtEl>
-                                            <p:attrNameLst>
-                                              <p:attrName>ppt_y</p:attrName>
-                                            </p:attrNameLst>
-                                          </p:cBhvr>
-                                          <p:tavLst>
-                                            <p:tav tm="0">
-                                              <p:val>
-                                                <p:strVal val="#ppt_y-.2"/>
-                                              </p:val>
-                                            </p:tav>
-                                            <p:tav tm="100000">
-                                              <p:val>
-                                                <p:strVal val="#ppt_y+.1"/>
-                                              </p:val>
-                                            </p:tav>
-                                          </p:tavLst>
-                                        </p:anim>
-                                        <p:anim calcmode="lin" valueType="num">
-                                          <p:cBhvr>
-                                            <p:cTn id="25" dur="500" accel="50000" fill="hold">
-                                              <p:stCondLst>
-                                                <p:cond delay="500"/>
-                                              </p:stCondLst>
-                                            </p:cTn>
-                                            <p:tgtEl>
-                                              <p:spTgt spid="3"/>
-                                            </p:tgtEl>
-                                            <p:attrNameLst>
-                                              <p:attrName>ppt_y</p:attrName>
-                                            </p:attrNameLst>
-                                          </p:cBhvr>
-                                          <p:tavLst>
-                                            <p:tav tm="0">
-                                              <p:val>
-                                                <p:strVal val="#ppt_y+.1"/>
-                                              </p:val>
-                                            </p:tav>
-                                            <p:tav tm="100000">
-                                              <p:val>
-                                                <p:strVal val="#ppt_y"/>
-                                              </p:val>
-                                            </p:tav>
-                                          </p:tavLst>
-                                        </p:anim>
-                                        <p:animEffect transition="in" filter="fade">
-                                          <p:cBhvr>
-                                            <p:cTn id="26" dur="1000" decel="50000">
-                                              <p:stCondLst>
-                                                <p:cond delay="0"/>
-                                              </p:stCondLst>
-                                            </p:cTn>
-                                            <p:tgtEl>
-                                              <p:spTgt spid="3"/>
-                                            </p:tgtEl>
-                                          </p:cBhvr>
-                                        </p:animEffect>
-                                      </p:childTnLst>
-                                    </p:cTn>
-                                  </p:par>
-                                </p:childTnLst>
-                              </p:cTn>
-                            </p:par>
-                          </p:childTnLst>
-                        </p:cTn>
-                      </p:par>
-                    </p:childTnLst>
-                  </p:cTn>
-                  <p:prevCondLst>
-                    <p:cond evt="onPrev" delay="0">
-                      <p:tgtEl>
-                        <p:sldTgt/>
-                      </p:tgtEl>
-                    </p:cond>
-                  </p:prevCondLst>
-                  <p:nextCondLst>
-                    <p:cond evt="onNext" delay="0">
-                      <p:tgtEl>
-                        <p:sldTgt/>
-                      </p:tgtEl>
-                    </p:cond>
-                  </p:nextCondLst>
-                </p:seq>
-              </p:childTnLst>
-            </p:cTn>
-          </p:par>
-        </p:tnLst>
-        <p:bldLst>
-          <p:bldP spid="2" grpId="0"/>
-          <p:bldP spid="2" grpId="1"/>
-          <p:bldP spid="4" grpId="0"/>
-          <p:bldP spid="4" grpId="1"/>
-          <p:bldP spid="3" grpId="0"/>
-        </p:bldLst>
-      </p:timing>
-    </mc:Choice>
-    <mc:Fallback xmlns="">
-      <p:timing>
-        <p:tnLst>
-          <p:par>
-            <p:cTn id="1" dur="indefinite" restart="never" nodeType="tmRoot">
-              <p:childTnLst>
-                <p:seq concurrent="1" nextAc="seek">
-                  <p:cTn id="2" dur="indefinite" nodeType="mainSeq">
-                    <p:childTnLst>
-                      <p:par>
-                        <p:cTn id="3" fill="hold">
-                          <p:stCondLst>
-                            <p:cond delay="indefinite"/>
-                          </p:stCondLst>
-                          <p:childTnLst>
-                            <p:par>
-                              <p:cTn id="4" fill="hold">
-                                <p:stCondLst>
-                                  <p:cond delay="0"/>
-                                </p:stCondLst>
-                                <p:childTnLst>
-                                  <p:par>
-                                    <p:cTn id="5" presetID="1" presetClass="entr" presetSubtype="0" fill="hold" grpId="0" nodeType="clickEffect">
-                                      <p:stCondLst>
-                                        <p:cond delay="0"/>
-                                      </p:stCondLst>
-                                      <p:iterate type="lt">
-                                        <p:tmAbs val="100"/>
-                                      </p:iterate>
-                                      <p:childTnLst>
-                                        <p:set>
-                                          <p:cBhvr>
-                                            <p:cTn id="6" dur="1" fill="hold">
-                                              <p:stCondLst>
-                                                <p:cond delay="0"/>
-                                              </p:stCondLst>
-                                            </p:cTn>
-                                            <p:tgtEl>
-                                              <p:spTgt spid="2"/>
-                                            </p:tgtEl>
-                                            <p:attrNameLst>
-                                              <p:attrName>style.visibility</p:attrName>
-                                            </p:attrNameLst>
-                                          </p:cBhvr>
-                                          <p:to>
-                                            <p:strVal val="visible"/>
-                                          </p:to>
-                                        </p:set>
-                                      </p:childTnLst>
-                                    </p:cTn>
-                                  </p:par>
-                                </p:childTnLst>
-                              </p:cTn>
-                            </p:par>
-                          </p:childTnLst>
-                        </p:cTn>
-                      </p:par>
-                      <p:par>
-                        <p:cTn id="7" fill="hold">
-                          <p:stCondLst>
-                            <p:cond delay="indefinite"/>
-                          </p:stCondLst>
-                          <p:childTnLst>
-                            <p:par>
-                              <p:cTn id="8" fill="hold">
-                                <p:stCondLst>
-                                  <p:cond delay="0"/>
-                                </p:stCondLst>
-                                <p:childTnLst>
-                                  <p:par>
-                                    <p:cTn id="9" presetID="1" presetClass="exit" presetSubtype="0" fill="hold" grpId="1" nodeType="clickEffect">
-                                      <p:stCondLst>
-                                        <p:cond delay="0"/>
-                                      </p:stCondLst>
-                                      <p:iterate type="lt">
-                                        <p:tmAbs val="100"/>
-                                      </p:iterate>
-                                      <p:childTnLst>
-                                        <p:set>
-                                          <p:cBhvr>
-                                            <p:cTn id="10" dur="1" fill="hold">
-                                              <p:stCondLst>
-                                                <p:cond delay="0"/>
-                                              </p:stCondLst>
-                                            </p:cTn>
-                                            <p:tgtEl>
-                                              <p:spTgt spid="2"/>
-                                            </p:tgtEl>
-                                            <p:attrNameLst>
-                                              <p:attrName>style.visibility</p:attrName>
-                                            </p:attrNameLst>
-                                          </p:cBhvr>
-                                          <p:to>
-                                            <p:strVal val="hidden"/>
-                                          </p:to>
-                                        </p:set>
-                                      </p:childTnLst>
-                                    </p:cTn>
-                                  </p:par>
-                                  <p:par>
-                                    <p:cTn id="11" presetID="1" presetClass="entr" presetSubtype="0" fill="hold" grpId="0" nodeType="withEffect">
-                                      <p:stCondLst>
-                                        <p:cond delay="0"/>
-                                      </p:stCondLst>
-                                      <p:iterate type="lt">
-                                        <p:tmAbs val="100"/>
-                                      </p:iterate>
-                                      <p:childTnLst>
-                                        <p:set>
-                                          <p:cBhvr>
-                                            <p:cTn id="12" dur="1" fill="hold">
-                                              <p:stCondLst>
-                                                <p:cond delay="0"/>
-                                              </p:stCondLst>
-                                            </p:cTn>
-                                            <p:tgtEl>
-                                              <p:spTgt spid="4"/>
-                                            </p:tgtEl>
-                                            <p:attrNameLst>
-                                              <p:attrName>style.visibility</p:attrName>
-                                            </p:attrNameLst>
-                                          </p:cBhvr>
-                                          <p:to>
-                                            <p:strVal val="visible"/>
-                                          </p:to>
-                                        </p:set>
-                                      </p:childTnLst>
-                                    </p:cTn>
-                                  </p:par>
-                                </p:childTnLst>
-                              </p:cTn>
-                            </p:par>
-                          </p:childTnLst>
-                        </p:cTn>
-                      </p:par>
-                      <p:par>
-                        <p:cTn id="13" fill="hold">
-                          <p:stCondLst>
-                            <p:cond delay="indefinite"/>
-                          </p:stCondLst>
-                          <p:childTnLst>
-                            <p:par>
-                              <p:cTn id="14" fill="hold">
-                                <p:stCondLst>
-                                  <p:cond delay="0"/>
-                                </p:stCondLst>
-                                <p:childTnLst>
-                                  <p:par>
-                                    <p:cTn id="15" presetID="1" presetClass="entr" presetSubtype="0" fill="hold" grpId="0" nodeType="clickEffect">
-                                      <p:stCondLst>
-                                        <p:cond delay="0"/>
-                                      </p:stCondLst>
-                                      <p:childTnLst>
-                                        <p:set>
-                                          <p:cBhvr>
-                                            <p:cTn id="16" dur="1" fill="hold">
-                                              <p:stCondLst>
-                                                <p:cond delay="0"/>
-                                              </p:stCondLst>
-                                            </p:cTn>
-                                            <p:tgtEl>
-                                              <p:spTgt spid="6"/>
-                                            </p:tgtEl>
-                                            <p:attrNameLst>
-                                              <p:attrName>style.visibility</p:attrName>
-                                            </p:attrNameLst>
-                                          </p:cBhvr>
-                                          <p:to>
-                                            <p:strVal val="visible"/>
-                                          </p:to>
-                                        </p:set>
-                                      </p:childTnLst>
-                                    </p:cTn>
-                                  </p:par>
-                                  <p:par>
-                                    <p:cTn id="17" presetID="1" presetClass="entr" presetSubtype="0" fill="hold" grpId="0" nodeType="withEffect">
-                                      <p:stCondLst>
-                                        <p:cond delay="0"/>
-                                      </p:stCondLst>
-                                      <p:childTnLst>
-                                        <p:set>
-                                          <p:cBhvr>
-                                            <p:cTn id="18" dur="1" fill="hold">
-                                              <p:stCondLst>
-                                                <p:cond delay="0"/>
-                                              </p:stCondLst>
-                                            </p:cTn>
-                                            <p:tgtEl>
-                                              <p:spTgt spid="5"/>
-                                            </p:tgtEl>
-                                            <p:attrNameLst>
-                                              <p:attrName>style.visibility</p:attrName>
-                                            </p:attrNameLst>
-                                          </p:cBhvr>
-                                          <p:to>
-                                            <p:strVal val="visible"/>
-                                          </p:to>
-                                        </p:set>
-                                      </p:childTnLst>
-                                    </p:cTn>
-                                  </p:par>
-                                  <p:par>
-                                    <p:cTn id="19" presetID="1" presetClass="exit" presetSubtype="0" fill="hold" grpId="1" nodeType="withEffect">
-                                      <p:stCondLst>
-                                        <p:cond delay="0"/>
-                                      </p:stCondLst>
-                                      <p:iterate type="lt">
-                                        <p:tmAbs val="100"/>
-                                      </p:iterate>
-                                      <p:childTnLst>
-                                        <p:set>
-                                          <p:cBhvr>
-                                            <p:cTn id="20" dur="1" fill="hold">
-                                              <p:stCondLst>
-                                                <p:cond delay="0"/>
-                                              </p:stCondLst>
-                                            </p:cTn>
-                                            <p:tgtEl>
-                                              <p:spTgt spid="4"/>
-                                            </p:tgtEl>
-                                            <p:attrNameLst>
-                                              <p:attrName>style.visibility</p:attrName>
-                                            </p:attrNameLst>
-                                          </p:cBhvr>
-                                          <p:to>
-                                            <p:strVal val="hidden"/>
-                                          </p:to>
-                                        </p:set>
-                                      </p:childTnLst>
-                                    </p:cTn>
-                                  </p:par>
-                                  <p:par>
-                                    <p:cTn id="21" presetID="2" presetClass="entr" presetSubtype="1" fill="hold" grpId="0" nodeType="withEffect">
-                                      <p:stCondLst>
-                                        <p:cond delay="500"/>
-                                      </p:stCondLst>
-                                      <p:childTnLst>
-                                        <p:set>
-                                          <p:cBhvr>
-                                            <p:cTn id="22" dur="1" fill="hold">
-                                              <p:stCondLst>
-                                                <p:cond delay="0"/>
-                                              </p:stCondLst>
-                                            </p:cTn>
-                                            <p:tgtEl>
-                                              <p:spTgt spid="7"/>
-                                            </p:tgtEl>
-                                            <p:attrNameLst>
-                                              <p:attrName>style.visibility</p:attrName>
-                                            </p:attrNameLst>
-                                          </p:cBhvr>
-                                          <p:to>
-                                            <p:strVal val="visible"/>
-                                          </p:to>
-                                        </p:set>
-                                        <p:anim calcmode="lin" valueType="num">
-                                          <p:cBhvr additive="base">
-                                            <p:cTn id="23" dur="1000" fill="hold"/>
-                                            <p:tgtEl>
-                                              <p:spTgt spid="7"/>
-                                            </p:tgtEl>
-                                            <p:attrNameLst>
-                                              <p:attrName>ppt_x</p:attrName>
-                                            </p:attrNameLst>
-                                          </p:cBhvr>
-                                          <p:tavLst>
-                                            <p:tav tm="0">
-                                              <p:val>
-                                                <p:strVal val="#ppt_x"/>
-                                              </p:val>
-                                            </p:tav>
-                                            <p:tav tm="100000">
-                                              <p:val>
-                                                <p:strVal val="#ppt_x"/>
-                                              </p:val>
-                                            </p:tav>
-                                          </p:tavLst>
-                                        </p:anim>
-                                        <p:anim calcmode="lin" valueType="num">
-                                          <p:cBhvr additive="base">
-                                            <p:cTn id="24" dur="1000" fill="hold"/>
-                                            <p:tgtEl>
-                                              <p:spTgt spid="7"/>
-                                            </p:tgtEl>
-                                            <p:attrNameLst>
-                                              <p:attrName>ppt_y</p:attrName>
-                                            </p:attrNameLst>
-                                          </p:cBhvr>
-                                          <p:tavLst>
-                                            <p:tav tm="0">
-                                              <p:val>
-                                                <p:strVal val="0-#ppt_h/2"/>
-                                              </p:val>
-                                            </p:tav>
-                                            <p:tav tm="100000">
-                                              <p:val>
-                                                <p:strVal val="#ppt_y"/>
-                                              </p:val>
-                                            </p:tav>
-                                          </p:tavLst>
-                                        </p:anim>
-                                      </p:childTnLst>
-                                    </p:cTn>
-                                  </p:par>
-                                </p:childTnLst>
-                              </p:cTn>
-                            </p:par>
-                            <p:par>
-                              <p:cTn id="25" fill="hold">
-                                <p:stCondLst>
-                                  <p:cond delay="3601"/>
-                                </p:stCondLst>
-                                <p:childTnLst>
-                                  <p:par>
-                                    <p:cTn id="26" presetID="1" presetClass="entr" presetSubtype="0" fill="hold" grpId="1" nodeType="afterEffect">
-                                      <p:stCondLst>
-                                        <p:cond delay="500"/>
-                                      </p:stCondLst>
-                                      <p:childTnLst>
-                                        <p:set>
-                                          <p:cBhvr>
-                                            <p:cTn id="27" dur="1" fill="hold">
-                                              <p:stCondLst>
-                                                <p:cond delay="0"/>
-                                              </p:stCondLst>
-                                            </p:cTn>
-                                            <p:tgtEl>
-                                              <p:spTgt spid="10"/>
-                                            </p:tgtEl>
-                                            <p:attrNameLst>
-                                              <p:attrName>style.visibility</p:attrName>
-                                            </p:attrNameLst>
-                                          </p:cBhvr>
-                                          <p:to>
-                                            <p:strVal val="visible"/>
-                                          </p:to>
-                                        </p:set>
-                                      </p:childTnLst>
-                                    </p:cTn>
-                                  </p:par>
-                                </p:childTnLst>
-                              </p:cTn>
-                            </p:par>
-                            <p:par>
-                              <p:cTn id="28" fill="hold">
-                                <p:stCondLst>
-                                  <p:cond delay="4101"/>
-                                </p:stCondLst>
-                                <p:childTnLst>
-                                  <p:par>
-                                    <p:cTn id="29" presetID="1" presetClass="exit" presetSubtype="0" fill="hold" grpId="0" nodeType="afterEffect">
-                                      <p:stCondLst>
-                                        <p:cond delay="100"/>
-                                      </p:stCondLst>
-                                      <p:childTnLst>
-                                        <p:set>
-                                          <p:cBhvr>
-                                            <p:cTn id="30" dur="1" fill="hold">
-                                              <p:stCondLst>
-                                                <p:cond delay="0"/>
-                                              </p:stCondLst>
-                                            </p:cTn>
-                                            <p:tgtEl>
-                                              <p:spTgt spid="10"/>
-                                            </p:tgtEl>
-                                            <p:attrNameLst>
-                                              <p:attrName>style.visibility</p:attrName>
-                                            </p:attrNameLst>
-                                          </p:cBhvr>
-                                          <p:to>
-                                            <p:strVal val="hidden"/>
-                                          </p:to>
-                                        </p:set>
-                                      </p:childTnLst>
-                                    </p:cTn>
-                                  </p:par>
-                                </p:childTnLst>
-                              </p:cTn>
-                            </p:par>
-                          </p:childTnLst>
-                        </p:cTn>
-                      </p:par>
-                      <p:par>
-                        <p:cTn id="31" fill="hold">
-                          <p:stCondLst>
-                            <p:cond delay="indefinite"/>
-                          </p:stCondLst>
-                          <p:childTnLst>
-                            <p:par>
-                              <p:cTn id="32" fill="hold">
-                                <p:stCondLst>
-                                  <p:cond delay="0"/>
-                                </p:stCondLst>
-                                <p:childTnLst>
-                                  <p:par>
-                                    <p:cTn id="33" presetID="25" presetClass="entr" presetSubtype="0" fill="hold" grpId="0" nodeType="clickEffect">
-                                      <p:stCondLst>
-                                        <p:cond delay="0"/>
-                                      </p:stCondLst>
-                                      <p:iterate type="lt">
-                                        <p:tmPct val="5000"/>
-                                      </p:iterate>
-                                      <p:childTnLst>
-                                        <p:set>
-                                          <p:cBhvr>
-                                            <p:cTn id="34" dur="1" fill="hold">
-                                              <p:stCondLst>
-                                                <p:cond delay="0"/>
-                                              </p:stCondLst>
-                                            </p:cTn>
-                                            <p:tgtEl>
-                                              <p:spTgt spid="3"/>
-                                            </p:tgtEl>
-                                            <p:attrNameLst>
-                                              <p:attrName>style.visibility</p:attrName>
-                                            </p:attrNameLst>
-                                          </p:cBhvr>
-                                          <p:to>
-                                            <p:strVal val="visible"/>
-                                          </p:to>
-                                        </p:set>
-                                        <p:anim calcmode="lin" valueType="num">
-                                          <p:cBhvr>
-                                            <p:cTn id="35" dur="500" decel="50000" fill="hold">
-                                              <p:stCondLst>
-                                                <p:cond delay="0"/>
-                                              </p:stCondLst>
-                                            </p:cTn>
-                                            <p:tgtEl>
-                                              <p:spTgt spid="3"/>
-                                            </p:tgtEl>
-                                            <p:attrNameLst>
-                                              <p:attrName>style.rotation</p:attrName>
-                                            </p:attrNameLst>
-                                          </p:cBhvr>
-                                          <p:tavLst>
-                                            <p:tav tm="0">
-                                              <p:val>
-                                                <p:fltVal val="-90"/>
-                                              </p:val>
-                                            </p:tav>
-                                            <p:tav tm="100000">
-                                              <p:val>
-                                                <p:fltVal val="0"/>
-                                              </p:val>
-                                            </p:tav>
-                                          </p:tavLst>
-                                        </p:anim>
-                                        <p:anim calcmode="lin" valueType="num">
-                                          <p:cBhvr>
-                                            <p:cTn id="36" dur="500" decel="50000" fill="hold">
-                                              <p:stCondLst>
-                                                <p:cond delay="0"/>
-                                              </p:stCondLst>
-                                            </p:cTn>
-                                            <p:tgtEl>
-                                              <p:spTgt spid="3"/>
-                                            </p:tgtEl>
-                                            <p:attrNameLst>
-                                              <p:attrName>ppt_w</p:attrName>
-                                            </p:attrNameLst>
-                                          </p:cBhvr>
-                                          <p:tavLst>
-                                            <p:tav tm="0">
-                                              <p:val>
-                                                <p:strVal val="#ppt_w"/>
-                                              </p:val>
-                                            </p:tav>
-                                            <p:tav tm="100000">
-                                              <p:val>
-                                                <p:strVal val="#ppt_w*.05"/>
-                                              </p:val>
-                                            </p:tav>
-                                          </p:tavLst>
-                                        </p:anim>
-                                        <p:anim calcmode="lin" valueType="num">
-                                          <p:cBhvr>
-                                            <p:cTn id="37" dur="500" accel="50000" fill="hold">
-                                              <p:stCondLst>
-                                                <p:cond delay="500"/>
-                                              </p:stCondLst>
-                                            </p:cTn>
-                                            <p:tgtEl>
-                                              <p:spTgt spid="3"/>
-                                            </p:tgtEl>
-                                            <p:attrNameLst>
-                                              <p:attrName>ppt_w</p:attrName>
-                                            </p:attrNameLst>
-                                          </p:cBhvr>
-                                          <p:tavLst>
-                                            <p:tav tm="0">
-                                              <p:val>
-                                                <p:strVal val="#ppt_w*.05"/>
-                                              </p:val>
-                                            </p:tav>
-                                            <p:tav tm="100000">
-                                              <p:val>
-                                                <p:strVal val="#ppt_w"/>
-                                              </p:val>
-                                            </p:tav>
-                                          </p:tavLst>
-                                        </p:anim>
-                                        <p:anim calcmode="lin" valueType="num">
-                                          <p:cBhvr>
-                                            <p:cTn id="38" dur="1000" fill="hold"/>
-                                            <p:tgtEl>
-                                              <p:spTgt spid="3"/>
-                                            </p:tgtEl>
-                                            <p:attrNameLst>
-                                              <p:attrName>ppt_h</p:attrName>
-                                            </p:attrNameLst>
-                                          </p:cBhvr>
-                                          <p:tavLst>
-                                            <p:tav tm="0">
-                                              <p:val>
-                                                <p:strVal val="#ppt_h"/>
-                                              </p:val>
-                                            </p:tav>
-                                            <p:tav tm="100000">
-                                              <p:val>
-                                                <p:strVal val="#ppt_h"/>
-                                              </p:val>
-                                            </p:tav>
-                                          </p:tavLst>
-                                        </p:anim>
-                                        <p:anim calcmode="lin" valueType="num">
-                                          <p:cBhvr>
-                                            <p:cTn id="39" dur="500" decel="50000" fill="hold">
-                                              <p:stCondLst>
-                                                <p:cond delay="0"/>
-                                              </p:stCondLst>
-                                            </p:cTn>
-                                            <p:tgtEl>
-                                              <p:spTgt spid="3"/>
-                                            </p:tgtEl>
-                                            <p:attrNameLst>
-                                              <p:attrName>ppt_x</p:attrName>
-                                            </p:attrNameLst>
-                                          </p:cBhvr>
-                                          <p:tavLst>
-                                            <p:tav tm="0">
-                                              <p:val>
-                                                <p:strVal val="#ppt_x+.4"/>
-                                              </p:val>
-                                            </p:tav>
-                                            <p:tav tm="100000">
-                                              <p:val>
-                                                <p:strVal val="#ppt_x"/>
-                                              </p:val>
-                                            </p:tav>
-                                          </p:tavLst>
-                                        </p:anim>
-                                        <p:anim calcmode="lin" valueType="num">
-                                          <p:cBhvr>
-                                            <p:cTn id="40" dur="500" decel="50000" fill="hold">
-                                              <p:stCondLst>
-                                                <p:cond delay="0"/>
-                                              </p:stCondLst>
-                                            </p:cTn>
-                                            <p:tgtEl>
-                                              <p:spTgt spid="3"/>
-                                            </p:tgtEl>
-                                            <p:attrNameLst>
-                                              <p:attrName>ppt_y</p:attrName>
-                                            </p:attrNameLst>
-                                          </p:cBhvr>
-                                          <p:tavLst>
-                                            <p:tav tm="0">
-                                              <p:val>
-                                                <p:strVal val="#ppt_y-.2"/>
-                                              </p:val>
-                                            </p:tav>
-                                            <p:tav tm="100000">
-                                              <p:val>
-                                                <p:strVal val="#ppt_y+.1"/>
-                                              </p:val>
-                                            </p:tav>
-                                          </p:tavLst>
-                                        </p:anim>
-                                        <p:anim calcmode="lin" valueType="num">
-                                          <p:cBhvr>
-                                            <p:cTn id="41" dur="500" accel="50000" fill="hold">
-                                              <p:stCondLst>
-                                                <p:cond delay="500"/>
-                                              </p:stCondLst>
-                                            </p:cTn>
-                                            <p:tgtEl>
-                                              <p:spTgt spid="3"/>
-                                            </p:tgtEl>
-                                            <p:attrNameLst>
-                                              <p:attrName>ppt_y</p:attrName>
-                                            </p:attrNameLst>
-                                          </p:cBhvr>
-                                          <p:tavLst>
-                                            <p:tav tm="0">
-                                              <p:val>
-                                                <p:strVal val="#ppt_y+.1"/>
-                                              </p:val>
-                                            </p:tav>
-                                            <p:tav tm="100000">
-                                              <p:val>
-                                                <p:strVal val="#ppt_y"/>
-                                              </p:val>
-                                            </p:tav>
-                                          </p:tavLst>
-                                        </p:anim>
-                                        <p:animEffect transition="in" filter="fade">
-                                          <p:cBhvr>
-                                            <p:cTn id="42" dur="1000" decel="50000">
-                                              <p:stCondLst>
-                                                <p:cond delay="0"/>
-                                              </p:stCondLst>
-                                            </p:cTn>
-                                            <p:tgtEl>
-                                              <p:spTgt spid="3"/>
-                                            </p:tgtEl>
-                                          </p:cBhvr>
-                                        </p:animEffect>
-                                      </p:childTnLst>
-                                    </p:cTn>
-                                  </p:par>
-                                </p:childTnLst>
-                              </p:cTn>
-                            </p:par>
-                          </p:childTnLst>
-                        </p:cTn>
-                      </p:par>
-                    </p:childTnLst>
-                  </p:cTn>
-                  <p:prevCondLst>
-                    <p:cond evt="onPrev" delay="0">
-                      <p:tgtEl>
-                        <p:sldTgt/>
-                      </p:tgtEl>
-                    </p:cond>
-                  </p:prevCondLst>
-                  <p:nextCondLst>
-                    <p:cond evt="onNext" delay="0">
-                      <p:tgtEl>
-                        <p:sldTgt/>
-                      </p:tgtEl>
-                    </p:cond>
-                  </p:nextCondLst>
-                </p:seq>
-              </p:childTnLst>
-            </p:cTn>
-          </p:par>
-        </p:tnLst>
-        <p:bldLst>
-          <p:bldP spid="2" grpId="0"/>
-          <p:bldP spid="2" grpId="1"/>
-          <p:bldP spid="4" grpId="0"/>
-          <p:bldP spid="4" grpId="1"/>
-          <p:bldP spid="3" grpId="0"/>
-          <p:bldP spid="6" grpId="0" animBg="1"/>
-          <p:bldP spid="5" grpId="0"/>
-          <p:bldP spid="7" grpId="0"/>
-          <p:bldP spid="10" grpId="0" animBg="1"/>
-          <p:bldP spid="10" grpId="1" animBg="1"/>
-        </p:bldLst>
-      </p:timing>
-    </mc:Fallback>
-  </mc:AlternateContent>
+  <p:timing>
+    <p:tnLst>
+      <p:par>
+        <p:cTn id="1" dur="indefinite" restart="never" nodeType="tmRoot">
+          <p:childTnLst>
+            <p:seq concurrent="1" nextAc="seek">
+              <p:cTn id="2" dur="indefinite" nodeType="mainSeq">
+                <p:childTnLst>
+                  <p:par>
+                    <p:cTn id="3" fill="hold">
+                      <p:stCondLst>
+                        <p:cond delay="indefinite"/>
+                      </p:stCondLst>
+                      <p:childTnLst>
+                        <p:par>
+                          <p:cTn id="4" fill="hold">
+                            <p:stCondLst>
+                              <p:cond delay="0"/>
+                            </p:stCondLst>
+                            <p:childTnLst>
+                              <p:par>
+                                <p:cTn id="5" presetID="1" presetClass="entr" presetSubtype="0" fill="hold" grpId="0" nodeType="clickEffect">
+                                  <p:stCondLst>
+                                    <p:cond delay="0"/>
+                                  </p:stCondLst>
+                                  <p:iterate type="lt">
+                                    <p:tmAbs val="100"/>
+                                  </p:iterate>
+                                  <p:childTnLst>
+                                    <p:set>
+                                      <p:cBhvr>
+                                        <p:cTn id="6" dur="1" fill="hold">
+                                          <p:stCondLst>
+                                            <p:cond delay="0"/>
+                                          </p:stCondLst>
+                                        </p:cTn>
+                                        <p:tgtEl>
+                                          <p:spTgt spid="2"/>
+                                        </p:tgtEl>
+                                        <p:attrNameLst>
+                                          <p:attrName>style.visibility</p:attrName>
+                                        </p:attrNameLst>
+                                      </p:cBhvr>
+                                      <p:to>
+                                        <p:strVal val="visible"/>
+                                      </p:to>
+                                    </p:set>
+                                  </p:childTnLst>
+                                </p:cTn>
+                              </p:par>
+                            </p:childTnLst>
+                          </p:cTn>
+                        </p:par>
+                      </p:childTnLst>
+                    </p:cTn>
+                  </p:par>
+                  <p:par>
+                    <p:cTn id="7" fill="hold">
+                      <p:stCondLst>
+                        <p:cond delay="indefinite"/>
+                      </p:stCondLst>
+                      <p:childTnLst>
+                        <p:par>
+                          <p:cTn id="8" fill="hold">
+                            <p:stCondLst>
+                              <p:cond delay="0"/>
+                            </p:stCondLst>
+                            <p:childTnLst>
+                              <p:par>
+                                <p:cTn id="9" presetID="25" presetClass="entr" presetSubtype="0" fill="hold" grpId="0" nodeType="clickEffect">
+                                  <p:stCondLst>
+                                    <p:cond delay="0"/>
+                                  </p:stCondLst>
+                                  <p:iterate type="lt">
+                                    <p:tmPct val="5000"/>
+                                  </p:iterate>
+                                  <p:childTnLst>
+                                    <p:set>
+                                      <p:cBhvr>
+                                        <p:cTn id="10" dur="1" fill="hold">
+                                          <p:stCondLst>
+                                            <p:cond delay="0"/>
+                                          </p:stCondLst>
+                                        </p:cTn>
+                                        <p:tgtEl>
+                                          <p:spTgt spid="3">
+                                            <p:txEl>
+                                              <p:pRg st="0" end="0"/>
+                                            </p:txEl>
+                                          </p:spTgt>
+                                        </p:tgtEl>
+                                        <p:attrNameLst>
+                                          <p:attrName>style.visibility</p:attrName>
+                                        </p:attrNameLst>
+                                      </p:cBhvr>
+                                      <p:to>
+                                        <p:strVal val="visible"/>
+                                      </p:to>
+                                    </p:set>
+                                    <p:anim calcmode="lin" valueType="num">
+                                      <p:cBhvr>
+                                        <p:cTn id="11" dur="500" decel="50000" fill="hold">
+                                          <p:stCondLst>
+                                            <p:cond delay="0"/>
+                                          </p:stCondLst>
+                                        </p:cTn>
+                                        <p:tgtEl>
+                                          <p:spTgt spid="3">
+                                            <p:txEl>
+                                              <p:pRg st="0" end="0"/>
+                                            </p:txEl>
+                                          </p:spTgt>
+                                        </p:tgtEl>
+                                        <p:attrNameLst>
+                                          <p:attrName>style.rotation</p:attrName>
+                                        </p:attrNameLst>
+                                      </p:cBhvr>
+                                      <p:tavLst>
+                                        <p:tav tm="0">
+                                          <p:val>
+                                            <p:fltVal val="-90"/>
+                                          </p:val>
+                                        </p:tav>
+                                        <p:tav tm="100000">
+                                          <p:val>
+                                            <p:fltVal val="0"/>
+                                          </p:val>
+                                        </p:tav>
+                                      </p:tavLst>
+                                    </p:anim>
+                                    <p:anim calcmode="lin" valueType="num">
+                                      <p:cBhvr>
+                                        <p:cTn id="12" dur="500" decel="50000" fill="hold">
+                                          <p:stCondLst>
+                                            <p:cond delay="0"/>
+                                          </p:stCondLst>
+                                        </p:cTn>
+                                        <p:tgtEl>
+                                          <p:spTgt spid="3">
+                                            <p:txEl>
+                                              <p:pRg st="0" end="0"/>
+                                            </p:txEl>
+                                          </p:spTgt>
+                                        </p:tgtEl>
+                                        <p:attrNameLst>
+                                          <p:attrName>ppt_w</p:attrName>
+                                        </p:attrNameLst>
+                                      </p:cBhvr>
+                                      <p:tavLst>
+                                        <p:tav tm="0">
+                                          <p:val>
+                                            <p:strVal val="#ppt_w"/>
+                                          </p:val>
+                                        </p:tav>
+                                        <p:tav tm="100000">
+                                          <p:val>
+                                            <p:strVal val="#ppt_w*.05"/>
+                                          </p:val>
+                                        </p:tav>
+                                      </p:tavLst>
+                                    </p:anim>
+                                    <p:anim calcmode="lin" valueType="num">
+                                      <p:cBhvr>
+                                        <p:cTn id="13" dur="500" accel="50000" fill="hold">
+                                          <p:stCondLst>
+                                            <p:cond delay="500"/>
+                                          </p:stCondLst>
+                                        </p:cTn>
+                                        <p:tgtEl>
+                                          <p:spTgt spid="3">
+                                            <p:txEl>
+                                              <p:pRg st="0" end="0"/>
+                                            </p:txEl>
+                                          </p:spTgt>
+                                        </p:tgtEl>
+                                        <p:attrNameLst>
+                                          <p:attrName>ppt_w</p:attrName>
+                                        </p:attrNameLst>
+                                      </p:cBhvr>
+                                      <p:tavLst>
+                                        <p:tav tm="0">
+                                          <p:val>
+                                            <p:strVal val="#ppt_w*.05"/>
+                                          </p:val>
+                                        </p:tav>
+                                        <p:tav tm="100000">
+                                          <p:val>
+                                            <p:strVal val="#ppt_w"/>
+                                          </p:val>
+                                        </p:tav>
+                                      </p:tavLst>
+                                    </p:anim>
+                                    <p:anim calcmode="lin" valueType="num">
+                                      <p:cBhvr>
+                                        <p:cTn id="14" dur="1000" fill="hold"/>
+                                        <p:tgtEl>
+                                          <p:spTgt spid="3">
+                                            <p:txEl>
+                                              <p:pRg st="0" end="0"/>
+                                            </p:txEl>
+                                          </p:spTgt>
+                                        </p:tgtEl>
+                                        <p:attrNameLst>
+                                          <p:attrName>ppt_h</p:attrName>
+                                        </p:attrNameLst>
+                                      </p:cBhvr>
+                                      <p:tavLst>
+                                        <p:tav tm="0">
+                                          <p:val>
+                                            <p:strVal val="#ppt_h"/>
+                                          </p:val>
+                                        </p:tav>
+                                        <p:tav tm="100000">
+                                          <p:val>
+                                            <p:strVal val="#ppt_h"/>
+                                          </p:val>
+                                        </p:tav>
+                                      </p:tavLst>
+                                    </p:anim>
+                                    <p:anim calcmode="lin" valueType="num">
+                                      <p:cBhvr>
+                                        <p:cTn id="15" dur="500" decel="50000" fill="hold">
+                                          <p:stCondLst>
+                                            <p:cond delay="0"/>
+                                          </p:stCondLst>
+                                        </p:cTn>
+                                        <p:tgtEl>
+                                          <p:spTgt spid="3">
+                                            <p:txEl>
+                                              <p:pRg st="0" end="0"/>
+                                            </p:txEl>
+                                          </p:spTgt>
+                                        </p:tgtEl>
+                                        <p:attrNameLst>
+                                          <p:attrName>ppt_x</p:attrName>
+                                        </p:attrNameLst>
+                                      </p:cBhvr>
+                                      <p:tavLst>
+                                        <p:tav tm="0">
+                                          <p:val>
+                                            <p:strVal val="#ppt_x+.4"/>
+                                          </p:val>
+                                        </p:tav>
+                                        <p:tav tm="100000">
+                                          <p:val>
+                                            <p:strVal val="#ppt_x"/>
+                                          </p:val>
+                                        </p:tav>
+                                      </p:tavLst>
+                                    </p:anim>
+                                    <p:anim calcmode="lin" valueType="num">
+                                      <p:cBhvr>
+                                        <p:cTn id="16" dur="500" decel="50000" fill="hold">
+                                          <p:stCondLst>
+                                            <p:cond delay="0"/>
+                                          </p:stCondLst>
+                                        </p:cTn>
+                                        <p:tgtEl>
+                                          <p:spTgt spid="3">
+                                            <p:txEl>
+                                              <p:pRg st="0" end="0"/>
+                                            </p:txEl>
+                                          </p:spTgt>
+                                        </p:tgtEl>
+                                        <p:attrNameLst>
+                                          <p:attrName>ppt_y</p:attrName>
+                                        </p:attrNameLst>
+                                      </p:cBhvr>
+                                      <p:tavLst>
+                                        <p:tav tm="0">
+                                          <p:val>
+                                            <p:strVal val="#ppt_y-.2"/>
+                                          </p:val>
+                                        </p:tav>
+                                        <p:tav tm="100000">
+                                          <p:val>
+                                            <p:strVal val="#ppt_y+.1"/>
+                                          </p:val>
+                                        </p:tav>
+                                      </p:tavLst>
+                                    </p:anim>
+                                    <p:anim calcmode="lin" valueType="num">
+                                      <p:cBhvr>
+                                        <p:cTn id="17" dur="500" accel="50000" fill="hold">
+                                          <p:stCondLst>
+                                            <p:cond delay="500"/>
+                                          </p:stCondLst>
+                                        </p:cTn>
+                                        <p:tgtEl>
+                                          <p:spTgt spid="3">
+                                            <p:txEl>
+                                              <p:pRg st="0" end="0"/>
+                                            </p:txEl>
+                                          </p:spTgt>
+                                        </p:tgtEl>
+                                        <p:attrNameLst>
+                                          <p:attrName>ppt_y</p:attrName>
+                                        </p:attrNameLst>
+                                      </p:cBhvr>
+                                      <p:tavLst>
+                                        <p:tav tm="0">
+                                          <p:val>
+                                            <p:strVal val="#ppt_y+.1"/>
+                                          </p:val>
+                                        </p:tav>
+                                        <p:tav tm="100000">
+                                          <p:val>
+                                            <p:strVal val="#ppt_y"/>
+                                          </p:val>
+                                        </p:tav>
+                                      </p:tavLst>
+                                    </p:anim>
+                                    <p:animEffect transition="in" filter="fade">
+                                      <p:cBhvr>
+                                        <p:cTn id="18" dur="1000" decel="50000">
+                                          <p:stCondLst>
+                                            <p:cond delay="0"/>
+                                          </p:stCondLst>
+                                        </p:cTn>
+                                        <p:tgtEl>
+                                          <p:spTgt spid="3">
+                                            <p:txEl>
+                                              <p:pRg st="0" end="0"/>
+                                            </p:txEl>
+                                          </p:spTgt>
+                                        </p:tgtEl>
+                                      </p:cBhvr>
+                                    </p:animEffect>
+                                  </p:childTnLst>
+                                </p:cTn>
+                              </p:par>
+                            </p:childTnLst>
+                          </p:cTn>
+                        </p:par>
+                        <p:par>
+                          <p:cTn id="19" fill="hold">
+                            <p:stCondLst>
+                              <p:cond delay="2400"/>
+                            </p:stCondLst>
+                            <p:childTnLst>
+                              <p:par>
+                                <p:cTn id="20" presetID="25" presetClass="entr" presetSubtype="0" fill="hold" grpId="0" nodeType="afterEffect">
+                                  <p:stCondLst>
+                                    <p:cond delay="250"/>
+                                  </p:stCondLst>
+                                  <p:childTnLst>
+                                    <p:set>
+                                      <p:cBhvr>
+                                        <p:cTn id="21" dur="1" fill="hold">
+                                          <p:stCondLst>
+                                            <p:cond delay="0"/>
+                                          </p:stCondLst>
+                                        </p:cTn>
+                                        <p:tgtEl>
+                                          <p:spTgt spid="3">
+                                            <p:txEl>
+                                              <p:pRg st="2" end="2"/>
+                                            </p:txEl>
+                                          </p:spTgt>
+                                        </p:tgtEl>
+                                        <p:attrNameLst>
+                                          <p:attrName>style.visibility</p:attrName>
+                                        </p:attrNameLst>
+                                      </p:cBhvr>
+                                      <p:to>
+                                        <p:strVal val="visible"/>
+                                      </p:to>
+                                    </p:set>
+                                    <p:anim calcmode="lin" valueType="num">
+                                      <p:cBhvr>
+                                        <p:cTn id="22" dur="500" decel="50000" fill="hold">
+                                          <p:stCondLst>
+                                            <p:cond delay="0"/>
+                                          </p:stCondLst>
+                                        </p:cTn>
+                                        <p:tgtEl>
+                                          <p:spTgt spid="3">
+                                            <p:txEl>
+                                              <p:pRg st="2" end="2"/>
+                                            </p:txEl>
+                                          </p:spTgt>
+                                        </p:tgtEl>
+                                        <p:attrNameLst>
+                                          <p:attrName>style.rotation</p:attrName>
+                                        </p:attrNameLst>
+                                      </p:cBhvr>
+                                      <p:tavLst>
+                                        <p:tav tm="0">
+                                          <p:val>
+                                            <p:fltVal val="-90"/>
+                                          </p:val>
+                                        </p:tav>
+                                        <p:tav tm="100000">
+                                          <p:val>
+                                            <p:fltVal val="0"/>
+                                          </p:val>
+                                        </p:tav>
+                                      </p:tavLst>
+                                    </p:anim>
+                                    <p:anim calcmode="lin" valueType="num">
+                                      <p:cBhvr>
+                                        <p:cTn id="23" dur="500" decel="50000" fill="hold">
+                                          <p:stCondLst>
+                                            <p:cond delay="0"/>
+                                          </p:stCondLst>
+                                        </p:cTn>
+                                        <p:tgtEl>
+                                          <p:spTgt spid="3">
+                                            <p:txEl>
+                                              <p:pRg st="2" end="2"/>
+                                            </p:txEl>
+                                          </p:spTgt>
+                                        </p:tgtEl>
+                                        <p:attrNameLst>
+                                          <p:attrName>ppt_w</p:attrName>
+                                        </p:attrNameLst>
+                                      </p:cBhvr>
+                                      <p:tavLst>
+                                        <p:tav tm="0">
+                                          <p:val>
+                                            <p:strVal val="#ppt_w"/>
+                                          </p:val>
+                                        </p:tav>
+                                        <p:tav tm="100000">
+                                          <p:val>
+                                            <p:strVal val="#ppt_w*.05"/>
+                                          </p:val>
+                                        </p:tav>
+                                      </p:tavLst>
+                                    </p:anim>
+                                    <p:anim calcmode="lin" valueType="num">
+                                      <p:cBhvr>
+                                        <p:cTn id="24" dur="500" accel="50000" fill="hold">
+                                          <p:stCondLst>
+                                            <p:cond delay="500"/>
+                                          </p:stCondLst>
+                                        </p:cTn>
+                                        <p:tgtEl>
+                                          <p:spTgt spid="3">
+                                            <p:txEl>
+                                              <p:pRg st="2" end="2"/>
+                                            </p:txEl>
+                                          </p:spTgt>
+                                        </p:tgtEl>
+                                        <p:attrNameLst>
+                                          <p:attrName>ppt_w</p:attrName>
+                                        </p:attrNameLst>
+                                      </p:cBhvr>
+                                      <p:tavLst>
+                                        <p:tav tm="0">
+                                          <p:val>
+                                            <p:strVal val="#ppt_w*.05"/>
+                                          </p:val>
+                                        </p:tav>
+                                        <p:tav tm="100000">
+                                          <p:val>
+                                            <p:strVal val="#ppt_w"/>
+                                          </p:val>
+                                        </p:tav>
+                                      </p:tavLst>
+                                    </p:anim>
+                                    <p:anim calcmode="lin" valueType="num">
+                                      <p:cBhvr>
+                                        <p:cTn id="25" dur="1000" fill="hold"/>
+                                        <p:tgtEl>
+                                          <p:spTgt spid="3">
+                                            <p:txEl>
+                                              <p:pRg st="2" end="2"/>
+                                            </p:txEl>
+                                          </p:spTgt>
+                                        </p:tgtEl>
+                                        <p:attrNameLst>
+                                          <p:attrName>ppt_h</p:attrName>
+                                        </p:attrNameLst>
+                                      </p:cBhvr>
+                                      <p:tavLst>
+                                        <p:tav tm="0">
+                                          <p:val>
+                                            <p:strVal val="#ppt_h"/>
+                                          </p:val>
+                                        </p:tav>
+                                        <p:tav tm="100000">
+                                          <p:val>
+                                            <p:strVal val="#ppt_h"/>
+                                          </p:val>
+                                        </p:tav>
+                                      </p:tavLst>
+                                    </p:anim>
+                                    <p:anim calcmode="lin" valueType="num">
+                                      <p:cBhvr>
+                                        <p:cTn id="26" dur="500" decel="50000" fill="hold">
+                                          <p:stCondLst>
+                                            <p:cond delay="0"/>
+                                          </p:stCondLst>
+                                        </p:cTn>
+                                        <p:tgtEl>
+                                          <p:spTgt spid="3">
+                                            <p:txEl>
+                                              <p:pRg st="2" end="2"/>
+                                            </p:txEl>
+                                          </p:spTgt>
+                                        </p:tgtEl>
+                                        <p:attrNameLst>
+                                          <p:attrName>ppt_x</p:attrName>
+                                        </p:attrNameLst>
+                                      </p:cBhvr>
+                                      <p:tavLst>
+                                        <p:tav tm="0">
+                                          <p:val>
+                                            <p:strVal val="#ppt_x+.4"/>
+                                          </p:val>
+                                        </p:tav>
+                                        <p:tav tm="100000">
+                                          <p:val>
+                                            <p:strVal val="#ppt_x"/>
+                                          </p:val>
+                                        </p:tav>
+                                      </p:tavLst>
+                                    </p:anim>
+                                    <p:anim calcmode="lin" valueType="num">
+                                      <p:cBhvr>
+                                        <p:cTn id="27" dur="500" decel="50000" fill="hold">
+                                          <p:stCondLst>
+                                            <p:cond delay="0"/>
+                                          </p:stCondLst>
+                                        </p:cTn>
+                                        <p:tgtEl>
+                                          <p:spTgt spid="3">
+                                            <p:txEl>
+                                              <p:pRg st="2" end="2"/>
+                                            </p:txEl>
+                                          </p:spTgt>
+                                        </p:tgtEl>
+                                        <p:attrNameLst>
+                                          <p:attrName>ppt_y</p:attrName>
+                                        </p:attrNameLst>
+                                      </p:cBhvr>
+                                      <p:tavLst>
+                                        <p:tav tm="0">
+                                          <p:val>
+                                            <p:strVal val="#ppt_y-.2"/>
+                                          </p:val>
+                                        </p:tav>
+                                        <p:tav tm="100000">
+                                          <p:val>
+                                            <p:strVal val="#ppt_y+.1"/>
+                                          </p:val>
+                                        </p:tav>
+                                      </p:tavLst>
+                                    </p:anim>
+                                    <p:anim calcmode="lin" valueType="num">
+                                      <p:cBhvr>
+                                        <p:cTn id="28" dur="500" accel="50000" fill="hold">
+                                          <p:stCondLst>
+                                            <p:cond delay="500"/>
+                                          </p:stCondLst>
+                                        </p:cTn>
+                                        <p:tgtEl>
+                                          <p:spTgt spid="3">
+                                            <p:txEl>
+                                              <p:pRg st="2" end="2"/>
+                                            </p:txEl>
+                                          </p:spTgt>
+                                        </p:tgtEl>
+                                        <p:attrNameLst>
+                                          <p:attrName>ppt_y</p:attrName>
+                                        </p:attrNameLst>
+                                      </p:cBhvr>
+                                      <p:tavLst>
+                                        <p:tav tm="0">
+                                          <p:val>
+                                            <p:strVal val="#ppt_y+.1"/>
+                                          </p:val>
+                                        </p:tav>
+                                        <p:tav tm="100000">
+                                          <p:val>
+                                            <p:strVal val="#ppt_y"/>
+                                          </p:val>
+                                        </p:tav>
+                                      </p:tavLst>
+                                    </p:anim>
+                                    <p:animEffect transition="in" filter="fade">
+                                      <p:cBhvr>
+                                        <p:cTn id="29" dur="1000" decel="50000">
+                                          <p:stCondLst>
+                                            <p:cond delay="0"/>
+                                          </p:stCondLst>
+                                        </p:cTn>
+                                        <p:tgtEl>
+                                          <p:spTgt spid="3">
+                                            <p:txEl>
+                                              <p:pRg st="2" end="2"/>
+                                            </p:txEl>
+                                          </p:spTgt>
+                                        </p:tgtEl>
+                                      </p:cBhvr>
+                                    </p:animEffect>
+                                  </p:childTnLst>
+                                </p:cTn>
+                              </p:par>
+                            </p:childTnLst>
+                          </p:cTn>
+                        </p:par>
+                      </p:childTnLst>
+                    </p:cTn>
+                  </p:par>
+                  <p:par>
+                    <p:cTn id="30" fill="hold">
+                      <p:stCondLst>
+                        <p:cond delay="indefinite"/>
+                      </p:stCondLst>
+                      <p:childTnLst>
+                        <p:par>
+                          <p:cTn id="31" fill="hold">
+                            <p:stCondLst>
+                              <p:cond delay="0"/>
+                            </p:stCondLst>
+                            <p:childTnLst>
+                              <p:par>
+                                <p:cTn id="32" presetID="16" presetClass="entr" presetSubtype="21" fill="hold" grpId="0" nodeType="clickEffect">
+                                  <p:stCondLst>
+                                    <p:cond delay="0"/>
+                                  </p:stCondLst>
+                                  <p:iterate type="lt">
+                                    <p:tmPct val="0"/>
+                                  </p:iterate>
+                                  <p:childTnLst>
+                                    <p:set>
+                                      <p:cBhvr>
+                                        <p:cTn id="33" dur="1" fill="hold">
+                                          <p:stCondLst>
+                                            <p:cond delay="0"/>
+                                          </p:stCondLst>
+                                        </p:cTn>
+                                        <p:tgtEl>
+                                          <p:spTgt spid="11"/>
+                                        </p:tgtEl>
+                                        <p:attrNameLst>
+                                          <p:attrName>style.visibility</p:attrName>
+                                        </p:attrNameLst>
+                                      </p:cBhvr>
+                                      <p:to>
+                                        <p:strVal val="visible"/>
+                                      </p:to>
+                                    </p:set>
+                                    <p:animEffect transition="in" filter="barn(inVertical)">
+                                      <p:cBhvr>
+                                        <p:cTn id="34" dur="500"/>
+                                        <p:tgtEl>
+                                          <p:spTgt spid="11"/>
+                                        </p:tgtEl>
+                                      </p:cBhvr>
+                                    </p:animEffect>
+                                  </p:childTnLst>
+                                </p:cTn>
+                              </p:par>
+                              <p:par>
+                                <p:cTn id="35" presetID="1" presetClass="exit" presetSubtype="0" fill="hold" grpId="1" nodeType="withEffect">
+                                  <p:stCondLst>
+                                    <p:cond delay="500"/>
+                                  </p:stCondLst>
+                                  <p:iterate type="lt">
+                                    <p:tmAbs val="100"/>
+                                  </p:iterate>
+                                  <p:childTnLst>
+                                    <p:set>
+                                      <p:cBhvr>
+                                        <p:cTn id="36" dur="1" fill="hold">
+                                          <p:stCondLst>
+                                            <p:cond delay="0"/>
+                                          </p:stCondLst>
+                                        </p:cTn>
+                                        <p:tgtEl>
+                                          <p:spTgt spid="2"/>
+                                        </p:tgtEl>
+                                        <p:attrNameLst>
+                                          <p:attrName>style.visibility</p:attrName>
+                                        </p:attrNameLst>
+                                      </p:cBhvr>
+                                      <p:to>
+                                        <p:strVal val="hidden"/>
+                                      </p:to>
+                                    </p:set>
+                                  </p:childTnLst>
+                                </p:cTn>
+                              </p:par>
+                              <p:par>
+                                <p:cTn id="37" presetID="1" presetClass="entr" presetSubtype="0" fill="hold" grpId="0" nodeType="withEffect">
+                                  <p:stCondLst>
+                                    <p:cond delay="500"/>
+                                  </p:stCondLst>
+                                  <p:iterate type="lt">
+                                    <p:tmAbs val="100"/>
+                                  </p:iterate>
+                                  <p:childTnLst>
+                                    <p:set>
+                                      <p:cBhvr>
+                                        <p:cTn id="38" dur="1" fill="hold">
+                                          <p:stCondLst>
+                                            <p:cond delay="0"/>
+                                          </p:stCondLst>
+                                        </p:cTn>
+                                        <p:tgtEl>
+                                          <p:spTgt spid="4"/>
+                                        </p:tgtEl>
+                                        <p:attrNameLst>
+                                          <p:attrName>style.visibility</p:attrName>
+                                        </p:attrNameLst>
+                                      </p:cBhvr>
+                                      <p:to>
+                                        <p:strVal val="visible"/>
+                                      </p:to>
+                                    </p:set>
+                                  </p:childTnLst>
+                                </p:cTn>
+                              </p:par>
+                            </p:childTnLst>
+                          </p:cTn>
+                        </p:par>
+                        <p:par>
+                          <p:cTn id="39" fill="hold">
+                            <p:stCondLst>
+                              <p:cond delay="4101"/>
+                            </p:stCondLst>
+                            <p:childTnLst>
+                              <p:par>
+                                <p:cTn id="40" presetID="1" presetClass="exit" presetSubtype="0" fill="hold" grpId="1" nodeType="afterEffect">
+                                  <p:stCondLst>
+                                    <p:cond delay="1000"/>
+                                  </p:stCondLst>
+                                  <p:iterate type="lt">
+                                    <p:tmAbs val="100"/>
+                                  </p:iterate>
+                                  <p:childTnLst>
+                                    <p:set>
+                                      <p:cBhvr>
+                                        <p:cTn id="41" dur="1" fill="hold">
+                                          <p:stCondLst>
+                                            <p:cond delay="0"/>
+                                          </p:stCondLst>
+                                        </p:cTn>
+                                        <p:tgtEl>
+                                          <p:spTgt spid="11"/>
+                                        </p:tgtEl>
+                                        <p:attrNameLst>
+                                          <p:attrName>style.visibility</p:attrName>
+                                        </p:attrNameLst>
+                                      </p:cBhvr>
+                                      <p:to>
+                                        <p:strVal val="hidden"/>
+                                      </p:to>
+                                    </p:set>
+                                  </p:childTnLst>
+                                </p:cTn>
+                              </p:par>
+                              <p:par>
+                                <p:cTn id="42" presetID="1" presetClass="entr" presetSubtype="0" fill="hold" grpId="0" nodeType="withEffect">
+                                  <p:stCondLst>
+                                    <p:cond delay="1250"/>
+                                  </p:stCondLst>
+                                  <p:iterate type="lt">
+                                    <p:tmAbs val="100"/>
+                                  </p:iterate>
+                                  <p:childTnLst>
+                                    <p:set>
+                                      <p:cBhvr>
+                                        <p:cTn id="43" dur="1" fill="hold">
+                                          <p:stCondLst>
+                                            <p:cond delay="0"/>
+                                          </p:stCondLst>
+                                        </p:cTn>
+                                        <p:tgtEl>
+                                          <p:spTgt spid="13"/>
+                                        </p:tgtEl>
+                                        <p:attrNameLst>
+                                          <p:attrName>style.visibility</p:attrName>
+                                        </p:attrNameLst>
+                                      </p:cBhvr>
+                                      <p:to>
+                                        <p:strVal val="visible"/>
+                                      </p:to>
+                                    </p:set>
+                                  </p:childTnLst>
+                                </p:cTn>
+                              </p:par>
+                            </p:childTnLst>
+                          </p:cTn>
+                        </p:par>
+                      </p:childTnLst>
+                    </p:cTn>
+                  </p:par>
+                </p:childTnLst>
+              </p:cTn>
+              <p:prevCondLst>
+                <p:cond evt="onPrev" delay="0">
+                  <p:tgtEl>
+                    <p:sldTgt/>
+                  </p:tgtEl>
+                </p:cond>
+              </p:prevCondLst>
+              <p:nextCondLst>
+                <p:cond evt="onNext" delay="0">
+                  <p:tgtEl>
+                    <p:sldTgt/>
+                  </p:tgtEl>
+                </p:cond>
+              </p:nextCondLst>
+            </p:seq>
+          </p:childTnLst>
+        </p:cTn>
+      </p:par>
+    </p:tnLst>
+    <p:bldLst>
+      <p:bldP spid="4" grpId="0"/>
+      <p:bldP spid="2" grpId="0"/>
+      <p:bldP spid="2" grpId="1"/>
+      <p:bldP spid="3" grpId="0" build="p"/>
+      <p:bldP spid="11" grpId="0"/>
+      <p:bldP spid="11" grpId="1"/>
+      <p:bldP spid="13" grpId="0"/>
+    </p:bldLst>
+  </p:timing>
 </p:sld>
 </file>
 

--- a/Current Presentation/Charlie Fall Term 2024 presentation.pptx
+++ b/Current Presentation/Charlie Fall Term 2024 presentation.pptx
@@ -3326,6 +3326,78 @@
           <a:chExt cx="0" cy="0"/>
         </a:xfrm>
       </p:grpSpPr>
+      <p:pic>
+        <p:nvPicPr>
+          <p:cNvPr id="8" name="Picture 7" descr="A screenshot of a computer&#10;&#10;Description automatically generated">
+            <a:extLst>
+              <a:ext uri="{FF2B5EF4-FFF2-40B4-BE49-F238E27FC236}">
+                <a16:creationId xmlns:a16="http://schemas.microsoft.com/office/drawing/2014/main" id="{0635BA5E-2DE7-9556-723B-3955ED235E15}"/>
+              </a:ext>
+            </a:extLst>
+          </p:cNvPr>
+          <p:cNvPicPr>
+            <a:picLocks noChangeAspect="1"/>
+          </p:cNvPicPr>
+          <p:nvPr/>
+        </p:nvPicPr>
+        <p:blipFill>
+          <a:blip r:embed="rId2">
+            <a:extLst>
+              <a:ext uri="{28A0092B-C50C-407E-A947-70E740481C1C}">
+                <a14:useLocalDpi xmlns:a14="http://schemas.microsoft.com/office/drawing/2010/main" val="0"/>
+              </a:ext>
+            </a:extLst>
+          </a:blip>
+          <a:stretch>
+            <a:fillRect/>
+          </a:stretch>
+        </p:blipFill>
+        <p:spPr>
+          <a:xfrm>
+            <a:off x="178694" y="4844716"/>
+            <a:ext cx="3218988" cy="1823144"/>
+          </a:xfrm>
+          <a:prstGeom prst="rect">
+            <a:avLst/>
+          </a:prstGeom>
+        </p:spPr>
+      </p:pic>
+      <p:pic>
+        <p:nvPicPr>
+          <p:cNvPr id="6" name="Picture 5" descr="A screenshot of a computer&#10;&#10;Description automatically generated">
+            <a:extLst>
+              <a:ext uri="{FF2B5EF4-FFF2-40B4-BE49-F238E27FC236}">
+                <a16:creationId xmlns:a16="http://schemas.microsoft.com/office/drawing/2014/main" id="{E801DF70-E28F-534A-970C-F511316DB883}"/>
+              </a:ext>
+            </a:extLst>
+          </p:cNvPr>
+          <p:cNvPicPr>
+            <a:picLocks noChangeAspect="1"/>
+          </p:cNvPicPr>
+          <p:nvPr/>
+        </p:nvPicPr>
+        <p:blipFill>
+          <a:blip r:embed="rId3">
+            <a:extLst>
+              <a:ext uri="{28A0092B-C50C-407E-A947-70E740481C1C}">
+                <a14:useLocalDpi xmlns:a14="http://schemas.microsoft.com/office/drawing/2010/main" val="0"/>
+              </a:ext>
+            </a:extLst>
+          </a:blip>
+          <a:stretch>
+            <a:fillRect/>
+          </a:stretch>
+        </p:blipFill>
+        <p:spPr>
+          <a:xfrm>
+            <a:off x="8660431" y="59566"/>
+            <a:ext cx="3427693" cy="1881529"/>
+          </a:xfrm>
+          <a:prstGeom prst="rect">
+            <a:avLst/>
+          </a:prstGeom>
+        </p:spPr>
+      </p:pic>
       <p:sp>
         <p:nvSpPr>
           <p:cNvPr id="4" name="Title 1">
@@ -3894,6 +3966,42 @@
           </a:p>
         </p:txBody>
       </p:sp>
+      <p:pic>
+        <p:nvPicPr>
+          <p:cNvPr id="10" name="Picture 9" descr="A screen shot of a computer&#10;&#10;Description automatically generated">
+            <a:extLst>
+              <a:ext uri="{FF2B5EF4-FFF2-40B4-BE49-F238E27FC236}">
+                <a16:creationId xmlns:a16="http://schemas.microsoft.com/office/drawing/2014/main" id="{D69428EA-B5FB-3914-F381-99E35D00839A}"/>
+              </a:ext>
+            </a:extLst>
+          </p:cNvPr>
+          <p:cNvPicPr>
+            <a:picLocks noChangeAspect="1"/>
+          </p:cNvPicPr>
+          <p:nvPr/>
+        </p:nvPicPr>
+        <p:blipFill>
+          <a:blip r:embed="rId4">
+            <a:extLst>
+              <a:ext uri="{28A0092B-C50C-407E-A947-70E740481C1C}">
+                <a14:useLocalDpi xmlns:a14="http://schemas.microsoft.com/office/drawing/2010/main" val="0"/>
+              </a:ext>
+            </a:extLst>
+          </a:blip>
+          <a:stretch>
+            <a:fillRect/>
+          </a:stretch>
+        </p:blipFill>
+        <p:spPr>
+          <a:xfrm>
+            <a:off x="8614981" y="5347331"/>
+            <a:ext cx="3415011" cy="1320529"/>
+          </a:xfrm>
+          <a:prstGeom prst="rect">
+            <a:avLst/>
+          </a:prstGeom>
+        </p:spPr>
+      </p:pic>
     </p:spTree>
     <p:extLst>
       <p:ext uri="{BB962C8B-B14F-4D97-AF65-F5344CB8AC3E}">

--- a/Current Presentation/Charlie Fall Term 2024 presentation.pptx
+++ b/Current Presentation/Charlie Fall Term 2024 presentation.pptx
@@ -6,6 +6,7 @@
   </p:sldMasterIdLst>
   <p:sldIdLst>
     <p:sldId id="256" r:id="rId2"/>
+    <p:sldId id="257" r:id="rId3"/>
   </p:sldIdLst>
   <p:sldSz cx="12192000" cy="6858000"/>
   <p:notesSz cx="6858000" cy="9144000"/>
@@ -4837,6 +4838,86 @@
 </p:sld>
 </file>
 
+<file path=ppt/slides/slide2.xml><?xml version="1.0" encoding="utf-8"?>
+<p:sld xmlns:a="http://schemas.openxmlformats.org/drawingml/2006/main" xmlns:r="http://schemas.openxmlformats.org/officeDocument/2006/relationships" xmlns:p="http://schemas.openxmlformats.org/presentationml/2006/main">
+  <p:cSld>
+    <p:spTree>
+      <p:nvGrpSpPr>
+        <p:cNvPr id="1" name=""/>
+        <p:cNvGrpSpPr/>
+        <p:nvPr/>
+      </p:nvGrpSpPr>
+      <p:grpSpPr>
+        <a:xfrm>
+          <a:off x="0" y="0"/>
+          <a:ext cx="0" cy="0"/>
+          <a:chOff x="0" y="0"/>
+          <a:chExt cx="0" cy="0"/>
+        </a:xfrm>
+      </p:grpSpPr>
+      <p:sp>
+        <p:nvSpPr>
+          <p:cNvPr id="2" name="Title 1">
+            <a:extLst>
+              <a:ext uri="{FF2B5EF4-FFF2-40B4-BE49-F238E27FC236}">
+                <a16:creationId xmlns:a16="http://schemas.microsoft.com/office/drawing/2014/main" id="{743DB3F0-EDF8-D7B3-EF21-FAB2564B2915}"/>
+              </a:ext>
+            </a:extLst>
+          </p:cNvPr>
+          <p:cNvSpPr>
+            <a:spLocks noGrp="1"/>
+          </p:cNvSpPr>
+          <p:nvPr>
+            <p:ph type="title"/>
+          </p:nvPr>
+        </p:nvSpPr>
+        <p:spPr/>
+        <p:txBody>
+          <a:bodyPr/>
+          <a:lstStyle/>
+          <a:p>
+            <a:endParaRPr lang="en-US"/>
+          </a:p>
+        </p:txBody>
+      </p:sp>
+      <p:sp>
+        <p:nvSpPr>
+          <p:cNvPr id="3" name="Content Placeholder 2">
+            <a:extLst>
+              <a:ext uri="{FF2B5EF4-FFF2-40B4-BE49-F238E27FC236}">
+                <a16:creationId xmlns:a16="http://schemas.microsoft.com/office/drawing/2014/main" id="{BC4EB7D2-040C-4015-9C20-E9A7616168BE}"/>
+              </a:ext>
+            </a:extLst>
+          </p:cNvPr>
+          <p:cNvSpPr>
+            <a:spLocks noGrp="1"/>
+          </p:cNvSpPr>
+          <p:nvPr>
+            <p:ph idx="1"/>
+          </p:nvPr>
+        </p:nvSpPr>
+        <p:spPr/>
+        <p:txBody>
+          <a:bodyPr/>
+          <a:lstStyle/>
+          <a:p>
+            <a:endParaRPr lang="en-US"/>
+          </a:p>
+        </p:txBody>
+      </p:sp>
+    </p:spTree>
+    <p:extLst>
+      <p:ext uri="{BB962C8B-B14F-4D97-AF65-F5344CB8AC3E}">
+        <p14:creationId xmlns:p14="http://schemas.microsoft.com/office/powerpoint/2010/main" val="1990863902"/>
+      </p:ext>
+    </p:extLst>
+  </p:cSld>
+  <p:clrMapOvr>
+    <a:masterClrMapping/>
+  </p:clrMapOvr>
+</p:sld>
+</file>
+
 <file path=ppt/theme/theme1.xml><?xml version="1.0" encoding="utf-8"?>
 <a:theme xmlns:a="http://schemas.openxmlformats.org/drawingml/2006/main" name="Office Theme">
   <a:themeElements>

--- a/Current Presentation/Charlie Fall Term 2024 presentation.pptx
+++ b/Current Presentation/Charlie Fall Term 2024 presentation.pptx
@@ -6,7 +6,10 @@
   </p:sldMasterIdLst>
   <p:sldIdLst>
     <p:sldId id="256" r:id="rId2"/>
-    <p:sldId id="257" r:id="rId3"/>
+    <p:sldId id="258" r:id="rId3"/>
+    <p:sldId id="259" r:id="rId4"/>
+    <p:sldId id="260" r:id="rId5"/>
+    <p:sldId id="257" r:id="rId6"/>
   </p:sldIdLst>
   <p:sldSz cx="12192000" cy="6858000"/>
   <p:notesSz cx="6858000" cy="9144000"/>
@@ -260,7 +263,7 @@
           <a:p>
             <a:fld id="{0F2E0057-352E-4528-A89B-462E0D2D677A}" type="datetimeFigureOut">
               <a:rPr lang="en-US" smtClean="0"/>
-              <a:t>2024-12-15</a:t>
+              <a:t>12/16/2024</a:t>
             </a:fld>
             <a:endParaRPr lang="en-US"/>
           </a:p>
@@ -458,7 +461,7 @@
           <a:p>
             <a:fld id="{0F2E0057-352E-4528-A89B-462E0D2D677A}" type="datetimeFigureOut">
               <a:rPr lang="en-US" smtClean="0"/>
-              <a:t>2024-12-15</a:t>
+              <a:t>12/16/2024</a:t>
             </a:fld>
             <a:endParaRPr lang="en-US"/>
           </a:p>
@@ -666,7 +669,7 @@
           <a:p>
             <a:fld id="{0F2E0057-352E-4528-A89B-462E0D2D677A}" type="datetimeFigureOut">
               <a:rPr lang="en-US" smtClean="0"/>
-              <a:t>2024-12-15</a:t>
+              <a:t>12/16/2024</a:t>
             </a:fld>
             <a:endParaRPr lang="en-US"/>
           </a:p>
@@ -864,7 +867,7 @@
           <a:p>
             <a:fld id="{0F2E0057-352E-4528-A89B-462E0D2D677A}" type="datetimeFigureOut">
               <a:rPr lang="en-US" smtClean="0"/>
-              <a:t>2024-12-15</a:t>
+              <a:t>12/16/2024</a:t>
             </a:fld>
             <a:endParaRPr lang="en-US"/>
           </a:p>
@@ -1139,7 +1142,7 @@
           <a:p>
             <a:fld id="{0F2E0057-352E-4528-A89B-462E0D2D677A}" type="datetimeFigureOut">
               <a:rPr lang="en-US" smtClean="0"/>
-              <a:t>2024-12-15</a:t>
+              <a:t>12/16/2024</a:t>
             </a:fld>
             <a:endParaRPr lang="en-US"/>
           </a:p>
@@ -1404,7 +1407,7 @@
           <a:p>
             <a:fld id="{0F2E0057-352E-4528-A89B-462E0D2D677A}" type="datetimeFigureOut">
               <a:rPr lang="en-US" smtClean="0"/>
-              <a:t>2024-12-15</a:t>
+              <a:t>12/16/2024</a:t>
             </a:fld>
             <a:endParaRPr lang="en-US"/>
           </a:p>
@@ -1816,7 +1819,7 @@
           <a:p>
             <a:fld id="{0F2E0057-352E-4528-A89B-462E0D2D677A}" type="datetimeFigureOut">
               <a:rPr lang="en-US" smtClean="0"/>
-              <a:t>2024-12-15</a:t>
+              <a:t>12/16/2024</a:t>
             </a:fld>
             <a:endParaRPr lang="en-US"/>
           </a:p>
@@ -1957,7 +1960,7 @@
           <a:p>
             <a:fld id="{0F2E0057-352E-4528-A89B-462E0D2D677A}" type="datetimeFigureOut">
               <a:rPr lang="en-US" smtClean="0"/>
-              <a:t>2024-12-15</a:t>
+              <a:t>12/16/2024</a:t>
             </a:fld>
             <a:endParaRPr lang="en-US"/>
           </a:p>
@@ -2070,7 +2073,7 @@
           <a:p>
             <a:fld id="{0F2E0057-352E-4528-A89B-462E0D2D677A}" type="datetimeFigureOut">
               <a:rPr lang="en-US" smtClean="0"/>
-              <a:t>2024-12-15</a:t>
+              <a:t>12/16/2024</a:t>
             </a:fld>
             <a:endParaRPr lang="en-US"/>
           </a:p>
@@ -2381,7 +2384,7 @@
           <a:p>
             <a:fld id="{0F2E0057-352E-4528-A89B-462E0D2D677A}" type="datetimeFigureOut">
               <a:rPr lang="en-US" smtClean="0"/>
-              <a:t>2024-12-15</a:t>
+              <a:t>12/16/2024</a:t>
             </a:fld>
             <a:endParaRPr lang="en-US"/>
           </a:p>
@@ -2669,7 +2672,7 @@
           <a:p>
             <a:fld id="{0F2E0057-352E-4528-A89B-462E0D2D677A}" type="datetimeFigureOut">
               <a:rPr lang="en-US" smtClean="0"/>
-              <a:t>2024-12-15</a:t>
+              <a:t>12/16/2024</a:t>
             </a:fld>
             <a:endParaRPr lang="en-US"/>
           </a:p>
@@ -2910,7 +2913,7 @@
           <a:p>
             <a:fld id="{0F2E0057-352E-4528-A89B-462E0D2D677A}" type="datetimeFigureOut">
               <a:rPr lang="en-US" smtClean="0"/>
-              <a:t>2024-12-15</a:t>
+              <a:t>12/16/2024</a:t>
             </a:fld>
             <a:endParaRPr lang="en-US"/>
           </a:p>
@@ -4798,6 +4801,111 @@
                                   </p:childTnLst>
                                 </p:cTn>
                               </p:par>
+                              <p:par>
+                                <p:cTn id="44" presetID="21" presetClass="entr" presetSubtype="1" fill="hold" nodeType="withEffect">
+                                  <p:stCondLst>
+                                    <p:cond delay="1250"/>
+                                  </p:stCondLst>
+                                  <p:childTnLst>
+                                    <p:set>
+                                      <p:cBhvr>
+                                        <p:cTn id="45" dur="1" fill="hold">
+                                          <p:stCondLst>
+                                            <p:cond delay="0"/>
+                                          </p:stCondLst>
+                                        </p:cTn>
+                                        <p:tgtEl>
+                                          <p:spTgt spid="6"/>
+                                        </p:tgtEl>
+                                        <p:attrNameLst>
+                                          <p:attrName>style.visibility</p:attrName>
+                                        </p:attrNameLst>
+                                      </p:cBhvr>
+                                      <p:to>
+                                        <p:strVal val="visible"/>
+                                      </p:to>
+                                    </p:set>
+                                    <p:animEffect transition="in" filter="wheel(1)">
+                                      <p:cBhvr>
+                                        <p:cTn id="46" dur="2000"/>
+                                        <p:tgtEl>
+                                          <p:spTgt spid="6"/>
+                                        </p:tgtEl>
+                                      </p:cBhvr>
+                                    </p:animEffect>
+                                  </p:childTnLst>
+                                </p:cTn>
+                              </p:par>
+                              <p:par>
+                                <p:cTn id="47" presetID="21" presetClass="entr" presetSubtype="1" fill="hold" nodeType="withEffect">
+                                  <p:stCondLst>
+                                    <p:cond delay="1500"/>
+                                  </p:stCondLst>
+                                  <p:childTnLst>
+                                    <p:set>
+                                      <p:cBhvr>
+                                        <p:cTn id="48" dur="1" fill="hold">
+                                          <p:stCondLst>
+                                            <p:cond delay="0"/>
+                                          </p:stCondLst>
+                                        </p:cTn>
+                                        <p:tgtEl>
+                                          <p:spTgt spid="8"/>
+                                        </p:tgtEl>
+                                        <p:attrNameLst>
+                                          <p:attrName>style.visibility</p:attrName>
+                                        </p:attrNameLst>
+                                      </p:cBhvr>
+                                      <p:to>
+                                        <p:strVal val="visible"/>
+                                      </p:to>
+                                    </p:set>
+                                    <p:animEffect transition="in" filter="wheel(1)">
+                                      <p:cBhvr>
+                                        <p:cTn id="49" dur="2000"/>
+                                        <p:tgtEl>
+                                          <p:spTgt spid="8"/>
+                                        </p:tgtEl>
+                                      </p:cBhvr>
+                                    </p:animEffect>
+                                  </p:childTnLst>
+                                </p:cTn>
+                              </p:par>
+                              <p:par>
+                                <p:cTn id="50" presetID="21" presetClass="entr" presetSubtype="1" fill="hold" nodeType="withEffect">
+                                  <p:stCondLst>
+                                    <p:cond delay="1750"/>
+                                  </p:stCondLst>
+                                  <p:childTnLst>
+                                    <p:set>
+                                      <p:cBhvr>
+                                        <p:cTn id="51" dur="1" fill="hold">
+                                          <p:stCondLst>
+                                            <p:cond delay="0"/>
+                                          </p:stCondLst>
+                                        </p:cTn>
+                                        <p:tgtEl>
+                                          <p:spTgt spid="10"/>
+                                        </p:tgtEl>
+                                        <p:attrNameLst>
+                                          <p:attrName>style.visibility</p:attrName>
+                                        </p:attrNameLst>
+                                      </p:cBhvr>
+                                      <p:to>
+                                        <p:strVal val="visible"/>
+                                      </p:to>
+                                    </p:set>
+                                    <p:animEffect transition="in" filter="wheel(1)">
+                                      <p:cBhvr>
+                                        <p:cTn id="52" dur="2000"/>
+                                        <p:tgtEl>
+                                          <p:spTgt spid="10"/>
+                                        </p:tgtEl>
+                                      </p:cBhvr>
+                                    </p:animEffect>
+                                  </p:childTnLst>
+                                </p:cTn>
+                              </p:par>
                             </p:childTnLst>
                           </p:cTn>
                         </p:par>
@@ -4860,7 +4968,7 @@
           <p:cNvPr id="2" name="Title 1">
             <a:extLst>
               <a:ext uri="{FF2B5EF4-FFF2-40B4-BE49-F238E27FC236}">
-                <a16:creationId xmlns:a16="http://schemas.microsoft.com/office/drawing/2014/main" id="{743DB3F0-EDF8-D7B3-EF21-FAB2564B2915}"/>
+                <a16:creationId xmlns:a16="http://schemas.microsoft.com/office/drawing/2014/main" id="{B5D7FB90-2435-ED02-A11A-9BC90248904B}"/>
               </a:ext>
             </a:extLst>
           </p:cNvPr>
@@ -4885,7 +4993,7 @@
           <p:cNvPr id="3" name="Content Placeholder 2">
             <a:extLst>
               <a:ext uri="{FF2B5EF4-FFF2-40B4-BE49-F238E27FC236}">
-                <a16:creationId xmlns:a16="http://schemas.microsoft.com/office/drawing/2014/main" id="{BC4EB7D2-040C-4015-9C20-E9A7616168BE}"/>
+                <a16:creationId xmlns:a16="http://schemas.microsoft.com/office/drawing/2014/main" id="{5DDB6AE0-E1B6-9A8B-2B43-A3E689865942}"/>
               </a:ext>
             </a:extLst>
           </p:cNvPr>
@@ -4905,6 +5013,284 @@
           </a:p>
         </p:txBody>
       </p:sp>
+    </p:spTree>
+    <p:extLst>
+      <p:ext uri="{BB962C8B-B14F-4D97-AF65-F5344CB8AC3E}">
+        <p14:creationId xmlns:p14="http://schemas.microsoft.com/office/powerpoint/2010/main" val="35543980"/>
+      </p:ext>
+    </p:extLst>
+  </p:cSld>
+  <p:clrMapOvr>
+    <a:masterClrMapping/>
+  </p:clrMapOvr>
+</p:sld>
+</file>
+
+<file path=ppt/slides/slide3.xml><?xml version="1.0" encoding="utf-8"?>
+<p:sld xmlns:a="http://schemas.openxmlformats.org/drawingml/2006/main" xmlns:r="http://schemas.openxmlformats.org/officeDocument/2006/relationships" xmlns:p="http://schemas.openxmlformats.org/presentationml/2006/main">
+  <p:cSld>
+    <p:spTree>
+      <p:nvGrpSpPr>
+        <p:cNvPr id="1" name=""/>
+        <p:cNvGrpSpPr/>
+        <p:nvPr/>
+      </p:nvGrpSpPr>
+      <p:grpSpPr>
+        <a:xfrm>
+          <a:off x="0" y="0"/>
+          <a:ext cx="0" cy="0"/>
+          <a:chOff x="0" y="0"/>
+          <a:chExt cx="0" cy="0"/>
+        </a:xfrm>
+      </p:grpSpPr>
+      <p:sp>
+        <p:nvSpPr>
+          <p:cNvPr id="2" name="Title 1">
+            <a:extLst>
+              <a:ext uri="{FF2B5EF4-FFF2-40B4-BE49-F238E27FC236}">
+                <a16:creationId xmlns:a16="http://schemas.microsoft.com/office/drawing/2014/main" id="{F4956C43-3F52-6F00-4680-0C474A39A361}"/>
+              </a:ext>
+            </a:extLst>
+          </p:cNvPr>
+          <p:cNvSpPr>
+            <a:spLocks noGrp="1"/>
+          </p:cNvSpPr>
+          <p:nvPr>
+            <p:ph type="title"/>
+          </p:nvPr>
+        </p:nvSpPr>
+        <p:spPr/>
+        <p:txBody>
+          <a:bodyPr/>
+          <a:lstStyle/>
+          <a:p>
+            <a:endParaRPr lang="en-US"/>
+          </a:p>
+        </p:txBody>
+      </p:sp>
+      <p:sp>
+        <p:nvSpPr>
+          <p:cNvPr id="3" name="Content Placeholder 2">
+            <a:extLst>
+              <a:ext uri="{FF2B5EF4-FFF2-40B4-BE49-F238E27FC236}">
+                <a16:creationId xmlns:a16="http://schemas.microsoft.com/office/drawing/2014/main" id="{48BFF26D-D383-6B03-821A-DD5DE3E3D540}"/>
+              </a:ext>
+            </a:extLst>
+          </p:cNvPr>
+          <p:cNvSpPr>
+            <a:spLocks noGrp="1"/>
+          </p:cNvSpPr>
+          <p:nvPr>
+            <p:ph idx="1"/>
+          </p:nvPr>
+        </p:nvSpPr>
+        <p:spPr/>
+        <p:txBody>
+          <a:bodyPr/>
+          <a:lstStyle/>
+          <a:p>
+            <a:endParaRPr lang="en-US"/>
+          </a:p>
+        </p:txBody>
+      </p:sp>
+    </p:spTree>
+    <p:extLst>
+      <p:ext uri="{BB962C8B-B14F-4D97-AF65-F5344CB8AC3E}">
+        <p14:creationId xmlns:p14="http://schemas.microsoft.com/office/powerpoint/2010/main" val="3192255523"/>
+      </p:ext>
+    </p:extLst>
+  </p:cSld>
+  <p:clrMapOvr>
+    <a:masterClrMapping/>
+  </p:clrMapOvr>
+</p:sld>
+</file>
+
+<file path=ppt/slides/slide4.xml><?xml version="1.0" encoding="utf-8"?>
+<p:sld xmlns:a="http://schemas.openxmlformats.org/drawingml/2006/main" xmlns:r="http://schemas.openxmlformats.org/officeDocument/2006/relationships" xmlns:p="http://schemas.openxmlformats.org/presentationml/2006/main">
+  <p:cSld>
+    <p:spTree>
+      <p:nvGrpSpPr>
+        <p:cNvPr id="1" name=""/>
+        <p:cNvGrpSpPr/>
+        <p:nvPr/>
+      </p:nvGrpSpPr>
+      <p:grpSpPr>
+        <a:xfrm>
+          <a:off x="0" y="0"/>
+          <a:ext cx="0" cy="0"/>
+          <a:chOff x="0" y="0"/>
+          <a:chExt cx="0" cy="0"/>
+        </a:xfrm>
+      </p:grpSpPr>
+      <p:sp>
+        <p:nvSpPr>
+          <p:cNvPr id="2" name="Title 1">
+            <a:extLst>
+              <a:ext uri="{FF2B5EF4-FFF2-40B4-BE49-F238E27FC236}">
+                <a16:creationId xmlns:a16="http://schemas.microsoft.com/office/drawing/2014/main" id="{C6874F0F-BCE0-C344-272B-EEB4B64485F8}"/>
+              </a:ext>
+            </a:extLst>
+          </p:cNvPr>
+          <p:cNvSpPr>
+            <a:spLocks noGrp="1"/>
+          </p:cNvSpPr>
+          <p:nvPr>
+            <p:ph type="title"/>
+          </p:nvPr>
+        </p:nvSpPr>
+        <p:spPr/>
+        <p:txBody>
+          <a:bodyPr/>
+          <a:lstStyle/>
+          <a:p>
+            <a:endParaRPr lang="en-US"/>
+          </a:p>
+        </p:txBody>
+      </p:sp>
+      <p:sp>
+        <p:nvSpPr>
+          <p:cNvPr id="3" name="Content Placeholder 2">
+            <a:extLst>
+              <a:ext uri="{FF2B5EF4-FFF2-40B4-BE49-F238E27FC236}">
+                <a16:creationId xmlns:a16="http://schemas.microsoft.com/office/drawing/2014/main" id="{4DEC9DDD-99B0-3552-CB06-7A30196E7115}"/>
+              </a:ext>
+            </a:extLst>
+          </p:cNvPr>
+          <p:cNvSpPr>
+            <a:spLocks noGrp="1"/>
+          </p:cNvSpPr>
+          <p:nvPr>
+            <p:ph idx="1"/>
+          </p:nvPr>
+        </p:nvSpPr>
+        <p:spPr/>
+        <p:txBody>
+          <a:bodyPr/>
+          <a:lstStyle/>
+          <a:p>
+            <a:endParaRPr lang="en-US"/>
+          </a:p>
+        </p:txBody>
+      </p:sp>
+    </p:spTree>
+    <p:extLst>
+      <p:ext uri="{BB962C8B-B14F-4D97-AF65-F5344CB8AC3E}">
+        <p14:creationId xmlns:p14="http://schemas.microsoft.com/office/powerpoint/2010/main" val="188135651"/>
+      </p:ext>
+    </p:extLst>
+  </p:cSld>
+  <p:clrMapOvr>
+    <a:masterClrMapping/>
+  </p:clrMapOvr>
+</p:sld>
+</file>
+
+<file path=ppt/slides/slide5.xml><?xml version="1.0" encoding="utf-8"?>
+<p:sld xmlns:a="http://schemas.openxmlformats.org/drawingml/2006/main" xmlns:r="http://schemas.openxmlformats.org/officeDocument/2006/relationships" xmlns:p="http://schemas.openxmlformats.org/presentationml/2006/main">
+  <p:cSld>
+    <p:spTree>
+      <p:nvGrpSpPr>
+        <p:cNvPr id="1" name=""/>
+        <p:cNvGrpSpPr/>
+        <p:nvPr/>
+      </p:nvGrpSpPr>
+      <p:grpSpPr>
+        <a:xfrm>
+          <a:off x="0" y="0"/>
+          <a:ext cx="0" cy="0"/>
+          <a:chOff x="0" y="0"/>
+          <a:chExt cx="0" cy="0"/>
+        </a:xfrm>
+      </p:grpSpPr>
+      <p:sp>
+        <p:nvSpPr>
+          <p:cNvPr id="10" name="Rectangle 9">
+            <a:extLst>
+              <a:ext uri="{FF2B5EF4-FFF2-40B4-BE49-F238E27FC236}">
+                <a16:creationId xmlns:a16="http://schemas.microsoft.com/office/drawing/2014/main" id="{AC6B89F3-FF68-43AA-C284-B38BA9ECD61A}"/>
+              </a:ext>
+            </a:extLst>
+          </p:cNvPr>
+          <p:cNvSpPr/>
+          <p:nvPr/>
+        </p:nvSpPr>
+        <p:spPr>
+          <a:xfrm>
+            <a:off x="0" y="0"/>
+            <a:ext cx="12192000" cy="12094029"/>
+          </a:xfrm>
+          <a:prstGeom prst="rect">
+            <a:avLst/>
+          </a:prstGeom>
+          <a:solidFill>
+            <a:srgbClr val="1070AA"/>
+          </a:solidFill>
+          <a:ln>
+            <a:noFill/>
+          </a:ln>
+        </p:spPr>
+        <p:style>
+          <a:lnRef idx="2">
+            <a:schemeClr val="accent1">
+              <a:shade val="15000"/>
+            </a:schemeClr>
+          </a:lnRef>
+          <a:fillRef idx="1">
+            <a:schemeClr val="accent1"/>
+          </a:fillRef>
+          <a:effectRef idx="0">
+            <a:schemeClr val="accent1"/>
+          </a:effectRef>
+          <a:fontRef idx="minor">
+            <a:schemeClr val="lt1"/>
+          </a:fontRef>
+        </p:style>
+        <p:txBody>
+          <a:bodyPr rtlCol="0" anchor="ctr"/>
+          <a:lstStyle/>
+          <a:p>
+            <a:pPr algn="ctr"/>
+            <a:endParaRPr lang="en-US"/>
+          </a:p>
+        </p:txBody>
+      </p:sp>
+      <p:pic>
+        <p:nvPicPr>
+          <p:cNvPr id="7" name="Picture 6" descr="A blue screen with a qr code&#10;&#10;Description automatically generated">
+            <a:extLst>
+              <a:ext uri="{FF2B5EF4-FFF2-40B4-BE49-F238E27FC236}">
+                <a16:creationId xmlns:a16="http://schemas.microsoft.com/office/drawing/2014/main" id="{68F7E0EB-F5BC-A05F-0513-8B7117BF7380}"/>
+              </a:ext>
+            </a:extLst>
+          </p:cNvPr>
+          <p:cNvPicPr>
+            <a:picLocks noChangeAspect="1"/>
+          </p:cNvPicPr>
+          <p:nvPr/>
+        </p:nvPicPr>
+        <p:blipFill>
+          <a:blip r:embed="rId2">
+            <a:extLst>
+              <a:ext uri="{28A0092B-C50C-407E-A947-70E740481C1C}">
+                <a14:useLocalDpi xmlns:a14="http://schemas.microsoft.com/office/drawing/2010/main" val="0"/>
+              </a:ext>
+            </a:extLst>
+          </a:blip>
+          <a:stretch>
+            <a:fillRect/>
+          </a:stretch>
+        </p:blipFill>
+        <p:spPr>
+          <a:xfrm>
+            <a:off x="1699342" y="663102"/>
+            <a:ext cx="7999829" cy="5531796"/>
+          </a:xfrm>
+          <a:prstGeom prst="rect">
+            <a:avLst/>
+          </a:prstGeom>
+        </p:spPr>
+      </p:pic>
     </p:spTree>
     <p:extLst>
       <p:ext uri="{BB962C8B-B14F-4D97-AF65-F5344CB8AC3E}">
@@ -4915,6 +5301,123 @@
   <p:clrMapOvr>
     <a:masterClrMapping/>
   </p:clrMapOvr>
+  <p:timing>
+    <p:tnLst>
+      <p:par>
+        <p:cTn id="1" dur="indefinite" restart="never" nodeType="tmRoot">
+          <p:childTnLst>
+            <p:seq concurrent="1" nextAc="seek">
+              <p:cTn id="2" dur="indefinite" nodeType="mainSeq">
+                <p:childTnLst>
+                  <p:par>
+                    <p:cTn id="3" fill="hold">
+                      <p:stCondLst>
+                        <p:cond delay="indefinite"/>
+                        <p:cond evt="onBegin" delay="0">
+                          <p:tn val="2"/>
+                        </p:cond>
+                      </p:stCondLst>
+                      <p:childTnLst>
+                        <p:par>
+                          <p:cTn id="4" fill="hold">
+                            <p:stCondLst>
+                              <p:cond delay="0"/>
+                            </p:stCondLst>
+                            <p:childTnLst>
+                              <p:par>
+                                <p:cTn id="5" presetID="1" presetClass="entr" presetSubtype="0" fill="hold" nodeType="afterEffect">
+                                  <p:stCondLst>
+                                    <p:cond delay="50"/>
+                                  </p:stCondLst>
+                                  <p:childTnLst>
+                                    <p:set>
+                                      <p:cBhvr>
+                                        <p:cTn id="6" dur="1" fill="hold">
+                                          <p:stCondLst>
+                                            <p:cond delay="0"/>
+                                          </p:stCondLst>
+                                        </p:cTn>
+                                        <p:tgtEl>
+                                          <p:spTgt spid="7"/>
+                                        </p:tgtEl>
+                                        <p:attrNameLst>
+                                          <p:attrName>style.visibility</p:attrName>
+                                        </p:attrNameLst>
+                                      </p:cBhvr>
+                                      <p:to>
+                                        <p:strVal val="visible"/>
+                                      </p:to>
+                                    </p:set>
+                                  </p:childTnLst>
+                                </p:cTn>
+                              </p:par>
+                            </p:childTnLst>
+                          </p:cTn>
+                        </p:par>
+                        <p:par>
+                          <p:cTn id="7" fill="hold">
+                            <p:stCondLst>
+                              <p:cond delay="50"/>
+                            </p:stCondLst>
+                            <p:childTnLst>
+                              <p:par>
+                                <p:cTn id="8" presetID="1" presetClass="entr" presetSubtype="0" fill="hold" grpId="0" nodeType="afterEffect">
+                                  <p:stCondLst>
+                                    <p:cond delay="0"/>
+                                  </p:stCondLst>
+                                  <p:childTnLst>
+                                    <p:set>
+                                      <p:cBhvr>
+                                        <p:cTn id="9" dur="1" fill="hold">
+                                          <p:stCondLst>
+                                            <p:cond delay="0"/>
+                                          </p:stCondLst>
+                                        </p:cTn>
+                                        <p:tgtEl>
+                                          <p:spTgt spid="10"/>
+                                        </p:tgtEl>
+                                        <p:attrNameLst>
+                                          <p:attrName>style.visibility</p:attrName>
+                                        </p:attrNameLst>
+                                      </p:cBhvr>
+                                      <p:to>
+                                        <p:strVal val="visible"/>
+                                      </p:to>
+                                    </p:set>
+                                  </p:childTnLst>
+                                </p:cTn>
+                              </p:par>
+                            </p:childTnLst>
+                          </p:cTn>
+                        </p:par>
+                      </p:childTnLst>
+                    </p:cTn>
+                  </p:par>
+                </p:childTnLst>
+              </p:cTn>
+              <p:prevCondLst>
+                <p:cond evt="onPrev" delay="0">
+                  <p:tgtEl>
+                    <p:sldTgt/>
+                  </p:tgtEl>
+                </p:cond>
+              </p:prevCondLst>
+              <p:nextCondLst>
+                <p:cond evt="onNext" delay="0">
+                  <p:tgtEl>
+                    <p:sldTgt/>
+                  </p:tgtEl>
+                </p:cond>
+              </p:nextCondLst>
+            </p:seq>
+          </p:childTnLst>
+        </p:cTn>
+      </p:par>
+    </p:tnLst>
+    <p:bldLst>
+      <p:bldP spid="10" grpId="0" animBg="1"/>
+    </p:bldLst>
+  </p:timing>
 </p:sld>
 </file>
 

--- a/Current Presentation/Charlie Fall Term 2024 presentation.pptx
+++ b/Current Presentation/Charlie Fall Term 2024 presentation.pptx
@@ -4984,7 +4984,10 @@
           <a:bodyPr/>
           <a:lstStyle/>
           <a:p>
-            <a:endParaRPr lang="en-US"/>
+            <a:r>
+              <a:rPr lang="en-US"/>
+              <a:t>T</a:t>
+            </a:r>
           </a:p>
         </p:txBody>
       </p:sp>

--- a/Current Presentation/Charlie Fall Term 2024 presentation.pptx
+++ b/Current Presentation/Charlie Fall Term 2024 presentation.pptx
@@ -4985,8 +4985,8 @@
           <a:lstStyle/>
           <a:p>
             <a:r>
-              <a:rPr lang="en-US"/>
-              <a:t>T</a:t>
+              <a:rPr lang="en-US" dirty="0"/>
+              <a:t>3 things I learned in core</a:t>
             </a:r>
           </a:p>
         </p:txBody>
@@ -5012,7 +5012,7 @@
           <a:bodyPr/>
           <a:lstStyle/>
           <a:p>
-            <a:endParaRPr lang="en-US"/>
+            <a:endParaRPr lang="en-US" dirty="0"/>
           </a:p>
         </p:txBody>
       </p:sp>
@@ -5067,7 +5067,10 @@
           <a:bodyPr/>
           <a:lstStyle/>
           <a:p>
-            <a:endParaRPr lang="en-US"/>
+            <a:r>
+              <a:rPr lang="en-US" dirty="0"/>
+              <a:t>3 Things I leaned in Tech</a:t>
+            </a:r>
           </a:p>
         </p:txBody>
       </p:sp>
@@ -5092,7 +5095,29 @@
           <a:bodyPr/>
           <a:lstStyle/>
           <a:p>
-            <a:endParaRPr lang="en-US"/>
+            <a:r>
+              <a:rPr lang="en-US" dirty="0"/>
+              <a:t>How to make a close button which requires a confirmation period</a:t>
+            </a:r>
+          </a:p>
+          <a:p>
+            <a:pPr lvl="1"/>
+            <a:r>
+              <a:rPr lang="en-US" dirty="0"/>
+              <a:t>My own invention</a:t>
+            </a:r>
+          </a:p>
+          <a:p>
+            <a:r>
+              <a:rPr lang="en-US" dirty="0"/>
+              <a:t>How to make multiple buttons be bonded to a single event</a:t>
+            </a:r>
+          </a:p>
+          <a:p>
+            <a:r>
+              <a:rPr lang="en-US" dirty="0"/>
+              <a:t>How to integrate </a:t>
+            </a:r>
           </a:p>
         </p:txBody>
       </p:sp>

--- a/Current Presentation/Charlie Fall Term 2024 presentation.pptx
+++ b/Current Presentation/Charlie Fall Term 2024 presentation.pptx
@@ -9,7 +9,8 @@
     <p:sldId id="258" r:id="rId3"/>
     <p:sldId id="259" r:id="rId4"/>
     <p:sldId id="260" r:id="rId5"/>
-    <p:sldId id="257" r:id="rId6"/>
+    <p:sldId id="261" r:id="rId6"/>
+    <p:sldId id="257" r:id="rId7"/>
   </p:sldIdLst>
   <p:sldSz cx="12192000" cy="6858000"/>
   <p:notesSz cx="6858000" cy="9144000"/>
@@ -263,7 +264,7 @@
           <a:p>
             <a:fld id="{0F2E0057-352E-4528-A89B-462E0D2D677A}" type="datetimeFigureOut">
               <a:rPr lang="en-US" smtClean="0"/>
-              <a:t>12/16/2024</a:t>
+              <a:t>12/17/2024</a:t>
             </a:fld>
             <a:endParaRPr lang="en-US"/>
           </a:p>
@@ -461,7 +462,7 @@
           <a:p>
             <a:fld id="{0F2E0057-352E-4528-A89B-462E0D2D677A}" type="datetimeFigureOut">
               <a:rPr lang="en-US" smtClean="0"/>
-              <a:t>12/16/2024</a:t>
+              <a:t>12/17/2024</a:t>
             </a:fld>
             <a:endParaRPr lang="en-US"/>
           </a:p>
@@ -669,7 +670,7 @@
           <a:p>
             <a:fld id="{0F2E0057-352E-4528-A89B-462E0D2D677A}" type="datetimeFigureOut">
               <a:rPr lang="en-US" smtClean="0"/>
-              <a:t>12/16/2024</a:t>
+              <a:t>12/17/2024</a:t>
             </a:fld>
             <a:endParaRPr lang="en-US"/>
           </a:p>
@@ -867,7 +868,7 @@
           <a:p>
             <a:fld id="{0F2E0057-352E-4528-A89B-462E0D2D677A}" type="datetimeFigureOut">
               <a:rPr lang="en-US" smtClean="0"/>
-              <a:t>12/16/2024</a:t>
+              <a:t>12/17/2024</a:t>
             </a:fld>
             <a:endParaRPr lang="en-US"/>
           </a:p>
@@ -1142,7 +1143,7 @@
           <a:p>
             <a:fld id="{0F2E0057-352E-4528-A89B-462E0D2D677A}" type="datetimeFigureOut">
               <a:rPr lang="en-US" smtClean="0"/>
-              <a:t>12/16/2024</a:t>
+              <a:t>12/17/2024</a:t>
             </a:fld>
             <a:endParaRPr lang="en-US"/>
           </a:p>
@@ -1407,7 +1408,7 @@
           <a:p>
             <a:fld id="{0F2E0057-352E-4528-A89B-462E0D2D677A}" type="datetimeFigureOut">
               <a:rPr lang="en-US" smtClean="0"/>
-              <a:t>12/16/2024</a:t>
+              <a:t>12/17/2024</a:t>
             </a:fld>
             <a:endParaRPr lang="en-US"/>
           </a:p>
@@ -1819,7 +1820,7 @@
           <a:p>
             <a:fld id="{0F2E0057-352E-4528-A89B-462E0D2D677A}" type="datetimeFigureOut">
               <a:rPr lang="en-US" smtClean="0"/>
-              <a:t>12/16/2024</a:t>
+              <a:t>12/17/2024</a:t>
             </a:fld>
             <a:endParaRPr lang="en-US"/>
           </a:p>
@@ -1960,7 +1961,7 @@
           <a:p>
             <a:fld id="{0F2E0057-352E-4528-A89B-462E0D2D677A}" type="datetimeFigureOut">
               <a:rPr lang="en-US" smtClean="0"/>
-              <a:t>12/16/2024</a:t>
+              <a:t>12/17/2024</a:t>
             </a:fld>
             <a:endParaRPr lang="en-US"/>
           </a:p>
@@ -2073,7 +2074,7 @@
           <a:p>
             <a:fld id="{0F2E0057-352E-4528-A89B-462E0D2D677A}" type="datetimeFigureOut">
               <a:rPr lang="en-US" smtClean="0"/>
-              <a:t>12/16/2024</a:t>
+              <a:t>12/17/2024</a:t>
             </a:fld>
             <a:endParaRPr lang="en-US"/>
           </a:p>
@@ -2384,7 +2385,7 @@
           <a:p>
             <a:fld id="{0F2E0057-352E-4528-A89B-462E0D2D677A}" type="datetimeFigureOut">
               <a:rPr lang="en-US" smtClean="0"/>
-              <a:t>12/16/2024</a:t>
+              <a:t>12/17/2024</a:t>
             </a:fld>
             <a:endParaRPr lang="en-US"/>
           </a:p>
@@ -2672,7 +2673,7 @@
           <a:p>
             <a:fld id="{0F2E0057-352E-4528-A89B-462E0D2D677A}" type="datetimeFigureOut">
               <a:rPr lang="en-US" smtClean="0"/>
-              <a:t>12/16/2024</a:t>
+              <a:t>12/17/2024</a:t>
             </a:fld>
             <a:endParaRPr lang="en-US"/>
           </a:p>
@@ -2913,7 +2914,7 @@
           <a:p>
             <a:fld id="{0F2E0057-352E-4528-A89B-462E0D2D677A}" type="datetimeFigureOut">
               <a:rPr lang="en-US" smtClean="0"/>
-              <a:t>12/16/2024</a:t>
+              <a:t>12/17/2024</a:t>
             </a:fld>
             <a:endParaRPr lang="en-US"/>
           </a:p>
@@ -5172,7 +5173,7 @@
           <a:bodyPr/>
           <a:lstStyle/>
           <a:p>
-            <a:endParaRPr lang="en-US"/>
+            <a:endParaRPr lang="en-US" dirty="0"/>
           </a:p>
         </p:txBody>
       </p:sp>
@@ -5197,7 +5198,7 @@
           <a:bodyPr/>
           <a:lstStyle/>
           <a:p>
-            <a:endParaRPr lang="en-US"/>
+            <a:endParaRPr lang="en-US" dirty="0"/>
           </a:p>
         </p:txBody>
       </p:sp>
@@ -5215,6 +5216,988 @@
 </file>
 
 <file path=ppt/slides/slide5.xml><?xml version="1.0" encoding="utf-8"?>
+<p:sld xmlns:a="http://schemas.openxmlformats.org/drawingml/2006/main" xmlns:r="http://schemas.openxmlformats.org/officeDocument/2006/relationships" xmlns:p="http://schemas.openxmlformats.org/presentationml/2006/main">
+  <p:cSld>
+    <p:spTree>
+      <p:nvGrpSpPr>
+        <p:cNvPr id="1" name="">
+          <a:extLst>
+            <a:ext uri="{FF2B5EF4-FFF2-40B4-BE49-F238E27FC236}">
+              <a16:creationId xmlns:a16="http://schemas.microsoft.com/office/drawing/2014/main" id="{0AFE136E-8BDA-8972-CB21-84FCB28D1276}"/>
+            </a:ext>
+          </a:extLst>
+        </p:cNvPr>
+        <p:cNvGrpSpPr/>
+        <p:nvPr/>
+      </p:nvGrpSpPr>
+      <p:grpSpPr>
+        <a:xfrm>
+          <a:off x="0" y="0"/>
+          <a:ext cx="0" cy="0"/>
+          <a:chOff x="0" y="0"/>
+          <a:chExt cx="0" cy="0"/>
+        </a:xfrm>
+      </p:grpSpPr>
+      <p:sp>
+        <p:nvSpPr>
+          <p:cNvPr id="2" name="Title 1">
+            <a:extLst>
+              <a:ext uri="{FF2B5EF4-FFF2-40B4-BE49-F238E27FC236}">
+                <a16:creationId xmlns:a16="http://schemas.microsoft.com/office/drawing/2014/main" id="{13B55C62-95F7-FAF1-84C6-B31ED372A592}"/>
+              </a:ext>
+            </a:extLst>
+          </p:cNvPr>
+          <p:cNvSpPr>
+            <a:spLocks noGrp="1"/>
+          </p:cNvSpPr>
+          <p:nvPr>
+            <p:ph type="title"/>
+          </p:nvPr>
+        </p:nvSpPr>
+        <p:spPr>
+          <a:xfrm>
+            <a:off x="838200" y="365125"/>
+            <a:ext cx="4386943" cy="1325563"/>
+          </a:xfrm>
+        </p:spPr>
+        <p:txBody>
+          <a:bodyPr/>
+          <a:lstStyle/>
+          <a:p>
+            <a:r>
+              <a:rPr lang="en-US" dirty="0"/>
+              <a:t>Things I learned in</a:t>
+            </a:r>
+          </a:p>
+        </p:txBody>
+      </p:sp>
+      <p:sp>
+        <p:nvSpPr>
+          <p:cNvPr id="3" name="Content Placeholder 2">
+            <a:extLst>
+              <a:ext uri="{FF2B5EF4-FFF2-40B4-BE49-F238E27FC236}">
+                <a16:creationId xmlns:a16="http://schemas.microsoft.com/office/drawing/2014/main" id="{A5FAFFA8-C817-A0EA-E685-B47FF3BE602D}"/>
+              </a:ext>
+            </a:extLst>
+          </p:cNvPr>
+          <p:cNvSpPr>
+            <a:spLocks noGrp="1"/>
+          </p:cNvSpPr>
+          <p:nvPr>
+            <p:ph idx="1"/>
+          </p:nvPr>
+        </p:nvSpPr>
+        <p:spPr/>
+        <p:txBody>
+          <a:bodyPr/>
+          <a:lstStyle/>
+          <a:p>
+            <a:r>
+              <a:rPr lang="en-US" dirty="0"/>
+              <a:t>Club</a:t>
+            </a:r>
+          </a:p>
+        </p:txBody>
+      </p:sp>
+      <p:sp>
+        <p:nvSpPr>
+          <p:cNvPr id="9" name="Title 1">
+            <a:extLst>
+              <a:ext uri="{FF2B5EF4-FFF2-40B4-BE49-F238E27FC236}">
+                <a16:creationId xmlns:a16="http://schemas.microsoft.com/office/drawing/2014/main" id="{21D7A7A9-F34F-2B4D-CA57-769F0F0FD743}"/>
+              </a:ext>
+            </a:extLst>
+          </p:cNvPr>
+          <p:cNvSpPr txBox="1">
+            <a:spLocks/>
+          </p:cNvSpPr>
+          <p:nvPr/>
+        </p:nvSpPr>
+        <p:spPr>
+          <a:xfrm>
+            <a:off x="4846320" y="365760"/>
+            <a:ext cx="1687284" cy="1235075"/>
+          </a:xfrm>
+          <a:prstGeom prst="rect">
+            <a:avLst/>
+          </a:prstGeom>
+        </p:spPr>
+        <p:txBody>
+          <a:bodyPr vert="horz" lIns="91440" tIns="45720" rIns="91440" bIns="45720" rtlCol="0" anchor="ctr">
+            <a:normAutofit/>
+          </a:bodyPr>
+          <a:lstStyle>
+            <a:lvl1pPr algn="l" defTabSz="914400" rtl="0" eaLnBrk="1" latinLnBrk="0" hangingPunct="1">
+              <a:lnSpc>
+                <a:spcPct val="90000"/>
+              </a:lnSpc>
+              <a:spcBef>
+                <a:spcPct val="0"/>
+              </a:spcBef>
+              <a:buNone/>
+              <a:defRPr sz="4400" kern="1200">
+                <a:solidFill>
+                  <a:schemeClr val="tx1"/>
+                </a:solidFill>
+                <a:latin typeface="+mj-lt"/>
+                <a:ea typeface="+mj-ea"/>
+                <a:cs typeface="+mj-cs"/>
+              </a:defRPr>
+            </a:lvl1pPr>
+          </a:lstStyle>
+          <a:p>
+            <a:r>
+              <a:rPr lang="en-US" dirty="0"/>
+              <a:t>: Club</a:t>
+            </a:r>
+          </a:p>
+        </p:txBody>
+      </p:sp>
+      <p:sp>
+        <p:nvSpPr>
+          <p:cNvPr id="10" name="Title 1">
+            <a:extLst>
+              <a:ext uri="{FF2B5EF4-FFF2-40B4-BE49-F238E27FC236}">
+                <a16:creationId xmlns:a16="http://schemas.microsoft.com/office/drawing/2014/main" id="{70EF77EA-E6C7-2AF1-E057-79D6941AA5BA}"/>
+              </a:ext>
+            </a:extLst>
+          </p:cNvPr>
+          <p:cNvSpPr txBox="1">
+            <a:spLocks/>
+          </p:cNvSpPr>
+          <p:nvPr/>
+        </p:nvSpPr>
+        <p:spPr>
+          <a:xfrm>
+            <a:off x="4846320" y="365760"/>
+            <a:ext cx="1790700" cy="1235075"/>
+          </a:xfrm>
+          <a:prstGeom prst="rect">
+            <a:avLst/>
+          </a:prstGeom>
+        </p:spPr>
+        <p:txBody>
+          <a:bodyPr vert="horz" lIns="91440" tIns="45720" rIns="91440" bIns="45720" rtlCol="0" anchor="ctr">
+            <a:normAutofit/>
+          </a:bodyPr>
+          <a:lstStyle>
+            <a:lvl1pPr algn="l" defTabSz="914400" rtl="0" eaLnBrk="1" latinLnBrk="0" hangingPunct="1">
+              <a:lnSpc>
+                <a:spcPct val="90000"/>
+              </a:lnSpc>
+              <a:spcBef>
+                <a:spcPct val="0"/>
+              </a:spcBef>
+              <a:buNone/>
+              <a:defRPr sz="4400" kern="1200">
+                <a:solidFill>
+                  <a:schemeClr val="tx1"/>
+                </a:solidFill>
+                <a:latin typeface="+mj-lt"/>
+                <a:ea typeface="+mj-ea"/>
+                <a:cs typeface="+mj-cs"/>
+              </a:defRPr>
+            </a:lvl1pPr>
+          </a:lstStyle>
+          <a:p>
+            <a:r>
+              <a:rPr lang="en-US" dirty="0"/>
+              <a:t>  Club</a:t>
+            </a:r>
+          </a:p>
+        </p:txBody>
+      </p:sp>
+      <p:sp>
+        <p:nvSpPr>
+          <p:cNvPr id="14" name="Title 1">
+            <a:extLst>
+              <a:ext uri="{FF2B5EF4-FFF2-40B4-BE49-F238E27FC236}">
+                <a16:creationId xmlns:a16="http://schemas.microsoft.com/office/drawing/2014/main" id="{13BD8BF4-2F9A-CD30-D7C8-1A7656E3C2E4}"/>
+              </a:ext>
+            </a:extLst>
+          </p:cNvPr>
+          <p:cNvSpPr txBox="1">
+            <a:spLocks/>
+          </p:cNvSpPr>
+          <p:nvPr/>
+        </p:nvSpPr>
+        <p:spPr>
+          <a:xfrm>
+            <a:off x="4846320" y="365760"/>
+            <a:ext cx="1790700" cy="1235075"/>
+          </a:xfrm>
+          <a:prstGeom prst="rect">
+            <a:avLst/>
+          </a:prstGeom>
+        </p:spPr>
+        <p:txBody>
+          <a:bodyPr vert="horz" lIns="91440" tIns="45720" rIns="91440" bIns="45720" rtlCol="0" anchor="ctr">
+            <a:normAutofit/>
+          </a:bodyPr>
+          <a:lstStyle>
+            <a:lvl1pPr algn="l" defTabSz="914400" rtl="0" eaLnBrk="1" latinLnBrk="0" hangingPunct="1">
+              <a:lnSpc>
+                <a:spcPct val="90000"/>
+              </a:lnSpc>
+              <a:spcBef>
+                <a:spcPct val="0"/>
+              </a:spcBef>
+              <a:buNone/>
+              <a:defRPr sz="4400" kern="1200">
+                <a:solidFill>
+                  <a:schemeClr val="tx1"/>
+                </a:solidFill>
+                <a:latin typeface="+mj-lt"/>
+                <a:ea typeface="+mj-ea"/>
+                <a:cs typeface="+mj-cs"/>
+              </a:defRPr>
+            </a:lvl1pPr>
+          </a:lstStyle>
+          <a:p>
+            <a:r>
+              <a:rPr lang="en-US" dirty="0"/>
+              <a:t>b  Club</a:t>
+            </a:r>
+          </a:p>
+        </p:txBody>
+      </p:sp>
+      <p:sp>
+        <p:nvSpPr>
+          <p:cNvPr id="15" name="Title 1">
+            <a:extLst>
+              <a:ext uri="{FF2B5EF4-FFF2-40B4-BE49-F238E27FC236}">
+                <a16:creationId xmlns:a16="http://schemas.microsoft.com/office/drawing/2014/main" id="{E04C9E5A-D129-9945-3C5B-EBF40901E178}"/>
+              </a:ext>
+            </a:extLst>
+          </p:cNvPr>
+          <p:cNvSpPr txBox="1">
+            <a:spLocks/>
+          </p:cNvSpPr>
+          <p:nvPr/>
+        </p:nvSpPr>
+        <p:spPr>
+          <a:xfrm>
+            <a:off x="4846320" y="365760"/>
+            <a:ext cx="2362200" cy="1235075"/>
+          </a:xfrm>
+          <a:prstGeom prst="rect">
+            <a:avLst/>
+          </a:prstGeom>
+        </p:spPr>
+        <p:txBody>
+          <a:bodyPr vert="horz" lIns="91440" tIns="45720" rIns="91440" bIns="45720" rtlCol="0" anchor="ctr">
+            <a:normAutofit/>
+          </a:bodyPr>
+          <a:lstStyle>
+            <a:lvl1pPr algn="l" defTabSz="914400" rtl="0" eaLnBrk="1" latinLnBrk="0" hangingPunct="1">
+              <a:lnSpc>
+                <a:spcPct val="90000"/>
+              </a:lnSpc>
+              <a:spcBef>
+                <a:spcPct val="0"/>
+              </a:spcBef>
+              <a:buNone/>
+              <a:defRPr sz="4400" kern="1200">
+                <a:solidFill>
+                  <a:schemeClr val="tx1"/>
+                </a:solidFill>
+                <a:latin typeface="+mj-lt"/>
+                <a:ea typeface="+mj-ea"/>
+                <a:cs typeface="+mj-cs"/>
+              </a:defRPr>
+            </a:lvl1pPr>
+          </a:lstStyle>
+          <a:p>
+            <a:r>
+              <a:rPr lang="en-US" dirty="0" err="1"/>
+              <a:t>bo</a:t>
+            </a:r>
+            <a:r>
+              <a:rPr lang="en-US" dirty="0"/>
+              <a:t>  Club</a:t>
+            </a:r>
+          </a:p>
+        </p:txBody>
+      </p:sp>
+      <p:sp>
+        <p:nvSpPr>
+          <p:cNvPr id="16" name="Title 1">
+            <a:extLst>
+              <a:ext uri="{FF2B5EF4-FFF2-40B4-BE49-F238E27FC236}">
+                <a16:creationId xmlns:a16="http://schemas.microsoft.com/office/drawing/2014/main" id="{2E1FC969-6EB9-3264-A6F1-95CD06C56704}"/>
+              </a:ext>
+            </a:extLst>
+          </p:cNvPr>
+          <p:cNvSpPr txBox="1">
+            <a:spLocks/>
+          </p:cNvSpPr>
+          <p:nvPr/>
+        </p:nvSpPr>
+        <p:spPr>
+          <a:xfrm>
+            <a:off x="4846320" y="365760"/>
+            <a:ext cx="2362200" cy="1235075"/>
+          </a:xfrm>
+          <a:prstGeom prst="rect">
+            <a:avLst/>
+          </a:prstGeom>
+        </p:spPr>
+        <p:txBody>
+          <a:bodyPr vert="horz" lIns="91440" tIns="45720" rIns="91440" bIns="45720" rtlCol="0" anchor="ctr">
+            <a:normAutofit/>
+          </a:bodyPr>
+          <a:lstStyle>
+            <a:lvl1pPr algn="l" defTabSz="914400" rtl="0" eaLnBrk="1" latinLnBrk="0" hangingPunct="1">
+              <a:lnSpc>
+                <a:spcPct val="90000"/>
+              </a:lnSpc>
+              <a:spcBef>
+                <a:spcPct val="0"/>
+              </a:spcBef>
+              <a:buNone/>
+              <a:defRPr sz="4400" kern="1200">
+                <a:solidFill>
+                  <a:schemeClr val="tx1"/>
+                </a:solidFill>
+                <a:latin typeface="+mj-lt"/>
+                <a:ea typeface="+mj-ea"/>
+                <a:cs typeface="+mj-cs"/>
+              </a:defRPr>
+            </a:lvl1pPr>
+          </a:lstStyle>
+          <a:p>
+            <a:r>
+              <a:rPr lang="en-US" dirty="0"/>
+              <a:t>bot  Club</a:t>
+            </a:r>
+          </a:p>
+        </p:txBody>
+      </p:sp>
+      <p:sp>
+        <p:nvSpPr>
+          <p:cNvPr id="17" name="Title 1">
+            <a:extLst>
+              <a:ext uri="{FF2B5EF4-FFF2-40B4-BE49-F238E27FC236}">
+                <a16:creationId xmlns:a16="http://schemas.microsoft.com/office/drawing/2014/main" id="{32710B04-BB44-2B72-F849-6AA33F7A48E1}"/>
+              </a:ext>
+            </a:extLst>
+          </p:cNvPr>
+          <p:cNvSpPr txBox="1">
+            <a:spLocks/>
+          </p:cNvSpPr>
+          <p:nvPr/>
+        </p:nvSpPr>
+        <p:spPr>
+          <a:xfrm>
+            <a:off x="4846320" y="365760"/>
+            <a:ext cx="2525486" cy="1235075"/>
+          </a:xfrm>
+          <a:prstGeom prst="rect">
+            <a:avLst/>
+          </a:prstGeom>
+        </p:spPr>
+        <p:txBody>
+          <a:bodyPr vert="horz" lIns="91440" tIns="45720" rIns="91440" bIns="45720" rtlCol="0" anchor="ctr">
+            <a:normAutofit/>
+          </a:bodyPr>
+          <a:lstStyle>
+            <a:lvl1pPr algn="l" defTabSz="914400" rtl="0" eaLnBrk="1" latinLnBrk="0" hangingPunct="1">
+              <a:lnSpc>
+                <a:spcPct val="90000"/>
+              </a:lnSpc>
+              <a:spcBef>
+                <a:spcPct val="0"/>
+              </a:spcBef>
+              <a:buNone/>
+              <a:defRPr sz="4400" kern="1200">
+                <a:solidFill>
+                  <a:schemeClr val="tx1"/>
+                </a:solidFill>
+                <a:latin typeface="+mj-lt"/>
+                <a:ea typeface="+mj-ea"/>
+                <a:cs typeface="+mj-cs"/>
+              </a:defRPr>
+            </a:lvl1pPr>
+          </a:lstStyle>
+          <a:p>
+            <a:r>
+              <a:rPr lang="en-US" dirty="0"/>
+              <a:t>both  Club</a:t>
+            </a:r>
+          </a:p>
+        </p:txBody>
+      </p:sp>
+    </p:spTree>
+    <p:extLst>
+      <p:ext uri="{BB962C8B-B14F-4D97-AF65-F5344CB8AC3E}">
+        <p14:creationId xmlns:p14="http://schemas.microsoft.com/office/powerpoint/2010/main" val="720559635"/>
+      </p:ext>
+    </p:extLst>
+  </p:cSld>
+  <p:clrMapOvr>
+    <a:masterClrMapping/>
+  </p:clrMapOvr>
+  <p:timing>
+    <p:tnLst>
+      <p:par>
+        <p:cTn id="1" dur="indefinite" restart="never" nodeType="tmRoot">
+          <p:childTnLst>
+            <p:seq concurrent="1" nextAc="seek">
+              <p:cTn id="2" dur="indefinite" nodeType="mainSeq">
+                <p:childTnLst>
+                  <p:par>
+                    <p:cTn id="3" fill="hold">
+                      <p:stCondLst>
+                        <p:cond delay="indefinite"/>
+                      </p:stCondLst>
+                      <p:childTnLst>
+                        <p:par>
+                          <p:cTn id="4" fill="hold">
+                            <p:stCondLst>
+                              <p:cond delay="0"/>
+                            </p:stCondLst>
+                            <p:childTnLst>
+                              <p:par>
+                                <p:cTn id="5" presetID="1" presetClass="entr" presetSubtype="0" fill="hold" grpId="0" nodeType="clickEffect">
+                                  <p:stCondLst>
+                                    <p:cond delay="0"/>
+                                  </p:stCondLst>
+                                  <p:iterate type="lt">
+                                    <p:tmAbs val="100"/>
+                                  </p:iterate>
+                                  <p:childTnLst>
+                                    <p:set>
+                                      <p:cBhvr>
+                                        <p:cTn id="6" dur="1" fill="hold">
+                                          <p:stCondLst>
+                                            <p:cond delay="0"/>
+                                          </p:stCondLst>
+                                        </p:cTn>
+                                        <p:tgtEl>
+                                          <p:spTgt spid="2"/>
+                                        </p:tgtEl>
+                                        <p:attrNameLst>
+                                          <p:attrName>style.visibility</p:attrName>
+                                        </p:attrNameLst>
+                                      </p:cBhvr>
+                                      <p:to>
+                                        <p:strVal val="visible"/>
+                                      </p:to>
+                                    </p:set>
+                                  </p:childTnLst>
+                                </p:cTn>
+                              </p:par>
+                            </p:childTnLst>
+                          </p:cTn>
+                        </p:par>
+                        <p:par>
+                          <p:cTn id="7" fill="hold">
+                            <p:stCondLst>
+                              <p:cond delay="1501"/>
+                            </p:stCondLst>
+                            <p:childTnLst>
+                              <p:par>
+                                <p:cTn id="8" presetID="1" presetClass="entr" presetSubtype="0" fill="hold" grpId="0" nodeType="afterEffect">
+                                  <p:stCondLst>
+                                    <p:cond delay="0"/>
+                                  </p:stCondLst>
+                                  <p:iterate type="lt">
+                                    <p:tmAbs val="100"/>
+                                  </p:iterate>
+                                  <p:childTnLst>
+                                    <p:set>
+                                      <p:cBhvr>
+                                        <p:cTn id="9" dur="1" fill="hold">
+                                          <p:stCondLst>
+                                            <p:cond delay="0"/>
+                                          </p:stCondLst>
+                                        </p:cTn>
+                                        <p:tgtEl>
+                                          <p:spTgt spid="9"/>
+                                        </p:tgtEl>
+                                        <p:attrNameLst>
+                                          <p:attrName>style.visibility</p:attrName>
+                                        </p:attrNameLst>
+                                      </p:cBhvr>
+                                      <p:to>
+                                        <p:strVal val="visible"/>
+                                      </p:to>
+                                    </p:set>
+                                  </p:childTnLst>
+                                </p:cTn>
+                              </p:par>
+                            </p:childTnLst>
+                          </p:cTn>
+                        </p:par>
+                      </p:childTnLst>
+                    </p:cTn>
+                  </p:par>
+                  <p:par>
+                    <p:cTn id="10" fill="hold">
+                      <p:stCondLst>
+                        <p:cond delay="indefinite"/>
+                      </p:stCondLst>
+                      <p:childTnLst>
+                        <p:par>
+                          <p:cTn id="11" fill="hold">
+                            <p:stCondLst>
+                              <p:cond delay="0"/>
+                            </p:stCondLst>
+                            <p:childTnLst>
+                              <p:par>
+                                <p:cTn id="12" presetID="10" presetClass="entr" presetSubtype="0" fill="hold" grpId="0" nodeType="clickEffect">
+                                  <p:stCondLst>
+                                    <p:cond delay="0"/>
+                                  </p:stCondLst>
+                                  <p:childTnLst>
+                                    <p:set>
+                                      <p:cBhvr>
+                                        <p:cTn id="13" dur="1" fill="hold">
+                                          <p:stCondLst>
+                                            <p:cond delay="0"/>
+                                          </p:stCondLst>
+                                        </p:cTn>
+                                        <p:tgtEl>
+                                          <p:spTgt spid="3">
+                                            <p:txEl>
+                                              <p:pRg st="0" end="0"/>
+                                            </p:txEl>
+                                          </p:spTgt>
+                                        </p:tgtEl>
+                                        <p:attrNameLst>
+                                          <p:attrName>style.visibility</p:attrName>
+                                        </p:attrNameLst>
+                                      </p:cBhvr>
+                                      <p:to>
+                                        <p:strVal val="visible"/>
+                                      </p:to>
+                                    </p:set>
+                                    <p:animEffect transition="in" filter="fade">
+                                      <p:cBhvr>
+                                        <p:cTn id="14" dur="500"/>
+                                        <p:tgtEl>
+                                          <p:spTgt spid="3">
+                                            <p:txEl>
+                                              <p:pRg st="0" end="0"/>
+                                            </p:txEl>
+                                          </p:spTgt>
+                                        </p:tgtEl>
+                                      </p:cBhvr>
+                                    </p:animEffect>
+                                  </p:childTnLst>
+                                </p:cTn>
+                              </p:par>
+                            </p:childTnLst>
+                          </p:cTn>
+                        </p:par>
+                      </p:childTnLst>
+                    </p:cTn>
+                  </p:par>
+                  <p:par>
+                    <p:cTn id="15" fill="hold">
+                      <p:stCondLst>
+                        <p:cond delay="indefinite"/>
+                      </p:stCondLst>
+                      <p:childTnLst>
+                        <p:par>
+                          <p:cTn id="16" fill="hold">
+                            <p:stCondLst>
+                              <p:cond delay="0"/>
+                            </p:stCondLst>
+                            <p:childTnLst>
+                              <p:par>
+                                <p:cTn id="17" presetID="1" presetClass="exit" presetSubtype="0" fill="hold" grpId="1" nodeType="clickEffect">
+                                  <p:stCondLst>
+                                    <p:cond delay="0"/>
+                                  </p:stCondLst>
+                                  <p:iterate type="lt">
+                                    <p:tmAbs val="0"/>
+                                  </p:iterate>
+                                  <p:childTnLst>
+                                    <p:set>
+                                      <p:cBhvr>
+                                        <p:cTn id="18" dur="1" fill="hold">
+                                          <p:stCondLst>
+                                            <p:cond delay="0"/>
+                                          </p:stCondLst>
+                                        </p:cTn>
+                                        <p:tgtEl>
+                                          <p:spTgt spid="9"/>
+                                        </p:tgtEl>
+                                        <p:attrNameLst>
+                                          <p:attrName>style.visibility</p:attrName>
+                                        </p:attrNameLst>
+                                      </p:cBhvr>
+                                      <p:to>
+                                        <p:strVal val="hidden"/>
+                                      </p:to>
+                                    </p:set>
+                                  </p:childTnLst>
+                                </p:cTn>
+                              </p:par>
+                              <p:par>
+                                <p:cTn id="19" presetID="1" presetClass="entr" presetSubtype="0" fill="hold" grpId="0" nodeType="withEffect">
+                                  <p:stCondLst>
+                                    <p:cond delay="0"/>
+                                  </p:stCondLst>
+                                  <p:childTnLst>
+                                    <p:set>
+                                      <p:cBhvr>
+                                        <p:cTn id="20" dur="1" fill="hold">
+                                          <p:stCondLst>
+                                            <p:cond delay="0"/>
+                                          </p:stCondLst>
+                                        </p:cTn>
+                                        <p:tgtEl>
+                                          <p:spTgt spid="10"/>
+                                        </p:tgtEl>
+                                        <p:attrNameLst>
+                                          <p:attrName>style.visibility</p:attrName>
+                                        </p:attrNameLst>
+                                      </p:cBhvr>
+                                      <p:to>
+                                        <p:strVal val="visible"/>
+                                      </p:to>
+                                    </p:set>
+                                  </p:childTnLst>
+                                </p:cTn>
+                              </p:par>
+                            </p:childTnLst>
+                          </p:cTn>
+                        </p:par>
+                        <p:par>
+                          <p:cTn id="21" fill="hold">
+                            <p:stCondLst>
+                              <p:cond delay="0"/>
+                            </p:stCondLst>
+                            <p:childTnLst>
+                              <p:par>
+                                <p:cTn id="22" presetID="1" presetClass="exit" presetSubtype="0" fill="hold" grpId="1" nodeType="afterEffect">
+                                  <p:stCondLst>
+                                    <p:cond delay="100"/>
+                                  </p:stCondLst>
+                                  <p:childTnLst>
+                                    <p:set>
+                                      <p:cBhvr>
+                                        <p:cTn id="23" dur="1" fill="hold">
+                                          <p:stCondLst>
+                                            <p:cond delay="0"/>
+                                          </p:stCondLst>
+                                        </p:cTn>
+                                        <p:tgtEl>
+                                          <p:spTgt spid="10"/>
+                                        </p:tgtEl>
+                                        <p:attrNameLst>
+                                          <p:attrName>style.visibility</p:attrName>
+                                        </p:attrNameLst>
+                                      </p:cBhvr>
+                                      <p:to>
+                                        <p:strVal val="hidden"/>
+                                      </p:to>
+                                    </p:set>
+                                  </p:childTnLst>
+                                </p:cTn>
+                              </p:par>
+                              <p:par>
+                                <p:cTn id="24" presetID="1" presetClass="entr" presetSubtype="0" fill="hold" grpId="0" nodeType="withEffect">
+                                  <p:stCondLst>
+                                    <p:cond delay="100"/>
+                                  </p:stCondLst>
+                                  <p:childTnLst>
+                                    <p:set>
+                                      <p:cBhvr>
+                                        <p:cTn id="25" dur="1" fill="hold">
+                                          <p:stCondLst>
+                                            <p:cond delay="0"/>
+                                          </p:stCondLst>
+                                        </p:cTn>
+                                        <p:tgtEl>
+                                          <p:spTgt spid="14"/>
+                                        </p:tgtEl>
+                                        <p:attrNameLst>
+                                          <p:attrName>style.visibility</p:attrName>
+                                        </p:attrNameLst>
+                                      </p:cBhvr>
+                                      <p:to>
+                                        <p:strVal val="visible"/>
+                                      </p:to>
+                                    </p:set>
+                                  </p:childTnLst>
+                                </p:cTn>
+                              </p:par>
+                            </p:childTnLst>
+                          </p:cTn>
+                        </p:par>
+                        <p:par>
+                          <p:cTn id="26" fill="hold">
+                            <p:stCondLst>
+                              <p:cond delay="100"/>
+                            </p:stCondLst>
+                            <p:childTnLst>
+                              <p:par>
+                                <p:cTn id="27" presetID="1" presetClass="exit" presetSubtype="0" fill="hold" grpId="1" nodeType="afterEffect">
+                                  <p:stCondLst>
+                                    <p:cond delay="100"/>
+                                  </p:stCondLst>
+                                  <p:childTnLst>
+                                    <p:set>
+                                      <p:cBhvr>
+                                        <p:cTn id="28" dur="1" fill="hold">
+                                          <p:stCondLst>
+                                            <p:cond delay="0"/>
+                                          </p:stCondLst>
+                                        </p:cTn>
+                                        <p:tgtEl>
+                                          <p:spTgt spid="14"/>
+                                        </p:tgtEl>
+                                        <p:attrNameLst>
+                                          <p:attrName>style.visibility</p:attrName>
+                                        </p:attrNameLst>
+                                      </p:cBhvr>
+                                      <p:to>
+                                        <p:strVal val="hidden"/>
+                                      </p:to>
+                                    </p:set>
+                                  </p:childTnLst>
+                                </p:cTn>
+                              </p:par>
+                              <p:par>
+                                <p:cTn id="29" presetID="1" presetClass="entr" presetSubtype="0" fill="hold" grpId="0" nodeType="withEffect">
+                                  <p:stCondLst>
+                                    <p:cond delay="100"/>
+                                  </p:stCondLst>
+                                  <p:childTnLst>
+                                    <p:set>
+                                      <p:cBhvr>
+                                        <p:cTn id="30" dur="1" fill="hold">
+                                          <p:stCondLst>
+                                            <p:cond delay="0"/>
+                                          </p:stCondLst>
+                                        </p:cTn>
+                                        <p:tgtEl>
+                                          <p:spTgt spid="15"/>
+                                        </p:tgtEl>
+                                        <p:attrNameLst>
+                                          <p:attrName>style.visibility</p:attrName>
+                                        </p:attrNameLst>
+                                      </p:cBhvr>
+                                      <p:to>
+                                        <p:strVal val="visible"/>
+                                      </p:to>
+                                    </p:set>
+                                  </p:childTnLst>
+                                </p:cTn>
+                              </p:par>
+                            </p:childTnLst>
+                          </p:cTn>
+                        </p:par>
+                        <p:par>
+                          <p:cTn id="31" fill="hold">
+                            <p:stCondLst>
+                              <p:cond delay="200"/>
+                            </p:stCondLst>
+                            <p:childTnLst>
+                              <p:par>
+                                <p:cTn id="32" presetID="1" presetClass="exit" presetSubtype="0" fill="hold" grpId="1" nodeType="afterEffect">
+                                  <p:stCondLst>
+                                    <p:cond delay="100"/>
+                                  </p:stCondLst>
+                                  <p:childTnLst>
+                                    <p:set>
+                                      <p:cBhvr>
+                                        <p:cTn id="33" dur="1" fill="hold">
+                                          <p:stCondLst>
+                                            <p:cond delay="0"/>
+                                          </p:stCondLst>
+                                        </p:cTn>
+                                        <p:tgtEl>
+                                          <p:spTgt spid="15"/>
+                                        </p:tgtEl>
+                                        <p:attrNameLst>
+                                          <p:attrName>style.visibility</p:attrName>
+                                        </p:attrNameLst>
+                                      </p:cBhvr>
+                                      <p:to>
+                                        <p:strVal val="hidden"/>
+                                      </p:to>
+                                    </p:set>
+                                  </p:childTnLst>
+                                </p:cTn>
+                              </p:par>
+                              <p:par>
+                                <p:cTn id="34" presetID="1" presetClass="entr" presetSubtype="0" fill="hold" grpId="0" nodeType="withEffect">
+                                  <p:stCondLst>
+                                    <p:cond delay="100"/>
+                                  </p:stCondLst>
+                                  <p:childTnLst>
+                                    <p:set>
+                                      <p:cBhvr>
+                                        <p:cTn id="35" dur="1" fill="hold">
+                                          <p:stCondLst>
+                                            <p:cond delay="0"/>
+                                          </p:stCondLst>
+                                        </p:cTn>
+                                        <p:tgtEl>
+                                          <p:spTgt spid="16"/>
+                                        </p:tgtEl>
+                                        <p:attrNameLst>
+                                          <p:attrName>style.visibility</p:attrName>
+                                        </p:attrNameLst>
+                                      </p:cBhvr>
+                                      <p:to>
+                                        <p:strVal val="visible"/>
+                                      </p:to>
+                                    </p:set>
+                                  </p:childTnLst>
+                                </p:cTn>
+                              </p:par>
+                            </p:childTnLst>
+                          </p:cTn>
+                        </p:par>
+                        <p:par>
+                          <p:cTn id="36" fill="hold">
+                            <p:stCondLst>
+                              <p:cond delay="300"/>
+                            </p:stCondLst>
+                            <p:childTnLst>
+                              <p:par>
+                                <p:cTn id="37" presetID="1" presetClass="exit" presetSubtype="0" fill="hold" grpId="1" nodeType="afterEffect">
+                                  <p:stCondLst>
+                                    <p:cond delay="0"/>
+                                  </p:stCondLst>
+                                  <p:childTnLst>
+                                    <p:set>
+                                      <p:cBhvr>
+                                        <p:cTn id="38" dur="1" fill="hold">
+                                          <p:stCondLst>
+                                            <p:cond delay="0"/>
+                                          </p:stCondLst>
+                                        </p:cTn>
+                                        <p:tgtEl>
+                                          <p:spTgt spid="16"/>
+                                        </p:tgtEl>
+                                        <p:attrNameLst>
+                                          <p:attrName>style.visibility</p:attrName>
+                                        </p:attrNameLst>
+                                      </p:cBhvr>
+                                      <p:to>
+                                        <p:strVal val="hidden"/>
+                                      </p:to>
+                                    </p:set>
+                                  </p:childTnLst>
+                                </p:cTn>
+                              </p:par>
+                            </p:childTnLst>
+                          </p:cTn>
+                        </p:par>
+                        <p:par>
+                          <p:cTn id="39" fill="hold">
+                            <p:stCondLst>
+                              <p:cond delay="300"/>
+                            </p:stCondLst>
+                            <p:childTnLst>
+                              <p:par>
+                                <p:cTn id="40" presetID="1" presetClass="entr" presetSubtype="0" fill="hold" grpId="0" nodeType="afterEffect">
+                                  <p:stCondLst>
+                                    <p:cond delay="400"/>
+                                  </p:stCondLst>
+                                  <p:childTnLst>
+                                    <p:set>
+                                      <p:cBhvr>
+                                        <p:cTn id="41" dur="1" fill="hold">
+                                          <p:stCondLst>
+                                            <p:cond delay="0"/>
+                                          </p:stCondLst>
+                                        </p:cTn>
+                                        <p:tgtEl>
+                                          <p:spTgt spid="17"/>
+                                        </p:tgtEl>
+                                        <p:attrNameLst>
+                                          <p:attrName>style.visibility</p:attrName>
+                                        </p:attrNameLst>
+                                      </p:cBhvr>
+                                      <p:to>
+                                        <p:strVal val="visible"/>
+                                      </p:to>
+                                    </p:set>
+                                  </p:childTnLst>
+                                </p:cTn>
+                              </p:par>
+                              <p:par>
+                                <p:cTn id="42" presetID="1" presetClass="exit" presetSubtype="0" fill="hold" grpId="1" nodeType="withEffect">
+                                  <p:stCondLst>
+                                    <p:cond delay="0"/>
+                                  </p:stCondLst>
+                                  <p:childTnLst>
+                                    <p:set>
+                                      <p:cBhvr>
+                                        <p:cTn id="43" dur="1" fill="hold">
+                                          <p:stCondLst>
+                                            <p:cond delay="0"/>
+                                          </p:stCondLst>
+                                        </p:cTn>
+                                        <p:tgtEl>
+                                          <p:spTgt spid="17"/>
+                                        </p:tgtEl>
+                                        <p:attrNameLst>
+                                          <p:attrName>style.visibility</p:attrName>
+                                        </p:attrNameLst>
+                                      </p:cBhvr>
+                                      <p:to>
+                                        <p:strVal val="hidden"/>
+                                      </p:to>
+                                    </p:set>
+                                  </p:childTnLst>
+                                </p:cTn>
+                              </p:par>
+                            </p:childTnLst>
+                          </p:cTn>
+                        </p:par>
+                      </p:childTnLst>
+                    </p:cTn>
+                  </p:par>
+                </p:childTnLst>
+              </p:cTn>
+              <p:prevCondLst>
+                <p:cond evt="onPrev" delay="0">
+                  <p:tgtEl>
+                    <p:sldTgt/>
+                  </p:tgtEl>
+                </p:cond>
+              </p:prevCondLst>
+              <p:nextCondLst>
+                <p:cond evt="onNext" delay="0">
+                  <p:tgtEl>
+                    <p:sldTgt/>
+                  </p:tgtEl>
+                </p:cond>
+              </p:nextCondLst>
+            </p:seq>
+          </p:childTnLst>
+        </p:cTn>
+      </p:par>
+    </p:tnLst>
+    <p:bldLst>
+      <p:bldP spid="2" grpId="0"/>
+      <p:bldP spid="3" grpId="0" build="p"/>
+      <p:bldP spid="9" grpId="0"/>
+      <p:bldP spid="9" grpId="1"/>
+      <p:bldP spid="10" grpId="0"/>
+      <p:bldP spid="10" grpId="1"/>
+      <p:bldP spid="14" grpId="0"/>
+      <p:bldP spid="14" grpId="1"/>
+      <p:bldP spid="15" grpId="0"/>
+      <p:bldP spid="15" grpId="1"/>
+      <p:bldP spid="16" grpId="0"/>
+      <p:bldP spid="16" grpId="1"/>
+      <p:bldP spid="17" grpId="0"/>
+      <p:bldP spid="17" grpId="1"/>
+    </p:bldLst>
+  </p:timing>
+</p:sld>
+</file>
+
+<file path=ppt/slides/slide6.xml><?xml version="1.0" encoding="utf-8"?>
 <p:sld xmlns:a="http://schemas.openxmlformats.org/drawingml/2006/main" xmlns:r="http://schemas.openxmlformats.org/officeDocument/2006/relationships" xmlns:p="http://schemas.openxmlformats.org/presentationml/2006/main">
   <p:cSld>
     <p:spTree>

--- a/Current Presentation/Charlie Fall Term 2024 presentation.pptx
+++ b/Current Presentation/Charlie Fall Term 2024 presentation.pptx
@@ -6268,10 +6268,10 @@
       </p:sp>
       <p:pic>
         <p:nvPicPr>
-          <p:cNvPr id="7" name="Picture 6" descr="A blue screen with a qr code&#10;&#10;Description automatically generated">
-            <a:extLst>
-              <a:ext uri="{FF2B5EF4-FFF2-40B4-BE49-F238E27FC236}">
-                <a16:creationId xmlns:a16="http://schemas.microsoft.com/office/drawing/2014/main" id="{68F7E0EB-F5BC-A05F-0513-8B7117BF7380}"/>
+          <p:cNvPr id="3" name="Picture 2" descr="A blue screen with a qr code&#10;&#10;Description automatically generated">
+            <a:extLst>
+              <a:ext uri="{FF2B5EF4-FFF2-40B4-BE49-F238E27FC236}">
+                <a16:creationId xmlns:a16="http://schemas.microsoft.com/office/drawing/2014/main" id="{52972815-2494-247C-4517-E11AA7FBD847}"/>
               </a:ext>
             </a:extLst>
           </p:cNvPr>
@@ -6294,8 +6294,8 @@
         </p:blipFill>
         <p:spPr>
           <a:xfrm>
-            <a:off x="1699342" y="663102"/>
-            <a:ext cx="7999829" cy="5531796"/>
+            <a:off x="4306824" y="2194560"/>
+            <a:ext cx="3578352" cy="2468880"/>
           </a:xfrm>
           <a:prstGeom prst="rect">
             <a:avLst/>
@@ -6336,50 +6336,14 @@
                             </p:stCondLst>
                             <p:childTnLst>
                               <p:par>
-                                <p:cTn id="5" presetID="1" presetClass="entr" presetSubtype="0" fill="hold" nodeType="afterEffect">
-                                  <p:stCondLst>
-                                    <p:cond delay="50"/>
-                                  </p:stCondLst>
-                                  <p:childTnLst>
-                                    <p:set>
-                                      <p:cBhvr>
-                                        <p:cTn id="6" dur="1" fill="hold">
-                                          <p:stCondLst>
-                                            <p:cond delay="0"/>
-                                          </p:stCondLst>
-                                        </p:cTn>
-                                        <p:tgtEl>
-                                          <p:spTgt spid="7"/>
-                                        </p:tgtEl>
-                                        <p:attrNameLst>
-                                          <p:attrName>style.visibility</p:attrName>
-                                        </p:attrNameLst>
-                                      </p:cBhvr>
-                                      <p:to>
-                                        <p:strVal val="visible"/>
-                                      </p:to>
-                                    </p:set>
-                                  </p:childTnLst>
-                                </p:cTn>
-                              </p:par>
-                            </p:childTnLst>
-                          </p:cTn>
-                        </p:par>
-                        <p:par>
-                          <p:cTn id="7" fill="hold">
-                            <p:stCondLst>
-                              <p:cond delay="50"/>
-                            </p:stCondLst>
-                            <p:childTnLst>
-                              <p:par>
-                                <p:cTn id="8" presetID="1" presetClass="entr" presetSubtype="0" fill="hold" grpId="0" nodeType="afterEffect">
+                                <p:cTn id="5" presetID="1" presetClass="entr" presetSubtype="0" fill="hold" grpId="0" nodeType="afterEffect">
                                   <p:stCondLst>
                                     <p:cond delay="0"/>
                                   </p:stCondLst>
                                   <p:childTnLst>
                                     <p:set>
                                       <p:cBhvr>
-                                        <p:cTn id="9" dur="1" fill="hold">
+                                        <p:cTn id="6" dur="1" fill="hold">
                                           <p:stCondLst>
                                             <p:cond delay="0"/>
                                           </p:stCondLst>

--- a/Current Presentation/Charlie Fall Term 2024 presentation.pptx
+++ b/Current Presentation/Charlie Fall Term 2024 presentation.pptx
@@ -6294,8 +6294,8 @@
         </p:blipFill>
         <p:spPr>
           <a:xfrm>
-            <a:off x="4306824" y="2194560"/>
-            <a:ext cx="3578352" cy="2468880"/>
+            <a:off x="4114800" y="2194560"/>
+            <a:ext cx="11182350" cy="7715250"/>
           </a:xfrm>
           <a:prstGeom prst="rect">
             <a:avLst/>

--- a/Current Presentation/Charlie Fall Term 2024 presentation.pptx
+++ b/Current Presentation/Charlie Fall Term 2024 presentation.pptx
@@ -6294,7 +6294,7 @@
         </p:blipFill>
         <p:spPr>
           <a:xfrm>
-            <a:off x="4114800" y="2194560"/>
+            <a:off x="3986784" y="2395728"/>
             <a:ext cx="11182350" cy="7715250"/>
           </a:xfrm>
           <a:prstGeom prst="rect">

--- a/Current Presentation/Charlie Fall Term 2024 presentation.pptx
+++ b/Current Presentation/Charlie Fall Term 2024 presentation.pptx
@@ -6276,7 +6276,7 @@
             </a:extLst>
           </p:cNvPr>
           <p:cNvPicPr>
-            <a:picLocks noChangeAspect="1"/>
+            <a:picLocks/>
           </p:cNvPicPr>
           <p:nvPr/>
         </p:nvPicPr>
@@ -6295,7 +6295,7 @@
         <p:spPr>
           <a:xfrm>
             <a:off x="3986784" y="2395728"/>
-            <a:ext cx="11182350" cy="7715250"/>
+            <a:ext cx="3584448" cy="2473086"/>
           </a:xfrm>
           <a:prstGeom prst="rect">
             <a:avLst/>

--- a/Current Presentation/Charlie Fall Term 2024 presentation.pptx
+++ b/Current Presentation/Charlie Fall Term 2024 presentation.pptx
@@ -4987,8 +4987,21 @@
           <a:p>
             <a:r>
               <a:rPr lang="en-US" dirty="0"/>
-              <a:t>3 things I learned in core</a:t>
-            </a:r>
+              <a:t>3 </a:t>
+            </a:r>
+            <a:r>
+              <a:rPr lang="en-US" dirty="0" err="1"/>
+              <a:t>prexisting</a:t>
+            </a:r>
+            <a:r>
+              <a:rPr lang="en-US" dirty="0"/>
+              <a:t> things that got reinforced </a:t>
+            </a:r>
+            <a:r>
+              <a:rPr lang="en-US"/>
+              <a:t>in core</a:t>
+            </a:r>
+            <a:endParaRPr lang="en-US" dirty="0"/>
           </a:p>
         </p:txBody>
       </p:sp>
@@ -5008,12 +5021,55 @@
             <p:ph idx="1"/>
           </p:nvPr>
         </p:nvSpPr>
-        <p:spPr/>
+        <p:spPr>
+          <a:xfrm>
+            <a:off x="838200" y="1825625"/>
+            <a:ext cx="10515600" cy="2419804"/>
+          </a:xfrm>
+        </p:spPr>
         <p:txBody>
           <a:bodyPr/>
           <a:lstStyle/>
           <a:p>
-            <a:endParaRPr lang="en-US" dirty="0"/>
+            <a:r>
+              <a:rPr lang="en-US" dirty="0"/>
+              <a:t>Ways of dealing with sensory overload</a:t>
+            </a:r>
+          </a:p>
+          <a:p>
+            <a:pPr lvl="1"/>
+            <a:r>
+              <a:rPr lang="en-US" dirty="0"/>
+              <a:t>No, I can’t think of them off the top of my head</a:t>
+            </a:r>
+          </a:p>
+          <a:p>
+            <a:r>
+              <a:rPr lang="en-US" dirty="0"/>
+              <a:t>More information on how your </a:t>
+            </a:r>
+            <a:r>
+              <a:rPr lang="en-US" dirty="0" err="1"/>
+              <a:t>behaviour</a:t>
+            </a:r>
+            <a:r>
+              <a:rPr lang="en-US" dirty="0"/>
+              <a:t> can affect being hired </a:t>
+            </a:r>
+            <a:r>
+              <a:rPr lang="en-US" i="1" dirty="0"/>
+              <a:t>and </a:t>
+            </a:r>
+            <a:r>
+              <a:rPr lang="en-US" dirty="0"/>
+              <a:t>promotions</a:t>
+            </a:r>
+          </a:p>
+          <a:p>
+            <a:r>
+              <a:rPr lang="en-US" dirty="0"/>
+              <a:t>Some other stuff</a:t>
+            </a:r>
           </a:p>
         </p:txBody>
       </p:sp>

--- a/Current Presentation/Charlie Fall Term 2024 presentation.pptx
+++ b/Current Presentation/Charlie Fall Term 2024 presentation.pptx
@@ -4987,21 +4987,8 @@
           <a:p>
             <a:r>
               <a:rPr lang="en-US" dirty="0"/>
-              <a:t>3 </a:t>
-            </a:r>
-            <a:r>
-              <a:rPr lang="en-US" dirty="0" err="1"/>
-              <a:t>prexisting</a:t>
-            </a:r>
-            <a:r>
-              <a:rPr lang="en-US" dirty="0"/>
-              <a:t> things that got reinforced </a:t>
-            </a:r>
-            <a:r>
-              <a:rPr lang="en-US"/>
-              <a:t>in core</a:t>
-            </a:r>
-            <a:endParaRPr lang="en-US" dirty="0"/>
+              <a:t>3 things I learned in core</a:t>
+            </a:r>
           </a:p>
         </p:txBody>
       </p:sp>

--- a/Current Presentation/Charlie Fall Term 2024 presentation.pptx
+++ b/Current Presentation/Charlie Fall Term 2024 presentation.pptx
@@ -5070,6 +5070,1170 @@
   <p:clrMapOvr>
     <a:masterClrMapping/>
   </p:clrMapOvr>
+  <mc:AlternateContent xmlns:mc="http://schemas.openxmlformats.org/markup-compatibility/2006">
+    <mc:Choice xmlns:p14="http://schemas.microsoft.com/office/powerpoint/2010/main" Requires="p14">
+      <p:timing>
+        <p:tnLst>
+          <p:par>
+            <p:cTn id="1" dur="indefinite" restart="never" nodeType="tmRoot">
+              <p:childTnLst>
+                <p:seq concurrent="1" nextAc="seek">
+                  <p:cTn id="2" dur="indefinite" nodeType="mainSeq">
+                    <p:childTnLst>
+                      <p:par>
+                        <p:cTn id="3" fill="hold">
+                          <p:stCondLst>
+                            <p:cond delay="indefinite"/>
+                          </p:stCondLst>
+                          <p:childTnLst>
+                            <p:par>
+                              <p:cTn id="4" fill="hold">
+                                <p:stCondLst>
+                                  <p:cond delay="0"/>
+                                </p:stCondLst>
+                                <p:childTnLst>
+                                  <p:par>
+                                    <p:cTn id="5" presetID="2" presetClass="entr" presetSubtype="1" accel="25000" fill="hold" grpId="0" nodeType="clickEffect" p14:presetBounceEnd="75000">
+                                      <p:stCondLst>
+                                        <p:cond delay="0"/>
+                                      </p:stCondLst>
+                                      <p:childTnLst>
+                                        <p:set>
+                                          <p:cBhvr>
+                                            <p:cTn id="6" dur="1" fill="hold">
+                                              <p:stCondLst>
+                                                <p:cond delay="0"/>
+                                              </p:stCondLst>
+                                            </p:cTn>
+                                            <p:tgtEl>
+                                              <p:spTgt spid="2"/>
+                                            </p:tgtEl>
+                                            <p:attrNameLst>
+                                              <p:attrName>style.visibility</p:attrName>
+                                            </p:attrNameLst>
+                                          </p:cBhvr>
+                                          <p:to>
+                                            <p:strVal val="visible"/>
+                                          </p:to>
+                                        </p:set>
+                                        <p:anim calcmode="lin" valueType="num" p14:bounceEnd="75000">
+                                          <p:cBhvr additive="base">
+                                            <p:cTn id="7" dur="1000" fill="hold"/>
+                                            <p:tgtEl>
+                                              <p:spTgt spid="2"/>
+                                            </p:tgtEl>
+                                            <p:attrNameLst>
+                                              <p:attrName>ppt_x</p:attrName>
+                                            </p:attrNameLst>
+                                          </p:cBhvr>
+                                          <p:tavLst>
+                                            <p:tav tm="0">
+                                              <p:val>
+                                                <p:strVal val="#ppt_x"/>
+                                              </p:val>
+                                            </p:tav>
+                                            <p:tav tm="100000">
+                                              <p:val>
+                                                <p:strVal val="#ppt_x"/>
+                                              </p:val>
+                                            </p:tav>
+                                          </p:tavLst>
+                                        </p:anim>
+                                        <p:anim calcmode="lin" valueType="num" p14:bounceEnd="75000">
+                                          <p:cBhvr additive="base">
+                                            <p:cTn id="8" dur="1000" fill="hold"/>
+                                            <p:tgtEl>
+                                              <p:spTgt spid="2"/>
+                                            </p:tgtEl>
+                                            <p:attrNameLst>
+                                              <p:attrName>ppt_y</p:attrName>
+                                            </p:attrNameLst>
+                                          </p:cBhvr>
+                                          <p:tavLst>
+                                            <p:tav tm="0">
+                                              <p:val>
+                                                <p:strVal val="0-#ppt_h/2"/>
+                                              </p:val>
+                                            </p:tav>
+                                            <p:tav tm="100000">
+                                              <p:val>
+                                                <p:strVal val="#ppt_y"/>
+                                              </p:val>
+                                            </p:tav>
+                                          </p:tavLst>
+                                        </p:anim>
+                                      </p:childTnLst>
+                                    </p:cTn>
+                                  </p:par>
+                                </p:childTnLst>
+                              </p:cTn>
+                            </p:par>
+                          </p:childTnLst>
+                        </p:cTn>
+                      </p:par>
+                      <p:par>
+                        <p:cTn id="9" fill="hold">
+                          <p:stCondLst>
+                            <p:cond delay="indefinite"/>
+                          </p:stCondLst>
+                          <p:childTnLst>
+                            <p:par>
+                              <p:cTn id="10" fill="hold">
+                                <p:stCondLst>
+                                  <p:cond delay="0"/>
+                                </p:stCondLst>
+                                <p:childTnLst>
+                                  <p:par>
+                                    <p:cTn id="11" presetID="45" presetClass="entr" presetSubtype="0" fill="hold" grpId="0" nodeType="clickEffect">
+                                      <p:stCondLst>
+                                        <p:cond delay="0"/>
+                                      </p:stCondLst>
+                                      <p:iterate type="lt">
+                                        <p:tmPct val="2500"/>
+                                      </p:iterate>
+                                      <p:childTnLst>
+                                        <p:set>
+                                          <p:cBhvr>
+                                            <p:cTn id="12" dur="1" fill="hold">
+                                              <p:stCondLst>
+                                                <p:cond delay="0"/>
+                                              </p:stCondLst>
+                                            </p:cTn>
+                                            <p:tgtEl>
+                                              <p:spTgt spid="3">
+                                                <p:txEl>
+                                                  <p:pRg st="0" end="0"/>
+                                                </p:txEl>
+                                              </p:spTgt>
+                                            </p:tgtEl>
+                                            <p:attrNameLst>
+                                              <p:attrName>style.visibility</p:attrName>
+                                            </p:attrNameLst>
+                                          </p:cBhvr>
+                                          <p:to>
+                                            <p:strVal val="visible"/>
+                                          </p:to>
+                                        </p:set>
+                                        <p:animEffect transition="in" filter="fade">
+                                          <p:cBhvr>
+                                            <p:cTn id="13" dur="1000"/>
+                                            <p:tgtEl>
+                                              <p:spTgt spid="3">
+                                                <p:txEl>
+                                                  <p:pRg st="0" end="0"/>
+                                                </p:txEl>
+                                              </p:spTgt>
+                                            </p:tgtEl>
+                                          </p:cBhvr>
+                                        </p:animEffect>
+                                        <p:anim calcmode="lin" valueType="num">
+                                          <p:cBhvr>
+                                            <p:cTn id="14" dur="1000" fill="hold"/>
+                                            <p:tgtEl>
+                                              <p:spTgt spid="3">
+                                                <p:txEl>
+                                                  <p:pRg st="0" end="0"/>
+                                                </p:txEl>
+                                              </p:spTgt>
+                                            </p:tgtEl>
+                                            <p:attrNameLst>
+                                              <p:attrName>ppt_w</p:attrName>
+                                            </p:attrNameLst>
+                                          </p:cBhvr>
+                                          <p:tavLst>
+                                            <p:tav tm="0" fmla="#ppt_w*sin(2.5*pi*$)">
+                                              <p:val>
+                                                <p:fltVal val="0"/>
+                                              </p:val>
+                                            </p:tav>
+                                            <p:tav tm="100000">
+                                              <p:val>
+                                                <p:fltVal val="1"/>
+                                              </p:val>
+                                            </p:tav>
+                                          </p:tavLst>
+                                        </p:anim>
+                                        <p:anim calcmode="lin" valueType="num">
+                                          <p:cBhvr>
+                                            <p:cTn id="15" dur="1000" fill="hold"/>
+                                            <p:tgtEl>
+                                              <p:spTgt spid="3">
+                                                <p:txEl>
+                                                  <p:pRg st="0" end="0"/>
+                                                </p:txEl>
+                                              </p:spTgt>
+                                            </p:tgtEl>
+                                            <p:attrNameLst>
+                                              <p:attrName>ppt_h</p:attrName>
+                                            </p:attrNameLst>
+                                          </p:cBhvr>
+                                          <p:tavLst>
+                                            <p:tav tm="0">
+                                              <p:val>
+                                                <p:strVal val="#ppt_h"/>
+                                              </p:val>
+                                            </p:tav>
+                                            <p:tav tm="100000">
+                                              <p:val>
+                                                <p:strVal val="#ppt_h"/>
+                                              </p:val>
+                                            </p:tav>
+                                          </p:tavLst>
+                                        </p:anim>
+                                      </p:childTnLst>
+                                    </p:cTn>
+                                  </p:par>
+                                  <p:par>
+                                    <p:cTn id="16" presetID="45" presetClass="entr" presetSubtype="0" fill="hold" grpId="0" nodeType="withEffect">
+                                      <p:stCondLst>
+                                        <p:cond delay="100"/>
+                                      </p:stCondLst>
+                                      <p:iterate type="lt">
+                                        <p:tmPct val="2500"/>
+                                      </p:iterate>
+                                      <p:childTnLst>
+                                        <p:set>
+                                          <p:cBhvr>
+                                            <p:cTn id="17" dur="1" fill="hold">
+                                              <p:stCondLst>
+                                                <p:cond delay="0"/>
+                                              </p:stCondLst>
+                                            </p:cTn>
+                                            <p:tgtEl>
+                                              <p:spTgt spid="3">
+                                                <p:txEl>
+                                                  <p:pRg st="1" end="1"/>
+                                                </p:txEl>
+                                              </p:spTgt>
+                                            </p:tgtEl>
+                                            <p:attrNameLst>
+                                              <p:attrName>style.visibility</p:attrName>
+                                            </p:attrNameLst>
+                                          </p:cBhvr>
+                                          <p:to>
+                                            <p:strVal val="visible"/>
+                                          </p:to>
+                                        </p:set>
+                                        <p:animEffect transition="in" filter="fade">
+                                          <p:cBhvr>
+                                            <p:cTn id="18" dur="1000"/>
+                                            <p:tgtEl>
+                                              <p:spTgt spid="3">
+                                                <p:txEl>
+                                                  <p:pRg st="1" end="1"/>
+                                                </p:txEl>
+                                              </p:spTgt>
+                                            </p:tgtEl>
+                                          </p:cBhvr>
+                                        </p:animEffect>
+                                        <p:anim calcmode="lin" valueType="num">
+                                          <p:cBhvr>
+                                            <p:cTn id="19" dur="1000" fill="hold"/>
+                                            <p:tgtEl>
+                                              <p:spTgt spid="3">
+                                                <p:txEl>
+                                                  <p:pRg st="1" end="1"/>
+                                                </p:txEl>
+                                              </p:spTgt>
+                                            </p:tgtEl>
+                                            <p:attrNameLst>
+                                              <p:attrName>ppt_w</p:attrName>
+                                            </p:attrNameLst>
+                                          </p:cBhvr>
+                                          <p:tavLst>
+                                            <p:tav tm="0" fmla="#ppt_w*sin(2.5*pi*$)">
+                                              <p:val>
+                                                <p:fltVal val="0"/>
+                                              </p:val>
+                                            </p:tav>
+                                            <p:tav tm="100000">
+                                              <p:val>
+                                                <p:fltVal val="1"/>
+                                              </p:val>
+                                            </p:tav>
+                                          </p:tavLst>
+                                        </p:anim>
+                                        <p:anim calcmode="lin" valueType="num">
+                                          <p:cBhvr>
+                                            <p:cTn id="20" dur="1000" fill="hold"/>
+                                            <p:tgtEl>
+                                              <p:spTgt spid="3">
+                                                <p:txEl>
+                                                  <p:pRg st="1" end="1"/>
+                                                </p:txEl>
+                                              </p:spTgt>
+                                            </p:tgtEl>
+                                            <p:attrNameLst>
+                                              <p:attrName>ppt_h</p:attrName>
+                                            </p:attrNameLst>
+                                          </p:cBhvr>
+                                          <p:tavLst>
+                                            <p:tav tm="0">
+                                              <p:val>
+                                                <p:strVal val="#ppt_h"/>
+                                              </p:val>
+                                            </p:tav>
+                                            <p:tav tm="100000">
+                                              <p:val>
+                                                <p:strVal val="#ppt_h"/>
+                                              </p:val>
+                                            </p:tav>
+                                          </p:tavLst>
+                                        </p:anim>
+                                      </p:childTnLst>
+                                    </p:cTn>
+                                  </p:par>
+                                </p:childTnLst>
+                              </p:cTn>
+                            </p:par>
+                          </p:childTnLst>
+                        </p:cTn>
+                      </p:par>
+                      <p:par>
+                        <p:cTn id="21" fill="hold">
+                          <p:stCondLst>
+                            <p:cond delay="indefinite"/>
+                          </p:stCondLst>
+                          <p:childTnLst>
+                            <p:par>
+                              <p:cTn id="22" fill="hold">
+                                <p:stCondLst>
+                                  <p:cond delay="0"/>
+                                </p:stCondLst>
+                                <p:childTnLst>
+                                  <p:par>
+                                    <p:cTn id="23" presetID="45" presetClass="entr" presetSubtype="0" fill="hold" grpId="0" nodeType="clickEffect">
+                                      <p:stCondLst>
+                                        <p:cond delay="0"/>
+                                      </p:stCondLst>
+                                      <p:iterate type="lt">
+                                        <p:tmPct val="2500"/>
+                                      </p:iterate>
+                                      <p:childTnLst>
+                                        <p:set>
+                                          <p:cBhvr>
+                                            <p:cTn id="24" dur="1" fill="hold">
+                                              <p:stCondLst>
+                                                <p:cond delay="0"/>
+                                              </p:stCondLst>
+                                            </p:cTn>
+                                            <p:tgtEl>
+                                              <p:spTgt spid="3">
+                                                <p:txEl>
+                                                  <p:pRg st="2" end="2"/>
+                                                </p:txEl>
+                                              </p:spTgt>
+                                            </p:tgtEl>
+                                            <p:attrNameLst>
+                                              <p:attrName>style.visibility</p:attrName>
+                                            </p:attrNameLst>
+                                          </p:cBhvr>
+                                          <p:to>
+                                            <p:strVal val="visible"/>
+                                          </p:to>
+                                        </p:set>
+                                        <p:animEffect transition="in" filter="fade">
+                                          <p:cBhvr>
+                                            <p:cTn id="25" dur="1000"/>
+                                            <p:tgtEl>
+                                              <p:spTgt spid="3">
+                                                <p:txEl>
+                                                  <p:pRg st="2" end="2"/>
+                                                </p:txEl>
+                                              </p:spTgt>
+                                            </p:tgtEl>
+                                          </p:cBhvr>
+                                        </p:animEffect>
+                                        <p:anim calcmode="lin" valueType="num">
+                                          <p:cBhvr>
+                                            <p:cTn id="26" dur="1000" fill="hold"/>
+                                            <p:tgtEl>
+                                              <p:spTgt spid="3">
+                                                <p:txEl>
+                                                  <p:pRg st="2" end="2"/>
+                                                </p:txEl>
+                                              </p:spTgt>
+                                            </p:tgtEl>
+                                            <p:attrNameLst>
+                                              <p:attrName>ppt_w</p:attrName>
+                                            </p:attrNameLst>
+                                          </p:cBhvr>
+                                          <p:tavLst>
+                                            <p:tav tm="0" fmla="#ppt_w*sin(2.5*pi*$)">
+                                              <p:val>
+                                                <p:fltVal val="0"/>
+                                              </p:val>
+                                            </p:tav>
+                                            <p:tav tm="100000">
+                                              <p:val>
+                                                <p:fltVal val="1"/>
+                                              </p:val>
+                                            </p:tav>
+                                          </p:tavLst>
+                                        </p:anim>
+                                        <p:anim calcmode="lin" valueType="num">
+                                          <p:cBhvr>
+                                            <p:cTn id="27" dur="1000" fill="hold"/>
+                                            <p:tgtEl>
+                                              <p:spTgt spid="3">
+                                                <p:txEl>
+                                                  <p:pRg st="2" end="2"/>
+                                                </p:txEl>
+                                              </p:spTgt>
+                                            </p:tgtEl>
+                                            <p:attrNameLst>
+                                              <p:attrName>ppt_h</p:attrName>
+                                            </p:attrNameLst>
+                                          </p:cBhvr>
+                                          <p:tavLst>
+                                            <p:tav tm="0">
+                                              <p:val>
+                                                <p:strVal val="#ppt_h"/>
+                                              </p:val>
+                                            </p:tav>
+                                            <p:tav tm="100000">
+                                              <p:val>
+                                                <p:strVal val="#ppt_h"/>
+                                              </p:val>
+                                            </p:tav>
+                                          </p:tavLst>
+                                        </p:anim>
+                                      </p:childTnLst>
+                                    </p:cTn>
+                                  </p:par>
+                                </p:childTnLst>
+                              </p:cTn>
+                            </p:par>
+                          </p:childTnLst>
+                        </p:cTn>
+                      </p:par>
+                      <p:par>
+                        <p:cTn id="28" fill="hold">
+                          <p:stCondLst>
+                            <p:cond delay="indefinite"/>
+                          </p:stCondLst>
+                          <p:childTnLst>
+                            <p:par>
+                              <p:cTn id="29" fill="hold">
+                                <p:stCondLst>
+                                  <p:cond delay="0"/>
+                                </p:stCondLst>
+                                <p:childTnLst>
+                                  <p:par>
+                                    <p:cTn id="30" presetID="45" presetClass="entr" presetSubtype="0" fill="hold" grpId="0" nodeType="clickEffect">
+                                      <p:stCondLst>
+                                        <p:cond delay="0"/>
+                                      </p:stCondLst>
+                                      <p:iterate type="lt">
+                                        <p:tmPct val="2500"/>
+                                      </p:iterate>
+                                      <p:childTnLst>
+                                        <p:set>
+                                          <p:cBhvr>
+                                            <p:cTn id="31" dur="1" fill="hold">
+                                              <p:stCondLst>
+                                                <p:cond delay="0"/>
+                                              </p:stCondLst>
+                                            </p:cTn>
+                                            <p:tgtEl>
+                                              <p:spTgt spid="3">
+                                                <p:txEl>
+                                                  <p:pRg st="3" end="3"/>
+                                                </p:txEl>
+                                              </p:spTgt>
+                                            </p:tgtEl>
+                                            <p:attrNameLst>
+                                              <p:attrName>style.visibility</p:attrName>
+                                            </p:attrNameLst>
+                                          </p:cBhvr>
+                                          <p:to>
+                                            <p:strVal val="visible"/>
+                                          </p:to>
+                                        </p:set>
+                                        <p:animEffect transition="in" filter="fade">
+                                          <p:cBhvr>
+                                            <p:cTn id="32" dur="1000"/>
+                                            <p:tgtEl>
+                                              <p:spTgt spid="3">
+                                                <p:txEl>
+                                                  <p:pRg st="3" end="3"/>
+                                                </p:txEl>
+                                              </p:spTgt>
+                                            </p:tgtEl>
+                                          </p:cBhvr>
+                                        </p:animEffect>
+                                        <p:anim calcmode="lin" valueType="num">
+                                          <p:cBhvr>
+                                            <p:cTn id="33" dur="1000" fill="hold"/>
+                                            <p:tgtEl>
+                                              <p:spTgt spid="3">
+                                                <p:txEl>
+                                                  <p:pRg st="3" end="3"/>
+                                                </p:txEl>
+                                              </p:spTgt>
+                                            </p:tgtEl>
+                                            <p:attrNameLst>
+                                              <p:attrName>ppt_w</p:attrName>
+                                            </p:attrNameLst>
+                                          </p:cBhvr>
+                                          <p:tavLst>
+                                            <p:tav tm="0" fmla="#ppt_w*sin(2.5*pi*$)">
+                                              <p:val>
+                                                <p:fltVal val="0"/>
+                                              </p:val>
+                                            </p:tav>
+                                            <p:tav tm="100000">
+                                              <p:val>
+                                                <p:fltVal val="1"/>
+                                              </p:val>
+                                            </p:tav>
+                                          </p:tavLst>
+                                        </p:anim>
+                                        <p:anim calcmode="lin" valueType="num">
+                                          <p:cBhvr>
+                                            <p:cTn id="34" dur="1000" fill="hold"/>
+                                            <p:tgtEl>
+                                              <p:spTgt spid="3">
+                                                <p:txEl>
+                                                  <p:pRg st="3" end="3"/>
+                                                </p:txEl>
+                                              </p:spTgt>
+                                            </p:tgtEl>
+                                            <p:attrNameLst>
+                                              <p:attrName>ppt_h</p:attrName>
+                                            </p:attrNameLst>
+                                          </p:cBhvr>
+                                          <p:tavLst>
+                                            <p:tav tm="0">
+                                              <p:val>
+                                                <p:strVal val="#ppt_h"/>
+                                              </p:val>
+                                            </p:tav>
+                                            <p:tav tm="100000">
+                                              <p:val>
+                                                <p:strVal val="#ppt_h"/>
+                                              </p:val>
+                                            </p:tav>
+                                          </p:tavLst>
+                                        </p:anim>
+                                      </p:childTnLst>
+                                    </p:cTn>
+                                  </p:par>
+                                </p:childTnLst>
+                              </p:cTn>
+                            </p:par>
+                          </p:childTnLst>
+                        </p:cTn>
+                      </p:par>
+                    </p:childTnLst>
+                  </p:cTn>
+                  <p:prevCondLst>
+                    <p:cond evt="onPrev" delay="0">
+                      <p:tgtEl>
+                        <p:sldTgt/>
+                      </p:tgtEl>
+                    </p:cond>
+                  </p:prevCondLst>
+                  <p:nextCondLst>
+                    <p:cond evt="onNext" delay="0">
+                      <p:tgtEl>
+                        <p:sldTgt/>
+                      </p:tgtEl>
+                    </p:cond>
+                  </p:nextCondLst>
+                </p:seq>
+              </p:childTnLst>
+            </p:cTn>
+          </p:par>
+        </p:tnLst>
+        <p:bldLst>
+          <p:bldP spid="2" grpId="0"/>
+          <p:bldP spid="3" grpId="0" uiExpand="1" build="p" bldLvl="2"/>
+        </p:bldLst>
+      </p:timing>
+    </mc:Choice>
+    <mc:Fallback>
+      <p:timing>
+        <p:tnLst>
+          <p:par>
+            <p:cTn id="1" dur="indefinite" restart="never" nodeType="tmRoot">
+              <p:childTnLst>
+                <p:seq concurrent="1" nextAc="seek">
+                  <p:cTn id="2" dur="indefinite" nodeType="mainSeq">
+                    <p:childTnLst>
+                      <p:par>
+                        <p:cTn id="3" fill="hold">
+                          <p:stCondLst>
+                            <p:cond delay="indefinite"/>
+                          </p:stCondLst>
+                          <p:childTnLst>
+                            <p:par>
+                              <p:cTn id="4" fill="hold">
+                                <p:stCondLst>
+                                  <p:cond delay="0"/>
+                                </p:stCondLst>
+                                <p:childTnLst>
+                                  <p:par>
+                                    <p:cTn id="5" presetID="2" presetClass="entr" presetSubtype="1" accel="25000" fill="hold" grpId="0" nodeType="clickEffect">
+                                      <p:stCondLst>
+                                        <p:cond delay="0"/>
+                                      </p:stCondLst>
+                                      <p:childTnLst>
+                                        <p:set>
+                                          <p:cBhvr>
+                                            <p:cTn id="6" dur="1" fill="hold">
+                                              <p:stCondLst>
+                                                <p:cond delay="0"/>
+                                              </p:stCondLst>
+                                            </p:cTn>
+                                            <p:tgtEl>
+                                              <p:spTgt spid="2"/>
+                                            </p:tgtEl>
+                                            <p:attrNameLst>
+                                              <p:attrName>style.visibility</p:attrName>
+                                            </p:attrNameLst>
+                                          </p:cBhvr>
+                                          <p:to>
+                                            <p:strVal val="visible"/>
+                                          </p:to>
+                                        </p:set>
+                                        <p:anim calcmode="lin" valueType="num">
+                                          <p:cBhvr additive="base">
+                                            <p:cTn id="7" dur="1000" fill="hold"/>
+                                            <p:tgtEl>
+                                              <p:spTgt spid="2"/>
+                                            </p:tgtEl>
+                                            <p:attrNameLst>
+                                              <p:attrName>ppt_x</p:attrName>
+                                            </p:attrNameLst>
+                                          </p:cBhvr>
+                                          <p:tavLst>
+                                            <p:tav tm="0">
+                                              <p:val>
+                                                <p:strVal val="#ppt_x"/>
+                                              </p:val>
+                                            </p:tav>
+                                            <p:tav tm="100000">
+                                              <p:val>
+                                                <p:strVal val="#ppt_x"/>
+                                              </p:val>
+                                            </p:tav>
+                                          </p:tavLst>
+                                        </p:anim>
+                                        <p:anim calcmode="lin" valueType="num">
+                                          <p:cBhvr additive="base">
+                                            <p:cTn id="8" dur="1000" fill="hold"/>
+                                            <p:tgtEl>
+                                              <p:spTgt spid="2"/>
+                                            </p:tgtEl>
+                                            <p:attrNameLst>
+                                              <p:attrName>ppt_y</p:attrName>
+                                            </p:attrNameLst>
+                                          </p:cBhvr>
+                                          <p:tavLst>
+                                            <p:tav tm="0">
+                                              <p:val>
+                                                <p:strVal val="0-#ppt_h/2"/>
+                                              </p:val>
+                                            </p:tav>
+                                            <p:tav tm="100000">
+                                              <p:val>
+                                                <p:strVal val="#ppt_y"/>
+                                              </p:val>
+                                            </p:tav>
+                                          </p:tavLst>
+                                        </p:anim>
+                                      </p:childTnLst>
+                                    </p:cTn>
+                                  </p:par>
+                                </p:childTnLst>
+                              </p:cTn>
+                            </p:par>
+                          </p:childTnLst>
+                        </p:cTn>
+                      </p:par>
+                      <p:par>
+                        <p:cTn id="9" fill="hold">
+                          <p:stCondLst>
+                            <p:cond delay="indefinite"/>
+                          </p:stCondLst>
+                          <p:childTnLst>
+                            <p:par>
+                              <p:cTn id="10" fill="hold">
+                                <p:stCondLst>
+                                  <p:cond delay="0"/>
+                                </p:stCondLst>
+                                <p:childTnLst>
+                                  <p:par>
+                                    <p:cTn id="11" presetID="45" presetClass="entr" presetSubtype="0" fill="hold" grpId="0" nodeType="clickEffect">
+                                      <p:stCondLst>
+                                        <p:cond delay="0"/>
+                                      </p:stCondLst>
+                                      <p:iterate type="lt">
+                                        <p:tmPct val="2500"/>
+                                      </p:iterate>
+                                      <p:childTnLst>
+                                        <p:set>
+                                          <p:cBhvr>
+                                            <p:cTn id="12" dur="1" fill="hold">
+                                              <p:stCondLst>
+                                                <p:cond delay="0"/>
+                                              </p:stCondLst>
+                                            </p:cTn>
+                                            <p:tgtEl>
+                                              <p:spTgt spid="3">
+                                                <p:txEl>
+                                                  <p:pRg st="0" end="0"/>
+                                                </p:txEl>
+                                              </p:spTgt>
+                                            </p:tgtEl>
+                                            <p:attrNameLst>
+                                              <p:attrName>style.visibility</p:attrName>
+                                            </p:attrNameLst>
+                                          </p:cBhvr>
+                                          <p:to>
+                                            <p:strVal val="visible"/>
+                                          </p:to>
+                                        </p:set>
+                                        <p:animEffect transition="in" filter="fade">
+                                          <p:cBhvr>
+                                            <p:cTn id="13" dur="1000"/>
+                                            <p:tgtEl>
+                                              <p:spTgt spid="3">
+                                                <p:txEl>
+                                                  <p:pRg st="0" end="0"/>
+                                                </p:txEl>
+                                              </p:spTgt>
+                                            </p:tgtEl>
+                                          </p:cBhvr>
+                                        </p:animEffect>
+                                        <p:anim calcmode="lin" valueType="num">
+                                          <p:cBhvr>
+                                            <p:cTn id="14" dur="1000" fill="hold"/>
+                                            <p:tgtEl>
+                                              <p:spTgt spid="3">
+                                                <p:txEl>
+                                                  <p:pRg st="0" end="0"/>
+                                                </p:txEl>
+                                              </p:spTgt>
+                                            </p:tgtEl>
+                                            <p:attrNameLst>
+                                              <p:attrName>ppt_w</p:attrName>
+                                            </p:attrNameLst>
+                                          </p:cBhvr>
+                                          <p:tavLst>
+                                            <p:tav tm="0" fmla="#ppt_w*sin(2.5*pi*$)">
+                                              <p:val>
+                                                <p:fltVal val="0"/>
+                                              </p:val>
+                                            </p:tav>
+                                            <p:tav tm="100000">
+                                              <p:val>
+                                                <p:fltVal val="1"/>
+                                              </p:val>
+                                            </p:tav>
+                                          </p:tavLst>
+                                        </p:anim>
+                                        <p:anim calcmode="lin" valueType="num">
+                                          <p:cBhvr>
+                                            <p:cTn id="15" dur="1000" fill="hold"/>
+                                            <p:tgtEl>
+                                              <p:spTgt spid="3">
+                                                <p:txEl>
+                                                  <p:pRg st="0" end="0"/>
+                                                </p:txEl>
+                                              </p:spTgt>
+                                            </p:tgtEl>
+                                            <p:attrNameLst>
+                                              <p:attrName>ppt_h</p:attrName>
+                                            </p:attrNameLst>
+                                          </p:cBhvr>
+                                          <p:tavLst>
+                                            <p:tav tm="0">
+                                              <p:val>
+                                                <p:strVal val="#ppt_h"/>
+                                              </p:val>
+                                            </p:tav>
+                                            <p:tav tm="100000">
+                                              <p:val>
+                                                <p:strVal val="#ppt_h"/>
+                                              </p:val>
+                                            </p:tav>
+                                          </p:tavLst>
+                                        </p:anim>
+                                      </p:childTnLst>
+                                    </p:cTn>
+                                  </p:par>
+                                  <p:par>
+                                    <p:cTn id="16" presetID="45" presetClass="entr" presetSubtype="0" fill="hold" grpId="0" nodeType="withEffect">
+                                      <p:stCondLst>
+                                        <p:cond delay="100"/>
+                                      </p:stCondLst>
+                                      <p:iterate type="lt">
+                                        <p:tmPct val="2500"/>
+                                      </p:iterate>
+                                      <p:childTnLst>
+                                        <p:set>
+                                          <p:cBhvr>
+                                            <p:cTn id="17" dur="1" fill="hold">
+                                              <p:stCondLst>
+                                                <p:cond delay="0"/>
+                                              </p:stCondLst>
+                                            </p:cTn>
+                                            <p:tgtEl>
+                                              <p:spTgt spid="3">
+                                                <p:txEl>
+                                                  <p:pRg st="1" end="1"/>
+                                                </p:txEl>
+                                              </p:spTgt>
+                                            </p:tgtEl>
+                                            <p:attrNameLst>
+                                              <p:attrName>style.visibility</p:attrName>
+                                            </p:attrNameLst>
+                                          </p:cBhvr>
+                                          <p:to>
+                                            <p:strVal val="visible"/>
+                                          </p:to>
+                                        </p:set>
+                                        <p:animEffect transition="in" filter="fade">
+                                          <p:cBhvr>
+                                            <p:cTn id="18" dur="1000"/>
+                                            <p:tgtEl>
+                                              <p:spTgt spid="3">
+                                                <p:txEl>
+                                                  <p:pRg st="1" end="1"/>
+                                                </p:txEl>
+                                              </p:spTgt>
+                                            </p:tgtEl>
+                                          </p:cBhvr>
+                                        </p:animEffect>
+                                        <p:anim calcmode="lin" valueType="num">
+                                          <p:cBhvr>
+                                            <p:cTn id="19" dur="1000" fill="hold"/>
+                                            <p:tgtEl>
+                                              <p:spTgt spid="3">
+                                                <p:txEl>
+                                                  <p:pRg st="1" end="1"/>
+                                                </p:txEl>
+                                              </p:spTgt>
+                                            </p:tgtEl>
+                                            <p:attrNameLst>
+                                              <p:attrName>ppt_w</p:attrName>
+                                            </p:attrNameLst>
+                                          </p:cBhvr>
+                                          <p:tavLst>
+                                            <p:tav tm="0" fmla="#ppt_w*sin(2.5*pi*$)">
+                                              <p:val>
+                                                <p:fltVal val="0"/>
+                                              </p:val>
+                                            </p:tav>
+                                            <p:tav tm="100000">
+                                              <p:val>
+                                                <p:fltVal val="1"/>
+                                              </p:val>
+                                            </p:tav>
+                                          </p:tavLst>
+                                        </p:anim>
+                                        <p:anim calcmode="lin" valueType="num">
+                                          <p:cBhvr>
+                                            <p:cTn id="20" dur="1000" fill="hold"/>
+                                            <p:tgtEl>
+                                              <p:spTgt spid="3">
+                                                <p:txEl>
+                                                  <p:pRg st="1" end="1"/>
+                                                </p:txEl>
+                                              </p:spTgt>
+                                            </p:tgtEl>
+                                            <p:attrNameLst>
+                                              <p:attrName>ppt_h</p:attrName>
+                                            </p:attrNameLst>
+                                          </p:cBhvr>
+                                          <p:tavLst>
+                                            <p:tav tm="0">
+                                              <p:val>
+                                                <p:strVal val="#ppt_h"/>
+                                              </p:val>
+                                            </p:tav>
+                                            <p:tav tm="100000">
+                                              <p:val>
+                                                <p:strVal val="#ppt_h"/>
+                                              </p:val>
+                                            </p:tav>
+                                          </p:tavLst>
+                                        </p:anim>
+                                      </p:childTnLst>
+                                    </p:cTn>
+                                  </p:par>
+                                </p:childTnLst>
+                              </p:cTn>
+                            </p:par>
+                          </p:childTnLst>
+                        </p:cTn>
+                      </p:par>
+                      <p:par>
+                        <p:cTn id="21" fill="hold">
+                          <p:stCondLst>
+                            <p:cond delay="indefinite"/>
+                          </p:stCondLst>
+                          <p:childTnLst>
+                            <p:par>
+                              <p:cTn id="22" fill="hold">
+                                <p:stCondLst>
+                                  <p:cond delay="0"/>
+                                </p:stCondLst>
+                                <p:childTnLst>
+                                  <p:par>
+                                    <p:cTn id="23" presetID="45" presetClass="entr" presetSubtype="0" fill="hold" grpId="0" nodeType="clickEffect">
+                                      <p:stCondLst>
+                                        <p:cond delay="0"/>
+                                      </p:stCondLst>
+                                      <p:iterate type="lt">
+                                        <p:tmPct val="2500"/>
+                                      </p:iterate>
+                                      <p:childTnLst>
+                                        <p:set>
+                                          <p:cBhvr>
+                                            <p:cTn id="24" dur="1" fill="hold">
+                                              <p:stCondLst>
+                                                <p:cond delay="0"/>
+                                              </p:stCondLst>
+                                            </p:cTn>
+                                            <p:tgtEl>
+                                              <p:spTgt spid="3">
+                                                <p:txEl>
+                                                  <p:pRg st="2" end="2"/>
+                                                </p:txEl>
+                                              </p:spTgt>
+                                            </p:tgtEl>
+                                            <p:attrNameLst>
+                                              <p:attrName>style.visibility</p:attrName>
+                                            </p:attrNameLst>
+                                          </p:cBhvr>
+                                          <p:to>
+                                            <p:strVal val="visible"/>
+                                          </p:to>
+                                        </p:set>
+                                        <p:animEffect transition="in" filter="fade">
+                                          <p:cBhvr>
+                                            <p:cTn id="25" dur="1000"/>
+                                            <p:tgtEl>
+                                              <p:spTgt spid="3">
+                                                <p:txEl>
+                                                  <p:pRg st="2" end="2"/>
+                                                </p:txEl>
+                                              </p:spTgt>
+                                            </p:tgtEl>
+                                          </p:cBhvr>
+                                        </p:animEffect>
+                                        <p:anim calcmode="lin" valueType="num">
+                                          <p:cBhvr>
+                                            <p:cTn id="26" dur="1000" fill="hold"/>
+                                            <p:tgtEl>
+                                              <p:spTgt spid="3">
+                                                <p:txEl>
+                                                  <p:pRg st="2" end="2"/>
+                                                </p:txEl>
+                                              </p:spTgt>
+                                            </p:tgtEl>
+                                            <p:attrNameLst>
+                                              <p:attrName>ppt_w</p:attrName>
+                                            </p:attrNameLst>
+                                          </p:cBhvr>
+                                          <p:tavLst>
+                                            <p:tav tm="0" fmla="#ppt_w*sin(2.5*pi*$)">
+                                              <p:val>
+                                                <p:fltVal val="0"/>
+                                              </p:val>
+                                            </p:tav>
+                                            <p:tav tm="100000">
+                                              <p:val>
+                                                <p:fltVal val="1"/>
+                                              </p:val>
+                                            </p:tav>
+                                          </p:tavLst>
+                                        </p:anim>
+                                        <p:anim calcmode="lin" valueType="num">
+                                          <p:cBhvr>
+                                            <p:cTn id="27" dur="1000" fill="hold"/>
+                                            <p:tgtEl>
+                                              <p:spTgt spid="3">
+                                                <p:txEl>
+                                                  <p:pRg st="2" end="2"/>
+                                                </p:txEl>
+                                              </p:spTgt>
+                                            </p:tgtEl>
+                                            <p:attrNameLst>
+                                              <p:attrName>ppt_h</p:attrName>
+                                            </p:attrNameLst>
+                                          </p:cBhvr>
+                                          <p:tavLst>
+                                            <p:tav tm="0">
+                                              <p:val>
+                                                <p:strVal val="#ppt_h"/>
+                                              </p:val>
+                                            </p:tav>
+                                            <p:tav tm="100000">
+                                              <p:val>
+                                                <p:strVal val="#ppt_h"/>
+                                              </p:val>
+                                            </p:tav>
+                                          </p:tavLst>
+                                        </p:anim>
+                                      </p:childTnLst>
+                                    </p:cTn>
+                                  </p:par>
+                                </p:childTnLst>
+                              </p:cTn>
+                            </p:par>
+                          </p:childTnLst>
+                        </p:cTn>
+                      </p:par>
+                      <p:par>
+                        <p:cTn id="28" fill="hold">
+                          <p:stCondLst>
+                            <p:cond delay="indefinite"/>
+                          </p:stCondLst>
+                          <p:childTnLst>
+                            <p:par>
+                              <p:cTn id="29" fill="hold">
+                                <p:stCondLst>
+                                  <p:cond delay="0"/>
+                                </p:stCondLst>
+                                <p:childTnLst>
+                                  <p:par>
+                                    <p:cTn id="30" presetID="45" presetClass="entr" presetSubtype="0" fill="hold" grpId="0" nodeType="clickEffect">
+                                      <p:stCondLst>
+                                        <p:cond delay="0"/>
+                                      </p:stCondLst>
+                                      <p:iterate type="lt">
+                                        <p:tmPct val="2500"/>
+                                      </p:iterate>
+                                      <p:childTnLst>
+                                        <p:set>
+                                          <p:cBhvr>
+                                            <p:cTn id="31" dur="1" fill="hold">
+                                              <p:stCondLst>
+                                                <p:cond delay="0"/>
+                                              </p:stCondLst>
+                                            </p:cTn>
+                                            <p:tgtEl>
+                                              <p:spTgt spid="3">
+                                                <p:txEl>
+                                                  <p:pRg st="3" end="3"/>
+                                                </p:txEl>
+                                              </p:spTgt>
+                                            </p:tgtEl>
+                                            <p:attrNameLst>
+                                              <p:attrName>style.visibility</p:attrName>
+                                            </p:attrNameLst>
+                                          </p:cBhvr>
+                                          <p:to>
+                                            <p:strVal val="visible"/>
+                                          </p:to>
+                                        </p:set>
+                                        <p:animEffect transition="in" filter="fade">
+                                          <p:cBhvr>
+                                            <p:cTn id="32" dur="1000"/>
+                                            <p:tgtEl>
+                                              <p:spTgt spid="3">
+                                                <p:txEl>
+                                                  <p:pRg st="3" end="3"/>
+                                                </p:txEl>
+                                              </p:spTgt>
+                                            </p:tgtEl>
+                                          </p:cBhvr>
+                                        </p:animEffect>
+                                        <p:anim calcmode="lin" valueType="num">
+                                          <p:cBhvr>
+                                            <p:cTn id="33" dur="1000" fill="hold"/>
+                                            <p:tgtEl>
+                                              <p:spTgt spid="3">
+                                                <p:txEl>
+                                                  <p:pRg st="3" end="3"/>
+                                                </p:txEl>
+                                              </p:spTgt>
+                                            </p:tgtEl>
+                                            <p:attrNameLst>
+                                              <p:attrName>ppt_w</p:attrName>
+                                            </p:attrNameLst>
+                                          </p:cBhvr>
+                                          <p:tavLst>
+                                            <p:tav tm="0" fmla="#ppt_w*sin(2.5*pi*$)">
+                                              <p:val>
+                                                <p:fltVal val="0"/>
+                                              </p:val>
+                                            </p:tav>
+                                            <p:tav tm="100000">
+                                              <p:val>
+                                                <p:fltVal val="1"/>
+                                              </p:val>
+                                            </p:tav>
+                                          </p:tavLst>
+                                        </p:anim>
+                                        <p:anim calcmode="lin" valueType="num">
+                                          <p:cBhvr>
+                                            <p:cTn id="34" dur="1000" fill="hold"/>
+                                            <p:tgtEl>
+                                              <p:spTgt spid="3">
+                                                <p:txEl>
+                                                  <p:pRg st="3" end="3"/>
+                                                </p:txEl>
+                                              </p:spTgt>
+                                            </p:tgtEl>
+                                            <p:attrNameLst>
+                                              <p:attrName>ppt_h</p:attrName>
+                                            </p:attrNameLst>
+                                          </p:cBhvr>
+                                          <p:tavLst>
+                                            <p:tav tm="0">
+                                              <p:val>
+                                                <p:strVal val="#ppt_h"/>
+                                              </p:val>
+                                            </p:tav>
+                                            <p:tav tm="100000">
+                                              <p:val>
+                                                <p:strVal val="#ppt_h"/>
+                                              </p:val>
+                                            </p:tav>
+                                          </p:tavLst>
+                                        </p:anim>
+                                      </p:childTnLst>
+                                    </p:cTn>
+                                  </p:par>
+                                </p:childTnLst>
+                              </p:cTn>
+                            </p:par>
+                          </p:childTnLst>
+                        </p:cTn>
+                      </p:par>
+                    </p:childTnLst>
+                  </p:cTn>
+                  <p:prevCondLst>
+                    <p:cond evt="onPrev" delay="0">
+                      <p:tgtEl>
+                        <p:sldTgt/>
+                      </p:tgtEl>
+                    </p:cond>
+                  </p:prevCondLst>
+                  <p:nextCondLst>
+                    <p:cond evt="onNext" delay="0">
+                      <p:tgtEl>
+                        <p:sldTgt/>
+                      </p:tgtEl>
+                    </p:cond>
+                  </p:nextCondLst>
+                </p:seq>
+              </p:childTnLst>
+            </p:cTn>
+          </p:par>
+        </p:tnLst>
+        <p:bldLst>
+          <p:bldP spid="2" grpId="0"/>
+          <p:bldP spid="3" grpId="0" uiExpand="1" build="p" bldLvl="2"/>
+        </p:bldLst>
+      </p:timing>
+    </mc:Fallback>
+  </mc:AlternateContent>
 </p:sld>
 </file>
 

--- a/Current Presentation/Charlie Fall Term 2024 presentation.pptx
+++ b/Current Presentation/Charlie Fall Term 2024 presentation.pptx
@@ -6300,7 +6300,9 @@
         </p:nvSpPr>
         <p:spPr/>
         <p:txBody>
-          <a:bodyPr/>
+          <a:bodyPr>
+            <a:normAutofit/>
+          </a:bodyPr>
           <a:lstStyle/>
           <a:p>
             <a:r>
@@ -6324,8 +6326,76 @@
           <a:p>
             <a:r>
               <a:rPr lang="en-US" dirty="0"/>
-              <a:t>How to integrate </a:t>
-            </a:r>
+              <a:t>How to simplify certain parts</a:t>
+            </a:r>
+          </a:p>
+          <a:p>
+            <a:pPr lvl="1"/>
+            <a:r>
+              <a:rPr lang="en-US" dirty="0"/>
+              <a:t>And find out that apparently mine was one of the most simplified ones without utilizing more complex </a:t>
+            </a:r>
+            <a:r>
+              <a:rPr lang="en-US" dirty="0" err="1"/>
+              <a:t>behaviours</a:t>
+            </a:r>
+            <a:r>
+              <a:rPr lang="en-US" dirty="0"/>
+              <a:t>. Best part though?</a:t>
+            </a:r>
+          </a:p>
+          <a:p>
+            <a:pPr lvl="2"/>
+            <a:r>
+              <a:rPr lang="en-US" dirty="0"/>
+              <a:t>It’s modular</a:t>
+            </a:r>
+          </a:p>
+          <a:p>
+            <a:pPr lvl="2"/>
+            <a:r>
+              <a:rPr lang="en-US" dirty="0"/>
+              <a:t>Highly future proof, with plans to make it better-er</a:t>
+            </a:r>
+          </a:p>
+          <a:p>
+            <a:pPr lvl="2"/>
+            <a:r>
+              <a:rPr lang="en-US" dirty="0"/>
+              <a:t>Expandable to possibly make other parts smaller (albeit making it longer)</a:t>
+            </a:r>
+          </a:p>
+        </p:txBody>
+      </p:sp>
+      <p:sp>
+        <p:nvSpPr>
+          <p:cNvPr id="4" name="TextBox 3">
+            <a:extLst>
+              <a:ext uri="{FF2B5EF4-FFF2-40B4-BE49-F238E27FC236}">
+                <a16:creationId xmlns:a16="http://schemas.microsoft.com/office/drawing/2014/main" id="{AFDD0DBE-45C9-3E5C-659E-65306EBFCDB6}"/>
+              </a:ext>
+            </a:extLst>
+          </p:cNvPr>
+          <p:cNvSpPr txBox="1"/>
+          <p:nvPr/>
+        </p:nvSpPr>
+        <p:spPr>
+          <a:xfrm>
+            <a:off x="7173686" y="206829"/>
+            <a:ext cx="184731" cy="369332"/>
+          </a:xfrm>
+          <a:prstGeom prst="rect">
+            <a:avLst/>
+          </a:prstGeom>
+          <a:noFill/>
+        </p:spPr>
+        <p:txBody>
+          <a:bodyPr wrap="none" rtlCol="0">
+            <a:spAutoFit/>
+          </a:bodyPr>
+          <a:lstStyle/>
+          <a:p>
+            <a:endParaRPr lang="en-US"/>
           </a:p>
         </p:txBody>
       </p:sp>
@@ -6339,6 +6409,92 @@
   <p:clrMapOvr>
     <a:masterClrMapping/>
   </p:clrMapOvr>
+  <p:timing>
+    <p:tnLst>
+      <p:par>
+        <p:cTn id="1" dur="indefinite" restart="never" nodeType="tmRoot">
+          <p:childTnLst>
+            <p:seq concurrent="1" nextAc="seek">
+              <p:cTn id="2" dur="indefinite" nodeType="mainSeq">
+                <p:childTnLst>
+                  <p:par>
+                    <p:cTn id="3" fill="hold">
+                      <p:stCondLst>
+                        <p:cond delay="indefinite"/>
+                      </p:stCondLst>
+                      <p:childTnLst>
+                        <p:par>
+                          <p:cTn id="4" fill="hold">
+                            <p:stCondLst>
+                              <p:cond delay="0"/>
+                            </p:stCondLst>
+                            <p:childTnLst>
+                              <p:par>
+                                <p:cTn id="5" presetID="14" presetClass="entr" presetSubtype="10" fill="hold" grpId="0" nodeType="clickEffect">
+                                  <p:stCondLst>
+                                    <p:cond delay="0"/>
+                                  </p:stCondLst>
+                                  <p:childTnLst>
+                                    <p:set>
+                                      <p:cBhvr>
+                                        <p:cTn id="6" dur="1" fill="hold">
+                                          <p:stCondLst>
+                                            <p:cond delay="0"/>
+                                          </p:stCondLst>
+                                        </p:cTn>
+                                        <p:tgtEl>
+                                          <p:spTgt spid="2"/>
+                                        </p:tgtEl>
+                                        <p:attrNameLst>
+                                          <p:attrName>style.visibility</p:attrName>
+                                        </p:attrNameLst>
+                                      </p:cBhvr>
+                                      <p:to>
+                                        <p:strVal val="visible"/>
+                                      </p:to>
+                                    </p:set>
+                                    <p:animEffect transition="in" filter="randombar(horizontal)">
+                                      <p:cBhvr>
+                                        <p:cTn id="7" dur="500"/>
+                                        <p:tgtEl>
+                                          <p:spTgt spid="2"/>
+                                        </p:tgtEl>
+                                      </p:cBhvr>
+                                    </p:animEffect>
+                                  </p:childTnLst>
+                                </p:cTn>
+                              </p:par>
+                            </p:childTnLst>
+                          </p:cTn>
+                        </p:par>
+                      </p:childTnLst>
+                    </p:cTn>
+                  </p:par>
+                </p:childTnLst>
+              </p:cTn>
+              <p:prevCondLst>
+                <p:cond evt="onPrev" delay="0">
+                  <p:tgtEl>
+                    <p:sldTgt/>
+                  </p:tgtEl>
+                </p:cond>
+              </p:prevCondLst>
+              <p:nextCondLst>
+                <p:cond evt="onNext" delay="0">
+                  <p:tgtEl>
+                    <p:sldTgt/>
+                  </p:tgtEl>
+                </p:cond>
+              </p:nextCondLst>
+            </p:seq>
+          </p:childTnLst>
+        </p:cTn>
+      </p:par>
+    </p:tnLst>
+    <p:bldLst>
+      <p:bldP spid="2" grpId="0"/>
+    </p:bldLst>
+  </p:timing>
 </p:sld>
 </file>
 

--- a/Current Presentation/Charlie Fall Term 2024 presentation.pptx
+++ b/Current Presentation/Charlie Fall Term 2024 presentation.pptx
@@ -6307,7 +6307,15 @@
           <a:p>
             <a:r>
               <a:rPr lang="en-US" dirty="0"/>
-              <a:t>How to make a close button which requires a confirmation period</a:t>
+              <a:t>How to make a close button which requires a confirmation period, that way a </a:t>
+            </a:r>
+            <a:r>
+              <a:rPr lang="en-US" dirty="0" err="1"/>
+              <a:t>misclick</a:t>
+            </a:r>
+            <a:r>
+              <a:rPr lang="en-US" dirty="0"/>
+              <a:t> won’t make it just</a:t>
             </a:r>
           </a:p>
           <a:p>
@@ -6381,8 +6389,8 @@
         </p:nvSpPr>
         <p:spPr>
           <a:xfrm>
-            <a:off x="7173686" y="206829"/>
-            <a:ext cx="184731" cy="369332"/>
+            <a:off x="6781799" y="2155373"/>
+            <a:ext cx="2449287" cy="523220"/>
           </a:xfrm>
           <a:prstGeom prst="rect">
             <a:avLst/>
@@ -6390,12 +6398,15 @@
           <a:noFill/>
         </p:spPr>
         <p:txBody>
-          <a:bodyPr wrap="none" rtlCol="0">
+          <a:bodyPr wrap="square" rtlCol="0">
             <a:spAutoFit/>
           </a:bodyPr>
           <a:lstStyle/>
           <a:p>
-            <a:endParaRPr lang="en-US"/>
+            <a:r>
+              <a:rPr lang="en-US" sz="2800" dirty="0"/>
+              <a:t>… disappear</a:t>
+            </a:r>
           </a:p>
         </p:txBody>
       </p:sp>
@@ -6536,7 +6547,10 @@
           <a:bodyPr/>
           <a:lstStyle/>
           <a:p>
-            <a:endParaRPr lang="en-US" dirty="0"/>
+            <a:r>
+              <a:rPr lang="en-US" dirty="0"/>
+              <a:t>Things I learned In Elective and Club</a:t>
+            </a:r>
           </a:p>
         </p:txBody>
       </p:sp>
@@ -6558,10 +6572,51 @@
         </p:nvSpPr>
         <p:spPr/>
         <p:txBody>
-          <a:bodyPr/>
+          <a:bodyPr>
+            <a:normAutofit fontScale="92500" lnSpcReduction="10000"/>
+          </a:bodyPr>
           <a:lstStyle/>
           <a:p>
-            <a:endParaRPr lang="en-US" dirty="0"/>
+            <a:r>
+              <a:rPr lang="en-US" dirty="0"/>
+              <a:t>In elective (leadership), I learned a good amount about what makes good leaders, well, good leaders. It filled in a good amount of blanks, and confirmed my intuition</a:t>
+            </a:r>
+          </a:p>
+          <a:p>
+            <a:r>
+              <a:rPr lang="en-US" dirty="0"/>
+              <a:t>In gaming club, I found out (I have always suspected, but never had a situation that it could be tested) that even if it’s a game you don’t care for, if you play it with someone who you get along with, it can be fun. Even if you probably won’t play it alone, nor with multiplayer. But, it was playing the game </a:t>
+            </a:r>
+            <a:r>
+              <a:rPr lang="en-US" i="1" dirty="0"/>
+              <a:t>with them</a:t>
+            </a:r>
+            <a:r>
+              <a:rPr lang="en-US" dirty="0"/>
+              <a:t> that made it fun. An example?</a:t>
+            </a:r>
+          </a:p>
+          <a:p>
+            <a:pPr lvl="1"/>
+            <a:r>
+              <a:rPr lang="en-US" dirty="0"/>
+              <a:t>Smash Bro’s with CJ. Don’t care for it (it’s alright, but not worth buying to me), but we had a lot of fun.</a:t>
+            </a:r>
+          </a:p>
+          <a:p>
+            <a:pPr lvl="1"/>
+            <a:r>
+              <a:rPr lang="en-US" dirty="0"/>
+              <a:t>Basketball (I do not like sports, don’t like playing sports, </a:t>
+            </a:r>
+            <a:r>
+              <a:rPr lang="en-US" dirty="0" err="1"/>
+              <a:t>ect</a:t>
+            </a:r>
+            <a:r>
+              <a:rPr lang="en-US" dirty="0"/>
+              <a:t>. But with a friend, I actually had fun!)</a:t>
+            </a:r>
           </a:p>
         </p:txBody>
       </p:sp>
@@ -6583,13 +6638,7 @@
   <p:cSld>
     <p:spTree>
       <p:nvGrpSpPr>
-        <p:cNvPr id="1" name="">
-          <a:extLst>
-            <a:ext uri="{FF2B5EF4-FFF2-40B4-BE49-F238E27FC236}">
-              <a16:creationId xmlns:a16="http://schemas.microsoft.com/office/drawing/2014/main" id="{0AFE136E-8BDA-8972-CB21-84FCB28D1276}"/>
-            </a:ext>
-          </a:extLst>
-        </p:cNvPr>
+        <p:cNvPr id="1" name=""/>
         <p:cNvGrpSpPr/>
         <p:nvPr/>
       </p:nvGrpSpPr>
@@ -6606,7 +6655,7 @@
           <p:cNvPr id="2" name="Title 1">
             <a:extLst>
               <a:ext uri="{FF2B5EF4-FFF2-40B4-BE49-F238E27FC236}">
-                <a16:creationId xmlns:a16="http://schemas.microsoft.com/office/drawing/2014/main" id="{13B55C62-95F7-FAF1-84C6-B31ED372A592}"/>
+                <a16:creationId xmlns:a16="http://schemas.microsoft.com/office/drawing/2014/main" id="{D6E59023-2062-5A41-AB8B-D4E6651385F7}"/>
               </a:ext>
             </a:extLst>
           </p:cNvPr>
@@ -6617,19 +6666,14 @@
             <p:ph type="title"/>
           </p:nvPr>
         </p:nvSpPr>
-        <p:spPr>
-          <a:xfrm>
-            <a:off x="838200" y="365125"/>
-            <a:ext cx="4386943" cy="1325563"/>
-          </a:xfrm>
-        </p:spPr>
+        <p:spPr/>
         <p:txBody>
           <a:bodyPr/>
           <a:lstStyle/>
           <a:p>
             <a:r>
               <a:rPr lang="en-US" dirty="0"/>
-              <a:t>Things I learned in</a:t>
+              <a:t>Favorite Memory</a:t>
             </a:r>
           </a:p>
         </p:txBody>
@@ -6639,7 +6683,7 @@
           <p:cNvPr id="3" name="Content Placeholder 2">
             <a:extLst>
               <a:ext uri="{FF2B5EF4-FFF2-40B4-BE49-F238E27FC236}">
-                <a16:creationId xmlns:a16="http://schemas.microsoft.com/office/drawing/2014/main" id="{A5FAFFA8-C817-A0EA-E685-B47FF3BE602D}"/>
+                <a16:creationId xmlns:a16="http://schemas.microsoft.com/office/drawing/2014/main" id="{CDFA5D9C-9080-DF76-B382-0B5E04CE9357}"/>
               </a:ext>
             </a:extLst>
           </p:cNvPr>
@@ -6652,911 +6696,51 @@
         </p:nvSpPr>
         <p:spPr/>
         <p:txBody>
-          <a:bodyPr/>
-          <a:lstStyle/>
-          <a:p>
-            <a:r>
-              <a:rPr lang="en-US" dirty="0"/>
-              <a:t>Club</a:t>
-            </a:r>
-          </a:p>
-        </p:txBody>
-      </p:sp>
-      <p:sp>
-        <p:nvSpPr>
-          <p:cNvPr id="9" name="Title 1">
-            <a:extLst>
-              <a:ext uri="{FF2B5EF4-FFF2-40B4-BE49-F238E27FC236}">
-                <a16:creationId xmlns:a16="http://schemas.microsoft.com/office/drawing/2014/main" id="{21D7A7A9-F34F-2B4D-CA57-769F0F0FD743}"/>
-              </a:ext>
-            </a:extLst>
-          </p:cNvPr>
-          <p:cNvSpPr txBox="1">
-            <a:spLocks/>
-          </p:cNvSpPr>
-          <p:nvPr/>
-        </p:nvSpPr>
-        <p:spPr>
-          <a:xfrm>
-            <a:off x="4846320" y="365760"/>
-            <a:ext cx="1687284" cy="1235075"/>
-          </a:xfrm>
-          <a:prstGeom prst="rect">
-            <a:avLst/>
-          </a:prstGeom>
-        </p:spPr>
-        <p:txBody>
-          <a:bodyPr vert="horz" lIns="91440" tIns="45720" rIns="91440" bIns="45720" rtlCol="0" anchor="ctr">
+          <a:bodyPr>
             <a:normAutofit/>
           </a:bodyPr>
-          <a:lstStyle>
-            <a:lvl1pPr algn="l" defTabSz="914400" rtl="0" eaLnBrk="1" latinLnBrk="0" hangingPunct="1">
-              <a:lnSpc>
-                <a:spcPct val="90000"/>
-              </a:lnSpc>
-              <a:spcBef>
-                <a:spcPct val="0"/>
-              </a:spcBef>
-              <a:buNone/>
-              <a:defRPr sz="4400" kern="1200">
-                <a:solidFill>
-                  <a:schemeClr val="tx1"/>
-                </a:solidFill>
-                <a:latin typeface="+mj-lt"/>
-                <a:ea typeface="+mj-ea"/>
-                <a:cs typeface="+mj-cs"/>
-              </a:defRPr>
-            </a:lvl1pPr>
-          </a:lstStyle>
-          <a:p>
+          <a:lstStyle/>
+          <a:p>
+            <a:pPr marL="0" indent="0">
+              <a:buNone/>
+            </a:pPr>
             <a:r>
               <a:rPr lang="en-US" dirty="0"/>
-              <a:t>: Club</a:t>
-            </a:r>
-          </a:p>
-        </p:txBody>
-      </p:sp>
-      <p:sp>
-        <p:nvSpPr>
-          <p:cNvPr id="10" name="Title 1">
-            <a:extLst>
-              <a:ext uri="{FF2B5EF4-FFF2-40B4-BE49-F238E27FC236}">
-                <a16:creationId xmlns:a16="http://schemas.microsoft.com/office/drawing/2014/main" id="{70EF77EA-E6C7-2AF1-E057-79D6941AA5BA}"/>
-              </a:ext>
-            </a:extLst>
-          </p:cNvPr>
-          <p:cNvSpPr txBox="1">
-            <a:spLocks/>
-          </p:cNvSpPr>
-          <p:nvPr/>
-        </p:nvSpPr>
-        <p:spPr>
-          <a:xfrm>
-            <a:off x="4846320" y="365760"/>
-            <a:ext cx="1790700" cy="1235075"/>
-          </a:xfrm>
-          <a:prstGeom prst="rect">
-            <a:avLst/>
-          </a:prstGeom>
-        </p:spPr>
-        <p:txBody>
-          <a:bodyPr vert="horz" lIns="91440" tIns="45720" rIns="91440" bIns="45720" rtlCol="0" anchor="ctr">
-            <a:normAutofit/>
-          </a:bodyPr>
-          <a:lstStyle>
-            <a:lvl1pPr algn="l" defTabSz="914400" rtl="0" eaLnBrk="1" latinLnBrk="0" hangingPunct="1">
-              <a:lnSpc>
-                <a:spcPct val="90000"/>
-              </a:lnSpc>
-              <a:spcBef>
-                <a:spcPct val="0"/>
-              </a:spcBef>
-              <a:buNone/>
-              <a:defRPr sz="4400" kern="1200">
-                <a:solidFill>
-                  <a:schemeClr val="tx1"/>
-                </a:solidFill>
-                <a:latin typeface="+mj-lt"/>
-                <a:ea typeface="+mj-ea"/>
-                <a:cs typeface="+mj-cs"/>
-              </a:defRPr>
-            </a:lvl1pPr>
-          </a:lstStyle>
-          <a:p>
+              <a:t>Kinda hard to choose, and worse, the one I would want to put is so detailed that I can’t do it</a:t>
+            </a:r>
+          </a:p>
+          <a:p>
+            <a:pPr marL="0" indent="0">
+              <a:buNone/>
+            </a:pPr>
+            <a:endParaRPr lang="en-US" dirty="0"/>
+          </a:p>
+          <a:p>
+            <a:pPr marL="0" indent="0">
+              <a:buNone/>
+            </a:pPr>
             <a:r>
               <a:rPr lang="en-US" dirty="0"/>
-              <a:t>  Club</a:t>
-            </a:r>
-          </a:p>
-        </p:txBody>
-      </p:sp>
-      <p:sp>
-        <p:nvSpPr>
-          <p:cNvPr id="14" name="Title 1">
-            <a:extLst>
-              <a:ext uri="{FF2B5EF4-FFF2-40B4-BE49-F238E27FC236}">
-                <a16:creationId xmlns:a16="http://schemas.microsoft.com/office/drawing/2014/main" id="{13BD8BF4-2F9A-CD30-D7C8-1A7656E3C2E4}"/>
-              </a:ext>
-            </a:extLst>
-          </p:cNvPr>
-          <p:cNvSpPr txBox="1">
-            <a:spLocks/>
-          </p:cNvSpPr>
-          <p:nvPr/>
-        </p:nvSpPr>
-        <p:spPr>
-          <a:xfrm>
-            <a:off x="4846320" y="365760"/>
-            <a:ext cx="1790700" cy="1235075"/>
-          </a:xfrm>
-          <a:prstGeom prst="rect">
-            <a:avLst/>
-          </a:prstGeom>
-        </p:spPr>
-        <p:txBody>
-          <a:bodyPr vert="horz" lIns="91440" tIns="45720" rIns="91440" bIns="45720" rtlCol="0" anchor="ctr">
-            <a:normAutofit/>
-          </a:bodyPr>
-          <a:lstStyle>
-            <a:lvl1pPr algn="l" defTabSz="914400" rtl="0" eaLnBrk="1" latinLnBrk="0" hangingPunct="1">
-              <a:lnSpc>
-                <a:spcPct val="90000"/>
-              </a:lnSpc>
-              <a:spcBef>
-                <a:spcPct val="0"/>
-              </a:spcBef>
-              <a:buNone/>
-              <a:defRPr sz="4400" kern="1200">
-                <a:solidFill>
-                  <a:schemeClr val="tx1"/>
-                </a:solidFill>
-                <a:latin typeface="+mj-lt"/>
-                <a:ea typeface="+mj-ea"/>
-                <a:cs typeface="+mj-cs"/>
-              </a:defRPr>
-            </a:lvl1pPr>
-          </a:lstStyle>
-          <a:p>
-            <a:r>
-              <a:rPr lang="en-US" dirty="0"/>
-              <a:t>b  Club</a:t>
-            </a:r>
-          </a:p>
-        </p:txBody>
-      </p:sp>
-      <p:sp>
-        <p:nvSpPr>
-          <p:cNvPr id="15" name="Title 1">
-            <a:extLst>
-              <a:ext uri="{FF2B5EF4-FFF2-40B4-BE49-F238E27FC236}">
-                <a16:creationId xmlns:a16="http://schemas.microsoft.com/office/drawing/2014/main" id="{E04C9E5A-D129-9945-3C5B-EBF40901E178}"/>
-              </a:ext>
-            </a:extLst>
-          </p:cNvPr>
-          <p:cNvSpPr txBox="1">
-            <a:spLocks/>
-          </p:cNvSpPr>
-          <p:nvPr/>
-        </p:nvSpPr>
-        <p:spPr>
-          <a:xfrm>
-            <a:off x="4846320" y="365760"/>
-            <a:ext cx="2362200" cy="1235075"/>
-          </a:xfrm>
-          <a:prstGeom prst="rect">
-            <a:avLst/>
-          </a:prstGeom>
-        </p:spPr>
-        <p:txBody>
-          <a:bodyPr vert="horz" lIns="91440" tIns="45720" rIns="91440" bIns="45720" rtlCol="0" anchor="ctr">
-            <a:normAutofit/>
-          </a:bodyPr>
-          <a:lstStyle>
-            <a:lvl1pPr algn="l" defTabSz="914400" rtl="0" eaLnBrk="1" latinLnBrk="0" hangingPunct="1">
-              <a:lnSpc>
-                <a:spcPct val="90000"/>
-              </a:lnSpc>
-              <a:spcBef>
-                <a:spcPct val="0"/>
-              </a:spcBef>
-              <a:buNone/>
-              <a:defRPr sz="4400" kern="1200">
-                <a:solidFill>
-                  <a:schemeClr val="tx1"/>
-                </a:solidFill>
-                <a:latin typeface="+mj-lt"/>
-                <a:ea typeface="+mj-ea"/>
-                <a:cs typeface="+mj-cs"/>
-              </a:defRPr>
-            </a:lvl1pPr>
-          </a:lstStyle>
-          <a:p>
-            <a:r>
-              <a:rPr lang="en-US" dirty="0" err="1"/>
-              <a:t>bo</a:t>
-            </a:r>
-            <a:r>
-              <a:rPr lang="en-US" dirty="0"/>
-              <a:t>  Club</a:t>
-            </a:r>
-          </a:p>
-        </p:txBody>
-      </p:sp>
-      <p:sp>
-        <p:nvSpPr>
-          <p:cNvPr id="16" name="Title 1">
-            <a:extLst>
-              <a:ext uri="{FF2B5EF4-FFF2-40B4-BE49-F238E27FC236}">
-                <a16:creationId xmlns:a16="http://schemas.microsoft.com/office/drawing/2014/main" id="{2E1FC969-6EB9-3264-A6F1-95CD06C56704}"/>
-              </a:ext>
-            </a:extLst>
-          </p:cNvPr>
-          <p:cNvSpPr txBox="1">
-            <a:spLocks/>
-          </p:cNvSpPr>
-          <p:nvPr/>
-        </p:nvSpPr>
-        <p:spPr>
-          <a:xfrm>
-            <a:off x="4846320" y="365760"/>
-            <a:ext cx="2362200" cy="1235075"/>
-          </a:xfrm>
-          <a:prstGeom prst="rect">
-            <a:avLst/>
-          </a:prstGeom>
-        </p:spPr>
-        <p:txBody>
-          <a:bodyPr vert="horz" lIns="91440" tIns="45720" rIns="91440" bIns="45720" rtlCol="0" anchor="ctr">
-            <a:normAutofit/>
-          </a:bodyPr>
-          <a:lstStyle>
-            <a:lvl1pPr algn="l" defTabSz="914400" rtl="0" eaLnBrk="1" latinLnBrk="0" hangingPunct="1">
-              <a:lnSpc>
-                <a:spcPct val="90000"/>
-              </a:lnSpc>
-              <a:spcBef>
-                <a:spcPct val="0"/>
-              </a:spcBef>
-              <a:buNone/>
-              <a:defRPr sz="4400" kern="1200">
-                <a:solidFill>
-                  <a:schemeClr val="tx1"/>
-                </a:solidFill>
-                <a:latin typeface="+mj-lt"/>
-                <a:ea typeface="+mj-ea"/>
-                <a:cs typeface="+mj-cs"/>
-              </a:defRPr>
-            </a:lvl1pPr>
-          </a:lstStyle>
-          <a:p>
-            <a:r>
-              <a:rPr lang="en-US" dirty="0"/>
-              <a:t>bot  Club</a:t>
-            </a:r>
-          </a:p>
-        </p:txBody>
-      </p:sp>
-      <p:sp>
-        <p:nvSpPr>
-          <p:cNvPr id="17" name="Title 1">
-            <a:extLst>
-              <a:ext uri="{FF2B5EF4-FFF2-40B4-BE49-F238E27FC236}">
-                <a16:creationId xmlns:a16="http://schemas.microsoft.com/office/drawing/2014/main" id="{32710B04-BB44-2B72-F849-6AA33F7A48E1}"/>
-              </a:ext>
-            </a:extLst>
-          </p:cNvPr>
-          <p:cNvSpPr txBox="1">
-            <a:spLocks/>
-          </p:cNvSpPr>
-          <p:nvPr/>
-        </p:nvSpPr>
-        <p:spPr>
-          <a:xfrm>
-            <a:off x="4846320" y="365760"/>
-            <a:ext cx="2525486" cy="1235075"/>
-          </a:xfrm>
-          <a:prstGeom prst="rect">
-            <a:avLst/>
-          </a:prstGeom>
-        </p:spPr>
-        <p:txBody>
-          <a:bodyPr vert="horz" lIns="91440" tIns="45720" rIns="91440" bIns="45720" rtlCol="0" anchor="ctr">
-            <a:normAutofit/>
-          </a:bodyPr>
-          <a:lstStyle>
-            <a:lvl1pPr algn="l" defTabSz="914400" rtl="0" eaLnBrk="1" latinLnBrk="0" hangingPunct="1">
-              <a:lnSpc>
-                <a:spcPct val="90000"/>
-              </a:lnSpc>
-              <a:spcBef>
-                <a:spcPct val="0"/>
-              </a:spcBef>
-              <a:buNone/>
-              <a:defRPr sz="4400" kern="1200">
-                <a:solidFill>
-                  <a:schemeClr val="tx1"/>
-                </a:solidFill>
-                <a:latin typeface="+mj-lt"/>
-                <a:ea typeface="+mj-ea"/>
-                <a:cs typeface="+mj-cs"/>
-              </a:defRPr>
-            </a:lvl1pPr>
-          </a:lstStyle>
-          <a:p>
-            <a:r>
-              <a:rPr lang="en-US" dirty="0"/>
-              <a:t>both  Club</a:t>
-            </a:r>
+              <a:t>So, I’ll go with probably my second favorite: playing games with Husam in gaming </a:t>
+            </a:r>
+            <a:r>
+              <a:rPr lang="en-US"/>
+              <a:t>club.</a:t>
+            </a:r>
+            <a:endParaRPr lang="en-US" dirty="0"/>
           </a:p>
         </p:txBody>
       </p:sp>
     </p:spTree>
     <p:extLst>
       <p:ext uri="{BB962C8B-B14F-4D97-AF65-F5344CB8AC3E}">
-        <p14:creationId xmlns:p14="http://schemas.microsoft.com/office/powerpoint/2010/main" val="720559635"/>
+        <p14:creationId xmlns:p14="http://schemas.microsoft.com/office/powerpoint/2010/main" val="1733484835"/>
       </p:ext>
     </p:extLst>
   </p:cSld>
   <p:clrMapOvr>
     <a:masterClrMapping/>
   </p:clrMapOvr>
-  <p:timing>
-    <p:tnLst>
-      <p:par>
-        <p:cTn id="1" dur="indefinite" restart="never" nodeType="tmRoot">
-          <p:childTnLst>
-            <p:seq concurrent="1" nextAc="seek">
-              <p:cTn id="2" dur="indefinite" nodeType="mainSeq">
-                <p:childTnLst>
-                  <p:par>
-                    <p:cTn id="3" fill="hold">
-                      <p:stCondLst>
-                        <p:cond delay="indefinite"/>
-                      </p:stCondLst>
-                      <p:childTnLst>
-                        <p:par>
-                          <p:cTn id="4" fill="hold">
-                            <p:stCondLst>
-                              <p:cond delay="0"/>
-                            </p:stCondLst>
-                            <p:childTnLst>
-                              <p:par>
-                                <p:cTn id="5" presetID="1" presetClass="entr" presetSubtype="0" fill="hold" grpId="0" nodeType="clickEffect">
-                                  <p:stCondLst>
-                                    <p:cond delay="0"/>
-                                  </p:stCondLst>
-                                  <p:iterate type="lt">
-                                    <p:tmAbs val="100"/>
-                                  </p:iterate>
-                                  <p:childTnLst>
-                                    <p:set>
-                                      <p:cBhvr>
-                                        <p:cTn id="6" dur="1" fill="hold">
-                                          <p:stCondLst>
-                                            <p:cond delay="0"/>
-                                          </p:stCondLst>
-                                        </p:cTn>
-                                        <p:tgtEl>
-                                          <p:spTgt spid="2"/>
-                                        </p:tgtEl>
-                                        <p:attrNameLst>
-                                          <p:attrName>style.visibility</p:attrName>
-                                        </p:attrNameLst>
-                                      </p:cBhvr>
-                                      <p:to>
-                                        <p:strVal val="visible"/>
-                                      </p:to>
-                                    </p:set>
-                                  </p:childTnLst>
-                                </p:cTn>
-                              </p:par>
-                            </p:childTnLst>
-                          </p:cTn>
-                        </p:par>
-                        <p:par>
-                          <p:cTn id="7" fill="hold">
-                            <p:stCondLst>
-                              <p:cond delay="1501"/>
-                            </p:stCondLst>
-                            <p:childTnLst>
-                              <p:par>
-                                <p:cTn id="8" presetID="1" presetClass="entr" presetSubtype="0" fill="hold" grpId="0" nodeType="afterEffect">
-                                  <p:stCondLst>
-                                    <p:cond delay="0"/>
-                                  </p:stCondLst>
-                                  <p:iterate type="lt">
-                                    <p:tmAbs val="100"/>
-                                  </p:iterate>
-                                  <p:childTnLst>
-                                    <p:set>
-                                      <p:cBhvr>
-                                        <p:cTn id="9" dur="1" fill="hold">
-                                          <p:stCondLst>
-                                            <p:cond delay="0"/>
-                                          </p:stCondLst>
-                                        </p:cTn>
-                                        <p:tgtEl>
-                                          <p:spTgt spid="9"/>
-                                        </p:tgtEl>
-                                        <p:attrNameLst>
-                                          <p:attrName>style.visibility</p:attrName>
-                                        </p:attrNameLst>
-                                      </p:cBhvr>
-                                      <p:to>
-                                        <p:strVal val="visible"/>
-                                      </p:to>
-                                    </p:set>
-                                  </p:childTnLst>
-                                </p:cTn>
-                              </p:par>
-                            </p:childTnLst>
-                          </p:cTn>
-                        </p:par>
-                      </p:childTnLst>
-                    </p:cTn>
-                  </p:par>
-                  <p:par>
-                    <p:cTn id="10" fill="hold">
-                      <p:stCondLst>
-                        <p:cond delay="indefinite"/>
-                      </p:stCondLst>
-                      <p:childTnLst>
-                        <p:par>
-                          <p:cTn id="11" fill="hold">
-                            <p:stCondLst>
-                              <p:cond delay="0"/>
-                            </p:stCondLst>
-                            <p:childTnLst>
-                              <p:par>
-                                <p:cTn id="12" presetID="10" presetClass="entr" presetSubtype="0" fill="hold" grpId="0" nodeType="clickEffect">
-                                  <p:stCondLst>
-                                    <p:cond delay="0"/>
-                                  </p:stCondLst>
-                                  <p:childTnLst>
-                                    <p:set>
-                                      <p:cBhvr>
-                                        <p:cTn id="13" dur="1" fill="hold">
-                                          <p:stCondLst>
-                                            <p:cond delay="0"/>
-                                          </p:stCondLst>
-                                        </p:cTn>
-                                        <p:tgtEl>
-                                          <p:spTgt spid="3">
-                                            <p:txEl>
-                                              <p:pRg st="0" end="0"/>
-                                            </p:txEl>
-                                          </p:spTgt>
-                                        </p:tgtEl>
-                                        <p:attrNameLst>
-                                          <p:attrName>style.visibility</p:attrName>
-                                        </p:attrNameLst>
-                                      </p:cBhvr>
-                                      <p:to>
-                                        <p:strVal val="visible"/>
-                                      </p:to>
-                                    </p:set>
-                                    <p:animEffect transition="in" filter="fade">
-                                      <p:cBhvr>
-                                        <p:cTn id="14" dur="500"/>
-                                        <p:tgtEl>
-                                          <p:spTgt spid="3">
-                                            <p:txEl>
-                                              <p:pRg st="0" end="0"/>
-                                            </p:txEl>
-                                          </p:spTgt>
-                                        </p:tgtEl>
-                                      </p:cBhvr>
-                                    </p:animEffect>
-                                  </p:childTnLst>
-                                </p:cTn>
-                              </p:par>
-                            </p:childTnLst>
-                          </p:cTn>
-                        </p:par>
-                      </p:childTnLst>
-                    </p:cTn>
-                  </p:par>
-                  <p:par>
-                    <p:cTn id="15" fill="hold">
-                      <p:stCondLst>
-                        <p:cond delay="indefinite"/>
-                      </p:stCondLst>
-                      <p:childTnLst>
-                        <p:par>
-                          <p:cTn id="16" fill="hold">
-                            <p:stCondLst>
-                              <p:cond delay="0"/>
-                            </p:stCondLst>
-                            <p:childTnLst>
-                              <p:par>
-                                <p:cTn id="17" presetID="1" presetClass="exit" presetSubtype="0" fill="hold" grpId="1" nodeType="clickEffect">
-                                  <p:stCondLst>
-                                    <p:cond delay="0"/>
-                                  </p:stCondLst>
-                                  <p:iterate type="lt">
-                                    <p:tmAbs val="0"/>
-                                  </p:iterate>
-                                  <p:childTnLst>
-                                    <p:set>
-                                      <p:cBhvr>
-                                        <p:cTn id="18" dur="1" fill="hold">
-                                          <p:stCondLst>
-                                            <p:cond delay="0"/>
-                                          </p:stCondLst>
-                                        </p:cTn>
-                                        <p:tgtEl>
-                                          <p:spTgt spid="9"/>
-                                        </p:tgtEl>
-                                        <p:attrNameLst>
-                                          <p:attrName>style.visibility</p:attrName>
-                                        </p:attrNameLst>
-                                      </p:cBhvr>
-                                      <p:to>
-                                        <p:strVal val="hidden"/>
-                                      </p:to>
-                                    </p:set>
-                                  </p:childTnLst>
-                                </p:cTn>
-                              </p:par>
-                              <p:par>
-                                <p:cTn id="19" presetID="1" presetClass="entr" presetSubtype="0" fill="hold" grpId="0" nodeType="withEffect">
-                                  <p:stCondLst>
-                                    <p:cond delay="0"/>
-                                  </p:stCondLst>
-                                  <p:childTnLst>
-                                    <p:set>
-                                      <p:cBhvr>
-                                        <p:cTn id="20" dur="1" fill="hold">
-                                          <p:stCondLst>
-                                            <p:cond delay="0"/>
-                                          </p:stCondLst>
-                                        </p:cTn>
-                                        <p:tgtEl>
-                                          <p:spTgt spid="10"/>
-                                        </p:tgtEl>
-                                        <p:attrNameLst>
-                                          <p:attrName>style.visibility</p:attrName>
-                                        </p:attrNameLst>
-                                      </p:cBhvr>
-                                      <p:to>
-                                        <p:strVal val="visible"/>
-                                      </p:to>
-                                    </p:set>
-                                  </p:childTnLst>
-                                </p:cTn>
-                              </p:par>
-                            </p:childTnLst>
-                          </p:cTn>
-                        </p:par>
-                        <p:par>
-                          <p:cTn id="21" fill="hold">
-                            <p:stCondLst>
-                              <p:cond delay="0"/>
-                            </p:stCondLst>
-                            <p:childTnLst>
-                              <p:par>
-                                <p:cTn id="22" presetID="1" presetClass="exit" presetSubtype="0" fill="hold" grpId="1" nodeType="afterEffect">
-                                  <p:stCondLst>
-                                    <p:cond delay="100"/>
-                                  </p:stCondLst>
-                                  <p:childTnLst>
-                                    <p:set>
-                                      <p:cBhvr>
-                                        <p:cTn id="23" dur="1" fill="hold">
-                                          <p:stCondLst>
-                                            <p:cond delay="0"/>
-                                          </p:stCondLst>
-                                        </p:cTn>
-                                        <p:tgtEl>
-                                          <p:spTgt spid="10"/>
-                                        </p:tgtEl>
-                                        <p:attrNameLst>
-                                          <p:attrName>style.visibility</p:attrName>
-                                        </p:attrNameLst>
-                                      </p:cBhvr>
-                                      <p:to>
-                                        <p:strVal val="hidden"/>
-                                      </p:to>
-                                    </p:set>
-                                  </p:childTnLst>
-                                </p:cTn>
-                              </p:par>
-                              <p:par>
-                                <p:cTn id="24" presetID="1" presetClass="entr" presetSubtype="0" fill="hold" grpId="0" nodeType="withEffect">
-                                  <p:stCondLst>
-                                    <p:cond delay="100"/>
-                                  </p:stCondLst>
-                                  <p:childTnLst>
-                                    <p:set>
-                                      <p:cBhvr>
-                                        <p:cTn id="25" dur="1" fill="hold">
-                                          <p:stCondLst>
-                                            <p:cond delay="0"/>
-                                          </p:stCondLst>
-                                        </p:cTn>
-                                        <p:tgtEl>
-                                          <p:spTgt spid="14"/>
-                                        </p:tgtEl>
-                                        <p:attrNameLst>
-                                          <p:attrName>style.visibility</p:attrName>
-                                        </p:attrNameLst>
-                                      </p:cBhvr>
-                                      <p:to>
-                                        <p:strVal val="visible"/>
-                                      </p:to>
-                                    </p:set>
-                                  </p:childTnLst>
-                                </p:cTn>
-                              </p:par>
-                            </p:childTnLst>
-                          </p:cTn>
-                        </p:par>
-                        <p:par>
-                          <p:cTn id="26" fill="hold">
-                            <p:stCondLst>
-                              <p:cond delay="100"/>
-                            </p:stCondLst>
-                            <p:childTnLst>
-                              <p:par>
-                                <p:cTn id="27" presetID="1" presetClass="exit" presetSubtype="0" fill="hold" grpId="1" nodeType="afterEffect">
-                                  <p:stCondLst>
-                                    <p:cond delay="100"/>
-                                  </p:stCondLst>
-                                  <p:childTnLst>
-                                    <p:set>
-                                      <p:cBhvr>
-                                        <p:cTn id="28" dur="1" fill="hold">
-                                          <p:stCondLst>
-                                            <p:cond delay="0"/>
-                                          </p:stCondLst>
-                                        </p:cTn>
-                                        <p:tgtEl>
-                                          <p:spTgt spid="14"/>
-                                        </p:tgtEl>
-                                        <p:attrNameLst>
-                                          <p:attrName>style.visibility</p:attrName>
-                                        </p:attrNameLst>
-                                      </p:cBhvr>
-                                      <p:to>
-                                        <p:strVal val="hidden"/>
-                                      </p:to>
-                                    </p:set>
-                                  </p:childTnLst>
-                                </p:cTn>
-                              </p:par>
-                              <p:par>
-                                <p:cTn id="29" presetID="1" presetClass="entr" presetSubtype="0" fill="hold" grpId="0" nodeType="withEffect">
-                                  <p:stCondLst>
-                                    <p:cond delay="100"/>
-                                  </p:stCondLst>
-                                  <p:childTnLst>
-                                    <p:set>
-                                      <p:cBhvr>
-                                        <p:cTn id="30" dur="1" fill="hold">
-                                          <p:stCondLst>
-                                            <p:cond delay="0"/>
-                                          </p:stCondLst>
-                                        </p:cTn>
-                                        <p:tgtEl>
-                                          <p:spTgt spid="15"/>
-                                        </p:tgtEl>
-                                        <p:attrNameLst>
-                                          <p:attrName>style.visibility</p:attrName>
-                                        </p:attrNameLst>
-                                      </p:cBhvr>
-                                      <p:to>
-                                        <p:strVal val="visible"/>
-                                      </p:to>
-                                    </p:set>
-                                  </p:childTnLst>
-                                </p:cTn>
-                              </p:par>
-                            </p:childTnLst>
-                          </p:cTn>
-                        </p:par>
-                        <p:par>
-                          <p:cTn id="31" fill="hold">
-                            <p:stCondLst>
-                              <p:cond delay="200"/>
-                            </p:stCondLst>
-                            <p:childTnLst>
-                              <p:par>
-                                <p:cTn id="32" presetID="1" presetClass="exit" presetSubtype="0" fill="hold" grpId="1" nodeType="afterEffect">
-                                  <p:stCondLst>
-                                    <p:cond delay="100"/>
-                                  </p:stCondLst>
-                                  <p:childTnLst>
-                                    <p:set>
-                                      <p:cBhvr>
-                                        <p:cTn id="33" dur="1" fill="hold">
-                                          <p:stCondLst>
-                                            <p:cond delay="0"/>
-                                          </p:stCondLst>
-                                        </p:cTn>
-                                        <p:tgtEl>
-                                          <p:spTgt spid="15"/>
-                                        </p:tgtEl>
-                                        <p:attrNameLst>
-                                          <p:attrName>style.visibility</p:attrName>
-                                        </p:attrNameLst>
-                                      </p:cBhvr>
-                                      <p:to>
-                                        <p:strVal val="hidden"/>
-                                      </p:to>
-                                    </p:set>
-                                  </p:childTnLst>
-                                </p:cTn>
-                              </p:par>
-                              <p:par>
-                                <p:cTn id="34" presetID="1" presetClass="entr" presetSubtype="0" fill="hold" grpId="0" nodeType="withEffect">
-                                  <p:stCondLst>
-                                    <p:cond delay="100"/>
-                                  </p:stCondLst>
-                                  <p:childTnLst>
-                                    <p:set>
-                                      <p:cBhvr>
-                                        <p:cTn id="35" dur="1" fill="hold">
-                                          <p:stCondLst>
-                                            <p:cond delay="0"/>
-                                          </p:stCondLst>
-                                        </p:cTn>
-                                        <p:tgtEl>
-                                          <p:spTgt spid="16"/>
-                                        </p:tgtEl>
-                                        <p:attrNameLst>
-                                          <p:attrName>style.visibility</p:attrName>
-                                        </p:attrNameLst>
-                                      </p:cBhvr>
-                                      <p:to>
-                                        <p:strVal val="visible"/>
-                                      </p:to>
-                                    </p:set>
-                                  </p:childTnLst>
-                                </p:cTn>
-                              </p:par>
-                            </p:childTnLst>
-                          </p:cTn>
-                        </p:par>
-                        <p:par>
-                          <p:cTn id="36" fill="hold">
-                            <p:stCondLst>
-                              <p:cond delay="300"/>
-                            </p:stCondLst>
-                            <p:childTnLst>
-                              <p:par>
-                                <p:cTn id="37" presetID="1" presetClass="exit" presetSubtype="0" fill="hold" grpId="1" nodeType="afterEffect">
-                                  <p:stCondLst>
-                                    <p:cond delay="0"/>
-                                  </p:stCondLst>
-                                  <p:childTnLst>
-                                    <p:set>
-                                      <p:cBhvr>
-                                        <p:cTn id="38" dur="1" fill="hold">
-                                          <p:stCondLst>
-                                            <p:cond delay="0"/>
-                                          </p:stCondLst>
-                                        </p:cTn>
-                                        <p:tgtEl>
-                                          <p:spTgt spid="16"/>
-                                        </p:tgtEl>
-                                        <p:attrNameLst>
-                                          <p:attrName>style.visibility</p:attrName>
-                                        </p:attrNameLst>
-                                      </p:cBhvr>
-                                      <p:to>
-                                        <p:strVal val="hidden"/>
-                                      </p:to>
-                                    </p:set>
-                                  </p:childTnLst>
-                                </p:cTn>
-                              </p:par>
-                            </p:childTnLst>
-                          </p:cTn>
-                        </p:par>
-                        <p:par>
-                          <p:cTn id="39" fill="hold">
-                            <p:stCondLst>
-                              <p:cond delay="300"/>
-                            </p:stCondLst>
-                            <p:childTnLst>
-                              <p:par>
-                                <p:cTn id="40" presetID="1" presetClass="entr" presetSubtype="0" fill="hold" grpId="0" nodeType="afterEffect">
-                                  <p:stCondLst>
-                                    <p:cond delay="400"/>
-                                  </p:stCondLst>
-                                  <p:childTnLst>
-                                    <p:set>
-                                      <p:cBhvr>
-                                        <p:cTn id="41" dur="1" fill="hold">
-                                          <p:stCondLst>
-                                            <p:cond delay="0"/>
-                                          </p:stCondLst>
-                                        </p:cTn>
-                                        <p:tgtEl>
-                                          <p:spTgt spid="17"/>
-                                        </p:tgtEl>
-                                        <p:attrNameLst>
-                                          <p:attrName>style.visibility</p:attrName>
-                                        </p:attrNameLst>
-                                      </p:cBhvr>
-                                      <p:to>
-                                        <p:strVal val="visible"/>
-                                      </p:to>
-                                    </p:set>
-                                  </p:childTnLst>
-                                </p:cTn>
-                              </p:par>
-                              <p:par>
-                                <p:cTn id="42" presetID="1" presetClass="exit" presetSubtype="0" fill="hold" grpId="1" nodeType="withEffect">
-                                  <p:stCondLst>
-                                    <p:cond delay="0"/>
-                                  </p:stCondLst>
-                                  <p:childTnLst>
-                                    <p:set>
-                                      <p:cBhvr>
-                                        <p:cTn id="43" dur="1" fill="hold">
-                                          <p:stCondLst>
-                                            <p:cond delay="0"/>
-                                          </p:stCondLst>
-                                        </p:cTn>
-                                        <p:tgtEl>
-                                          <p:spTgt spid="17"/>
-                                        </p:tgtEl>
-                                        <p:attrNameLst>
-                                          <p:attrName>style.visibility</p:attrName>
-                                        </p:attrNameLst>
-                                      </p:cBhvr>
-                                      <p:to>
-                                        <p:strVal val="hidden"/>
-                                      </p:to>
-                                    </p:set>
-                                  </p:childTnLst>
-                                </p:cTn>
-                              </p:par>
-                            </p:childTnLst>
-                          </p:cTn>
-                        </p:par>
-                      </p:childTnLst>
-                    </p:cTn>
-                  </p:par>
-                </p:childTnLst>
-              </p:cTn>
-              <p:prevCondLst>
-                <p:cond evt="onPrev" delay="0">
-                  <p:tgtEl>
-                    <p:sldTgt/>
-                  </p:tgtEl>
-                </p:cond>
-              </p:prevCondLst>
-              <p:nextCondLst>
-                <p:cond evt="onNext" delay="0">
-                  <p:tgtEl>
-                    <p:sldTgt/>
-                  </p:tgtEl>
-                </p:cond>
-              </p:nextCondLst>
-            </p:seq>
-          </p:childTnLst>
-        </p:cTn>
-      </p:par>
-    </p:tnLst>
-    <p:bldLst>
-      <p:bldP spid="2" grpId="0"/>
-      <p:bldP spid="3" grpId="0" build="p"/>
-      <p:bldP spid="9" grpId="0"/>
-      <p:bldP spid="9" grpId="1"/>
-      <p:bldP spid="10" grpId="0"/>
-      <p:bldP spid="10" grpId="1"/>
-      <p:bldP spid="14" grpId="0"/>
-      <p:bldP spid="14" grpId="1"/>
-      <p:bldP spid="15" grpId="0"/>
-      <p:bldP spid="15" grpId="1"/>
-      <p:bldP spid="16" grpId="0"/>
-      <p:bldP spid="16" grpId="1"/>
-      <p:bldP spid="17" grpId="0"/>
-      <p:bldP spid="17" grpId="1"/>
-    </p:bldLst>
-  </p:timing>
 </p:sld>
 </file>
 

--- a/Current Presentation/Charlie Fall Term 2024 presentation.pptx
+++ b/Current Presentation/Charlie Fall Term 2024 presentation.pptx
@@ -4,13 +4,17 @@
   <p:sldMasterIdLst>
     <p:sldMasterId id="2147483648" r:id="rId1"/>
   </p:sldMasterIdLst>
+  <p:notesMasterIdLst>
+    <p:notesMasterId r:id="rId9"/>
+  </p:notesMasterIdLst>
   <p:sldIdLst>
-    <p:sldId id="256" r:id="rId2"/>
+    <p:sldId id="262" r:id="rId2"/>
     <p:sldId id="258" r:id="rId3"/>
     <p:sldId id="259" r:id="rId4"/>
     <p:sldId id="260" r:id="rId5"/>
     <p:sldId id="261" r:id="rId6"/>
     <p:sldId id="257" r:id="rId7"/>
+    <p:sldId id="256" r:id="rId8"/>
   </p:sldIdLst>
   <p:sldSz cx="12192000" cy="6858000"/>
   <p:notesSz cx="6858000" cy="9144000"/>
@@ -115,6 +119,442 @@
     </p:ext>
   </p:extLst>
 </p:presentation>
+</file>
+
+<file path=ppt/notesMasters/notesMaster1.xml><?xml version="1.0" encoding="utf-8"?>
+<p:notesMaster xmlns:a="http://schemas.openxmlformats.org/drawingml/2006/main" xmlns:r="http://schemas.openxmlformats.org/officeDocument/2006/relationships" xmlns:p="http://schemas.openxmlformats.org/presentationml/2006/main">
+  <p:cSld>
+    <p:bg>
+      <p:bgRef idx="1001">
+        <a:schemeClr val="bg1"/>
+      </p:bgRef>
+    </p:bg>
+    <p:spTree>
+      <p:nvGrpSpPr>
+        <p:cNvPr id="1" name=""/>
+        <p:cNvGrpSpPr/>
+        <p:nvPr/>
+      </p:nvGrpSpPr>
+      <p:grpSpPr>
+        <a:xfrm>
+          <a:off x="0" y="0"/>
+          <a:ext cx="0" cy="0"/>
+          <a:chOff x="0" y="0"/>
+          <a:chExt cx="0" cy="0"/>
+        </a:xfrm>
+      </p:grpSpPr>
+      <p:sp>
+        <p:nvSpPr>
+          <p:cNvPr id="2" name="Header Placeholder 1"/>
+          <p:cNvSpPr>
+            <a:spLocks noGrp="1"/>
+          </p:cNvSpPr>
+          <p:nvPr>
+            <p:ph type="hdr" sz="quarter"/>
+          </p:nvPr>
+        </p:nvSpPr>
+        <p:spPr>
+          <a:xfrm>
+            <a:off x="0" y="0"/>
+            <a:ext cx="2971800" cy="458788"/>
+          </a:xfrm>
+          <a:prstGeom prst="rect">
+            <a:avLst/>
+          </a:prstGeom>
+        </p:spPr>
+        <p:txBody>
+          <a:bodyPr vert="horz" lIns="91440" tIns="45720" rIns="91440" bIns="45720" rtlCol="0"/>
+          <a:lstStyle>
+            <a:lvl1pPr algn="l">
+              <a:defRPr sz="1200"/>
+            </a:lvl1pPr>
+          </a:lstStyle>
+          <a:p>
+            <a:endParaRPr lang="en-US"/>
+          </a:p>
+        </p:txBody>
+      </p:sp>
+      <p:sp>
+        <p:nvSpPr>
+          <p:cNvPr id="3" name="Date Placeholder 2"/>
+          <p:cNvSpPr>
+            <a:spLocks noGrp="1"/>
+          </p:cNvSpPr>
+          <p:nvPr>
+            <p:ph type="dt" idx="1"/>
+          </p:nvPr>
+        </p:nvSpPr>
+        <p:spPr>
+          <a:xfrm>
+            <a:off x="3884613" y="0"/>
+            <a:ext cx="2971800" cy="458788"/>
+          </a:xfrm>
+          <a:prstGeom prst="rect">
+            <a:avLst/>
+          </a:prstGeom>
+        </p:spPr>
+        <p:txBody>
+          <a:bodyPr vert="horz" lIns="91440" tIns="45720" rIns="91440" bIns="45720" rtlCol="0"/>
+          <a:lstStyle>
+            <a:lvl1pPr algn="r">
+              <a:defRPr sz="1200"/>
+            </a:lvl1pPr>
+          </a:lstStyle>
+          <a:p>
+            <a:fld id="{D8AB78C0-AC51-4711-A521-0C61D684AF09}" type="datetimeFigureOut">
+              <a:rPr lang="en-US" smtClean="0"/>
+              <a:t>12/17/2024</a:t>
+            </a:fld>
+            <a:endParaRPr lang="en-US"/>
+          </a:p>
+        </p:txBody>
+      </p:sp>
+      <p:sp>
+        <p:nvSpPr>
+          <p:cNvPr id="4" name="Slide Image Placeholder 3"/>
+          <p:cNvSpPr>
+            <a:spLocks noGrp="1" noRot="1" noChangeAspect="1"/>
+          </p:cNvSpPr>
+          <p:nvPr>
+            <p:ph type="sldImg" idx="2"/>
+          </p:nvPr>
+        </p:nvSpPr>
+        <p:spPr>
+          <a:xfrm>
+            <a:off x="685800" y="1143000"/>
+            <a:ext cx="5486400" cy="3086100"/>
+          </a:xfrm>
+          <a:prstGeom prst="rect">
+            <a:avLst/>
+          </a:prstGeom>
+          <a:noFill/>
+          <a:ln w="12700">
+            <a:solidFill>
+              <a:prstClr val="black"/>
+            </a:solidFill>
+          </a:ln>
+        </p:spPr>
+        <p:txBody>
+          <a:bodyPr vert="horz" lIns="91440" tIns="45720" rIns="91440" bIns="45720" rtlCol="0" anchor="ctr"/>
+          <a:lstStyle/>
+          <a:p>
+            <a:endParaRPr lang="en-US"/>
+          </a:p>
+        </p:txBody>
+      </p:sp>
+      <p:sp>
+        <p:nvSpPr>
+          <p:cNvPr id="5" name="Notes Placeholder 4"/>
+          <p:cNvSpPr>
+            <a:spLocks noGrp="1"/>
+          </p:cNvSpPr>
+          <p:nvPr>
+            <p:ph type="body" sz="quarter" idx="3"/>
+          </p:nvPr>
+        </p:nvSpPr>
+        <p:spPr>
+          <a:xfrm>
+            <a:off x="685800" y="4400550"/>
+            <a:ext cx="5486400" cy="3600450"/>
+          </a:xfrm>
+          <a:prstGeom prst="rect">
+            <a:avLst/>
+          </a:prstGeom>
+        </p:spPr>
+        <p:txBody>
+          <a:bodyPr vert="horz" lIns="91440" tIns="45720" rIns="91440" bIns="45720" rtlCol="0"/>
+          <a:lstStyle/>
+          <a:p>
+            <a:pPr lvl="0"/>
+            <a:r>
+              <a:rPr lang="en-US"/>
+              <a:t>Click to edit Master text styles</a:t>
+            </a:r>
+          </a:p>
+          <a:p>
+            <a:pPr lvl="1"/>
+            <a:r>
+              <a:rPr lang="en-US"/>
+              <a:t>Second level</a:t>
+            </a:r>
+          </a:p>
+          <a:p>
+            <a:pPr lvl="2"/>
+            <a:r>
+              <a:rPr lang="en-US"/>
+              <a:t>Third level</a:t>
+            </a:r>
+          </a:p>
+          <a:p>
+            <a:pPr lvl="3"/>
+            <a:r>
+              <a:rPr lang="en-US"/>
+              <a:t>Fourth level</a:t>
+            </a:r>
+          </a:p>
+          <a:p>
+            <a:pPr lvl="4"/>
+            <a:r>
+              <a:rPr lang="en-US"/>
+              <a:t>Fifth level</a:t>
+            </a:r>
+          </a:p>
+        </p:txBody>
+      </p:sp>
+      <p:sp>
+        <p:nvSpPr>
+          <p:cNvPr id="6" name="Footer Placeholder 5"/>
+          <p:cNvSpPr>
+            <a:spLocks noGrp="1"/>
+          </p:cNvSpPr>
+          <p:nvPr>
+            <p:ph type="ftr" sz="quarter" idx="4"/>
+          </p:nvPr>
+        </p:nvSpPr>
+        <p:spPr>
+          <a:xfrm>
+            <a:off x="0" y="8685213"/>
+            <a:ext cx="2971800" cy="458787"/>
+          </a:xfrm>
+          <a:prstGeom prst="rect">
+            <a:avLst/>
+          </a:prstGeom>
+        </p:spPr>
+        <p:txBody>
+          <a:bodyPr vert="horz" lIns="91440" tIns="45720" rIns="91440" bIns="45720" rtlCol="0" anchor="b"/>
+          <a:lstStyle>
+            <a:lvl1pPr algn="l">
+              <a:defRPr sz="1200"/>
+            </a:lvl1pPr>
+          </a:lstStyle>
+          <a:p>
+            <a:endParaRPr lang="en-US"/>
+          </a:p>
+        </p:txBody>
+      </p:sp>
+      <p:sp>
+        <p:nvSpPr>
+          <p:cNvPr id="7" name="Slide Number Placeholder 6"/>
+          <p:cNvSpPr>
+            <a:spLocks noGrp="1"/>
+          </p:cNvSpPr>
+          <p:nvPr>
+            <p:ph type="sldNum" sz="quarter" idx="5"/>
+          </p:nvPr>
+        </p:nvSpPr>
+        <p:spPr>
+          <a:xfrm>
+            <a:off x="3884613" y="8685213"/>
+            <a:ext cx="2971800" cy="458787"/>
+          </a:xfrm>
+          <a:prstGeom prst="rect">
+            <a:avLst/>
+          </a:prstGeom>
+        </p:spPr>
+        <p:txBody>
+          <a:bodyPr vert="horz" lIns="91440" tIns="45720" rIns="91440" bIns="45720" rtlCol="0" anchor="b"/>
+          <a:lstStyle>
+            <a:lvl1pPr algn="r">
+              <a:defRPr sz="1200"/>
+            </a:lvl1pPr>
+          </a:lstStyle>
+          <a:p>
+            <a:fld id="{D4770136-C630-44A0-893B-B1E34C1600D7}" type="slidenum">
+              <a:rPr lang="en-US" smtClean="0"/>
+              <a:t>‹#›</a:t>
+            </a:fld>
+            <a:endParaRPr lang="en-US"/>
+          </a:p>
+        </p:txBody>
+      </p:sp>
+    </p:spTree>
+    <p:extLst>
+      <p:ext uri="{BB962C8B-B14F-4D97-AF65-F5344CB8AC3E}">
+        <p14:creationId xmlns:p14="http://schemas.microsoft.com/office/powerpoint/2010/main" val="3720855118"/>
+      </p:ext>
+    </p:extLst>
+  </p:cSld>
+  <p:clrMap bg1="lt1" tx1="dk1" bg2="lt2" tx2="dk2" accent1="accent1" accent2="accent2" accent3="accent3" accent4="accent4" accent5="accent5" accent6="accent6" hlink="hlink" folHlink="folHlink"/>
+  <p:notesStyle>
+    <a:lvl1pPr marL="0" algn="l" defTabSz="914400" rtl="0" eaLnBrk="1" latinLnBrk="0" hangingPunct="1">
+      <a:defRPr sz="1200" kern="1200">
+        <a:solidFill>
+          <a:schemeClr val="tx1"/>
+        </a:solidFill>
+        <a:latin typeface="+mn-lt"/>
+        <a:ea typeface="+mn-ea"/>
+        <a:cs typeface="+mn-cs"/>
+      </a:defRPr>
+    </a:lvl1pPr>
+    <a:lvl2pPr marL="457200" algn="l" defTabSz="914400" rtl="0" eaLnBrk="1" latinLnBrk="0" hangingPunct="1">
+      <a:defRPr sz="1200" kern="1200">
+        <a:solidFill>
+          <a:schemeClr val="tx1"/>
+        </a:solidFill>
+        <a:latin typeface="+mn-lt"/>
+        <a:ea typeface="+mn-ea"/>
+        <a:cs typeface="+mn-cs"/>
+      </a:defRPr>
+    </a:lvl2pPr>
+    <a:lvl3pPr marL="914400" algn="l" defTabSz="914400" rtl="0" eaLnBrk="1" latinLnBrk="0" hangingPunct="1">
+      <a:defRPr sz="1200" kern="1200">
+        <a:solidFill>
+          <a:schemeClr val="tx1"/>
+        </a:solidFill>
+        <a:latin typeface="+mn-lt"/>
+        <a:ea typeface="+mn-ea"/>
+        <a:cs typeface="+mn-cs"/>
+      </a:defRPr>
+    </a:lvl3pPr>
+    <a:lvl4pPr marL="1371600" algn="l" defTabSz="914400" rtl="0" eaLnBrk="1" latinLnBrk="0" hangingPunct="1">
+      <a:defRPr sz="1200" kern="1200">
+        <a:solidFill>
+          <a:schemeClr val="tx1"/>
+        </a:solidFill>
+        <a:latin typeface="+mn-lt"/>
+        <a:ea typeface="+mn-ea"/>
+        <a:cs typeface="+mn-cs"/>
+      </a:defRPr>
+    </a:lvl4pPr>
+    <a:lvl5pPr marL="1828800" algn="l" defTabSz="914400" rtl="0" eaLnBrk="1" latinLnBrk="0" hangingPunct="1">
+      <a:defRPr sz="1200" kern="1200">
+        <a:solidFill>
+          <a:schemeClr val="tx1"/>
+        </a:solidFill>
+        <a:latin typeface="+mn-lt"/>
+        <a:ea typeface="+mn-ea"/>
+        <a:cs typeface="+mn-cs"/>
+      </a:defRPr>
+    </a:lvl5pPr>
+    <a:lvl6pPr marL="2286000" algn="l" defTabSz="914400" rtl="0" eaLnBrk="1" latinLnBrk="0" hangingPunct="1">
+      <a:defRPr sz="1200" kern="1200">
+        <a:solidFill>
+          <a:schemeClr val="tx1"/>
+        </a:solidFill>
+        <a:latin typeface="+mn-lt"/>
+        <a:ea typeface="+mn-ea"/>
+        <a:cs typeface="+mn-cs"/>
+      </a:defRPr>
+    </a:lvl6pPr>
+    <a:lvl7pPr marL="2743200" algn="l" defTabSz="914400" rtl="0" eaLnBrk="1" latinLnBrk="0" hangingPunct="1">
+      <a:defRPr sz="1200" kern="1200">
+        <a:solidFill>
+          <a:schemeClr val="tx1"/>
+        </a:solidFill>
+        <a:latin typeface="+mn-lt"/>
+        <a:ea typeface="+mn-ea"/>
+        <a:cs typeface="+mn-cs"/>
+      </a:defRPr>
+    </a:lvl7pPr>
+    <a:lvl8pPr marL="3200400" algn="l" defTabSz="914400" rtl="0" eaLnBrk="1" latinLnBrk="0" hangingPunct="1">
+      <a:defRPr sz="1200" kern="1200">
+        <a:solidFill>
+          <a:schemeClr val="tx1"/>
+        </a:solidFill>
+        <a:latin typeface="+mn-lt"/>
+        <a:ea typeface="+mn-ea"/>
+        <a:cs typeface="+mn-cs"/>
+      </a:defRPr>
+    </a:lvl8pPr>
+    <a:lvl9pPr marL="3657600" algn="l" defTabSz="914400" rtl="0" eaLnBrk="1" latinLnBrk="0" hangingPunct="1">
+      <a:defRPr sz="1200" kern="1200">
+        <a:solidFill>
+          <a:schemeClr val="tx1"/>
+        </a:solidFill>
+        <a:latin typeface="+mn-lt"/>
+        <a:ea typeface="+mn-ea"/>
+        <a:cs typeface="+mn-cs"/>
+      </a:defRPr>
+    </a:lvl9pPr>
+  </p:notesStyle>
+</p:notesMaster>
+</file>
+
+<file path=ppt/notesSlides/notesSlide1.xml><?xml version="1.0" encoding="utf-8"?>
+<p:notes xmlns:a="http://schemas.openxmlformats.org/drawingml/2006/main" xmlns:r="http://schemas.openxmlformats.org/officeDocument/2006/relationships" xmlns:p="http://schemas.openxmlformats.org/presentationml/2006/main">
+  <p:cSld>
+    <p:spTree>
+      <p:nvGrpSpPr>
+        <p:cNvPr id="1" name=""/>
+        <p:cNvGrpSpPr/>
+        <p:nvPr/>
+      </p:nvGrpSpPr>
+      <p:grpSpPr>
+        <a:xfrm>
+          <a:off x="0" y="0"/>
+          <a:ext cx="0" cy="0"/>
+          <a:chOff x="0" y="0"/>
+          <a:chExt cx="0" cy="0"/>
+        </a:xfrm>
+      </p:grpSpPr>
+      <p:sp>
+        <p:nvSpPr>
+          <p:cNvPr id="2" name="Slide Image Placeholder 1"/>
+          <p:cNvSpPr>
+            <a:spLocks noGrp="1" noRot="1" noChangeAspect="1"/>
+          </p:cNvSpPr>
+          <p:nvPr>
+            <p:ph type="sldImg"/>
+          </p:nvPr>
+        </p:nvSpPr>
+        <p:spPr/>
+      </p:sp>
+      <p:sp>
+        <p:nvSpPr>
+          <p:cNvPr id="3" name="Notes Placeholder 2"/>
+          <p:cNvSpPr>
+            <a:spLocks noGrp="1"/>
+          </p:cNvSpPr>
+          <p:nvPr>
+            <p:ph type="body" idx="1"/>
+          </p:nvPr>
+        </p:nvSpPr>
+        <p:spPr/>
+        <p:txBody>
+          <a:bodyPr/>
+          <a:lstStyle/>
+          <a:p>
+            <a:r>
+              <a:rPr lang="en-US" dirty="0"/>
+              <a:t>Note: act as if you are trying to fix computer, then it “fixes”. The cause of the “crash” was the fact that the title slide was at the end</a:t>
+            </a:r>
+          </a:p>
+        </p:txBody>
+      </p:sp>
+      <p:sp>
+        <p:nvSpPr>
+          <p:cNvPr id="4" name="Slide Number Placeholder 3"/>
+          <p:cNvSpPr>
+            <a:spLocks noGrp="1"/>
+          </p:cNvSpPr>
+          <p:nvPr>
+            <p:ph type="sldNum" sz="quarter" idx="5"/>
+          </p:nvPr>
+        </p:nvSpPr>
+        <p:spPr/>
+        <p:txBody>
+          <a:bodyPr/>
+          <a:lstStyle/>
+          <a:p>
+            <a:fld id="{D4770136-C630-44A0-893B-B1E34C1600D7}" type="slidenum">
+              <a:rPr lang="en-US" smtClean="0"/>
+              <a:t>6</a:t>
+            </a:fld>
+            <a:endParaRPr lang="en-US"/>
+          </a:p>
+        </p:txBody>
+      </p:sp>
+    </p:spTree>
+    <p:extLst>
+      <p:ext uri="{BB962C8B-B14F-4D97-AF65-F5344CB8AC3E}">
+        <p14:creationId xmlns:p14="http://schemas.microsoft.com/office/powerpoint/2010/main" val="3924901900"/>
+      </p:ext>
+    </p:extLst>
+  </p:cSld>
+  <p:clrMapOvr>
+    <a:masterClrMapping/>
+  </p:clrMapOvr>
+</p:notes>
 </file>
 
 <file path=ppt/slideLayouts/slideLayout1.xml><?xml version="1.0" encoding="utf-8"?>
@@ -3331,1619 +3771,16 @@
           <a:chExt cx="0" cy="0"/>
         </a:xfrm>
       </p:grpSpPr>
-      <p:pic>
-        <p:nvPicPr>
-          <p:cNvPr id="8" name="Picture 7" descr="A screenshot of a computer&#10;&#10;Description automatically generated">
-            <a:extLst>
-              <a:ext uri="{FF2B5EF4-FFF2-40B4-BE49-F238E27FC236}">
-                <a16:creationId xmlns:a16="http://schemas.microsoft.com/office/drawing/2014/main" id="{0635BA5E-2DE7-9556-723B-3955ED235E15}"/>
-              </a:ext>
-            </a:extLst>
-          </p:cNvPr>
-          <p:cNvPicPr>
-            <a:picLocks noChangeAspect="1"/>
-          </p:cNvPicPr>
-          <p:nvPr/>
-        </p:nvPicPr>
-        <p:blipFill>
-          <a:blip r:embed="rId2">
-            <a:extLst>
-              <a:ext uri="{28A0092B-C50C-407E-A947-70E740481C1C}">
-                <a14:useLocalDpi xmlns:a14="http://schemas.microsoft.com/office/drawing/2010/main" val="0"/>
-              </a:ext>
-            </a:extLst>
-          </a:blip>
-          <a:stretch>
-            <a:fillRect/>
-          </a:stretch>
-        </p:blipFill>
-        <p:spPr>
-          <a:xfrm>
-            <a:off x="178694" y="4844716"/>
-            <a:ext cx="3218988" cy="1823144"/>
-          </a:xfrm>
-          <a:prstGeom prst="rect">
-            <a:avLst/>
-          </a:prstGeom>
-        </p:spPr>
-      </p:pic>
-      <p:pic>
-        <p:nvPicPr>
-          <p:cNvPr id="6" name="Picture 5" descr="A screenshot of a computer&#10;&#10;Description automatically generated">
-            <a:extLst>
-              <a:ext uri="{FF2B5EF4-FFF2-40B4-BE49-F238E27FC236}">
-                <a16:creationId xmlns:a16="http://schemas.microsoft.com/office/drawing/2014/main" id="{E801DF70-E28F-534A-970C-F511316DB883}"/>
-              </a:ext>
-            </a:extLst>
-          </p:cNvPr>
-          <p:cNvPicPr>
-            <a:picLocks noChangeAspect="1"/>
-          </p:cNvPicPr>
-          <p:nvPr/>
-        </p:nvPicPr>
-        <p:blipFill>
-          <a:blip r:embed="rId3">
-            <a:extLst>
-              <a:ext uri="{28A0092B-C50C-407E-A947-70E740481C1C}">
-                <a14:useLocalDpi xmlns:a14="http://schemas.microsoft.com/office/drawing/2010/main" val="0"/>
-              </a:ext>
-            </a:extLst>
-          </a:blip>
-          <a:stretch>
-            <a:fillRect/>
-          </a:stretch>
-        </p:blipFill>
-        <p:spPr>
-          <a:xfrm>
-            <a:off x="8660431" y="59566"/>
-            <a:ext cx="3427693" cy="1881529"/>
-          </a:xfrm>
-          <a:prstGeom prst="rect">
-            <a:avLst/>
-          </a:prstGeom>
-        </p:spPr>
-      </p:pic>
-      <p:sp>
-        <p:nvSpPr>
-          <p:cNvPr id="4" name="Title 1">
-            <a:extLst>
-              <a:ext uri="{FF2B5EF4-FFF2-40B4-BE49-F238E27FC236}">
-                <a16:creationId xmlns:a16="http://schemas.microsoft.com/office/drawing/2014/main" id="{267E1E79-3036-28CA-771D-53FF009B0802}"/>
-              </a:ext>
-            </a:extLst>
-          </p:cNvPr>
-          <p:cNvSpPr txBox="1">
-            <a:spLocks/>
-          </p:cNvSpPr>
-          <p:nvPr/>
-        </p:nvSpPr>
-        <p:spPr>
-          <a:xfrm>
-            <a:off x="1371600" y="923453"/>
-            <a:ext cx="9144000" cy="2387600"/>
-          </a:xfrm>
-          <a:prstGeom prst="rect">
-            <a:avLst/>
-          </a:prstGeom>
-        </p:spPr>
-        <p:txBody>
-          <a:bodyPr vert="horz" lIns="91440" tIns="45720" rIns="91440" bIns="45720" rtlCol="0" anchor="ctr">
-            <a:normAutofit/>
-          </a:bodyPr>
-          <a:lstStyle>
-            <a:lvl1pPr algn="ctr" defTabSz="914400" rtl="0" eaLnBrk="1" latinLnBrk="0" hangingPunct="1">
-              <a:lnSpc>
-                <a:spcPct val="90000"/>
-              </a:lnSpc>
-              <a:spcBef>
-                <a:spcPct val="0"/>
-              </a:spcBef>
-              <a:buNone/>
-              <a:defRPr sz="6000" kern="1200">
-                <a:solidFill>
-                  <a:schemeClr val="tx1"/>
-                </a:solidFill>
-                <a:latin typeface="+mj-lt"/>
-                <a:ea typeface="+mj-ea"/>
-                <a:cs typeface="+mj-cs"/>
-              </a:defRPr>
-            </a:lvl1pPr>
-          </a:lstStyle>
-          <a:p>
-            <a:pPr algn="l"/>
-            <a:r>
-              <a:rPr lang="en-US" dirty="0">
-                <a:solidFill>
-                  <a:srgbClr val="FF0000"/>
-                </a:solidFill>
-              </a:rPr>
-              <a:t>Charlie Hatch’s “Fall” Presentation- 2024</a:t>
-            </a:r>
-          </a:p>
-        </p:txBody>
-      </p:sp>
-      <p:sp>
-        <p:nvSpPr>
-          <p:cNvPr id="2" name="Title 1">
-            <a:extLst>
-              <a:ext uri="{FF2B5EF4-FFF2-40B4-BE49-F238E27FC236}">
-                <a16:creationId xmlns:a16="http://schemas.microsoft.com/office/drawing/2014/main" id="{527109B3-C72C-E179-7B31-ADABB50A550E}"/>
-              </a:ext>
-            </a:extLst>
-          </p:cNvPr>
-          <p:cNvSpPr>
-            <a:spLocks noGrp="1"/>
-          </p:cNvSpPr>
-          <p:nvPr>
-            <p:ph type="ctrTitle"/>
-          </p:nvPr>
-        </p:nvSpPr>
-        <p:spPr>
-          <a:xfrm>
-            <a:off x="1371600" y="923453"/>
-            <a:ext cx="9144000" cy="2387600"/>
-          </a:xfrm>
-        </p:spPr>
-        <p:txBody>
-          <a:bodyPr anchor="ctr">
-            <a:normAutofit/>
-          </a:bodyPr>
-          <a:lstStyle/>
-          <a:p>
-            <a:pPr algn="l"/>
-            <a:r>
-              <a:rPr lang="en-US" dirty="0"/>
-              <a:t>Charlie Hatch’s </a:t>
-            </a:r>
-            <a:r>
-              <a:rPr lang="en-US" dirty="0">
-                <a:solidFill>
-                  <a:schemeClr val="bg1"/>
-                </a:solidFill>
-              </a:rPr>
-              <a:t>“</a:t>
-            </a:r>
-            <a:r>
-              <a:rPr lang="en-US" dirty="0"/>
-              <a:t>Fall</a:t>
-            </a:r>
-            <a:r>
-              <a:rPr lang="en-US" dirty="0">
-                <a:solidFill>
-                  <a:schemeClr val="bg1"/>
-                </a:solidFill>
-              </a:rPr>
-              <a:t>”</a:t>
-            </a:r>
-            <a:r>
-              <a:rPr lang="en-US" dirty="0"/>
-              <a:t>  Presentation- 2024</a:t>
-            </a:r>
-          </a:p>
-        </p:txBody>
-      </p:sp>
-      <p:sp>
-        <p:nvSpPr>
-          <p:cNvPr id="3" name="Subtitle 2">
-            <a:extLst>
-              <a:ext uri="{FF2B5EF4-FFF2-40B4-BE49-F238E27FC236}">
-                <a16:creationId xmlns:a16="http://schemas.microsoft.com/office/drawing/2014/main" id="{69D1F04A-7B86-AF2A-8585-ED14D54CBEEF}"/>
-              </a:ext>
-            </a:extLst>
-          </p:cNvPr>
-          <p:cNvSpPr>
-            <a:spLocks noGrp="1"/>
-          </p:cNvSpPr>
-          <p:nvPr>
-            <p:ph type="subTitle" idx="1"/>
-          </p:nvPr>
-        </p:nvSpPr>
-        <p:spPr>
-          <a:xfrm>
-            <a:off x="1524000" y="3734435"/>
-            <a:ext cx="9144000" cy="1655762"/>
-          </a:xfrm>
-        </p:spPr>
-        <p:txBody>
-          <a:bodyPr>
-            <a:normAutofit/>
-          </a:bodyPr>
-          <a:lstStyle/>
-          <a:p>
-            <a:r>
-              <a:rPr lang="en-US" dirty="0"/>
-              <a:t>Presented to you by: Charlie Hatch</a:t>
-            </a:r>
-          </a:p>
-          <a:p>
-            <a:endParaRPr lang="en-US" dirty="0"/>
-          </a:p>
-          <a:p>
-            <a:r>
-              <a:rPr lang="en-US" sz="1600" dirty="0"/>
-              <a:t>Before we start, here’s a question. how is this the fall term?</a:t>
-            </a:r>
-            <a:br>
-              <a:rPr lang="en-US" sz="1600" dirty="0"/>
-            </a:br>
-            <a:r>
-              <a:rPr lang="en-US" sz="1600" dirty="0"/>
-              <a:t>I mean, Look at the weather</a:t>
-            </a:r>
-          </a:p>
-        </p:txBody>
-      </p:sp>
-      <p:sp>
-        <p:nvSpPr>
-          <p:cNvPr id="11" name="Subtitle 2">
-            <a:extLst>
-              <a:ext uri="{FF2B5EF4-FFF2-40B4-BE49-F238E27FC236}">
-                <a16:creationId xmlns:a16="http://schemas.microsoft.com/office/drawing/2014/main" id="{25783995-F588-9C64-9A39-CBF816CB3A2A}"/>
-              </a:ext>
-            </a:extLst>
-          </p:cNvPr>
-          <p:cNvSpPr txBox="1">
-            <a:spLocks/>
-          </p:cNvSpPr>
-          <p:nvPr/>
-        </p:nvSpPr>
-        <p:spPr>
-          <a:xfrm>
-            <a:off x="4578036" y="5237479"/>
-            <a:ext cx="3162677" cy="305435"/>
-          </a:xfrm>
-          <a:prstGeom prst="rect">
-            <a:avLst/>
-          </a:prstGeom>
-        </p:spPr>
-        <p:txBody>
-          <a:bodyPr vert="horz" lIns="91440" tIns="45720" rIns="91440" bIns="45720" rtlCol="0">
-            <a:normAutofit lnSpcReduction="10000"/>
-          </a:bodyPr>
-          <a:lstStyle>
-            <a:lvl1pPr marL="0" indent="0" algn="ctr" defTabSz="914400" rtl="0" eaLnBrk="1" latinLnBrk="0" hangingPunct="1">
-              <a:lnSpc>
-                <a:spcPct val="90000"/>
-              </a:lnSpc>
-              <a:spcBef>
-                <a:spcPts val="1000"/>
-              </a:spcBef>
-              <a:buFont typeface="Arial" panose="020B0604020202020204" pitchFamily="34" charset="0"/>
-              <a:buNone/>
-              <a:defRPr sz="2400" kern="1200">
-                <a:solidFill>
-                  <a:schemeClr val="tx1"/>
-                </a:solidFill>
-                <a:latin typeface="+mn-lt"/>
-                <a:ea typeface="+mn-ea"/>
-                <a:cs typeface="+mn-cs"/>
-              </a:defRPr>
-            </a:lvl1pPr>
-            <a:lvl2pPr marL="457200" indent="0" algn="ctr" defTabSz="914400" rtl="0" eaLnBrk="1" latinLnBrk="0" hangingPunct="1">
-              <a:lnSpc>
-                <a:spcPct val="90000"/>
-              </a:lnSpc>
-              <a:spcBef>
-                <a:spcPts val="500"/>
-              </a:spcBef>
-              <a:buFont typeface="Arial" panose="020B0604020202020204" pitchFamily="34" charset="0"/>
-              <a:buNone/>
-              <a:defRPr sz="2000" kern="1200">
-                <a:solidFill>
-                  <a:schemeClr val="tx1"/>
-                </a:solidFill>
-                <a:latin typeface="+mn-lt"/>
-                <a:ea typeface="+mn-ea"/>
-                <a:cs typeface="+mn-cs"/>
-              </a:defRPr>
-            </a:lvl2pPr>
-            <a:lvl3pPr marL="914400" indent="0" algn="ctr" defTabSz="914400" rtl="0" eaLnBrk="1" latinLnBrk="0" hangingPunct="1">
-              <a:lnSpc>
-                <a:spcPct val="90000"/>
-              </a:lnSpc>
-              <a:spcBef>
-                <a:spcPts val="500"/>
-              </a:spcBef>
-              <a:buFont typeface="Arial" panose="020B0604020202020204" pitchFamily="34" charset="0"/>
-              <a:buNone/>
-              <a:defRPr sz="1800" kern="1200">
-                <a:solidFill>
-                  <a:schemeClr val="tx1"/>
-                </a:solidFill>
-                <a:latin typeface="+mn-lt"/>
-                <a:ea typeface="+mn-ea"/>
-                <a:cs typeface="+mn-cs"/>
-              </a:defRPr>
-            </a:lvl3pPr>
-            <a:lvl4pPr marL="1371600" indent="0" algn="ctr" defTabSz="914400" rtl="0" eaLnBrk="1" latinLnBrk="0" hangingPunct="1">
-              <a:lnSpc>
-                <a:spcPct val="90000"/>
-              </a:lnSpc>
-              <a:spcBef>
-                <a:spcPts val="500"/>
-              </a:spcBef>
-              <a:buFont typeface="Arial" panose="020B0604020202020204" pitchFamily="34" charset="0"/>
-              <a:buNone/>
-              <a:defRPr sz="1600" kern="1200">
-                <a:solidFill>
-                  <a:schemeClr val="tx1"/>
-                </a:solidFill>
-                <a:latin typeface="+mn-lt"/>
-                <a:ea typeface="+mn-ea"/>
-                <a:cs typeface="+mn-cs"/>
-              </a:defRPr>
-            </a:lvl4pPr>
-            <a:lvl5pPr marL="1828800" indent="0" algn="ctr" defTabSz="914400" rtl="0" eaLnBrk="1" latinLnBrk="0" hangingPunct="1">
-              <a:lnSpc>
-                <a:spcPct val="90000"/>
-              </a:lnSpc>
-              <a:spcBef>
-                <a:spcPts val="500"/>
-              </a:spcBef>
-              <a:buFont typeface="Arial" panose="020B0604020202020204" pitchFamily="34" charset="0"/>
-              <a:buNone/>
-              <a:defRPr sz="1600" kern="1200">
-                <a:solidFill>
-                  <a:schemeClr val="tx1"/>
-                </a:solidFill>
-                <a:latin typeface="+mn-lt"/>
-                <a:ea typeface="+mn-ea"/>
-                <a:cs typeface="+mn-cs"/>
-              </a:defRPr>
-            </a:lvl5pPr>
-            <a:lvl6pPr marL="2286000" indent="0" algn="ctr" defTabSz="914400" rtl="0" eaLnBrk="1" latinLnBrk="0" hangingPunct="1">
-              <a:lnSpc>
-                <a:spcPct val="90000"/>
-              </a:lnSpc>
-              <a:spcBef>
-                <a:spcPts val="500"/>
-              </a:spcBef>
-              <a:buFont typeface="Arial" panose="020B0604020202020204" pitchFamily="34" charset="0"/>
-              <a:buNone/>
-              <a:defRPr sz="1600" kern="1200">
-                <a:solidFill>
-                  <a:schemeClr val="tx1"/>
-                </a:solidFill>
-                <a:latin typeface="+mn-lt"/>
-                <a:ea typeface="+mn-ea"/>
-                <a:cs typeface="+mn-cs"/>
-              </a:defRPr>
-            </a:lvl6pPr>
-            <a:lvl7pPr marL="2743200" indent="0" algn="ctr" defTabSz="914400" rtl="0" eaLnBrk="1" latinLnBrk="0" hangingPunct="1">
-              <a:lnSpc>
-                <a:spcPct val="90000"/>
-              </a:lnSpc>
-              <a:spcBef>
-                <a:spcPts val="500"/>
-              </a:spcBef>
-              <a:buFont typeface="Arial" panose="020B0604020202020204" pitchFamily="34" charset="0"/>
-              <a:buNone/>
-              <a:defRPr sz="1600" kern="1200">
-                <a:solidFill>
-                  <a:schemeClr val="tx1"/>
-                </a:solidFill>
-                <a:latin typeface="+mn-lt"/>
-                <a:ea typeface="+mn-ea"/>
-                <a:cs typeface="+mn-cs"/>
-              </a:defRPr>
-            </a:lvl7pPr>
-            <a:lvl8pPr marL="3200400" indent="0" algn="ctr" defTabSz="914400" rtl="0" eaLnBrk="1" latinLnBrk="0" hangingPunct="1">
-              <a:lnSpc>
-                <a:spcPct val="90000"/>
-              </a:lnSpc>
-              <a:spcBef>
-                <a:spcPts val="500"/>
-              </a:spcBef>
-              <a:buFont typeface="Arial" panose="020B0604020202020204" pitchFamily="34" charset="0"/>
-              <a:buNone/>
-              <a:defRPr sz="1600" kern="1200">
-                <a:solidFill>
-                  <a:schemeClr val="tx1"/>
-                </a:solidFill>
-                <a:latin typeface="+mn-lt"/>
-                <a:ea typeface="+mn-ea"/>
-                <a:cs typeface="+mn-cs"/>
-              </a:defRPr>
-            </a:lvl8pPr>
-            <a:lvl9pPr marL="3657600" indent="0" algn="ctr" defTabSz="914400" rtl="0" eaLnBrk="1" latinLnBrk="0" hangingPunct="1">
-              <a:lnSpc>
-                <a:spcPct val="90000"/>
-              </a:lnSpc>
-              <a:spcBef>
-                <a:spcPts val="500"/>
-              </a:spcBef>
-              <a:buFont typeface="Arial" panose="020B0604020202020204" pitchFamily="34" charset="0"/>
-              <a:buNone/>
-              <a:defRPr sz="1600" kern="1200">
-                <a:solidFill>
-                  <a:schemeClr val="tx1"/>
-                </a:solidFill>
-                <a:latin typeface="+mn-lt"/>
-                <a:ea typeface="+mn-ea"/>
-                <a:cs typeface="+mn-cs"/>
-              </a:defRPr>
-            </a:lvl9pPr>
-          </a:lstStyle>
-          <a:p>
-            <a:r>
-              <a:rPr lang="en-US" sz="1600" dirty="0"/>
-              <a:t>So, Just a second, let me fix that</a:t>
-            </a:r>
-          </a:p>
-        </p:txBody>
-      </p:sp>
-      <p:sp>
-        <p:nvSpPr>
-          <p:cNvPr id="13" name="Subtitle 2">
-            <a:extLst>
-              <a:ext uri="{FF2B5EF4-FFF2-40B4-BE49-F238E27FC236}">
-                <a16:creationId xmlns:a16="http://schemas.microsoft.com/office/drawing/2014/main" id="{7CF1E6DB-9C04-662B-395A-57C8581211E7}"/>
-              </a:ext>
-            </a:extLst>
-          </p:cNvPr>
-          <p:cNvSpPr txBox="1">
-            <a:spLocks/>
-          </p:cNvSpPr>
-          <p:nvPr/>
-        </p:nvSpPr>
-        <p:spPr>
-          <a:xfrm>
-            <a:off x="4578036" y="5237479"/>
-            <a:ext cx="1976673" cy="305435"/>
-          </a:xfrm>
-          <a:prstGeom prst="rect">
-            <a:avLst/>
-          </a:prstGeom>
-        </p:spPr>
-        <p:txBody>
-          <a:bodyPr vert="horz" lIns="91440" tIns="45720" rIns="91440" bIns="45720" rtlCol="0">
-            <a:normAutofit lnSpcReduction="10000"/>
-          </a:bodyPr>
-          <a:lstStyle>
-            <a:lvl1pPr marL="0" indent="0" algn="ctr" defTabSz="914400" rtl="0" eaLnBrk="1" latinLnBrk="0" hangingPunct="1">
-              <a:lnSpc>
-                <a:spcPct val="90000"/>
-              </a:lnSpc>
-              <a:spcBef>
-                <a:spcPts val="1000"/>
-              </a:spcBef>
-              <a:buFont typeface="Arial" panose="020B0604020202020204" pitchFamily="34" charset="0"/>
-              <a:buNone/>
-              <a:defRPr sz="2400" kern="1200">
-                <a:solidFill>
-                  <a:schemeClr val="tx1"/>
-                </a:solidFill>
-                <a:latin typeface="+mn-lt"/>
-                <a:ea typeface="+mn-ea"/>
-                <a:cs typeface="+mn-cs"/>
-              </a:defRPr>
-            </a:lvl1pPr>
-            <a:lvl2pPr marL="457200" indent="0" algn="ctr" defTabSz="914400" rtl="0" eaLnBrk="1" latinLnBrk="0" hangingPunct="1">
-              <a:lnSpc>
-                <a:spcPct val="90000"/>
-              </a:lnSpc>
-              <a:spcBef>
-                <a:spcPts val="500"/>
-              </a:spcBef>
-              <a:buFont typeface="Arial" panose="020B0604020202020204" pitchFamily="34" charset="0"/>
-              <a:buNone/>
-              <a:defRPr sz="2000" kern="1200">
-                <a:solidFill>
-                  <a:schemeClr val="tx1"/>
-                </a:solidFill>
-                <a:latin typeface="+mn-lt"/>
-                <a:ea typeface="+mn-ea"/>
-                <a:cs typeface="+mn-cs"/>
-              </a:defRPr>
-            </a:lvl2pPr>
-            <a:lvl3pPr marL="914400" indent="0" algn="ctr" defTabSz="914400" rtl="0" eaLnBrk="1" latinLnBrk="0" hangingPunct="1">
-              <a:lnSpc>
-                <a:spcPct val="90000"/>
-              </a:lnSpc>
-              <a:spcBef>
-                <a:spcPts val="500"/>
-              </a:spcBef>
-              <a:buFont typeface="Arial" panose="020B0604020202020204" pitchFamily="34" charset="0"/>
-              <a:buNone/>
-              <a:defRPr sz="1800" kern="1200">
-                <a:solidFill>
-                  <a:schemeClr val="tx1"/>
-                </a:solidFill>
-                <a:latin typeface="+mn-lt"/>
-                <a:ea typeface="+mn-ea"/>
-                <a:cs typeface="+mn-cs"/>
-              </a:defRPr>
-            </a:lvl3pPr>
-            <a:lvl4pPr marL="1371600" indent="0" algn="ctr" defTabSz="914400" rtl="0" eaLnBrk="1" latinLnBrk="0" hangingPunct="1">
-              <a:lnSpc>
-                <a:spcPct val="90000"/>
-              </a:lnSpc>
-              <a:spcBef>
-                <a:spcPts val="500"/>
-              </a:spcBef>
-              <a:buFont typeface="Arial" panose="020B0604020202020204" pitchFamily="34" charset="0"/>
-              <a:buNone/>
-              <a:defRPr sz="1600" kern="1200">
-                <a:solidFill>
-                  <a:schemeClr val="tx1"/>
-                </a:solidFill>
-                <a:latin typeface="+mn-lt"/>
-                <a:ea typeface="+mn-ea"/>
-                <a:cs typeface="+mn-cs"/>
-              </a:defRPr>
-            </a:lvl4pPr>
-            <a:lvl5pPr marL="1828800" indent="0" algn="ctr" defTabSz="914400" rtl="0" eaLnBrk="1" latinLnBrk="0" hangingPunct="1">
-              <a:lnSpc>
-                <a:spcPct val="90000"/>
-              </a:lnSpc>
-              <a:spcBef>
-                <a:spcPts val="500"/>
-              </a:spcBef>
-              <a:buFont typeface="Arial" panose="020B0604020202020204" pitchFamily="34" charset="0"/>
-              <a:buNone/>
-              <a:defRPr sz="1600" kern="1200">
-                <a:solidFill>
-                  <a:schemeClr val="tx1"/>
-                </a:solidFill>
-                <a:latin typeface="+mn-lt"/>
-                <a:ea typeface="+mn-ea"/>
-                <a:cs typeface="+mn-cs"/>
-              </a:defRPr>
-            </a:lvl5pPr>
-            <a:lvl6pPr marL="2286000" indent="0" algn="ctr" defTabSz="914400" rtl="0" eaLnBrk="1" latinLnBrk="0" hangingPunct="1">
-              <a:lnSpc>
-                <a:spcPct val="90000"/>
-              </a:lnSpc>
-              <a:spcBef>
-                <a:spcPts val="500"/>
-              </a:spcBef>
-              <a:buFont typeface="Arial" panose="020B0604020202020204" pitchFamily="34" charset="0"/>
-              <a:buNone/>
-              <a:defRPr sz="1600" kern="1200">
-                <a:solidFill>
-                  <a:schemeClr val="tx1"/>
-                </a:solidFill>
-                <a:latin typeface="+mn-lt"/>
-                <a:ea typeface="+mn-ea"/>
-                <a:cs typeface="+mn-cs"/>
-              </a:defRPr>
-            </a:lvl6pPr>
-            <a:lvl7pPr marL="2743200" indent="0" algn="ctr" defTabSz="914400" rtl="0" eaLnBrk="1" latinLnBrk="0" hangingPunct="1">
-              <a:lnSpc>
-                <a:spcPct val="90000"/>
-              </a:lnSpc>
-              <a:spcBef>
-                <a:spcPts val="500"/>
-              </a:spcBef>
-              <a:buFont typeface="Arial" panose="020B0604020202020204" pitchFamily="34" charset="0"/>
-              <a:buNone/>
-              <a:defRPr sz="1600" kern="1200">
-                <a:solidFill>
-                  <a:schemeClr val="tx1"/>
-                </a:solidFill>
-                <a:latin typeface="+mn-lt"/>
-                <a:ea typeface="+mn-ea"/>
-                <a:cs typeface="+mn-cs"/>
-              </a:defRPr>
-            </a:lvl7pPr>
-            <a:lvl8pPr marL="3200400" indent="0" algn="ctr" defTabSz="914400" rtl="0" eaLnBrk="1" latinLnBrk="0" hangingPunct="1">
-              <a:lnSpc>
-                <a:spcPct val="90000"/>
-              </a:lnSpc>
-              <a:spcBef>
-                <a:spcPts val="500"/>
-              </a:spcBef>
-              <a:buFont typeface="Arial" panose="020B0604020202020204" pitchFamily="34" charset="0"/>
-              <a:buNone/>
-              <a:defRPr sz="1600" kern="1200">
-                <a:solidFill>
-                  <a:schemeClr val="tx1"/>
-                </a:solidFill>
-                <a:latin typeface="+mn-lt"/>
-                <a:ea typeface="+mn-ea"/>
-                <a:cs typeface="+mn-cs"/>
-              </a:defRPr>
-            </a:lvl8pPr>
-            <a:lvl9pPr marL="3657600" indent="0" algn="ctr" defTabSz="914400" rtl="0" eaLnBrk="1" latinLnBrk="0" hangingPunct="1">
-              <a:lnSpc>
-                <a:spcPct val="90000"/>
-              </a:lnSpc>
-              <a:spcBef>
-                <a:spcPts val="500"/>
-              </a:spcBef>
-              <a:buFont typeface="Arial" panose="020B0604020202020204" pitchFamily="34" charset="0"/>
-              <a:buNone/>
-              <a:defRPr sz="1600" kern="1200">
-                <a:solidFill>
-                  <a:schemeClr val="tx1"/>
-                </a:solidFill>
-                <a:latin typeface="+mn-lt"/>
-                <a:ea typeface="+mn-ea"/>
-                <a:cs typeface="+mn-cs"/>
-              </a:defRPr>
-            </a:lvl9pPr>
-          </a:lstStyle>
-          <a:p>
-            <a:r>
-              <a:rPr lang="en-US" sz="1600" dirty="0"/>
-              <a:t>There, that’s better</a:t>
-            </a:r>
-          </a:p>
-        </p:txBody>
-      </p:sp>
-      <p:pic>
-        <p:nvPicPr>
-          <p:cNvPr id="10" name="Picture 9" descr="A screen shot of a computer&#10;&#10;Description automatically generated">
-            <a:extLst>
-              <a:ext uri="{FF2B5EF4-FFF2-40B4-BE49-F238E27FC236}">
-                <a16:creationId xmlns:a16="http://schemas.microsoft.com/office/drawing/2014/main" id="{D69428EA-B5FB-3914-F381-99E35D00839A}"/>
-              </a:ext>
-            </a:extLst>
-          </p:cNvPr>
-          <p:cNvPicPr>
-            <a:picLocks noChangeAspect="1"/>
-          </p:cNvPicPr>
-          <p:nvPr/>
-        </p:nvPicPr>
-        <p:blipFill>
-          <a:blip r:embed="rId4">
-            <a:extLst>
-              <a:ext uri="{28A0092B-C50C-407E-A947-70E740481C1C}">
-                <a14:useLocalDpi xmlns:a14="http://schemas.microsoft.com/office/drawing/2010/main" val="0"/>
-              </a:ext>
-            </a:extLst>
-          </a:blip>
-          <a:stretch>
-            <a:fillRect/>
-          </a:stretch>
-        </p:blipFill>
-        <p:spPr>
-          <a:xfrm>
-            <a:off x="8614981" y="5347331"/>
-            <a:ext cx="3415011" cy="1320529"/>
-          </a:xfrm>
-          <a:prstGeom prst="rect">
-            <a:avLst/>
-          </a:prstGeom>
-        </p:spPr>
-      </p:pic>
     </p:spTree>
     <p:extLst>
       <p:ext uri="{BB962C8B-B14F-4D97-AF65-F5344CB8AC3E}">
-        <p14:creationId xmlns:p14="http://schemas.microsoft.com/office/powerpoint/2010/main" val="1066317491"/>
+        <p14:creationId xmlns:p14="http://schemas.microsoft.com/office/powerpoint/2010/main" val="2108241753"/>
       </p:ext>
     </p:extLst>
   </p:cSld>
   <p:clrMapOvr>
     <a:masterClrMapping/>
   </p:clrMapOvr>
-  <p:timing>
-    <p:tnLst>
-      <p:par>
-        <p:cTn id="1" dur="indefinite" restart="never" nodeType="tmRoot">
-          <p:childTnLst>
-            <p:seq concurrent="1" nextAc="seek">
-              <p:cTn id="2" dur="indefinite" nodeType="mainSeq">
-                <p:childTnLst>
-                  <p:par>
-                    <p:cTn id="3" fill="hold">
-                      <p:stCondLst>
-                        <p:cond delay="indefinite"/>
-                      </p:stCondLst>
-                      <p:childTnLst>
-                        <p:par>
-                          <p:cTn id="4" fill="hold">
-                            <p:stCondLst>
-                              <p:cond delay="0"/>
-                            </p:stCondLst>
-                            <p:childTnLst>
-                              <p:par>
-                                <p:cTn id="5" presetID="1" presetClass="entr" presetSubtype="0" fill="hold" grpId="0" nodeType="clickEffect">
-                                  <p:stCondLst>
-                                    <p:cond delay="0"/>
-                                  </p:stCondLst>
-                                  <p:iterate type="lt">
-                                    <p:tmAbs val="100"/>
-                                  </p:iterate>
-                                  <p:childTnLst>
-                                    <p:set>
-                                      <p:cBhvr>
-                                        <p:cTn id="6" dur="1" fill="hold">
-                                          <p:stCondLst>
-                                            <p:cond delay="0"/>
-                                          </p:stCondLst>
-                                        </p:cTn>
-                                        <p:tgtEl>
-                                          <p:spTgt spid="2"/>
-                                        </p:tgtEl>
-                                        <p:attrNameLst>
-                                          <p:attrName>style.visibility</p:attrName>
-                                        </p:attrNameLst>
-                                      </p:cBhvr>
-                                      <p:to>
-                                        <p:strVal val="visible"/>
-                                      </p:to>
-                                    </p:set>
-                                  </p:childTnLst>
-                                </p:cTn>
-                              </p:par>
-                            </p:childTnLst>
-                          </p:cTn>
-                        </p:par>
-                      </p:childTnLst>
-                    </p:cTn>
-                  </p:par>
-                  <p:par>
-                    <p:cTn id="7" fill="hold">
-                      <p:stCondLst>
-                        <p:cond delay="indefinite"/>
-                      </p:stCondLst>
-                      <p:childTnLst>
-                        <p:par>
-                          <p:cTn id="8" fill="hold">
-                            <p:stCondLst>
-                              <p:cond delay="0"/>
-                            </p:stCondLst>
-                            <p:childTnLst>
-                              <p:par>
-                                <p:cTn id="9" presetID="25" presetClass="entr" presetSubtype="0" fill="hold" grpId="0" nodeType="clickEffect">
-                                  <p:stCondLst>
-                                    <p:cond delay="0"/>
-                                  </p:stCondLst>
-                                  <p:iterate type="lt">
-                                    <p:tmPct val="5000"/>
-                                  </p:iterate>
-                                  <p:childTnLst>
-                                    <p:set>
-                                      <p:cBhvr>
-                                        <p:cTn id="10" dur="1" fill="hold">
-                                          <p:stCondLst>
-                                            <p:cond delay="0"/>
-                                          </p:stCondLst>
-                                        </p:cTn>
-                                        <p:tgtEl>
-                                          <p:spTgt spid="3">
-                                            <p:txEl>
-                                              <p:pRg st="0" end="0"/>
-                                            </p:txEl>
-                                          </p:spTgt>
-                                        </p:tgtEl>
-                                        <p:attrNameLst>
-                                          <p:attrName>style.visibility</p:attrName>
-                                        </p:attrNameLst>
-                                      </p:cBhvr>
-                                      <p:to>
-                                        <p:strVal val="visible"/>
-                                      </p:to>
-                                    </p:set>
-                                    <p:anim calcmode="lin" valueType="num">
-                                      <p:cBhvr>
-                                        <p:cTn id="11" dur="500" decel="50000" fill="hold">
-                                          <p:stCondLst>
-                                            <p:cond delay="0"/>
-                                          </p:stCondLst>
-                                        </p:cTn>
-                                        <p:tgtEl>
-                                          <p:spTgt spid="3">
-                                            <p:txEl>
-                                              <p:pRg st="0" end="0"/>
-                                            </p:txEl>
-                                          </p:spTgt>
-                                        </p:tgtEl>
-                                        <p:attrNameLst>
-                                          <p:attrName>style.rotation</p:attrName>
-                                        </p:attrNameLst>
-                                      </p:cBhvr>
-                                      <p:tavLst>
-                                        <p:tav tm="0">
-                                          <p:val>
-                                            <p:fltVal val="-90"/>
-                                          </p:val>
-                                        </p:tav>
-                                        <p:tav tm="100000">
-                                          <p:val>
-                                            <p:fltVal val="0"/>
-                                          </p:val>
-                                        </p:tav>
-                                      </p:tavLst>
-                                    </p:anim>
-                                    <p:anim calcmode="lin" valueType="num">
-                                      <p:cBhvr>
-                                        <p:cTn id="12" dur="500" decel="50000" fill="hold">
-                                          <p:stCondLst>
-                                            <p:cond delay="0"/>
-                                          </p:stCondLst>
-                                        </p:cTn>
-                                        <p:tgtEl>
-                                          <p:spTgt spid="3">
-                                            <p:txEl>
-                                              <p:pRg st="0" end="0"/>
-                                            </p:txEl>
-                                          </p:spTgt>
-                                        </p:tgtEl>
-                                        <p:attrNameLst>
-                                          <p:attrName>ppt_w</p:attrName>
-                                        </p:attrNameLst>
-                                      </p:cBhvr>
-                                      <p:tavLst>
-                                        <p:tav tm="0">
-                                          <p:val>
-                                            <p:strVal val="#ppt_w"/>
-                                          </p:val>
-                                        </p:tav>
-                                        <p:tav tm="100000">
-                                          <p:val>
-                                            <p:strVal val="#ppt_w*.05"/>
-                                          </p:val>
-                                        </p:tav>
-                                      </p:tavLst>
-                                    </p:anim>
-                                    <p:anim calcmode="lin" valueType="num">
-                                      <p:cBhvr>
-                                        <p:cTn id="13" dur="500" accel="50000" fill="hold">
-                                          <p:stCondLst>
-                                            <p:cond delay="500"/>
-                                          </p:stCondLst>
-                                        </p:cTn>
-                                        <p:tgtEl>
-                                          <p:spTgt spid="3">
-                                            <p:txEl>
-                                              <p:pRg st="0" end="0"/>
-                                            </p:txEl>
-                                          </p:spTgt>
-                                        </p:tgtEl>
-                                        <p:attrNameLst>
-                                          <p:attrName>ppt_w</p:attrName>
-                                        </p:attrNameLst>
-                                      </p:cBhvr>
-                                      <p:tavLst>
-                                        <p:tav tm="0">
-                                          <p:val>
-                                            <p:strVal val="#ppt_w*.05"/>
-                                          </p:val>
-                                        </p:tav>
-                                        <p:tav tm="100000">
-                                          <p:val>
-                                            <p:strVal val="#ppt_w"/>
-                                          </p:val>
-                                        </p:tav>
-                                      </p:tavLst>
-                                    </p:anim>
-                                    <p:anim calcmode="lin" valueType="num">
-                                      <p:cBhvr>
-                                        <p:cTn id="14" dur="1000" fill="hold"/>
-                                        <p:tgtEl>
-                                          <p:spTgt spid="3">
-                                            <p:txEl>
-                                              <p:pRg st="0" end="0"/>
-                                            </p:txEl>
-                                          </p:spTgt>
-                                        </p:tgtEl>
-                                        <p:attrNameLst>
-                                          <p:attrName>ppt_h</p:attrName>
-                                        </p:attrNameLst>
-                                      </p:cBhvr>
-                                      <p:tavLst>
-                                        <p:tav tm="0">
-                                          <p:val>
-                                            <p:strVal val="#ppt_h"/>
-                                          </p:val>
-                                        </p:tav>
-                                        <p:tav tm="100000">
-                                          <p:val>
-                                            <p:strVal val="#ppt_h"/>
-                                          </p:val>
-                                        </p:tav>
-                                      </p:tavLst>
-                                    </p:anim>
-                                    <p:anim calcmode="lin" valueType="num">
-                                      <p:cBhvr>
-                                        <p:cTn id="15" dur="500" decel="50000" fill="hold">
-                                          <p:stCondLst>
-                                            <p:cond delay="0"/>
-                                          </p:stCondLst>
-                                        </p:cTn>
-                                        <p:tgtEl>
-                                          <p:spTgt spid="3">
-                                            <p:txEl>
-                                              <p:pRg st="0" end="0"/>
-                                            </p:txEl>
-                                          </p:spTgt>
-                                        </p:tgtEl>
-                                        <p:attrNameLst>
-                                          <p:attrName>ppt_x</p:attrName>
-                                        </p:attrNameLst>
-                                      </p:cBhvr>
-                                      <p:tavLst>
-                                        <p:tav tm="0">
-                                          <p:val>
-                                            <p:strVal val="#ppt_x+.4"/>
-                                          </p:val>
-                                        </p:tav>
-                                        <p:tav tm="100000">
-                                          <p:val>
-                                            <p:strVal val="#ppt_x"/>
-                                          </p:val>
-                                        </p:tav>
-                                      </p:tavLst>
-                                    </p:anim>
-                                    <p:anim calcmode="lin" valueType="num">
-                                      <p:cBhvr>
-                                        <p:cTn id="16" dur="500" decel="50000" fill="hold">
-                                          <p:stCondLst>
-                                            <p:cond delay="0"/>
-                                          </p:stCondLst>
-                                        </p:cTn>
-                                        <p:tgtEl>
-                                          <p:spTgt spid="3">
-                                            <p:txEl>
-                                              <p:pRg st="0" end="0"/>
-                                            </p:txEl>
-                                          </p:spTgt>
-                                        </p:tgtEl>
-                                        <p:attrNameLst>
-                                          <p:attrName>ppt_y</p:attrName>
-                                        </p:attrNameLst>
-                                      </p:cBhvr>
-                                      <p:tavLst>
-                                        <p:tav tm="0">
-                                          <p:val>
-                                            <p:strVal val="#ppt_y-.2"/>
-                                          </p:val>
-                                        </p:tav>
-                                        <p:tav tm="100000">
-                                          <p:val>
-                                            <p:strVal val="#ppt_y+.1"/>
-                                          </p:val>
-                                        </p:tav>
-                                      </p:tavLst>
-                                    </p:anim>
-                                    <p:anim calcmode="lin" valueType="num">
-                                      <p:cBhvr>
-                                        <p:cTn id="17" dur="500" accel="50000" fill="hold">
-                                          <p:stCondLst>
-                                            <p:cond delay="500"/>
-                                          </p:stCondLst>
-                                        </p:cTn>
-                                        <p:tgtEl>
-                                          <p:spTgt spid="3">
-                                            <p:txEl>
-                                              <p:pRg st="0" end="0"/>
-                                            </p:txEl>
-                                          </p:spTgt>
-                                        </p:tgtEl>
-                                        <p:attrNameLst>
-                                          <p:attrName>ppt_y</p:attrName>
-                                        </p:attrNameLst>
-                                      </p:cBhvr>
-                                      <p:tavLst>
-                                        <p:tav tm="0">
-                                          <p:val>
-                                            <p:strVal val="#ppt_y+.1"/>
-                                          </p:val>
-                                        </p:tav>
-                                        <p:tav tm="100000">
-                                          <p:val>
-                                            <p:strVal val="#ppt_y"/>
-                                          </p:val>
-                                        </p:tav>
-                                      </p:tavLst>
-                                    </p:anim>
-                                    <p:animEffect transition="in" filter="fade">
-                                      <p:cBhvr>
-                                        <p:cTn id="18" dur="1000" decel="50000">
-                                          <p:stCondLst>
-                                            <p:cond delay="0"/>
-                                          </p:stCondLst>
-                                        </p:cTn>
-                                        <p:tgtEl>
-                                          <p:spTgt spid="3">
-                                            <p:txEl>
-                                              <p:pRg st="0" end="0"/>
-                                            </p:txEl>
-                                          </p:spTgt>
-                                        </p:tgtEl>
-                                      </p:cBhvr>
-                                    </p:animEffect>
-                                  </p:childTnLst>
-                                </p:cTn>
-                              </p:par>
-                            </p:childTnLst>
-                          </p:cTn>
-                        </p:par>
-                        <p:par>
-                          <p:cTn id="19" fill="hold">
-                            <p:stCondLst>
-                              <p:cond delay="2400"/>
-                            </p:stCondLst>
-                            <p:childTnLst>
-                              <p:par>
-                                <p:cTn id="20" presetID="25" presetClass="entr" presetSubtype="0" fill="hold" grpId="0" nodeType="afterEffect">
-                                  <p:stCondLst>
-                                    <p:cond delay="250"/>
-                                  </p:stCondLst>
-                                  <p:childTnLst>
-                                    <p:set>
-                                      <p:cBhvr>
-                                        <p:cTn id="21" dur="1" fill="hold">
-                                          <p:stCondLst>
-                                            <p:cond delay="0"/>
-                                          </p:stCondLst>
-                                        </p:cTn>
-                                        <p:tgtEl>
-                                          <p:spTgt spid="3">
-                                            <p:txEl>
-                                              <p:pRg st="2" end="2"/>
-                                            </p:txEl>
-                                          </p:spTgt>
-                                        </p:tgtEl>
-                                        <p:attrNameLst>
-                                          <p:attrName>style.visibility</p:attrName>
-                                        </p:attrNameLst>
-                                      </p:cBhvr>
-                                      <p:to>
-                                        <p:strVal val="visible"/>
-                                      </p:to>
-                                    </p:set>
-                                    <p:anim calcmode="lin" valueType="num">
-                                      <p:cBhvr>
-                                        <p:cTn id="22" dur="500" decel="50000" fill="hold">
-                                          <p:stCondLst>
-                                            <p:cond delay="0"/>
-                                          </p:stCondLst>
-                                        </p:cTn>
-                                        <p:tgtEl>
-                                          <p:spTgt spid="3">
-                                            <p:txEl>
-                                              <p:pRg st="2" end="2"/>
-                                            </p:txEl>
-                                          </p:spTgt>
-                                        </p:tgtEl>
-                                        <p:attrNameLst>
-                                          <p:attrName>style.rotation</p:attrName>
-                                        </p:attrNameLst>
-                                      </p:cBhvr>
-                                      <p:tavLst>
-                                        <p:tav tm="0">
-                                          <p:val>
-                                            <p:fltVal val="-90"/>
-                                          </p:val>
-                                        </p:tav>
-                                        <p:tav tm="100000">
-                                          <p:val>
-                                            <p:fltVal val="0"/>
-                                          </p:val>
-                                        </p:tav>
-                                      </p:tavLst>
-                                    </p:anim>
-                                    <p:anim calcmode="lin" valueType="num">
-                                      <p:cBhvr>
-                                        <p:cTn id="23" dur="500" decel="50000" fill="hold">
-                                          <p:stCondLst>
-                                            <p:cond delay="0"/>
-                                          </p:stCondLst>
-                                        </p:cTn>
-                                        <p:tgtEl>
-                                          <p:spTgt spid="3">
-                                            <p:txEl>
-                                              <p:pRg st="2" end="2"/>
-                                            </p:txEl>
-                                          </p:spTgt>
-                                        </p:tgtEl>
-                                        <p:attrNameLst>
-                                          <p:attrName>ppt_w</p:attrName>
-                                        </p:attrNameLst>
-                                      </p:cBhvr>
-                                      <p:tavLst>
-                                        <p:tav tm="0">
-                                          <p:val>
-                                            <p:strVal val="#ppt_w"/>
-                                          </p:val>
-                                        </p:tav>
-                                        <p:tav tm="100000">
-                                          <p:val>
-                                            <p:strVal val="#ppt_w*.05"/>
-                                          </p:val>
-                                        </p:tav>
-                                      </p:tavLst>
-                                    </p:anim>
-                                    <p:anim calcmode="lin" valueType="num">
-                                      <p:cBhvr>
-                                        <p:cTn id="24" dur="500" accel="50000" fill="hold">
-                                          <p:stCondLst>
-                                            <p:cond delay="500"/>
-                                          </p:stCondLst>
-                                        </p:cTn>
-                                        <p:tgtEl>
-                                          <p:spTgt spid="3">
-                                            <p:txEl>
-                                              <p:pRg st="2" end="2"/>
-                                            </p:txEl>
-                                          </p:spTgt>
-                                        </p:tgtEl>
-                                        <p:attrNameLst>
-                                          <p:attrName>ppt_w</p:attrName>
-                                        </p:attrNameLst>
-                                      </p:cBhvr>
-                                      <p:tavLst>
-                                        <p:tav tm="0">
-                                          <p:val>
-                                            <p:strVal val="#ppt_w*.05"/>
-                                          </p:val>
-                                        </p:tav>
-                                        <p:tav tm="100000">
-                                          <p:val>
-                                            <p:strVal val="#ppt_w"/>
-                                          </p:val>
-                                        </p:tav>
-                                      </p:tavLst>
-                                    </p:anim>
-                                    <p:anim calcmode="lin" valueType="num">
-                                      <p:cBhvr>
-                                        <p:cTn id="25" dur="1000" fill="hold"/>
-                                        <p:tgtEl>
-                                          <p:spTgt spid="3">
-                                            <p:txEl>
-                                              <p:pRg st="2" end="2"/>
-                                            </p:txEl>
-                                          </p:spTgt>
-                                        </p:tgtEl>
-                                        <p:attrNameLst>
-                                          <p:attrName>ppt_h</p:attrName>
-                                        </p:attrNameLst>
-                                      </p:cBhvr>
-                                      <p:tavLst>
-                                        <p:tav tm="0">
-                                          <p:val>
-                                            <p:strVal val="#ppt_h"/>
-                                          </p:val>
-                                        </p:tav>
-                                        <p:tav tm="100000">
-                                          <p:val>
-                                            <p:strVal val="#ppt_h"/>
-                                          </p:val>
-                                        </p:tav>
-                                      </p:tavLst>
-                                    </p:anim>
-                                    <p:anim calcmode="lin" valueType="num">
-                                      <p:cBhvr>
-                                        <p:cTn id="26" dur="500" decel="50000" fill="hold">
-                                          <p:stCondLst>
-                                            <p:cond delay="0"/>
-                                          </p:stCondLst>
-                                        </p:cTn>
-                                        <p:tgtEl>
-                                          <p:spTgt spid="3">
-                                            <p:txEl>
-                                              <p:pRg st="2" end="2"/>
-                                            </p:txEl>
-                                          </p:spTgt>
-                                        </p:tgtEl>
-                                        <p:attrNameLst>
-                                          <p:attrName>ppt_x</p:attrName>
-                                        </p:attrNameLst>
-                                      </p:cBhvr>
-                                      <p:tavLst>
-                                        <p:tav tm="0">
-                                          <p:val>
-                                            <p:strVal val="#ppt_x+.4"/>
-                                          </p:val>
-                                        </p:tav>
-                                        <p:tav tm="100000">
-                                          <p:val>
-                                            <p:strVal val="#ppt_x"/>
-                                          </p:val>
-                                        </p:tav>
-                                      </p:tavLst>
-                                    </p:anim>
-                                    <p:anim calcmode="lin" valueType="num">
-                                      <p:cBhvr>
-                                        <p:cTn id="27" dur="500" decel="50000" fill="hold">
-                                          <p:stCondLst>
-                                            <p:cond delay="0"/>
-                                          </p:stCondLst>
-                                        </p:cTn>
-                                        <p:tgtEl>
-                                          <p:spTgt spid="3">
-                                            <p:txEl>
-                                              <p:pRg st="2" end="2"/>
-                                            </p:txEl>
-                                          </p:spTgt>
-                                        </p:tgtEl>
-                                        <p:attrNameLst>
-                                          <p:attrName>ppt_y</p:attrName>
-                                        </p:attrNameLst>
-                                      </p:cBhvr>
-                                      <p:tavLst>
-                                        <p:tav tm="0">
-                                          <p:val>
-                                            <p:strVal val="#ppt_y-.2"/>
-                                          </p:val>
-                                        </p:tav>
-                                        <p:tav tm="100000">
-                                          <p:val>
-                                            <p:strVal val="#ppt_y+.1"/>
-                                          </p:val>
-                                        </p:tav>
-                                      </p:tavLst>
-                                    </p:anim>
-                                    <p:anim calcmode="lin" valueType="num">
-                                      <p:cBhvr>
-                                        <p:cTn id="28" dur="500" accel="50000" fill="hold">
-                                          <p:stCondLst>
-                                            <p:cond delay="500"/>
-                                          </p:stCondLst>
-                                        </p:cTn>
-                                        <p:tgtEl>
-                                          <p:spTgt spid="3">
-                                            <p:txEl>
-                                              <p:pRg st="2" end="2"/>
-                                            </p:txEl>
-                                          </p:spTgt>
-                                        </p:tgtEl>
-                                        <p:attrNameLst>
-                                          <p:attrName>ppt_y</p:attrName>
-                                        </p:attrNameLst>
-                                      </p:cBhvr>
-                                      <p:tavLst>
-                                        <p:tav tm="0">
-                                          <p:val>
-                                            <p:strVal val="#ppt_y+.1"/>
-                                          </p:val>
-                                        </p:tav>
-                                        <p:tav tm="100000">
-                                          <p:val>
-                                            <p:strVal val="#ppt_y"/>
-                                          </p:val>
-                                        </p:tav>
-                                      </p:tavLst>
-                                    </p:anim>
-                                    <p:animEffect transition="in" filter="fade">
-                                      <p:cBhvr>
-                                        <p:cTn id="29" dur="1000" decel="50000">
-                                          <p:stCondLst>
-                                            <p:cond delay="0"/>
-                                          </p:stCondLst>
-                                        </p:cTn>
-                                        <p:tgtEl>
-                                          <p:spTgt spid="3">
-                                            <p:txEl>
-                                              <p:pRg st="2" end="2"/>
-                                            </p:txEl>
-                                          </p:spTgt>
-                                        </p:tgtEl>
-                                      </p:cBhvr>
-                                    </p:animEffect>
-                                  </p:childTnLst>
-                                </p:cTn>
-                              </p:par>
-                            </p:childTnLst>
-                          </p:cTn>
-                        </p:par>
-                      </p:childTnLst>
-                    </p:cTn>
-                  </p:par>
-                  <p:par>
-                    <p:cTn id="30" fill="hold">
-                      <p:stCondLst>
-                        <p:cond delay="indefinite"/>
-                      </p:stCondLst>
-                      <p:childTnLst>
-                        <p:par>
-                          <p:cTn id="31" fill="hold">
-                            <p:stCondLst>
-                              <p:cond delay="0"/>
-                            </p:stCondLst>
-                            <p:childTnLst>
-                              <p:par>
-                                <p:cTn id="32" presetID="16" presetClass="entr" presetSubtype="21" fill="hold" grpId="0" nodeType="clickEffect">
-                                  <p:stCondLst>
-                                    <p:cond delay="0"/>
-                                  </p:stCondLst>
-                                  <p:iterate type="lt">
-                                    <p:tmPct val="0"/>
-                                  </p:iterate>
-                                  <p:childTnLst>
-                                    <p:set>
-                                      <p:cBhvr>
-                                        <p:cTn id="33" dur="1" fill="hold">
-                                          <p:stCondLst>
-                                            <p:cond delay="0"/>
-                                          </p:stCondLst>
-                                        </p:cTn>
-                                        <p:tgtEl>
-                                          <p:spTgt spid="11"/>
-                                        </p:tgtEl>
-                                        <p:attrNameLst>
-                                          <p:attrName>style.visibility</p:attrName>
-                                        </p:attrNameLst>
-                                      </p:cBhvr>
-                                      <p:to>
-                                        <p:strVal val="visible"/>
-                                      </p:to>
-                                    </p:set>
-                                    <p:animEffect transition="in" filter="barn(inVertical)">
-                                      <p:cBhvr>
-                                        <p:cTn id="34" dur="500"/>
-                                        <p:tgtEl>
-                                          <p:spTgt spid="11"/>
-                                        </p:tgtEl>
-                                      </p:cBhvr>
-                                    </p:animEffect>
-                                  </p:childTnLst>
-                                </p:cTn>
-                              </p:par>
-                              <p:par>
-                                <p:cTn id="35" presetID="1" presetClass="exit" presetSubtype="0" fill="hold" grpId="1" nodeType="withEffect">
-                                  <p:stCondLst>
-                                    <p:cond delay="500"/>
-                                  </p:stCondLst>
-                                  <p:iterate type="lt">
-                                    <p:tmAbs val="100"/>
-                                  </p:iterate>
-                                  <p:childTnLst>
-                                    <p:set>
-                                      <p:cBhvr>
-                                        <p:cTn id="36" dur="1" fill="hold">
-                                          <p:stCondLst>
-                                            <p:cond delay="0"/>
-                                          </p:stCondLst>
-                                        </p:cTn>
-                                        <p:tgtEl>
-                                          <p:spTgt spid="2"/>
-                                        </p:tgtEl>
-                                        <p:attrNameLst>
-                                          <p:attrName>style.visibility</p:attrName>
-                                        </p:attrNameLst>
-                                      </p:cBhvr>
-                                      <p:to>
-                                        <p:strVal val="hidden"/>
-                                      </p:to>
-                                    </p:set>
-                                  </p:childTnLst>
-                                </p:cTn>
-                              </p:par>
-                              <p:par>
-                                <p:cTn id="37" presetID="1" presetClass="entr" presetSubtype="0" fill="hold" grpId="0" nodeType="withEffect">
-                                  <p:stCondLst>
-                                    <p:cond delay="500"/>
-                                  </p:stCondLst>
-                                  <p:iterate type="lt">
-                                    <p:tmAbs val="100"/>
-                                  </p:iterate>
-                                  <p:childTnLst>
-                                    <p:set>
-                                      <p:cBhvr>
-                                        <p:cTn id="38" dur="1" fill="hold">
-                                          <p:stCondLst>
-                                            <p:cond delay="0"/>
-                                          </p:stCondLst>
-                                        </p:cTn>
-                                        <p:tgtEl>
-                                          <p:spTgt spid="4"/>
-                                        </p:tgtEl>
-                                        <p:attrNameLst>
-                                          <p:attrName>style.visibility</p:attrName>
-                                        </p:attrNameLst>
-                                      </p:cBhvr>
-                                      <p:to>
-                                        <p:strVal val="visible"/>
-                                      </p:to>
-                                    </p:set>
-                                  </p:childTnLst>
-                                </p:cTn>
-                              </p:par>
-                            </p:childTnLst>
-                          </p:cTn>
-                        </p:par>
-                        <p:par>
-                          <p:cTn id="39" fill="hold">
-                            <p:stCondLst>
-                              <p:cond delay="4101"/>
-                            </p:stCondLst>
-                            <p:childTnLst>
-                              <p:par>
-                                <p:cTn id="40" presetID="1" presetClass="exit" presetSubtype="0" fill="hold" grpId="1" nodeType="afterEffect">
-                                  <p:stCondLst>
-                                    <p:cond delay="1000"/>
-                                  </p:stCondLst>
-                                  <p:iterate type="lt">
-                                    <p:tmAbs val="100"/>
-                                  </p:iterate>
-                                  <p:childTnLst>
-                                    <p:set>
-                                      <p:cBhvr>
-                                        <p:cTn id="41" dur="1" fill="hold">
-                                          <p:stCondLst>
-                                            <p:cond delay="0"/>
-                                          </p:stCondLst>
-                                        </p:cTn>
-                                        <p:tgtEl>
-                                          <p:spTgt spid="11"/>
-                                        </p:tgtEl>
-                                        <p:attrNameLst>
-                                          <p:attrName>style.visibility</p:attrName>
-                                        </p:attrNameLst>
-                                      </p:cBhvr>
-                                      <p:to>
-                                        <p:strVal val="hidden"/>
-                                      </p:to>
-                                    </p:set>
-                                  </p:childTnLst>
-                                </p:cTn>
-                              </p:par>
-                              <p:par>
-                                <p:cTn id="42" presetID="1" presetClass="entr" presetSubtype="0" fill="hold" grpId="0" nodeType="withEffect">
-                                  <p:stCondLst>
-                                    <p:cond delay="1250"/>
-                                  </p:stCondLst>
-                                  <p:iterate type="lt">
-                                    <p:tmAbs val="100"/>
-                                  </p:iterate>
-                                  <p:childTnLst>
-                                    <p:set>
-                                      <p:cBhvr>
-                                        <p:cTn id="43" dur="1" fill="hold">
-                                          <p:stCondLst>
-                                            <p:cond delay="0"/>
-                                          </p:stCondLst>
-                                        </p:cTn>
-                                        <p:tgtEl>
-                                          <p:spTgt spid="13"/>
-                                        </p:tgtEl>
-                                        <p:attrNameLst>
-                                          <p:attrName>style.visibility</p:attrName>
-                                        </p:attrNameLst>
-                                      </p:cBhvr>
-                                      <p:to>
-                                        <p:strVal val="visible"/>
-                                      </p:to>
-                                    </p:set>
-                                  </p:childTnLst>
-                                </p:cTn>
-                              </p:par>
-                              <p:par>
-                                <p:cTn id="44" presetID="21" presetClass="entr" presetSubtype="1" fill="hold" nodeType="withEffect">
-                                  <p:stCondLst>
-                                    <p:cond delay="1250"/>
-                                  </p:stCondLst>
-                                  <p:childTnLst>
-                                    <p:set>
-                                      <p:cBhvr>
-                                        <p:cTn id="45" dur="1" fill="hold">
-                                          <p:stCondLst>
-                                            <p:cond delay="0"/>
-                                          </p:stCondLst>
-                                        </p:cTn>
-                                        <p:tgtEl>
-                                          <p:spTgt spid="6"/>
-                                        </p:tgtEl>
-                                        <p:attrNameLst>
-                                          <p:attrName>style.visibility</p:attrName>
-                                        </p:attrNameLst>
-                                      </p:cBhvr>
-                                      <p:to>
-                                        <p:strVal val="visible"/>
-                                      </p:to>
-                                    </p:set>
-                                    <p:animEffect transition="in" filter="wheel(1)">
-                                      <p:cBhvr>
-                                        <p:cTn id="46" dur="2000"/>
-                                        <p:tgtEl>
-                                          <p:spTgt spid="6"/>
-                                        </p:tgtEl>
-                                      </p:cBhvr>
-                                    </p:animEffect>
-                                  </p:childTnLst>
-                                </p:cTn>
-                              </p:par>
-                              <p:par>
-                                <p:cTn id="47" presetID="21" presetClass="entr" presetSubtype="1" fill="hold" nodeType="withEffect">
-                                  <p:stCondLst>
-                                    <p:cond delay="1500"/>
-                                  </p:stCondLst>
-                                  <p:childTnLst>
-                                    <p:set>
-                                      <p:cBhvr>
-                                        <p:cTn id="48" dur="1" fill="hold">
-                                          <p:stCondLst>
-                                            <p:cond delay="0"/>
-                                          </p:stCondLst>
-                                        </p:cTn>
-                                        <p:tgtEl>
-                                          <p:spTgt spid="8"/>
-                                        </p:tgtEl>
-                                        <p:attrNameLst>
-                                          <p:attrName>style.visibility</p:attrName>
-                                        </p:attrNameLst>
-                                      </p:cBhvr>
-                                      <p:to>
-                                        <p:strVal val="visible"/>
-                                      </p:to>
-                                    </p:set>
-                                    <p:animEffect transition="in" filter="wheel(1)">
-                                      <p:cBhvr>
-                                        <p:cTn id="49" dur="2000"/>
-                                        <p:tgtEl>
-                                          <p:spTgt spid="8"/>
-                                        </p:tgtEl>
-                                      </p:cBhvr>
-                                    </p:animEffect>
-                                  </p:childTnLst>
-                                </p:cTn>
-                              </p:par>
-                              <p:par>
-                                <p:cTn id="50" presetID="21" presetClass="entr" presetSubtype="1" fill="hold" nodeType="withEffect">
-                                  <p:stCondLst>
-                                    <p:cond delay="1750"/>
-                                  </p:stCondLst>
-                                  <p:childTnLst>
-                                    <p:set>
-                                      <p:cBhvr>
-                                        <p:cTn id="51" dur="1" fill="hold">
-                                          <p:stCondLst>
-                                            <p:cond delay="0"/>
-                                          </p:stCondLst>
-                                        </p:cTn>
-                                        <p:tgtEl>
-                                          <p:spTgt spid="10"/>
-                                        </p:tgtEl>
-                                        <p:attrNameLst>
-                                          <p:attrName>style.visibility</p:attrName>
-                                        </p:attrNameLst>
-                                      </p:cBhvr>
-                                      <p:to>
-                                        <p:strVal val="visible"/>
-                                      </p:to>
-                                    </p:set>
-                                    <p:animEffect transition="in" filter="wheel(1)">
-                                      <p:cBhvr>
-                                        <p:cTn id="52" dur="2000"/>
-                                        <p:tgtEl>
-                                          <p:spTgt spid="10"/>
-                                        </p:tgtEl>
-                                      </p:cBhvr>
-                                    </p:animEffect>
-                                  </p:childTnLst>
-                                </p:cTn>
-                              </p:par>
-                            </p:childTnLst>
-                          </p:cTn>
-                        </p:par>
-                      </p:childTnLst>
-                    </p:cTn>
-                  </p:par>
-                </p:childTnLst>
-              </p:cTn>
-              <p:prevCondLst>
-                <p:cond evt="onPrev" delay="0">
-                  <p:tgtEl>
-                    <p:sldTgt/>
-                  </p:tgtEl>
-                </p:cond>
-              </p:prevCondLst>
-              <p:nextCondLst>
-                <p:cond evt="onNext" delay="0">
-                  <p:tgtEl>
-                    <p:sldTgt/>
-                  </p:tgtEl>
-                </p:cond>
-              </p:nextCondLst>
-            </p:seq>
-          </p:childTnLst>
-        </p:cTn>
-      </p:par>
-    </p:tnLst>
-    <p:bldLst>
-      <p:bldP spid="4" grpId="0"/>
-      <p:bldP spid="2" grpId="0"/>
-      <p:bldP spid="2" grpId="1"/>
-      <p:bldP spid="3" grpId="0" build="p"/>
-      <p:bldP spid="11" grpId="0"/>
-      <p:bldP spid="11" grpId="1"/>
-      <p:bldP spid="13" grpId="0"/>
-    </p:bldLst>
-  </p:timing>
 </p:sld>
 </file>
 
@@ -6721,13 +5558,8 @@
             </a:pPr>
             <a:r>
               <a:rPr lang="en-US" dirty="0"/>
-              <a:t>So, I’ll go with probably my second favorite: playing games with Husam in gaming </a:t>
-            </a:r>
-            <a:r>
-              <a:rPr lang="en-US"/>
-              <a:t>club.</a:t>
-            </a:r>
-            <a:endParaRPr lang="en-US" dirty="0"/>
+              <a:t>So, I’ll go with probably my second favorite: playing games with Husam in gaming club.</a:t>
+            </a:r>
           </a:p>
         </p:txBody>
       </p:sp>
@@ -6828,7 +5660,7 @@
           <p:nvPr/>
         </p:nvPicPr>
         <p:blipFill>
-          <a:blip r:embed="rId2">
+          <a:blip r:embed="rId3">
             <a:extLst>
               <a:ext uri="{28A0092B-C50C-407E-A947-70E740481C1C}">
                 <a14:useLocalDpi xmlns:a14="http://schemas.microsoft.com/office/drawing/2010/main" val="0"/>
@@ -6938,6 +5770,1639 @@
     </p:tnLst>
     <p:bldLst>
       <p:bldP spid="10" grpId="0" animBg="1"/>
+    </p:bldLst>
+  </p:timing>
+</p:sld>
+</file>
+
+<file path=ppt/slides/slide7.xml><?xml version="1.0" encoding="utf-8"?>
+<p:sld xmlns:a="http://schemas.openxmlformats.org/drawingml/2006/main" xmlns:r="http://schemas.openxmlformats.org/officeDocument/2006/relationships" xmlns:p="http://schemas.openxmlformats.org/presentationml/2006/main">
+  <p:cSld>
+    <p:spTree>
+      <p:nvGrpSpPr>
+        <p:cNvPr id="1" name=""/>
+        <p:cNvGrpSpPr/>
+        <p:nvPr/>
+      </p:nvGrpSpPr>
+      <p:grpSpPr>
+        <a:xfrm>
+          <a:off x="0" y="0"/>
+          <a:ext cx="0" cy="0"/>
+          <a:chOff x="0" y="0"/>
+          <a:chExt cx="0" cy="0"/>
+        </a:xfrm>
+      </p:grpSpPr>
+      <p:pic>
+        <p:nvPicPr>
+          <p:cNvPr id="8" name="Picture 7" descr="A screenshot of a computer&#10;&#10;Description automatically generated">
+            <a:extLst>
+              <a:ext uri="{FF2B5EF4-FFF2-40B4-BE49-F238E27FC236}">
+                <a16:creationId xmlns:a16="http://schemas.microsoft.com/office/drawing/2014/main" id="{0635BA5E-2DE7-9556-723B-3955ED235E15}"/>
+              </a:ext>
+            </a:extLst>
+          </p:cNvPr>
+          <p:cNvPicPr>
+            <a:picLocks noChangeAspect="1"/>
+          </p:cNvPicPr>
+          <p:nvPr/>
+        </p:nvPicPr>
+        <p:blipFill>
+          <a:blip r:embed="rId2">
+            <a:extLst>
+              <a:ext uri="{28A0092B-C50C-407E-A947-70E740481C1C}">
+                <a14:useLocalDpi xmlns:a14="http://schemas.microsoft.com/office/drawing/2010/main" val="0"/>
+              </a:ext>
+            </a:extLst>
+          </a:blip>
+          <a:stretch>
+            <a:fillRect/>
+          </a:stretch>
+        </p:blipFill>
+        <p:spPr>
+          <a:xfrm>
+            <a:off x="178694" y="4844716"/>
+            <a:ext cx="3218988" cy="1823144"/>
+          </a:xfrm>
+          <a:prstGeom prst="rect">
+            <a:avLst/>
+          </a:prstGeom>
+        </p:spPr>
+      </p:pic>
+      <p:pic>
+        <p:nvPicPr>
+          <p:cNvPr id="6" name="Picture 5" descr="A screenshot of a computer&#10;&#10;Description automatically generated">
+            <a:extLst>
+              <a:ext uri="{FF2B5EF4-FFF2-40B4-BE49-F238E27FC236}">
+                <a16:creationId xmlns:a16="http://schemas.microsoft.com/office/drawing/2014/main" id="{E801DF70-E28F-534A-970C-F511316DB883}"/>
+              </a:ext>
+            </a:extLst>
+          </p:cNvPr>
+          <p:cNvPicPr>
+            <a:picLocks noChangeAspect="1"/>
+          </p:cNvPicPr>
+          <p:nvPr/>
+        </p:nvPicPr>
+        <p:blipFill>
+          <a:blip r:embed="rId3">
+            <a:extLst>
+              <a:ext uri="{28A0092B-C50C-407E-A947-70E740481C1C}">
+                <a14:useLocalDpi xmlns:a14="http://schemas.microsoft.com/office/drawing/2010/main" val="0"/>
+              </a:ext>
+            </a:extLst>
+          </a:blip>
+          <a:stretch>
+            <a:fillRect/>
+          </a:stretch>
+        </p:blipFill>
+        <p:spPr>
+          <a:xfrm>
+            <a:off x="8660431" y="59566"/>
+            <a:ext cx="3427693" cy="1881529"/>
+          </a:xfrm>
+          <a:prstGeom prst="rect">
+            <a:avLst/>
+          </a:prstGeom>
+        </p:spPr>
+      </p:pic>
+      <p:sp>
+        <p:nvSpPr>
+          <p:cNvPr id="4" name="Title 1">
+            <a:extLst>
+              <a:ext uri="{FF2B5EF4-FFF2-40B4-BE49-F238E27FC236}">
+                <a16:creationId xmlns:a16="http://schemas.microsoft.com/office/drawing/2014/main" id="{267E1E79-3036-28CA-771D-53FF009B0802}"/>
+              </a:ext>
+            </a:extLst>
+          </p:cNvPr>
+          <p:cNvSpPr txBox="1">
+            <a:spLocks/>
+          </p:cNvSpPr>
+          <p:nvPr/>
+        </p:nvSpPr>
+        <p:spPr>
+          <a:xfrm>
+            <a:off x="1371600" y="923453"/>
+            <a:ext cx="9144000" cy="2387600"/>
+          </a:xfrm>
+          <a:prstGeom prst="rect">
+            <a:avLst/>
+          </a:prstGeom>
+        </p:spPr>
+        <p:txBody>
+          <a:bodyPr vert="horz" lIns="91440" tIns="45720" rIns="91440" bIns="45720" rtlCol="0" anchor="ctr">
+            <a:normAutofit/>
+          </a:bodyPr>
+          <a:lstStyle>
+            <a:lvl1pPr algn="ctr" defTabSz="914400" rtl="0" eaLnBrk="1" latinLnBrk="0" hangingPunct="1">
+              <a:lnSpc>
+                <a:spcPct val="90000"/>
+              </a:lnSpc>
+              <a:spcBef>
+                <a:spcPct val="0"/>
+              </a:spcBef>
+              <a:buNone/>
+              <a:defRPr sz="6000" kern="1200">
+                <a:solidFill>
+                  <a:schemeClr val="tx1"/>
+                </a:solidFill>
+                <a:latin typeface="+mj-lt"/>
+                <a:ea typeface="+mj-ea"/>
+                <a:cs typeface="+mj-cs"/>
+              </a:defRPr>
+            </a:lvl1pPr>
+          </a:lstStyle>
+          <a:p>
+            <a:pPr algn="l"/>
+            <a:r>
+              <a:rPr lang="en-US" dirty="0">
+                <a:solidFill>
+                  <a:srgbClr val="FF0000"/>
+                </a:solidFill>
+              </a:rPr>
+              <a:t>Charlie Hatch’s “Fall” Presentation- 2024</a:t>
+            </a:r>
+          </a:p>
+        </p:txBody>
+      </p:sp>
+      <p:sp>
+        <p:nvSpPr>
+          <p:cNvPr id="2" name="Title 1">
+            <a:extLst>
+              <a:ext uri="{FF2B5EF4-FFF2-40B4-BE49-F238E27FC236}">
+                <a16:creationId xmlns:a16="http://schemas.microsoft.com/office/drawing/2014/main" id="{527109B3-C72C-E179-7B31-ADABB50A550E}"/>
+              </a:ext>
+            </a:extLst>
+          </p:cNvPr>
+          <p:cNvSpPr>
+            <a:spLocks noGrp="1"/>
+          </p:cNvSpPr>
+          <p:nvPr>
+            <p:ph type="ctrTitle"/>
+          </p:nvPr>
+        </p:nvSpPr>
+        <p:spPr>
+          <a:xfrm>
+            <a:off x="1371600" y="923453"/>
+            <a:ext cx="9144000" cy="2387600"/>
+          </a:xfrm>
+        </p:spPr>
+        <p:txBody>
+          <a:bodyPr anchor="ctr">
+            <a:normAutofit/>
+          </a:bodyPr>
+          <a:lstStyle/>
+          <a:p>
+            <a:pPr algn="l"/>
+            <a:r>
+              <a:rPr lang="en-US" dirty="0"/>
+              <a:t>Charlie Hatch’s </a:t>
+            </a:r>
+            <a:r>
+              <a:rPr lang="en-US" dirty="0">
+                <a:solidFill>
+                  <a:schemeClr val="bg1"/>
+                </a:solidFill>
+              </a:rPr>
+              <a:t>“</a:t>
+            </a:r>
+            <a:r>
+              <a:rPr lang="en-US" dirty="0"/>
+              <a:t>Fall</a:t>
+            </a:r>
+            <a:r>
+              <a:rPr lang="en-US" dirty="0">
+                <a:solidFill>
+                  <a:schemeClr val="bg1"/>
+                </a:solidFill>
+              </a:rPr>
+              <a:t>”</a:t>
+            </a:r>
+            <a:r>
+              <a:rPr lang="en-US" dirty="0"/>
+              <a:t>  Presentation- 2024</a:t>
+            </a:r>
+          </a:p>
+        </p:txBody>
+      </p:sp>
+      <p:sp>
+        <p:nvSpPr>
+          <p:cNvPr id="3" name="Subtitle 2">
+            <a:extLst>
+              <a:ext uri="{FF2B5EF4-FFF2-40B4-BE49-F238E27FC236}">
+                <a16:creationId xmlns:a16="http://schemas.microsoft.com/office/drawing/2014/main" id="{69D1F04A-7B86-AF2A-8585-ED14D54CBEEF}"/>
+              </a:ext>
+            </a:extLst>
+          </p:cNvPr>
+          <p:cNvSpPr>
+            <a:spLocks noGrp="1"/>
+          </p:cNvSpPr>
+          <p:nvPr>
+            <p:ph type="subTitle" idx="1"/>
+          </p:nvPr>
+        </p:nvSpPr>
+        <p:spPr>
+          <a:xfrm>
+            <a:off x="1524000" y="3734435"/>
+            <a:ext cx="9144000" cy="1655762"/>
+          </a:xfrm>
+        </p:spPr>
+        <p:txBody>
+          <a:bodyPr>
+            <a:normAutofit/>
+          </a:bodyPr>
+          <a:lstStyle/>
+          <a:p>
+            <a:r>
+              <a:rPr lang="en-US" dirty="0"/>
+              <a:t>Presented to you by: Charlie Hatch</a:t>
+            </a:r>
+          </a:p>
+          <a:p>
+            <a:endParaRPr lang="en-US" dirty="0"/>
+          </a:p>
+          <a:p>
+            <a:r>
+              <a:rPr lang="en-US" sz="1600" dirty="0"/>
+              <a:t>Before we start, here’s a question. how is this the fall term?</a:t>
+            </a:r>
+            <a:br>
+              <a:rPr lang="en-US" sz="1600" dirty="0"/>
+            </a:br>
+            <a:r>
+              <a:rPr lang="en-US" sz="1600" dirty="0"/>
+              <a:t>I mean, Look at the weather</a:t>
+            </a:r>
+          </a:p>
+        </p:txBody>
+      </p:sp>
+      <p:sp>
+        <p:nvSpPr>
+          <p:cNvPr id="11" name="Subtitle 2">
+            <a:extLst>
+              <a:ext uri="{FF2B5EF4-FFF2-40B4-BE49-F238E27FC236}">
+                <a16:creationId xmlns:a16="http://schemas.microsoft.com/office/drawing/2014/main" id="{25783995-F588-9C64-9A39-CBF816CB3A2A}"/>
+              </a:ext>
+            </a:extLst>
+          </p:cNvPr>
+          <p:cNvSpPr txBox="1">
+            <a:spLocks/>
+          </p:cNvSpPr>
+          <p:nvPr/>
+        </p:nvSpPr>
+        <p:spPr>
+          <a:xfrm>
+            <a:off x="4578036" y="5237479"/>
+            <a:ext cx="3162677" cy="305435"/>
+          </a:xfrm>
+          <a:prstGeom prst="rect">
+            <a:avLst/>
+          </a:prstGeom>
+        </p:spPr>
+        <p:txBody>
+          <a:bodyPr vert="horz" lIns="91440" tIns="45720" rIns="91440" bIns="45720" rtlCol="0">
+            <a:normAutofit lnSpcReduction="10000"/>
+          </a:bodyPr>
+          <a:lstStyle>
+            <a:lvl1pPr marL="0" indent="0" algn="ctr" defTabSz="914400" rtl="0" eaLnBrk="1" latinLnBrk="0" hangingPunct="1">
+              <a:lnSpc>
+                <a:spcPct val="90000"/>
+              </a:lnSpc>
+              <a:spcBef>
+                <a:spcPts val="1000"/>
+              </a:spcBef>
+              <a:buFont typeface="Arial" panose="020B0604020202020204" pitchFamily="34" charset="0"/>
+              <a:buNone/>
+              <a:defRPr sz="2400" kern="1200">
+                <a:solidFill>
+                  <a:schemeClr val="tx1"/>
+                </a:solidFill>
+                <a:latin typeface="+mn-lt"/>
+                <a:ea typeface="+mn-ea"/>
+                <a:cs typeface="+mn-cs"/>
+              </a:defRPr>
+            </a:lvl1pPr>
+            <a:lvl2pPr marL="457200" indent="0" algn="ctr" defTabSz="914400" rtl="0" eaLnBrk="1" latinLnBrk="0" hangingPunct="1">
+              <a:lnSpc>
+                <a:spcPct val="90000"/>
+              </a:lnSpc>
+              <a:spcBef>
+                <a:spcPts val="500"/>
+              </a:spcBef>
+              <a:buFont typeface="Arial" panose="020B0604020202020204" pitchFamily="34" charset="0"/>
+              <a:buNone/>
+              <a:defRPr sz="2000" kern="1200">
+                <a:solidFill>
+                  <a:schemeClr val="tx1"/>
+                </a:solidFill>
+                <a:latin typeface="+mn-lt"/>
+                <a:ea typeface="+mn-ea"/>
+                <a:cs typeface="+mn-cs"/>
+              </a:defRPr>
+            </a:lvl2pPr>
+            <a:lvl3pPr marL="914400" indent="0" algn="ctr" defTabSz="914400" rtl="0" eaLnBrk="1" latinLnBrk="0" hangingPunct="1">
+              <a:lnSpc>
+                <a:spcPct val="90000"/>
+              </a:lnSpc>
+              <a:spcBef>
+                <a:spcPts val="500"/>
+              </a:spcBef>
+              <a:buFont typeface="Arial" panose="020B0604020202020204" pitchFamily="34" charset="0"/>
+              <a:buNone/>
+              <a:defRPr sz="1800" kern="1200">
+                <a:solidFill>
+                  <a:schemeClr val="tx1"/>
+                </a:solidFill>
+                <a:latin typeface="+mn-lt"/>
+                <a:ea typeface="+mn-ea"/>
+                <a:cs typeface="+mn-cs"/>
+              </a:defRPr>
+            </a:lvl3pPr>
+            <a:lvl4pPr marL="1371600" indent="0" algn="ctr" defTabSz="914400" rtl="0" eaLnBrk="1" latinLnBrk="0" hangingPunct="1">
+              <a:lnSpc>
+                <a:spcPct val="90000"/>
+              </a:lnSpc>
+              <a:spcBef>
+                <a:spcPts val="500"/>
+              </a:spcBef>
+              <a:buFont typeface="Arial" panose="020B0604020202020204" pitchFamily="34" charset="0"/>
+              <a:buNone/>
+              <a:defRPr sz="1600" kern="1200">
+                <a:solidFill>
+                  <a:schemeClr val="tx1"/>
+                </a:solidFill>
+                <a:latin typeface="+mn-lt"/>
+                <a:ea typeface="+mn-ea"/>
+                <a:cs typeface="+mn-cs"/>
+              </a:defRPr>
+            </a:lvl4pPr>
+            <a:lvl5pPr marL="1828800" indent="0" algn="ctr" defTabSz="914400" rtl="0" eaLnBrk="1" latinLnBrk="0" hangingPunct="1">
+              <a:lnSpc>
+                <a:spcPct val="90000"/>
+              </a:lnSpc>
+              <a:spcBef>
+                <a:spcPts val="500"/>
+              </a:spcBef>
+              <a:buFont typeface="Arial" panose="020B0604020202020204" pitchFamily="34" charset="0"/>
+              <a:buNone/>
+              <a:defRPr sz="1600" kern="1200">
+                <a:solidFill>
+                  <a:schemeClr val="tx1"/>
+                </a:solidFill>
+                <a:latin typeface="+mn-lt"/>
+                <a:ea typeface="+mn-ea"/>
+                <a:cs typeface="+mn-cs"/>
+              </a:defRPr>
+            </a:lvl5pPr>
+            <a:lvl6pPr marL="2286000" indent="0" algn="ctr" defTabSz="914400" rtl="0" eaLnBrk="1" latinLnBrk="0" hangingPunct="1">
+              <a:lnSpc>
+                <a:spcPct val="90000"/>
+              </a:lnSpc>
+              <a:spcBef>
+                <a:spcPts val="500"/>
+              </a:spcBef>
+              <a:buFont typeface="Arial" panose="020B0604020202020204" pitchFamily="34" charset="0"/>
+              <a:buNone/>
+              <a:defRPr sz="1600" kern="1200">
+                <a:solidFill>
+                  <a:schemeClr val="tx1"/>
+                </a:solidFill>
+                <a:latin typeface="+mn-lt"/>
+                <a:ea typeface="+mn-ea"/>
+                <a:cs typeface="+mn-cs"/>
+              </a:defRPr>
+            </a:lvl6pPr>
+            <a:lvl7pPr marL="2743200" indent="0" algn="ctr" defTabSz="914400" rtl="0" eaLnBrk="1" latinLnBrk="0" hangingPunct="1">
+              <a:lnSpc>
+                <a:spcPct val="90000"/>
+              </a:lnSpc>
+              <a:spcBef>
+                <a:spcPts val="500"/>
+              </a:spcBef>
+              <a:buFont typeface="Arial" panose="020B0604020202020204" pitchFamily="34" charset="0"/>
+              <a:buNone/>
+              <a:defRPr sz="1600" kern="1200">
+                <a:solidFill>
+                  <a:schemeClr val="tx1"/>
+                </a:solidFill>
+                <a:latin typeface="+mn-lt"/>
+                <a:ea typeface="+mn-ea"/>
+                <a:cs typeface="+mn-cs"/>
+              </a:defRPr>
+            </a:lvl7pPr>
+            <a:lvl8pPr marL="3200400" indent="0" algn="ctr" defTabSz="914400" rtl="0" eaLnBrk="1" latinLnBrk="0" hangingPunct="1">
+              <a:lnSpc>
+                <a:spcPct val="90000"/>
+              </a:lnSpc>
+              <a:spcBef>
+                <a:spcPts val="500"/>
+              </a:spcBef>
+              <a:buFont typeface="Arial" panose="020B0604020202020204" pitchFamily="34" charset="0"/>
+              <a:buNone/>
+              <a:defRPr sz="1600" kern="1200">
+                <a:solidFill>
+                  <a:schemeClr val="tx1"/>
+                </a:solidFill>
+                <a:latin typeface="+mn-lt"/>
+                <a:ea typeface="+mn-ea"/>
+                <a:cs typeface="+mn-cs"/>
+              </a:defRPr>
+            </a:lvl8pPr>
+            <a:lvl9pPr marL="3657600" indent="0" algn="ctr" defTabSz="914400" rtl="0" eaLnBrk="1" latinLnBrk="0" hangingPunct="1">
+              <a:lnSpc>
+                <a:spcPct val="90000"/>
+              </a:lnSpc>
+              <a:spcBef>
+                <a:spcPts val="500"/>
+              </a:spcBef>
+              <a:buFont typeface="Arial" panose="020B0604020202020204" pitchFamily="34" charset="0"/>
+              <a:buNone/>
+              <a:defRPr sz="1600" kern="1200">
+                <a:solidFill>
+                  <a:schemeClr val="tx1"/>
+                </a:solidFill>
+                <a:latin typeface="+mn-lt"/>
+                <a:ea typeface="+mn-ea"/>
+                <a:cs typeface="+mn-cs"/>
+              </a:defRPr>
+            </a:lvl9pPr>
+          </a:lstStyle>
+          <a:p>
+            <a:r>
+              <a:rPr lang="en-US" sz="1600" dirty="0"/>
+              <a:t>So, Just a second, let me fix that</a:t>
+            </a:r>
+          </a:p>
+        </p:txBody>
+      </p:sp>
+      <p:sp>
+        <p:nvSpPr>
+          <p:cNvPr id="13" name="Subtitle 2">
+            <a:extLst>
+              <a:ext uri="{FF2B5EF4-FFF2-40B4-BE49-F238E27FC236}">
+                <a16:creationId xmlns:a16="http://schemas.microsoft.com/office/drawing/2014/main" id="{7CF1E6DB-9C04-662B-395A-57C8581211E7}"/>
+              </a:ext>
+            </a:extLst>
+          </p:cNvPr>
+          <p:cNvSpPr txBox="1">
+            <a:spLocks/>
+          </p:cNvSpPr>
+          <p:nvPr/>
+        </p:nvSpPr>
+        <p:spPr>
+          <a:xfrm>
+            <a:off x="4578036" y="5237479"/>
+            <a:ext cx="1976673" cy="305435"/>
+          </a:xfrm>
+          <a:prstGeom prst="rect">
+            <a:avLst/>
+          </a:prstGeom>
+        </p:spPr>
+        <p:txBody>
+          <a:bodyPr vert="horz" lIns="91440" tIns="45720" rIns="91440" bIns="45720" rtlCol="0">
+            <a:normAutofit lnSpcReduction="10000"/>
+          </a:bodyPr>
+          <a:lstStyle>
+            <a:lvl1pPr marL="0" indent="0" algn="ctr" defTabSz="914400" rtl="0" eaLnBrk="1" latinLnBrk="0" hangingPunct="1">
+              <a:lnSpc>
+                <a:spcPct val="90000"/>
+              </a:lnSpc>
+              <a:spcBef>
+                <a:spcPts val="1000"/>
+              </a:spcBef>
+              <a:buFont typeface="Arial" panose="020B0604020202020204" pitchFamily="34" charset="0"/>
+              <a:buNone/>
+              <a:defRPr sz="2400" kern="1200">
+                <a:solidFill>
+                  <a:schemeClr val="tx1"/>
+                </a:solidFill>
+                <a:latin typeface="+mn-lt"/>
+                <a:ea typeface="+mn-ea"/>
+                <a:cs typeface="+mn-cs"/>
+              </a:defRPr>
+            </a:lvl1pPr>
+            <a:lvl2pPr marL="457200" indent="0" algn="ctr" defTabSz="914400" rtl="0" eaLnBrk="1" latinLnBrk="0" hangingPunct="1">
+              <a:lnSpc>
+                <a:spcPct val="90000"/>
+              </a:lnSpc>
+              <a:spcBef>
+                <a:spcPts val="500"/>
+              </a:spcBef>
+              <a:buFont typeface="Arial" panose="020B0604020202020204" pitchFamily="34" charset="0"/>
+              <a:buNone/>
+              <a:defRPr sz="2000" kern="1200">
+                <a:solidFill>
+                  <a:schemeClr val="tx1"/>
+                </a:solidFill>
+                <a:latin typeface="+mn-lt"/>
+                <a:ea typeface="+mn-ea"/>
+                <a:cs typeface="+mn-cs"/>
+              </a:defRPr>
+            </a:lvl2pPr>
+            <a:lvl3pPr marL="914400" indent="0" algn="ctr" defTabSz="914400" rtl="0" eaLnBrk="1" latinLnBrk="0" hangingPunct="1">
+              <a:lnSpc>
+                <a:spcPct val="90000"/>
+              </a:lnSpc>
+              <a:spcBef>
+                <a:spcPts val="500"/>
+              </a:spcBef>
+              <a:buFont typeface="Arial" panose="020B0604020202020204" pitchFamily="34" charset="0"/>
+              <a:buNone/>
+              <a:defRPr sz="1800" kern="1200">
+                <a:solidFill>
+                  <a:schemeClr val="tx1"/>
+                </a:solidFill>
+                <a:latin typeface="+mn-lt"/>
+                <a:ea typeface="+mn-ea"/>
+                <a:cs typeface="+mn-cs"/>
+              </a:defRPr>
+            </a:lvl3pPr>
+            <a:lvl4pPr marL="1371600" indent="0" algn="ctr" defTabSz="914400" rtl="0" eaLnBrk="1" latinLnBrk="0" hangingPunct="1">
+              <a:lnSpc>
+                <a:spcPct val="90000"/>
+              </a:lnSpc>
+              <a:spcBef>
+                <a:spcPts val="500"/>
+              </a:spcBef>
+              <a:buFont typeface="Arial" panose="020B0604020202020204" pitchFamily="34" charset="0"/>
+              <a:buNone/>
+              <a:defRPr sz="1600" kern="1200">
+                <a:solidFill>
+                  <a:schemeClr val="tx1"/>
+                </a:solidFill>
+                <a:latin typeface="+mn-lt"/>
+                <a:ea typeface="+mn-ea"/>
+                <a:cs typeface="+mn-cs"/>
+              </a:defRPr>
+            </a:lvl4pPr>
+            <a:lvl5pPr marL="1828800" indent="0" algn="ctr" defTabSz="914400" rtl="0" eaLnBrk="1" latinLnBrk="0" hangingPunct="1">
+              <a:lnSpc>
+                <a:spcPct val="90000"/>
+              </a:lnSpc>
+              <a:spcBef>
+                <a:spcPts val="500"/>
+              </a:spcBef>
+              <a:buFont typeface="Arial" panose="020B0604020202020204" pitchFamily="34" charset="0"/>
+              <a:buNone/>
+              <a:defRPr sz="1600" kern="1200">
+                <a:solidFill>
+                  <a:schemeClr val="tx1"/>
+                </a:solidFill>
+                <a:latin typeface="+mn-lt"/>
+                <a:ea typeface="+mn-ea"/>
+                <a:cs typeface="+mn-cs"/>
+              </a:defRPr>
+            </a:lvl5pPr>
+            <a:lvl6pPr marL="2286000" indent="0" algn="ctr" defTabSz="914400" rtl="0" eaLnBrk="1" latinLnBrk="0" hangingPunct="1">
+              <a:lnSpc>
+                <a:spcPct val="90000"/>
+              </a:lnSpc>
+              <a:spcBef>
+                <a:spcPts val="500"/>
+              </a:spcBef>
+              <a:buFont typeface="Arial" panose="020B0604020202020204" pitchFamily="34" charset="0"/>
+              <a:buNone/>
+              <a:defRPr sz="1600" kern="1200">
+                <a:solidFill>
+                  <a:schemeClr val="tx1"/>
+                </a:solidFill>
+                <a:latin typeface="+mn-lt"/>
+                <a:ea typeface="+mn-ea"/>
+                <a:cs typeface="+mn-cs"/>
+              </a:defRPr>
+            </a:lvl6pPr>
+            <a:lvl7pPr marL="2743200" indent="0" algn="ctr" defTabSz="914400" rtl="0" eaLnBrk="1" latinLnBrk="0" hangingPunct="1">
+              <a:lnSpc>
+                <a:spcPct val="90000"/>
+              </a:lnSpc>
+              <a:spcBef>
+                <a:spcPts val="500"/>
+              </a:spcBef>
+              <a:buFont typeface="Arial" panose="020B0604020202020204" pitchFamily="34" charset="0"/>
+              <a:buNone/>
+              <a:defRPr sz="1600" kern="1200">
+                <a:solidFill>
+                  <a:schemeClr val="tx1"/>
+                </a:solidFill>
+                <a:latin typeface="+mn-lt"/>
+                <a:ea typeface="+mn-ea"/>
+                <a:cs typeface="+mn-cs"/>
+              </a:defRPr>
+            </a:lvl7pPr>
+            <a:lvl8pPr marL="3200400" indent="0" algn="ctr" defTabSz="914400" rtl="0" eaLnBrk="1" latinLnBrk="0" hangingPunct="1">
+              <a:lnSpc>
+                <a:spcPct val="90000"/>
+              </a:lnSpc>
+              <a:spcBef>
+                <a:spcPts val="500"/>
+              </a:spcBef>
+              <a:buFont typeface="Arial" panose="020B0604020202020204" pitchFamily="34" charset="0"/>
+              <a:buNone/>
+              <a:defRPr sz="1600" kern="1200">
+                <a:solidFill>
+                  <a:schemeClr val="tx1"/>
+                </a:solidFill>
+                <a:latin typeface="+mn-lt"/>
+                <a:ea typeface="+mn-ea"/>
+                <a:cs typeface="+mn-cs"/>
+              </a:defRPr>
+            </a:lvl8pPr>
+            <a:lvl9pPr marL="3657600" indent="0" algn="ctr" defTabSz="914400" rtl="0" eaLnBrk="1" latinLnBrk="0" hangingPunct="1">
+              <a:lnSpc>
+                <a:spcPct val="90000"/>
+              </a:lnSpc>
+              <a:spcBef>
+                <a:spcPts val="500"/>
+              </a:spcBef>
+              <a:buFont typeface="Arial" panose="020B0604020202020204" pitchFamily="34" charset="0"/>
+              <a:buNone/>
+              <a:defRPr sz="1600" kern="1200">
+                <a:solidFill>
+                  <a:schemeClr val="tx1"/>
+                </a:solidFill>
+                <a:latin typeface="+mn-lt"/>
+                <a:ea typeface="+mn-ea"/>
+                <a:cs typeface="+mn-cs"/>
+              </a:defRPr>
+            </a:lvl9pPr>
+          </a:lstStyle>
+          <a:p>
+            <a:r>
+              <a:rPr lang="en-US" sz="1600" dirty="0"/>
+              <a:t>There, that’s better</a:t>
+            </a:r>
+          </a:p>
+        </p:txBody>
+      </p:sp>
+      <p:pic>
+        <p:nvPicPr>
+          <p:cNvPr id="10" name="Picture 9" descr="A screen shot of a computer&#10;&#10;Description automatically generated">
+            <a:extLst>
+              <a:ext uri="{FF2B5EF4-FFF2-40B4-BE49-F238E27FC236}">
+                <a16:creationId xmlns:a16="http://schemas.microsoft.com/office/drawing/2014/main" id="{D69428EA-B5FB-3914-F381-99E35D00839A}"/>
+              </a:ext>
+            </a:extLst>
+          </p:cNvPr>
+          <p:cNvPicPr>
+            <a:picLocks noChangeAspect="1"/>
+          </p:cNvPicPr>
+          <p:nvPr/>
+        </p:nvPicPr>
+        <p:blipFill>
+          <a:blip r:embed="rId4">
+            <a:extLst>
+              <a:ext uri="{28A0092B-C50C-407E-A947-70E740481C1C}">
+                <a14:useLocalDpi xmlns:a14="http://schemas.microsoft.com/office/drawing/2010/main" val="0"/>
+              </a:ext>
+            </a:extLst>
+          </a:blip>
+          <a:stretch>
+            <a:fillRect/>
+          </a:stretch>
+        </p:blipFill>
+        <p:spPr>
+          <a:xfrm>
+            <a:off x="8614981" y="5347331"/>
+            <a:ext cx="3415011" cy="1320529"/>
+          </a:xfrm>
+          <a:prstGeom prst="rect">
+            <a:avLst/>
+          </a:prstGeom>
+        </p:spPr>
+      </p:pic>
+    </p:spTree>
+    <p:extLst>
+      <p:ext uri="{BB962C8B-B14F-4D97-AF65-F5344CB8AC3E}">
+        <p14:creationId xmlns:p14="http://schemas.microsoft.com/office/powerpoint/2010/main" val="1066317491"/>
+      </p:ext>
+    </p:extLst>
+  </p:cSld>
+  <p:clrMapOvr>
+    <a:masterClrMapping/>
+  </p:clrMapOvr>
+  <p:timing>
+    <p:tnLst>
+      <p:par>
+        <p:cTn id="1" dur="indefinite" restart="never" nodeType="tmRoot">
+          <p:childTnLst>
+            <p:seq concurrent="1" nextAc="seek">
+              <p:cTn id="2" dur="indefinite" nodeType="mainSeq">
+                <p:childTnLst>
+                  <p:par>
+                    <p:cTn id="3" fill="hold">
+                      <p:stCondLst>
+                        <p:cond delay="indefinite"/>
+                      </p:stCondLst>
+                      <p:childTnLst>
+                        <p:par>
+                          <p:cTn id="4" fill="hold">
+                            <p:stCondLst>
+                              <p:cond delay="0"/>
+                            </p:stCondLst>
+                            <p:childTnLst>
+                              <p:par>
+                                <p:cTn id="5" presetID="1" presetClass="entr" presetSubtype="0" fill="hold" grpId="0" nodeType="clickEffect">
+                                  <p:stCondLst>
+                                    <p:cond delay="0"/>
+                                  </p:stCondLst>
+                                  <p:iterate type="lt">
+                                    <p:tmAbs val="100"/>
+                                  </p:iterate>
+                                  <p:childTnLst>
+                                    <p:set>
+                                      <p:cBhvr>
+                                        <p:cTn id="6" dur="1" fill="hold">
+                                          <p:stCondLst>
+                                            <p:cond delay="0"/>
+                                          </p:stCondLst>
+                                        </p:cTn>
+                                        <p:tgtEl>
+                                          <p:spTgt spid="2"/>
+                                        </p:tgtEl>
+                                        <p:attrNameLst>
+                                          <p:attrName>style.visibility</p:attrName>
+                                        </p:attrNameLst>
+                                      </p:cBhvr>
+                                      <p:to>
+                                        <p:strVal val="visible"/>
+                                      </p:to>
+                                    </p:set>
+                                  </p:childTnLst>
+                                </p:cTn>
+                              </p:par>
+                            </p:childTnLst>
+                          </p:cTn>
+                        </p:par>
+                      </p:childTnLst>
+                    </p:cTn>
+                  </p:par>
+                  <p:par>
+                    <p:cTn id="7" fill="hold">
+                      <p:stCondLst>
+                        <p:cond delay="indefinite"/>
+                      </p:stCondLst>
+                      <p:childTnLst>
+                        <p:par>
+                          <p:cTn id="8" fill="hold">
+                            <p:stCondLst>
+                              <p:cond delay="0"/>
+                            </p:stCondLst>
+                            <p:childTnLst>
+                              <p:par>
+                                <p:cTn id="9" presetID="25" presetClass="entr" presetSubtype="0" fill="hold" grpId="0" nodeType="clickEffect">
+                                  <p:stCondLst>
+                                    <p:cond delay="0"/>
+                                  </p:stCondLst>
+                                  <p:iterate type="lt">
+                                    <p:tmPct val="5000"/>
+                                  </p:iterate>
+                                  <p:childTnLst>
+                                    <p:set>
+                                      <p:cBhvr>
+                                        <p:cTn id="10" dur="1" fill="hold">
+                                          <p:stCondLst>
+                                            <p:cond delay="0"/>
+                                          </p:stCondLst>
+                                        </p:cTn>
+                                        <p:tgtEl>
+                                          <p:spTgt spid="3">
+                                            <p:txEl>
+                                              <p:pRg st="0" end="0"/>
+                                            </p:txEl>
+                                          </p:spTgt>
+                                        </p:tgtEl>
+                                        <p:attrNameLst>
+                                          <p:attrName>style.visibility</p:attrName>
+                                        </p:attrNameLst>
+                                      </p:cBhvr>
+                                      <p:to>
+                                        <p:strVal val="visible"/>
+                                      </p:to>
+                                    </p:set>
+                                    <p:anim calcmode="lin" valueType="num">
+                                      <p:cBhvr>
+                                        <p:cTn id="11" dur="500" decel="50000" fill="hold">
+                                          <p:stCondLst>
+                                            <p:cond delay="0"/>
+                                          </p:stCondLst>
+                                        </p:cTn>
+                                        <p:tgtEl>
+                                          <p:spTgt spid="3">
+                                            <p:txEl>
+                                              <p:pRg st="0" end="0"/>
+                                            </p:txEl>
+                                          </p:spTgt>
+                                        </p:tgtEl>
+                                        <p:attrNameLst>
+                                          <p:attrName>style.rotation</p:attrName>
+                                        </p:attrNameLst>
+                                      </p:cBhvr>
+                                      <p:tavLst>
+                                        <p:tav tm="0">
+                                          <p:val>
+                                            <p:fltVal val="-90"/>
+                                          </p:val>
+                                        </p:tav>
+                                        <p:tav tm="100000">
+                                          <p:val>
+                                            <p:fltVal val="0"/>
+                                          </p:val>
+                                        </p:tav>
+                                      </p:tavLst>
+                                    </p:anim>
+                                    <p:anim calcmode="lin" valueType="num">
+                                      <p:cBhvr>
+                                        <p:cTn id="12" dur="500" decel="50000" fill="hold">
+                                          <p:stCondLst>
+                                            <p:cond delay="0"/>
+                                          </p:stCondLst>
+                                        </p:cTn>
+                                        <p:tgtEl>
+                                          <p:spTgt spid="3">
+                                            <p:txEl>
+                                              <p:pRg st="0" end="0"/>
+                                            </p:txEl>
+                                          </p:spTgt>
+                                        </p:tgtEl>
+                                        <p:attrNameLst>
+                                          <p:attrName>ppt_w</p:attrName>
+                                        </p:attrNameLst>
+                                      </p:cBhvr>
+                                      <p:tavLst>
+                                        <p:tav tm="0">
+                                          <p:val>
+                                            <p:strVal val="#ppt_w"/>
+                                          </p:val>
+                                        </p:tav>
+                                        <p:tav tm="100000">
+                                          <p:val>
+                                            <p:strVal val="#ppt_w*.05"/>
+                                          </p:val>
+                                        </p:tav>
+                                      </p:tavLst>
+                                    </p:anim>
+                                    <p:anim calcmode="lin" valueType="num">
+                                      <p:cBhvr>
+                                        <p:cTn id="13" dur="500" accel="50000" fill="hold">
+                                          <p:stCondLst>
+                                            <p:cond delay="500"/>
+                                          </p:stCondLst>
+                                        </p:cTn>
+                                        <p:tgtEl>
+                                          <p:spTgt spid="3">
+                                            <p:txEl>
+                                              <p:pRg st="0" end="0"/>
+                                            </p:txEl>
+                                          </p:spTgt>
+                                        </p:tgtEl>
+                                        <p:attrNameLst>
+                                          <p:attrName>ppt_w</p:attrName>
+                                        </p:attrNameLst>
+                                      </p:cBhvr>
+                                      <p:tavLst>
+                                        <p:tav tm="0">
+                                          <p:val>
+                                            <p:strVal val="#ppt_w*.05"/>
+                                          </p:val>
+                                        </p:tav>
+                                        <p:tav tm="100000">
+                                          <p:val>
+                                            <p:strVal val="#ppt_w"/>
+                                          </p:val>
+                                        </p:tav>
+                                      </p:tavLst>
+                                    </p:anim>
+                                    <p:anim calcmode="lin" valueType="num">
+                                      <p:cBhvr>
+                                        <p:cTn id="14" dur="1000" fill="hold"/>
+                                        <p:tgtEl>
+                                          <p:spTgt spid="3">
+                                            <p:txEl>
+                                              <p:pRg st="0" end="0"/>
+                                            </p:txEl>
+                                          </p:spTgt>
+                                        </p:tgtEl>
+                                        <p:attrNameLst>
+                                          <p:attrName>ppt_h</p:attrName>
+                                        </p:attrNameLst>
+                                      </p:cBhvr>
+                                      <p:tavLst>
+                                        <p:tav tm="0">
+                                          <p:val>
+                                            <p:strVal val="#ppt_h"/>
+                                          </p:val>
+                                        </p:tav>
+                                        <p:tav tm="100000">
+                                          <p:val>
+                                            <p:strVal val="#ppt_h"/>
+                                          </p:val>
+                                        </p:tav>
+                                      </p:tavLst>
+                                    </p:anim>
+                                    <p:anim calcmode="lin" valueType="num">
+                                      <p:cBhvr>
+                                        <p:cTn id="15" dur="500" decel="50000" fill="hold">
+                                          <p:stCondLst>
+                                            <p:cond delay="0"/>
+                                          </p:stCondLst>
+                                        </p:cTn>
+                                        <p:tgtEl>
+                                          <p:spTgt spid="3">
+                                            <p:txEl>
+                                              <p:pRg st="0" end="0"/>
+                                            </p:txEl>
+                                          </p:spTgt>
+                                        </p:tgtEl>
+                                        <p:attrNameLst>
+                                          <p:attrName>ppt_x</p:attrName>
+                                        </p:attrNameLst>
+                                      </p:cBhvr>
+                                      <p:tavLst>
+                                        <p:tav tm="0">
+                                          <p:val>
+                                            <p:strVal val="#ppt_x+.4"/>
+                                          </p:val>
+                                        </p:tav>
+                                        <p:tav tm="100000">
+                                          <p:val>
+                                            <p:strVal val="#ppt_x"/>
+                                          </p:val>
+                                        </p:tav>
+                                      </p:tavLst>
+                                    </p:anim>
+                                    <p:anim calcmode="lin" valueType="num">
+                                      <p:cBhvr>
+                                        <p:cTn id="16" dur="500" decel="50000" fill="hold">
+                                          <p:stCondLst>
+                                            <p:cond delay="0"/>
+                                          </p:stCondLst>
+                                        </p:cTn>
+                                        <p:tgtEl>
+                                          <p:spTgt spid="3">
+                                            <p:txEl>
+                                              <p:pRg st="0" end="0"/>
+                                            </p:txEl>
+                                          </p:spTgt>
+                                        </p:tgtEl>
+                                        <p:attrNameLst>
+                                          <p:attrName>ppt_y</p:attrName>
+                                        </p:attrNameLst>
+                                      </p:cBhvr>
+                                      <p:tavLst>
+                                        <p:tav tm="0">
+                                          <p:val>
+                                            <p:strVal val="#ppt_y-.2"/>
+                                          </p:val>
+                                        </p:tav>
+                                        <p:tav tm="100000">
+                                          <p:val>
+                                            <p:strVal val="#ppt_y+.1"/>
+                                          </p:val>
+                                        </p:tav>
+                                      </p:tavLst>
+                                    </p:anim>
+                                    <p:anim calcmode="lin" valueType="num">
+                                      <p:cBhvr>
+                                        <p:cTn id="17" dur="500" accel="50000" fill="hold">
+                                          <p:stCondLst>
+                                            <p:cond delay="500"/>
+                                          </p:stCondLst>
+                                        </p:cTn>
+                                        <p:tgtEl>
+                                          <p:spTgt spid="3">
+                                            <p:txEl>
+                                              <p:pRg st="0" end="0"/>
+                                            </p:txEl>
+                                          </p:spTgt>
+                                        </p:tgtEl>
+                                        <p:attrNameLst>
+                                          <p:attrName>ppt_y</p:attrName>
+                                        </p:attrNameLst>
+                                      </p:cBhvr>
+                                      <p:tavLst>
+                                        <p:tav tm="0">
+                                          <p:val>
+                                            <p:strVal val="#ppt_y+.1"/>
+                                          </p:val>
+                                        </p:tav>
+                                        <p:tav tm="100000">
+                                          <p:val>
+                                            <p:strVal val="#ppt_y"/>
+                                          </p:val>
+                                        </p:tav>
+                                      </p:tavLst>
+                                    </p:anim>
+                                    <p:animEffect transition="in" filter="fade">
+                                      <p:cBhvr>
+                                        <p:cTn id="18" dur="1000" decel="50000">
+                                          <p:stCondLst>
+                                            <p:cond delay="0"/>
+                                          </p:stCondLst>
+                                        </p:cTn>
+                                        <p:tgtEl>
+                                          <p:spTgt spid="3">
+                                            <p:txEl>
+                                              <p:pRg st="0" end="0"/>
+                                            </p:txEl>
+                                          </p:spTgt>
+                                        </p:tgtEl>
+                                      </p:cBhvr>
+                                    </p:animEffect>
+                                  </p:childTnLst>
+                                </p:cTn>
+                              </p:par>
+                            </p:childTnLst>
+                          </p:cTn>
+                        </p:par>
+                        <p:par>
+                          <p:cTn id="19" fill="hold">
+                            <p:stCondLst>
+                              <p:cond delay="2400"/>
+                            </p:stCondLst>
+                            <p:childTnLst>
+                              <p:par>
+                                <p:cTn id="20" presetID="25" presetClass="entr" presetSubtype="0" fill="hold" grpId="0" nodeType="afterEffect">
+                                  <p:stCondLst>
+                                    <p:cond delay="250"/>
+                                  </p:stCondLst>
+                                  <p:childTnLst>
+                                    <p:set>
+                                      <p:cBhvr>
+                                        <p:cTn id="21" dur="1" fill="hold">
+                                          <p:stCondLst>
+                                            <p:cond delay="0"/>
+                                          </p:stCondLst>
+                                        </p:cTn>
+                                        <p:tgtEl>
+                                          <p:spTgt spid="3">
+                                            <p:txEl>
+                                              <p:pRg st="2" end="2"/>
+                                            </p:txEl>
+                                          </p:spTgt>
+                                        </p:tgtEl>
+                                        <p:attrNameLst>
+                                          <p:attrName>style.visibility</p:attrName>
+                                        </p:attrNameLst>
+                                      </p:cBhvr>
+                                      <p:to>
+                                        <p:strVal val="visible"/>
+                                      </p:to>
+                                    </p:set>
+                                    <p:anim calcmode="lin" valueType="num">
+                                      <p:cBhvr>
+                                        <p:cTn id="22" dur="500" decel="50000" fill="hold">
+                                          <p:stCondLst>
+                                            <p:cond delay="0"/>
+                                          </p:stCondLst>
+                                        </p:cTn>
+                                        <p:tgtEl>
+                                          <p:spTgt spid="3">
+                                            <p:txEl>
+                                              <p:pRg st="2" end="2"/>
+                                            </p:txEl>
+                                          </p:spTgt>
+                                        </p:tgtEl>
+                                        <p:attrNameLst>
+                                          <p:attrName>style.rotation</p:attrName>
+                                        </p:attrNameLst>
+                                      </p:cBhvr>
+                                      <p:tavLst>
+                                        <p:tav tm="0">
+                                          <p:val>
+                                            <p:fltVal val="-90"/>
+                                          </p:val>
+                                        </p:tav>
+                                        <p:tav tm="100000">
+                                          <p:val>
+                                            <p:fltVal val="0"/>
+                                          </p:val>
+                                        </p:tav>
+                                      </p:tavLst>
+                                    </p:anim>
+                                    <p:anim calcmode="lin" valueType="num">
+                                      <p:cBhvr>
+                                        <p:cTn id="23" dur="500" decel="50000" fill="hold">
+                                          <p:stCondLst>
+                                            <p:cond delay="0"/>
+                                          </p:stCondLst>
+                                        </p:cTn>
+                                        <p:tgtEl>
+                                          <p:spTgt spid="3">
+                                            <p:txEl>
+                                              <p:pRg st="2" end="2"/>
+                                            </p:txEl>
+                                          </p:spTgt>
+                                        </p:tgtEl>
+                                        <p:attrNameLst>
+                                          <p:attrName>ppt_w</p:attrName>
+                                        </p:attrNameLst>
+                                      </p:cBhvr>
+                                      <p:tavLst>
+                                        <p:tav tm="0">
+                                          <p:val>
+                                            <p:strVal val="#ppt_w"/>
+                                          </p:val>
+                                        </p:tav>
+                                        <p:tav tm="100000">
+                                          <p:val>
+                                            <p:strVal val="#ppt_w*.05"/>
+                                          </p:val>
+                                        </p:tav>
+                                      </p:tavLst>
+                                    </p:anim>
+                                    <p:anim calcmode="lin" valueType="num">
+                                      <p:cBhvr>
+                                        <p:cTn id="24" dur="500" accel="50000" fill="hold">
+                                          <p:stCondLst>
+                                            <p:cond delay="500"/>
+                                          </p:stCondLst>
+                                        </p:cTn>
+                                        <p:tgtEl>
+                                          <p:spTgt spid="3">
+                                            <p:txEl>
+                                              <p:pRg st="2" end="2"/>
+                                            </p:txEl>
+                                          </p:spTgt>
+                                        </p:tgtEl>
+                                        <p:attrNameLst>
+                                          <p:attrName>ppt_w</p:attrName>
+                                        </p:attrNameLst>
+                                      </p:cBhvr>
+                                      <p:tavLst>
+                                        <p:tav tm="0">
+                                          <p:val>
+                                            <p:strVal val="#ppt_w*.05"/>
+                                          </p:val>
+                                        </p:tav>
+                                        <p:tav tm="100000">
+                                          <p:val>
+                                            <p:strVal val="#ppt_w"/>
+                                          </p:val>
+                                        </p:tav>
+                                      </p:tavLst>
+                                    </p:anim>
+                                    <p:anim calcmode="lin" valueType="num">
+                                      <p:cBhvr>
+                                        <p:cTn id="25" dur="1000" fill="hold"/>
+                                        <p:tgtEl>
+                                          <p:spTgt spid="3">
+                                            <p:txEl>
+                                              <p:pRg st="2" end="2"/>
+                                            </p:txEl>
+                                          </p:spTgt>
+                                        </p:tgtEl>
+                                        <p:attrNameLst>
+                                          <p:attrName>ppt_h</p:attrName>
+                                        </p:attrNameLst>
+                                      </p:cBhvr>
+                                      <p:tavLst>
+                                        <p:tav tm="0">
+                                          <p:val>
+                                            <p:strVal val="#ppt_h"/>
+                                          </p:val>
+                                        </p:tav>
+                                        <p:tav tm="100000">
+                                          <p:val>
+                                            <p:strVal val="#ppt_h"/>
+                                          </p:val>
+                                        </p:tav>
+                                      </p:tavLst>
+                                    </p:anim>
+                                    <p:anim calcmode="lin" valueType="num">
+                                      <p:cBhvr>
+                                        <p:cTn id="26" dur="500" decel="50000" fill="hold">
+                                          <p:stCondLst>
+                                            <p:cond delay="0"/>
+                                          </p:stCondLst>
+                                        </p:cTn>
+                                        <p:tgtEl>
+                                          <p:spTgt spid="3">
+                                            <p:txEl>
+                                              <p:pRg st="2" end="2"/>
+                                            </p:txEl>
+                                          </p:spTgt>
+                                        </p:tgtEl>
+                                        <p:attrNameLst>
+                                          <p:attrName>ppt_x</p:attrName>
+                                        </p:attrNameLst>
+                                      </p:cBhvr>
+                                      <p:tavLst>
+                                        <p:tav tm="0">
+                                          <p:val>
+                                            <p:strVal val="#ppt_x+.4"/>
+                                          </p:val>
+                                        </p:tav>
+                                        <p:tav tm="100000">
+                                          <p:val>
+                                            <p:strVal val="#ppt_x"/>
+                                          </p:val>
+                                        </p:tav>
+                                      </p:tavLst>
+                                    </p:anim>
+                                    <p:anim calcmode="lin" valueType="num">
+                                      <p:cBhvr>
+                                        <p:cTn id="27" dur="500" decel="50000" fill="hold">
+                                          <p:stCondLst>
+                                            <p:cond delay="0"/>
+                                          </p:stCondLst>
+                                        </p:cTn>
+                                        <p:tgtEl>
+                                          <p:spTgt spid="3">
+                                            <p:txEl>
+                                              <p:pRg st="2" end="2"/>
+                                            </p:txEl>
+                                          </p:spTgt>
+                                        </p:tgtEl>
+                                        <p:attrNameLst>
+                                          <p:attrName>ppt_y</p:attrName>
+                                        </p:attrNameLst>
+                                      </p:cBhvr>
+                                      <p:tavLst>
+                                        <p:tav tm="0">
+                                          <p:val>
+                                            <p:strVal val="#ppt_y-.2"/>
+                                          </p:val>
+                                        </p:tav>
+                                        <p:tav tm="100000">
+                                          <p:val>
+                                            <p:strVal val="#ppt_y+.1"/>
+                                          </p:val>
+                                        </p:tav>
+                                      </p:tavLst>
+                                    </p:anim>
+                                    <p:anim calcmode="lin" valueType="num">
+                                      <p:cBhvr>
+                                        <p:cTn id="28" dur="500" accel="50000" fill="hold">
+                                          <p:stCondLst>
+                                            <p:cond delay="500"/>
+                                          </p:stCondLst>
+                                        </p:cTn>
+                                        <p:tgtEl>
+                                          <p:spTgt spid="3">
+                                            <p:txEl>
+                                              <p:pRg st="2" end="2"/>
+                                            </p:txEl>
+                                          </p:spTgt>
+                                        </p:tgtEl>
+                                        <p:attrNameLst>
+                                          <p:attrName>ppt_y</p:attrName>
+                                        </p:attrNameLst>
+                                      </p:cBhvr>
+                                      <p:tavLst>
+                                        <p:tav tm="0">
+                                          <p:val>
+                                            <p:strVal val="#ppt_y+.1"/>
+                                          </p:val>
+                                        </p:tav>
+                                        <p:tav tm="100000">
+                                          <p:val>
+                                            <p:strVal val="#ppt_y"/>
+                                          </p:val>
+                                        </p:tav>
+                                      </p:tavLst>
+                                    </p:anim>
+                                    <p:animEffect transition="in" filter="fade">
+                                      <p:cBhvr>
+                                        <p:cTn id="29" dur="1000" decel="50000">
+                                          <p:stCondLst>
+                                            <p:cond delay="0"/>
+                                          </p:stCondLst>
+                                        </p:cTn>
+                                        <p:tgtEl>
+                                          <p:spTgt spid="3">
+                                            <p:txEl>
+                                              <p:pRg st="2" end="2"/>
+                                            </p:txEl>
+                                          </p:spTgt>
+                                        </p:tgtEl>
+                                      </p:cBhvr>
+                                    </p:animEffect>
+                                  </p:childTnLst>
+                                </p:cTn>
+                              </p:par>
+                            </p:childTnLst>
+                          </p:cTn>
+                        </p:par>
+                      </p:childTnLst>
+                    </p:cTn>
+                  </p:par>
+                  <p:par>
+                    <p:cTn id="30" fill="hold">
+                      <p:stCondLst>
+                        <p:cond delay="indefinite"/>
+                      </p:stCondLst>
+                      <p:childTnLst>
+                        <p:par>
+                          <p:cTn id="31" fill="hold">
+                            <p:stCondLst>
+                              <p:cond delay="0"/>
+                            </p:stCondLst>
+                            <p:childTnLst>
+                              <p:par>
+                                <p:cTn id="32" presetID="16" presetClass="entr" presetSubtype="21" fill="hold" grpId="0" nodeType="clickEffect">
+                                  <p:stCondLst>
+                                    <p:cond delay="0"/>
+                                  </p:stCondLst>
+                                  <p:iterate type="lt">
+                                    <p:tmPct val="0"/>
+                                  </p:iterate>
+                                  <p:childTnLst>
+                                    <p:set>
+                                      <p:cBhvr>
+                                        <p:cTn id="33" dur="1" fill="hold">
+                                          <p:stCondLst>
+                                            <p:cond delay="0"/>
+                                          </p:stCondLst>
+                                        </p:cTn>
+                                        <p:tgtEl>
+                                          <p:spTgt spid="11"/>
+                                        </p:tgtEl>
+                                        <p:attrNameLst>
+                                          <p:attrName>style.visibility</p:attrName>
+                                        </p:attrNameLst>
+                                      </p:cBhvr>
+                                      <p:to>
+                                        <p:strVal val="visible"/>
+                                      </p:to>
+                                    </p:set>
+                                    <p:animEffect transition="in" filter="barn(inVertical)">
+                                      <p:cBhvr>
+                                        <p:cTn id="34" dur="500"/>
+                                        <p:tgtEl>
+                                          <p:spTgt spid="11"/>
+                                        </p:tgtEl>
+                                      </p:cBhvr>
+                                    </p:animEffect>
+                                  </p:childTnLst>
+                                </p:cTn>
+                              </p:par>
+                              <p:par>
+                                <p:cTn id="35" presetID="1" presetClass="exit" presetSubtype="0" fill="hold" grpId="1" nodeType="withEffect">
+                                  <p:stCondLst>
+                                    <p:cond delay="500"/>
+                                  </p:stCondLst>
+                                  <p:iterate type="lt">
+                                    <p:tmAbs val="100"/>
+                                  </p:iterate>
+                                  <p:childTnLst>
+                                    <p:set>
+                                      <p:cBhvr>
+                                        <p:cTn id="36" dur="1" fill="hold">
+                                          <p:stCondLst>
+                                            <p:cond delay="0"/>
+                                          </p:stCondLst>
+                                        </p:cTn>
+                                        <p:tgtEl>
+                                          <p:spTgt spid="2"/>
+                                        </p:tgtEl>
+                                        <p:attrNameLst>
+                                          <p:attrName>style.visibility</p:attrName>
+                                        </p:attrNameLst>
+                                      </p:cBhvr>
+                                      <p:to>
+                                        <p:strVal val="hidden"/>
+                                      </p:to>
+                                    </p:set>
+                                  </p:childTnLst>
+                                </p:cTn>
+                              </p:par>
+                              <p:par>
+                                <p:cTn id="37" presetID="1" presetClass="entr" presetSubtype="0" fill="hold" grpId="0" nodeType="withEffect">
+                                  <p:stCondLst>
+                                    <p:cond delay="500"/>
+                                  </p:stCondLst>
+                                  <p:iterate type="lt">
+                                    <p:tmAbs val="100"/>
+                                  </p:iterate>
+                                  <p:childTnLst>
+                                    <p:set>
+                                      <p:cBhvr>
+                                        <p:cTn id="38" dur="1" fill="hold">
+                                          <p:stCondLst>
+                                            <p:cond delay="0"/>
+                                          </p:stCondLst>
+                                        </p:cTn>
+                                        <p:tgtEl>
+                                          <p:spTgt spid="4"/>
+                                        </p:tgtEl>
+                                        <p:attrNameLst>
+                                          <p:attrName>style.visibility</p:attrName>
+                                        </p:attrNameLst>
+                                      </p:cBhvr>
+                                      <p:to>
+                                        <p:strVal val="visible"/>
+                                      </p:to>
+                                    </p:set>
+                                  </p:childTnLst>
+                                </p:cTn>
+                              </p:par>
+                            </p:childTnLst>
+                          </p:cTn>
+                        </p:par>
+                        <p:par>
+                          <p:cTn id="39" fill="hold">
+                            <p:stCondLst>
+                              <p:cond delay="4101"/>
+                            </p:stCondLst>
+                            <p:childTnLst>
+                              <p:par>
+                                <p:cTn id="40" presetID="1" presetClass="exit" presetSubtype="0" fill="hold" grpId="1" nodeType="afterEffect">
+                                  <p:stCondLst>
+                                    <p:cond delay="1000"/>
+                                  </p:stCondLst>
+                                  <p:iterate type="lt">
+                                    <p:tmAbs val="100"/>
+                                  </p:iterate>
+                                  <p:childTnLst>
+                                    <p:set>
+                                      <p:cBhvr>
+                                        <p:cTn id="41" dur="1" fill="hold">
+                                          <p:stCondLst>
+                                            <p:cond delay="0"/>
+                                          </p:stCondLst>
+                                        </p:cTn>
+                                        <p:tgtEl>
+                                          <p:spTgt spid="11"/>
+                                        </p:tgtEl>
+                                        <p:attrNameLst>
+                                          <p:attrName>style.visibility</p:attrName>
+                                        </p:attrNameLst>
+                                      </p:cBhvr>
+                                      <p:to>
+                                        <p:strVal val="hidden"/>
+                                      </p:to>
+                                    </p:set>
+                                  </p:childTnLst>
+                                </p:cTn>
+                              </p:par>
+                              <p:par>
+                                <p:cTn id="42" presetID="1" presetClass="entr" presetSubtype="0" fill="hold" grpId="0" nodeType="withEffect">
+                                  <p:stCondLst>
+                                    <p:cond delay="1250"/>
+                                  </p:stCondLst>
+                                  <p:iterate type="lt">
+                                    <p:tmAbs val="100"/>
+                                  </p:iterate>
+                                  <p:childTnLst>
+                                    <p:set>
+                                      <p:cBhvr>
+                                        <p:cTn id="43" dur="1" fill="hold">
+                                          <p:stCondLst>
+                                            <p:cond delay="0"/>
+                                          </p:stCondLst>
+                                        </p:cTn>
+                                        <p:tgtEl>
+                                          <p:spTgt spid="13"/>
+                                        </p:tgtEl>
+                                        <p:attrNameLst>
+                                          <p:attrName>style.visibility</p:attrName>
+                                        </p:attrNameLst>
+                                      </p:cBhvr>
+                                      <p:to>
+                                        <p:strVal val="visible"/>
+                                      </p:to>
+                                    </p:set>
+                                  </p:childTnLst>
+                                </p:cTn>
+                              </p:par>
+                              <p:par>
+                                <p:cTn id="44" presetID="21" presetClass="entr" presetSubtype="1" fill="hold" nodeType="withEffect">
+                                  <p:stCondLst>
+                                    <p:cond delay="1250"/>
+                                  </p:stCondLst>
+                                  <p:childTnLst>
+                                    <p:set>
+                                      <p:cBhvr>
+                                        <p:cTn id="45" dur="1" fill="hold">
+                                          <p:stCondLst>
+                                            <p:cond delay="0"/>
+                                          </p:stCondLst>
+                                        </p:cTn>
+                                        <p:tgtEl>
+                                          <p:spTgt spid="6"/>
+                                        </p:tgtEl>
+                                        <p:attrNameLst>
+                                          <p:attrName>style.visibility</p:attrName>
+                                        </p:attrNameLst>
+                                      </p:cBhvr>
+                                      <p:to>
+                                        <p:strVal val="visible"/>
+                                      </p:to>
+                                    </p:set>
+                                    <p:animEffect transition="in" filter="wheel(1)">
+                                      <p:cBhvr>
+                                        <p:cTn id="46" dur="2000"/>
+                                        <p:tgtEl>
+                                          <p:spTgt spid="6"/>
+                                        </p:tgtEl>
+                                      </p:cBhvr>
+                                    </p:animEffect>
+                                  </p:childTnLst>
+                                </p:cTn>
+                              </p:par>
+                              <p:par>
+                                <p:cTn id="47" presetID="21" presetClass="entr" presetSubtype="1" fill="hold" nodeType="withEffect">
+                                  <p:stCondLst>
+                                    <p:cond delay="1500"/>
+                                  </p:stCondLst>
+                                  <p:childTnLst>
+                                    <p:set>
+                                      <p:cBhvr>
+                                        <p:cTn id="48" dur="1" fill="hold">
+                                          <p:stCondLst>
+                                            <p:cond delay="0"/>
+                                          </p:stCondLst>
+                                        </p:cTn>
+                                        <p:tgtEl>
+                                          <p:spTgt spid="8"/>
+                                        </p:tgtEl>
+                                        <p:attrNameLst>
+                                          <p:attrName>style.visibility</p:attrName>
+                                        </p:attrNameLst>
+                                      </p:cBhvr>
+                                      <p:to>
+                                        <p:strVal val="visible"/>
+                                      </p:to>
+                                    </p:set>
+                                    <p:animEffect transition="in" filter="wheel(1)">
+                                      <p:cBhvr>
+                                        <p:cTn id="49" dur="2000"/>
+                                        <p:tgtEl>
+                                          <p:spTgt spid="8"/>
+                                        </p:tgtEl>
+                                      </p:cBhvr>
+                                    </p:animEffect>
+                                  </p:childTnLst>
+                                </p:cTn>
+                              </p:par>
+                              <p:par>
+                                <p:cTn id="50" presetID="21" presetClass="entr" presetSubtype="1" fill="hold" nodeType="withEffect">
+                                  <p:stCondLst>
+                                    <p:cond delay="1750"/>
+                                  </p:stCondLst>
+                                  <p:childTnLst>
+                                    <p:set>
+                                      <p:cBhvr>
+                                        <p:cTn id="51" dur="1" fill="hold">
+                                          <p:stCondLst>
+                                            <p:cond delay="0"/>
+                                          </p:stCondLst>
+                                        </p:cTn>
+                                        <p:tgtEl>
+                                          <p:spTgt spid="10"/>
+                                        </p:tgtEl>
+                                        <p:attrNameLst>
+                                          <p:attrName>style.visibility</p:attrName>
+                                        </p:attrNameLst>
+                                      </p:cBhvr>
+                                      <p:to>
+                                        <p:strVal val="visible"/>
+                                      </p:to>
+                                    </p:set>
+                                    <p:animEffect transition="in" filter="wheel(1)">
+                                      <p:cBhvr>
+                                        <p:cTn id="52" dur="2000"/>
+                                        <p:tgtEl>
+                                          <p:spTgt spid="10"/>
+                                        </p:tgtEl>
+                                      </p:cBhvr>
+                                    </p:animEffect>
+                                  </p:childTnLst>
+                                </p:cTn>
+                              </p:par>
+                            </p:childTnLst>
+                          </p:cTn>
+                        </p:par>
+                      </p:childTnLst>
+                    </p:cTn>
+                  </p:par>
+                </p:childTnLst>
+              </p:cTn>
+              <p:prevCondLst>
+                <p:cond evt="onPrev" delay="0">
+                  <p:tgtEl>
+                    <p:sldTgt/>
+                  </p:tgtEl>
+                </p:cond>
+              </p:prevCondLst>
+              <p:nextCondLst>
+                <p:cond evt="onNext" delay="0">
+                  <p:tgtEl>
+                    <p:sldTgt/>
+                  </p:tgtEl>
+                </p:cond>
+              </p:nextCondLst>
+            </p:seq>
+          </p:childTnLst>
+        </p:cTn>
+      </p:par>
+    </p:tnLst>
+    <p:bldLst>
+      <p:bldP spid="4" grpId="0"/>
+      <p:bldP spid="2" grpId="0"/>
+      <p:bldP spid="2" grpId="1"/>
+      <p:bldP spid="3" grpId="0" build="p"/>
+      <p:bldP spid="11" grpId="0"/>
+      <p:bldP spid="11" grpId="1"/>
+      <p:bldP spid="13" grpId="0"/>
     </p:bldLst>
   </p:timing>
 </p:sld>
@@ -7256,4 +7721,319 @@
     </a:ext>
   </a:extLst>
 </a:theme>
+</file>
+
+<file path=ppt/theme/theme2.xml><?xml version="1.0" encoding="utf-8"?>
+<a:theme xmlns:a="http://schemas.openxmlformats.org/drawingml/2006/main" name="Office Theme">
+  <a:themeElements>
+    <a:clrScheme name="Office">
+      <a:dk1>
+        <a:sysClr val="windowText" lastClr="000000"/>
+      </a:dk1>
+      <a:lt1>
+        <a:sysClr val="window" lastClr="FFFFFF"/>
+      </a:lt1>
+      <a:dk2>
+        <a:srgbClr val="0E2841"/>
+      </a:dk2>
+      <a:lt2>
+        <a:srgbClr val="E8E8E8"/>
+      </a:lt2>
+      <a:accent1>
+        <a:srgbClr val="156082"/>
+      </a:accent1>
+      <a:accent2>
+        <a:srgbClr val="E97132"/>
+      </a:accent2>
+      <a:accent3>
+        <a:srgbClr val="196B24"/>
+      </a:accent3>
+      <a:accent4>
+        <a:srgbClr val="0F9ED5"/>
+      </a:accent4>
+      <a:accent5>
+        <a:srgbClr val="A02B93"/>
+      </a:accent5>
+      <a:accent6>
+        <a:srgbClr val="4EA72E"/>
+      </a:accent6>
+      <a:hlink>
+        <a:srgbClr val="467886"/>
+      </a:hlink>
+      <a:folHlink>
+        <a:srgbClr val="96607D"/>
+      </a:folHlink>
+    </a:clrScheme>
+    <a:fontScheme name="Office">
+      <a:majorFont>
+        <a:latin typeface="Aptos Display" panose="02110004020202020204"/>
+        <a:ea typeface=""/>
+        <a:cs typeface=""/>
+        <a:font script="Jpan" typeface="游ゴシック Light"/>
+        <a:font script="Hang" typeface="맑은 고딕"/>
+        <a:font script="Hans" typeface="等线 Light"/>
+        <a:font script="Hant" typeface="新細明體"/>
+        <a:font script="Arab" typeface="Times New Roman"/>
+        <a:font script="Hebr" typeface="Times New Roman"/>
+        <a:font script="Thai" typeface="Angsana New"/>
+        <a:font script="Ethi" typeface="Nyala"/>
+        <a:font script="Beng" typeface="Vrinda"/>
+        <a:font script="Gujr" typeface="Shruti"/>
+        <a:font script="Khmr" typeface="MoolBoran"/>
+        <a:font script="Knda" typeface="Tunga"/>
+        <a:font script="Guru" typeface="Raavi"/>
+        <a:font script="Cans" typeface="Euphemia"/>
+        <a:font script="Cher" typeface="Plantagenet Cherokee"/>
+        <a:font script="Yiii" typeface="Microsoft Yi Baiti"/>
+        <a:font script="Tibt" typeface="Microsoft Himalaya"/>
+        <a:font script="Thaa" typeface="MV Boli"/>
+        <a:font script="Deva" typeface="Mangal"/>
+        <a:font script="Telu" typeface="Gautami"/>
+        <a:font script="Taml" typeface="Latha"/>
+        <a:font script="Syrc" typeface="Estrangelo Edessa"/>
+        <a:font script="Orya" typeface="Kalinga"/>
+        <a:font script="Mlym" typeface="Kartika"/>
+        <a:font script="Laoo" typeface="DokChampa"/>
+        <a:font script="Sinh" typeface="Iskoola Pota"/>
+        <a:font script="Mong" typeface="Mongolian Baiti"/>
+        <a:font script="Viet" typeface="Times New Roman"/>
+        <a:font script="Uigh" typeface="Microsoft Uighur"/>
+        <a:font script="Geor" typeface="Sylfaen"/>
+        <a:font script="Armn" typeface="Arial"/>
+        <a:font script="Bugi" typeface="Leelawadee UI"/>
+        <a:font script="Bopo" typeface="Microsoft JhengHei"/>
+        <a:font script="Java" typeface="Javanese Text"/>
+        <a:font script="Lisu" typeface="Segoe UI"/>
+        <a:font script="Mymr" typeface="Myanmar Text"/>
+        <a:font script="Nkoo" typeface="Ebrima"/>
+        <a:font script="Olck" typeface="Nirmala UI"/>
+        <a:font script="Osma" typeface="Ebrima"/>
+        <a:font script="Phag" typeface="Phagspa"/>
+        <a:font script="Syrn" typeface="Estrangelo Edessa"/>
+        <a:font script="Syrj" typeface="Estrangelo Edessa"/>
+        <a:font script="Syre" typeface="Estrangelo Edessa"/>
+        <a:font script="Sora" typeface="Nirmala UI"/>
+        <a:font script="Tale" typeface="Microsoft Tai Le"/>
+        <a:font script="Talu" typeface="Microsoft New Tai Lue"/>
+        <a:font script="Tfng" typeface="Ebrima"/>
+      </a:majorFont>
+      <a:minorFont>
+        <a:latin typeface="Aptos" panose="02110004020202020204"/>
+        <a:ea typeface=""/>
+        <a:cs typeface=""/>
+        <a:font script="Jpan" typeface="游ゴシック"/>
+        <a:font script="Hang" typeface="맑은 고딕"/>
+        <a:font script="Hans" typeface="等线"/>
+        <a:font script="Hant" typeface="新細明體"/>
+        <a:font script="Arab" typeface="Arial"/>
+        <a:font script="Hebr" typeface="Arial"/>
+        <a:font script="Thai" typeface="Cordia New"/>
+        <a:font script="Ethi" typeface="Nyala"/>
+        <a:font script="Beng" typeface="Vrinda"/>
+        <a:font script="Gujr" typeface="Shruti"/>
+        <a:font script="Khmr" typeface="DaunPenh"/>
+        <a:font script="Knda" typeface="Tunga"/>
+        <a:font script="Guru" typeface="Raavi"/>
+        <a:font script="Cans" typeface="Euphemia"/>
+        <a:font script="Cher" typeface="Plantagenet Cherokee"/>
+        <a:font script="Yiii" typeface="Microsoft Yi Baiti"/>
+        <a:font script="Tibt" typeface="Microsoft Himalaya"/>
+        <a:font script="Thaa" typeface="MV Boli"/>
+        <a:font script="Deva" typeface="Mangal"/>
+        <a:font script="Telu" typeface="Gautami"/>
+        <a:font script="Taml" typeface="Latha"/>
+        <a:font script="Syrc" typeface="Estrangelo Edessa"/>
+        <a:font script="Orya" typeface="Kalinga"/>
+        <a:font script="Mlym" typeface="Kartika"/>
+        <a:font script="Laoo" typeface="DokChampa"/>
+        <a:font script="Sinh" typeface="Iskoola Pota"/>
+        <a:font script="Mong" typeface="Mongolian Baiti"/>
+        <a:font script="Viet" typeface="Arial"/>
+        <a:font script="Uigh" typeface="Microsoft Uighur"/>
+        <a:font script="Geor" typeface="Sylfaen"/>
+        <a:font script="Armn" typeface="Arial"/>
+        <a:font script="Bugi" typeface="Leelawadee UI"/>
+        <a:font script="Bopo" typeface="Microsoft JhengHei"/>
+        <a:font script="Java" typeface="Javanese Text"/>
+        <a:font script="Lisu" typeface="Segoe UI"/>
+        <a:font script="Mymr" typeface="Myanmar Text"/>
+        <a:font script="Nkoo" typeface="Ebrima"/>
+        <a:font script="Olck" typeface="Nirmala UI"/>
+        <a:font script="Osma" typeface="Ebrima"/>
+        <a:font script="Phag" typeface="Phagspa"/>
+        <a:font script="Syrn" typeface="Estrangelo Edessa"/>
+        <a:font script="Syrj" typeface="Estrangelo Edessa"/>
+        <a:font script="Syre" typeface="Estrangelo Edessa"/>
+        <a:font script="Sora" typeface="Nirmala UI"/>
+        <a:font script="Tale" typeface="Microsoft Tai Le"/>
+        <a:font script="Talu" typeface="Microsoft New Tai Lue"/>
+        <a:font script="Tfng" typeface="Ebrima"/>
+      </a:minorFont>
+    </a:fontScheme>
+    <a:fmtScheme name="Office">
+      <a:fillStyleLst>
+        <a:solidFill>
+          <a:schemeClr val="phClr"/>
+        </a:solidFill>
+        <a:gradFill rotWithShape="1">
+          <a:gsLst>
+            <a:gs pos="0">
+              <a:schemeClr val="phClr">
+                <a:lumMod val="110000"/>
+                <a:satMod val="105000"/>
+                <a:tint val="67000"/>
+              </a:schemeClr>
+            </a:gs>
+            <a:gs pos="50000">
+              <a:schemeClr val="phClr">
+                <a:lumMod val="105000"/>
+                <a:satMod val="103000"/>
+                <a:tint val="73000"/>
+              </a:schemeClr>
+            </a:gs>
+            <a:gs pos="100000">
+              <a:schemeClr val="phClr">
+                <a:lumMod val="105000"/>
+                <a:satMod val="109000"/>
+                <a:tint val="81000"/>
+              </a:schemeClr>
+            </a:gs>
+          </a:gsLst>
+          <a:lin ang="5400000" scaled="0"/>
+        </a:gradFill>
+        <a:gradFill rotWithShape="1">
+          <a:gsLst>
+            <a:gs pos="0">
+              <a:schemeClr val="phClr">
+                <a:satMod val="103000"/>
+                <a:lumMod val="102000"/>
+                <a:tint val="94000"/>
+              </a:schemeClr>
+            </a:gs>
+            <a:gs pos="50000">
+              <a:schemeClr val="phClr">
+                <a:satMod val="110000"/>
+                <a:lumMod val="100000"/>
+                <a:shade val="100000"/>
+              </a:schemeClr>
+            </a:gs>
+            <a:gs pos="100000">
+              <a:schemeClr val="phClr">
+                <a:lumMod val="99000"/>
+                <a:satMod val="120000"/>
+                <a:shade val="78000"/>
+              </a:schemeClr>
+            </a:gs>
+          </a:gsLst>
+          <a:lin ang="5400000" scaled="0"/>
+        </a:gradFill>
+      </a:fillStyleLst>
+      <a:lnStyleLst>
+        <a:ln w="12700" cap="flat" cmpd="sng" algn="ctr">
+          <a:solidFill>
+            <a:schemeClr val="phClr"/>
+          </a:solidFill>
+          <a:prstDash val="solid"/>
+          <a:miter lim="800000"/>
+        </a:ln>
+        <a:ln w="19050" cap="flat" cmpd="sng" algn="ctr">
+          <a:solidFill>
+            <a:schemeClr val="phClr"/>
+          </a:solidFill>
+          <a:prstDash val="solid"/>
+          <a:miter lim="800000"/>
+        </a:ln>
+        <a:ln w="25400" cap="flat" cmpd="sng" algn="ctr">
+          <a:solidFill>
+            <a:schemeClr val="phClr"/>
+          </a:solidFill>
+          <a:prstDash val="solid"/>
+          <a:miter lim="800000"/>
+        </a:ln>
+      </a:lnStyleLst>
+      <a:effectStyleLst>
+        <a:effectStyle>
+          <a:effectLst/>
+        </a:effectStyle>
+        <a:effectStyle>
+          <a:effectLst/>
+        </a:effectStyle>
+        <a:effectStyle>
+          <a:effectLst>
+            <a:outerShdw blurRad="57150" dist="19050" dir="5400000" algn="ctr" rotWithShape="0">
+              <a:srgbClr val="000000">
+                <a:alpha val="63000"/>
+              </a:srgbClr>
+            </a:outerShdw>
+          </a:effectLst>
+        </a:effectStyle>
+      </a:effectStyleLst>
+      <a:bgFillStyleLst>
+        <a:solidFill>
+          <a:schemeClr val="phClr"/>
+        </a:solidFill>
+        <a:solidFill>
+          <a:schemeClr val="phClr">
+            <a:tint val="95000"/>
+            <a:satMod val="170000"/>
+          </a:schemeClr>
+        </a:solidFill>
+        <a:gradFill rotWithShape="1">
+          <a:gsLst>
+            <a:gs pos="0">
+              <a:schemeClr val="phClr">
+                <a:tint val="93000"/>
+                <a:satMod val="150000"/>
+                <a:shade val="98000"/>
+                <a:lumMod val="102000"/>
+              </a:schemeClr>
+            </a:gs>
+            <a:gs pos="50000">
+              <a:schemeClr val="phClr">
+                <a:tint val="98000"/>
+                <a:satMod val="130000"/>
+                <a:shade val="90000"/>
+                <a:lumMod val="103000"/>
+              </a:schemeClr>
+            </a:gs>
+            <a:gs pos="100000">
+              <a:schemeClr val="phClr">
+                <a:shade val="63000"/>
+                <a:satMod val="120000"/>
+              </a:schemeClr>
+            </a:gs>
+          </a:gsLst>
+          <a:lin ang="5400000" scaled="0"/>
+        </a:gradFill>
+      </a:bgFillStyleLst>
+    </a:fmtScheme>
+  </a:themeElements>
+  <a:objectDefaults>
+    <a:lnDef>
+      <a:spPr/>
+      <a:bodyPr/>
+      <a:lstStyle/>
+      <a:style>
+        <a:lnRef idx="2">
+          <a:schemeClr val="accent1"/>
+        </a:lnRef>
+        <a:fillRef idx="0">
+          <a:schemeClr val="accent1"/>
+        </a:fillRef>
+        <a:effectRef idx="1">
+          <a:schemeClr val="accent1"/>
+        </a:effectRef>
+        <a:fontRef idx="minor">
+          <a:schemeClr val="tx1"/>
+        </a:fontRef>
+      </a:style>
+    </a:lnDef>
+  </a:objectDefaults>
+  <a:extraClrSchemeLst/>
+  <a:extLst>
+    <a:ext uri="{05A4C25C-085E-4340-85A3-A5531E510DB2}">
+      <thm15:themeFamily xmlns:thm15="http://schemas.microsoft.com/office/thememl/2012/main" name="Office Theme" id="{2E142A2C-CD16-42D6-873A-C26D2A0506FA}" vid="{1BDDFF52-6CD6-40A5-AB3C-68EB2F1E4D0A}"/>
+    </a:ext>
+  </a:extLst>
+</a:theme>
 </file>
--- a/Current Presentation/Charlie Fall Term 2024 presentation.pptx
+++ b/Current Presentation/Charlie Fall Term 2024 presentation.pptx
@@ -3908,6 +3908,18 @@
     <a:masterClrMapping/>
   </p:clrMapOvr>
   <mc:AlternateContent xmlns:mc="http://schemas.openxmlformats.org/markup-compatibility/2006">
+    <mc:Choice xmlns:p15="http://schemas.microsoft.com/office/powerpoint/2012/main" Requires="p15">
+      <p:transition xmlns:p14="http://schemas.microsoft.com/office/powerpoint/2010/main" spd="slow" p14:dur="2000">
+        <p15:prstTrans prst="fallOver"/>
+      </p:transition>
+    </mc:Choice>
+    <mc:Fallback>
+      <p:transition spd="slow">
+        <p:fade/>
+      </p:transition>
+    </mc:Fallback>
+  </mc:AlternateContent>
+  <mc:AlternateContent xmlns:mc="http://schemas.openxmlformats.org/markup-compatibility/2006">
     <mc:Choice xmlns:p14="http://schemas.microsoft.com/office/powerpoint/2010/main" Requires="p14">
       <p:timing>
         <p:tnLst>
@@ -3921,6 +3933,9 @@
                         <p:cTn id="3" fill="hold">
                           <p:stCondLst>
                             <p:cond delay="indefinite"/>
+                            <p:cond evt="onBegin" delay="0">
+                              <p:tn val="2"/>
+                            </p:cond>
                           </p:stCondLst>
                           <p:childTnLst>
                             <p:par>
@@ -3930,7 +3945,7 @@
                                 </p:stCondLst>
                                 <p:childTnLst>
                                   <p:par>
-                                    <p:cTn id="5" presetID="2" presetClass="entr" presetSubtype="1" accel="25000" fill="hold" grpId="0" nodeType="clickEffect" p14:presetBounceEnd="75000">
+                                    <p:cTn id="5" presetID="2" presetClass="entr" presetSubtype="1" accel="25000" fill="hold" grpId="0" nodeType="afterEffect" p14:presetBounceEnd="75000">
                                       <p:stCondLst>
                                         <p:cond delay="0"/>
                                       </p:stCondLst>
@@ -4502,6 +4517,9 @@
                         <p:cTn id="3" fill="hold">
                           <p:stCondLst>
                             <p:cond delay="indefinite"/>
+                            <p:cond evt="onBegin" delay="0">
+                              <p:tn val="2"/>
+                            </p:cond>
                           </p:stCondLst>
                           <p:childTnLst>
                             <p:par>
@@ -4511,7 +4529,7 @@
                                 </p:stCondLst>
                                 <p:childTnLst>
                                   <p:par>
-                                    <p:cTn id="5" presetID="2" presetClass="entr" presetSubtype="1" accel="25000" fill="hold" grpId="0" nodeType="clickEffect">
+                                    <p:cTn id="5" presetID="2" presetClass="entr" presetSubtype="1" accel="25000" fill="hold" grpId="0" nodeType="afterEffect">
                                       <p:stCondLst>
                                         <p:cond delay="0"/>
                                       </p:stCondLst>
@@ -5269,6 +5287,9 @@
                     <p:cTn id="3" fill="hold">
                       <p:stCondLst>
                         <p:cond delay="indefinite"/>
+                        <p:cond evt="onBegin" delay="0">
+                          <p:tn val="2"/>
+                        </p:cond>
                       </p:stCondLst>
                       <p:childTnLst>
                         <p:par>
@@ -5278,7 +5299,7 @@
                             </p:stCondLst>
                             <p:childTnLst>
                               <p:par>
-                                <p:cTn id="5" presetID="14" presetClass="entr" presetSubtype="10" fill="hold" grpId="0" nodeType="clickEffect">
+                                <p:cTn id="5" presetID="14" presetClass="entr" presetSubtype="10" fill="hold" grpId="0" nodeType="afterEffect">
                                   <p:stCondLst>
                                     <p:cond delay="0"/>
                                   </p:stCondLst>

--- a/Current Presentation/Charlie Fall Term 2024 presentation.pptx
+++ b/Current Presentation/Charlie Fall Term 2024 presentation.pptx
@@ -203,7 +203,7 @@
           <a:p>
             <a:fld id="{D8AB78C0-AC51-4711-A521-0C61D684AF09}" type="datetimeFigureOut">
               <a:rPr lang="en-US" smtClean="0"/>
-              <a:t>12/17/2024</a:t>
+              <a:t>12/18/2024</a:t>
             </a:fld>
             <a:endParaRPr lang="en-US"/>
           </a:p>
@@ -514,10 +514,7 @@
           <a:bodyPr/>
           <a:lstStyle/>
           <a:p>
-            <a:r>
-              <a:rPr lang="en-US" dirty="0"/>
-              <a:t>Note: act as if you are trying to fix computer, then it “fixes”. The cause of the “crash” was the fact that the title slide was at the end</a:t>
-            </a:r>
+            <a:endParaRPr lang="en-US" dirty="0"/>
           </a:p>
         </p:txBody>
       </p:sp>
@@ -704,7 +701,7 @@
           <a:p>
             <a:fld id="{0F2E0057-352E-4528-A89B-462E0D2D677A}" type="datetimeFigureOut">
               <a:rPr lang="en-US" smtClean="0"/>
-              <a:t>12/17/2024</a:t>
+              <a:t>12/18/2024</a:t>
             </a:fld>
             <a:endParaRPr lang="en-US"/>
           </a:p>
@@ -902,7 +899,7 @@
           <a:p>
             <a:fld id="{0F2E0057-352E-4528-A89B-462E0D2D677A}" type="datetimeFigureOut">
               <a:rPr lang="en-US" smtClean="0"/>
-              <a:t>12/17/2024</a:t>
+              <a:t>12/18/2024</a:t>
             </a:fld>
             <a:endParaRPr lang="en-US"/>
           </a:p>
@@ -1110,7 +1107,7 @@
           <a:p>
             <a:fld id="{0F2E0057-352E-4528-A89B-462E0D2D677A}" type="datetimeFigureOut">
               <a:rPr lang="en-US" smtClean="0"/>
-              <a:t>12/17/2024</a:t>
+              <a:t>12/18/2024</a:t>
             </a:fld>
             <a:endParaRPr lang="en-US"/>
           </a:p>
@@ -1308,7 +1305,7 @@
           <a:p>
             <a:fld id="{0F2E0057-352E-4528-A89B-462E0D2D677A}" type="datetimeFigureOut">
               <a:rPr lang="en-US" smtClean="0"/>
-              <a:t>12/17/2024</a:t>
+              <a:t>12/18/2024</a:t>
             </a:fld>
             <a:endParaRPr lang="en-US"/>
           </a:p>
@@ -1583,7 +1580,7 @@
           <a:p>
             <a:fld id="{0F2E0057-352E-4528-A89B-462E0D2D677A}" type="datetimeFigureOut">
               <a:rPr lang="en-US" smtClean="0"/>
-              <a:t>12/17/2024</a:t>
+              <a:t>12/18/2024</a:t>
             </a:fld>
             <a:endParaRPr lang="en-US"/>
           </a:p>
@@ -1848,7 +1845,7 @@
           <a:p>
             <a:fld id="{0F2E0057-352E-4528-A89B-462E0D2D677A}" type="datetimeFigureOut">
               <a:rPr lang="en-US" smtClean="0"/>
-              <a:t>12/17/2024</a:t>
+              <a:t>12/18/2024</a:t>
             </a:fld>
             <a:endParaRPr lang="en-US"/>
           </a:p>
@@ -2260,7 +2257,7 @@
           <a:p>
             <a:fld id="{0F2E0057-352E-4528-A89B-462E0D2D677A}" type="datetimeFigureOut">
               <a:rPr lang="en-US" smtClean="0"/>
-              <a:t>12/17/2024</a:t>
+              <a:t>12/18/2024</a:t>
             </a:fld>
             <a:endParaRPr lang="en-US"/>
           </a:p>
@@ -2401,7 +2398,7 @@
           <a:p>
             <a:fld id="{0F2E0057-352E-4528-A89B-462E0D2D677A}" type="datetimeFigureOut">
               <a:rPr lang="en-US" smtClean="0"/>
-              <a:t>12/17/2024</a:t>
+              <a:t>12/18/2024</a:t>
             </a:fld>
             <a:endParaRPr lang="en-US"/>
           </a:p>
@@ -2514,7 +2511,7 @@
           <a:p>
             <a:fld id="{0F2E0057-352E-4528-A89B-462E0D2D677A}" type="datetimeFigureOut">
               <a:rPr lang="en-US" smtClean="0"/>
-              <a:t>12/17/2024</a:t>
+              <a:t>12/18/2024</a:t>
             </a:fld>
             <a:endParaRPr lang="en-US"/>
           </a:p>
@@ -2825,7 +2822,7 @@
           <a:p>
             <a:fld id="{0F2E0057-352E-4528-A89B-462E0D2D677A}" type="datetimeFigureOut">
               <a:rPr lang="en-US" smtClean="0"/>
-              <a:t>12/17/2024</a:t>
+              <a:t>12/18/2024</a:t>
             </a:fld>
             <a:endParaRPr lang="en-US"/>
           </a:p>
@@ -3113,7 +3110,7 @@
           <a:p>
             <a:fld id="{0F2E0057-352E-4528-A89B-462E0D2D677A}" type="datetimeFigureOut">
               <a:rPr lang="en-US" smtClean="0"/>
-              <a:t>12/17/2024</a:t>
+              <a:t>12/18/2024</a:t>
             </a:fld>
             <a:endParaRPr lang="en-US"/>
           </a:p>
@@ -3354,7 +3351,7 @@
           <a:p>
             <a:fld id="{0F2E0057-352E-4528-A89B-462E0D2D677A}" type="datetimeFigureOut">
               <a:rPr lang="en-US" smtClean="0"/>
-              <a:t>12/17/2024</a:t>
+              <a:t>12/18/2024</a:t>
             </a:fld>
             <a:endParaRPr lang="en-US"/>
           </a:p>
@@ -3787,6 +3784,16 @@
 <file path=ppt/slides/slide2.xml><?xml version="1.0" encoding="utf-8"?>
 <p:sld xmlns:a="http://schemas.openxmlformats.org/drawingml/2006/main" xmlns:r="http://schemas.openxmlformats.org/officeDocument/2006/relationships" xmlns:p="http://schemas.openxmlformats.org/presentationml/2006/main">
   <p:cSld>
+    <p:bg>
+      <p:bgPr>
+        <a:solidFill>
+          <a:schemeClr val="accent4">
+            <a:alpha val="54000"/>
+          </a:schemeClr>
+        </a:solidFill>
+        <a:effectLst/>
+      </p:bgPr>
+    </p:bg>
     <p:spTree>
       <p:nvGrpSpPr>
         <p:cNvPr id="1" name=""/>
@@ -3909,8 +3916,8 @@
   </p:clrMapOvr>
   <mc:AlternateContent xmlns:mc="http://schemas.openxmlformats.org/markup-compatibility/2006">
     <mc:Choice xmlns:p15="http://schemas.microsoft.com/office/powerpoint/2012/main" Requires="p15">
-      <p:transition xmlns:p14="http://schemas.microsoft.com/office/powerpoint/2010/main" spd="slow" p14:dur="2000">
-        <p15:prstTrans prst="fallOver"/>
+      <p:transition xmlns:p14="http://schemas.microsoft.com/office/powerpoint/2010/main" spd="slow" p14:dur="6000">
+        <p15:prstTrans prst="curtains"/>
       </p:transition>
     </mc:Choice>
     <mc:Fallback>
@@ -3947,7 +3954,7 @@
                                   <p:par>
                                     <p:cTn id="5" presetID="2" presetClass="entr" presetSubtype="1" accel="25000" fill="hold" grpId="0" nodeType="afterEffect" p14:presetBounceEnd="75000">
                                       <p:stCondLst>
-                                        <p:cond delay="0"/>
+                                        <p:cond delay="250"/>
                                       </p:stCondLst>
                                       <p:childTnLst>
                                         <p:set>
@@ -4531,7 +4538,7 @@
                                   <p:par>
                                     <p:cTn id="5" presetID="2" presetClass="entr" presetSubtype="1" accel="25000" fill="hold" grpId="0" nodeType="afterEffect">
                                       <p:stCondLst>
-                                        <p:cond delay="0"/>
+                                        <p:cond delay="250"/>
                                       </p:stCondLst>
                                       <p:childTnLst>
                                         <p:set>
@@ -5275,6 +5282,18 @@
   <p:clrMapOvr>
     <a:masterClrMapping/>
   </p:clrMapOvr>
+  <mc:AlternateContent xmlns:mc="http://schemas.openxmlformats.org/markup-compatibility/2006">
+    <mc:Choice xmlns:p14="http://schemas.microsoft.com/office/powerpoint/2010/main" Requires="p14">
+      <p:transition spd="slow" p14:dur="1400">
+        <p14:ripple/>
+      </p:transition>
+    </mc:Choice>
+    <mc:Fallback>
+      <p:transition spd="slow">
+        <p:fade/>
+      </p:transition>
+    </mc:Fallback>
+  </mc:AlternateContent>
   <p:timing>
     <p:tnLst>
       <p:par>
@@ -5301,7 +5320,7 @@
                               <p:par>
                                 <p:cTn id="5" presetID="14" presetClass="entr" presetSubtype="10" fill="hold" grpId="0" nodeType="afterEffect">
                                   <p:stCondLst>
-                                    <p:cond delay="0"/>
+                                    <p:cond delay="500"/>
                                   </p:stCondLst>
                                   <p:childTnLst>
                                     <p:set>
@@ -5339,6 +5358,511 @@
                       </p:childTnLst>
                     </p:cTn>
                   </p:par>
+                  <p:par>
+                    <p:cTn id="8" fill="hold">
+                      <p:stCondLst>
+                        <p:cond delay="indefinite"/>
+                      </p:stCondLst>
+                      <p:childTnLst>
+                        <p:par>
+                          <p:cTn id="9" fill="hold">
+                            <p:stCondLst>
+                              <p:cond delay="0"/>
+                            </p:stCondLst>
+                            <p:childTnLst>
+                              <p:par>
+                                <p:cTn id="10" presetID="10" presetClass="entr" presetSubtype="0" fill="hold" grpId="0" nodeType="clickEffect">
+                                  <p:stCondLst>
+                                    <p:cond delay="0"/>
+                                  </p:stCondLst>
+                                  <p:childTnLst>
+                                    <p:set>
+                                      <p:cBhvr>
+                                        <p:cTn id="11" dur="1" fill="hold">
+                                          <p:stCondLst>
+                                            <p:cond delay="0"/>
+                                          </p:stCondLst>
+                                        </p:cTn>
+                                        <p:tgtEl>
+                                          <p:spTgt spid="3">
+                                            <p:txEl>
+                                              <p:pRg st="0" end="0"/>
+                                            </p:txEl>
+                                          </p:spTgt>
+                                        </p:tgtEl>
+                                        <p:attrNameLst>
+                                          <p:attrName>style.visibility</p:attrName>
+                                        </p:attrNameLst>
+                                      </p:cBhvr>
+                                      <p:to>
+                                        <p:strVal val="visible"/>
+                                      </p:to>
+                                    </p:set>
+                                    <p:animEffect transition="in" filter="fade">
+                                      <p:cBhvr>
+                                        <p:cTn id="12" dur="500"/>
+                                        <p:tgtEl>
+                                          <p:spTgt spid="3">
+                                            <p:txEl>
+                                              <p:pRg st="0" end="0"/>
+                                            </p:txEl>
+                                          </p:spTgt>
+                                        </p:tgtEl>
+                                      </p:cBhvr>
+                                    </p:animEffect>
+                                  </p:childTnLst>
+                                </p:cTn>
+                              </p:par>
+                            </p:childTnLst>
+                          </p:cTn>
+                        </p:par>
+                      </p:childTnLst>
+                    </p:cTn>
+                  </p:par>
+                  <p:par>
+                    <p:cTn id="13" fill="hold">
+                      <p:stCondLst>
+                        <p:cond delay="indefinite"/>
+                      </p:stCondLst>
+                      <p:childTnLst>
+                        <p:par>
+                          <p:cTn id="14" fill="hold">
+                            <p:stCondLst>
+                              <p:cond delay="0"/>
+                            </p:stCondLst>
+                            <p:childTnLst>
+                              <p:par>
+                                <p:cTn id="15" presetID="10" presetClass="entr" presetSubtype="0" fill="hold" grpId="0" nodeType="clickEffect">
+                                  <p:stCondLst>
+                                    <p:cond delay="0"/>
+                                  </p:stCondLst>
+                                  <p:childTnLst>
+                                    <p:set>
+                                      <p:cBhvr>
+                                        <p:cTn id="16" dur="1" fill="hold">
+                                          <p:stCondLst>
+                                            <p:cond delay="0"/>
+                                          </p:stCondLst>
+                                        </p:cTn>
+                                        <p:tgtEl>
+                                          <p:spTgt spid="4"/>
+                                        </p:tgtEl>
+                                        <p:attrNameLst>
+                                          <p:attrName>style.visibility</p:attrName>
+                                        </p:attrNameLst>
+                                      </p:cBhvr>
+                                      <p:to>
+                                        <p:strVal val="visible"/>
+                                      </p:to>
+                                    </p:set>
+                                    <p:animEffect transition="in" filter="fade">
+                                      <p:cBhvr>
+                                        <p:cTn id="17" dur="500"/>
+                                        <p:tgtEl>
+                                          <p:spTgt spid="4"/>
+                                        </p:tgtEl>
+                                      </p:cBhvr>
+                                    </p:animEffect>
+                                  </p:childTnLst>
+                                </p:cTn>
+                              </p:par>
+                            </p:childTnLst>
+                          </p:cTn>
+                        </p:par>
+                        <p:par>
+                          <p:cTn id="18" fill="hold">
+                            <p:stCondLst>
+                              <p:cond delay="500"/>
+                            </p:stCondLst>
+                            <p:childTnLst>
+                              <p:par>
+                                <p:cTn id="19" presetID="10" presetClass="entr" presetSubtype="0" fill="hold" grpId="0" nodeType="afterEffect">
+                                  <p:stCondLst>
+                                    <p:cond delay="500"/>
+                                  </p:stCondLst>
+                                  <p:childTnLst>
+                                    <p:set>
+                                      <p:cBhvr>
+                                        <p:cTn id="20" dur="1" fill="hold">
+                                          <p:stCondLst>
+                                            <p:cond delay="0"/>
+                                          </p:stCondLst>
+                                        </p:cTn>
+                                        <p:tgtEl>
+                                          <p:spTgt spid="3">
+                                            <p:txEl>
+                                              <p:pRg st="1" end="1"/>
+                                            </p:txEl>
+                                          </p:spTgt>
+                                        </p:tgtEl>
+                                        <p:attrNameLst>
+                                          <p:attrName>style.visibility</p:attrName>
+                                        </p:attrNameLst>
+                                      </p:cBhvr>
+                                      <p:to>
+                                        <p:strVal val="visible"/>
+                                      </p:to>
+                                    </p:set>
+                                    <p:animEffect transition="in" filter="fade">
+                                      <p:cBhvr>
+                                        <p:cTn id="21" dur="500"/>
+                                        <p:tgtEl>
+                                          <p:spTgt spid="3">
+                                            <p:txEl>
+                                              <p:pRg st="1" end="1"/>
+                                            </p:txEl>
+                                          </p:spTgt>
+                                        </p:tgtEl>
+                                      </p:cBhvr>
+                                    </p:animEffect>
+                                  </p:childTnLst>
+                                </p:cTn>
+                              </p:par>
+                              <p:par>
+                                <p:cTn id="22" presetID="1" presetClass="exit" presetSubtype="0" fill="hold" grpId="1" nodeType="withEffect">
+                                  <p:stCondLst>
+                                    <p:cond delay="250"/>
+                                  </p:stCondLst>
+                                  <p:childTnLst>
+                                    <p:set>
+                                      <p:cBhvr>
+                                        <p:cTn id="23" dur="1" fill="hold">
+                                          <p:stCondLst>
+                                            <p:cond delay="0"/>
+                                          </p:stCondLst>
+                                        </p:cTn>
+                                        <p:tgtEl>
+                                          <p:spTgt spid="4"/>
+                                        </p:tgtEl>
+                                        <p:attrNameLst>
+                                          <p:attrName>style.visibility</p:attrName>
+                                        </p:attrNameLst>
+                                      </p:cBhvr>
+                                      <p:to>
+                                        <p:strVal val="hidden"/>
+                                      </p:to>
+                                    </p:set>
+                                  </p:childTnLst>
+                                </p:cTn>
+                              </p:par>
+                            </p:childTnLst>
+                          </p:cTn>
+                        </p:par>
+                      </p:childTnLst>
+                    </p:cTn>
+                  </p:par>
+                  <p:par>
+                    <p:cTn id="24" fill="hold">
+                      <p:stCondLst>
+                        <p:cond delay="indefinite"/>
+                      </p:stCondLst>
+                      <p:childTnLst>
+                        <p:par>
+                          <p:cTn id="25" fill="hold">
+                            <p:stCondLst>
+                              <p:cond delay="0"/>
+                            </p:stCondLst>
+                            <p:childTnLst>
+                              <p:par>
+                                <p:cTn id="26" presetID="10" presetClass="entr" presetSubtype="0" fill="hold" grpId="0" nodeType="clickEffect">
+                                  <p:stCondLst>
+                                    <p:cond delay="0"/>
+                                  </p:stCondLst>
+                                  <p:childTnLst>
+                                    <p:set>
+                                      <p:cBhvr>
+                                        <p:cTn id="27" dur="1" fill="hold">
+                                          <p:stCondLst>
+                                            <p:cond delay="0"/>
+                                          </p:stCondLst>
+                                        </p:cTn>
+                                        <p:tgtEl>
+                                          <p:spTgt spid="3">
+                                            <p:txEl>
+                                              <p:pRg st="2" end="2"/>
+                                            </p:txEl>
+                                          </p:spTgt>
+                                        </p:tgtEl>
+                                        <p:attrNameLst>
+                                          <p:attrName>style.visibility</p:attrName>
+                                        </p:attrNameLst>
+                                      </p:cBhvr>
+                                      <p:to>
+                                        <p:strVal val="visible"/>
+                                      </p:to>
+                                    </p:set>
+                                    <p:animEffect transition="in" filter="fade">
+                                      <p:cBhvr>
+                                        <p:cTn id="28" dur="500"/>
+                                        <p:tgtEl>
+                                          <p:spTgt spid="3">
+                                            <p:txEl>
+                                              <p:pRg st="2" end="2"/>
+                                            </p:txEl>
+                                          </p:spTgt>
+                                        </p:tgtEl>
+                                      </p:cBhvr>
+                                    </p:animEffect>
+                                  </p:childTnLst>
+                                </p:cTn>
+                              </p:par>
+                            </p:childTnLst>
+                          </p:cTn>
+                        </p:par>
+                      </p:childTnLst>
+                    </p:cTn>
+                  </p:par>
+                  <p:par>
+                    <p:cTn id="29" fill="hold">
+                      <p:stCondLst>
+                        <p:cond delay="indefinite"/>
+                      </p:stCondLst>
+                      <p:childTnLst>
+                        <p:par>
+                          <p:cTn id="30" fill="hold">
+                            <p:stCondLst>
+                              <p:cond delay="0"/>
+                            </p:stCondLst>
+                            <p:childTnLst>
+                              <p:par>
+                                <p:cTn id="31" presetID="10" presetClass="entr" presetSubtype="0" fill="hold" grpId="0" nodeType="clickEffect">
+                                  <p:stCondLst>
+                                    <p:cond delay="0"/>
+                                  </p:stCondLst>
+                                  <p:childTnLst>
+                                    <p:set>
+                                      <p:cBhvr>
+                                        <p:cTn id="32" dur="1" fill="hold">
+                                          <p:stCondLst>
+                                            <p:cond delay="0"/>
+                                          </p:stCondLst>
+                                        </p:cTn>
+                                        <p:tgtEl>
+                                          <p:spTgt spid="3">
+                                            <p:txEl>
+                                              <p:pRg st="3" end="3"/>
+                                            </p:txEl>
+                                          </p:spTgt>
+                                        </p:tgtEl>
+                                        <p:attrNameLst>
+                                          <p:attrName>style.visibility</p:attrName>
+                                        </p:attrNameLst>
+                                      </p:cBhvr>
+                                      <p:to>
+                                        <p:strVal val="visible"/>
+                                      </p:to>
+                                    </p:set>
+                                    <p:animEffect transition="in" filter="fade">
+                                      <p:cBhvr>
+                                        <p:cTn id="33" dur="500"/>
+                                        <p:tgtEl>
+                                          <p:spTgt spid="3">
+                                            <p:txEl>
+                                              <p:pRg st="3" end="3"/>
+                                            </p:txEl>
+                                          </p:spTgt>
+                                        </p:tgtEl>
+                                      </p:cBhvr>
+                                    </p:animEffect>
+                                  </p:childTnLst>
+                                </p:cTn>
+                              </p:par>
+                            </p:childTnLst>
+                          </p:cTn>
+                        </p:par>
+                      </p:childTnLst>
+                    </p:cTn>
+                  </p:par>
+                  <p:par>
+                    <p:cTn id="34" fill="hold">
+                      <p:stCondLst>
+                        <p:cond delay="indefinite"/>
+                      </p:stCondLst>
+                      <p:childTnLst>
+                        <p:par>
+                          <p:cTn id="35" fill="hold">
+                            <p:stCondLst>
+                              <p:cond delay="0"/>
+                            </p:stCondLst>
+                            <p:childTnLst>
+                              <p:par>
+                                <p:cTn id="36" presetID="10" presetClass="entr" presetSubtype="0" fill="hold" grpId="0" nodeType="clickEffect">
+                                  <p:stCondLst>
+                                    <p:cond delay="0"/>
+                                  </p:stCondLst>
+                                  <p:childTnLst>
+                                    <p:set>
+                                      <p:cBhvr>
+                                        <p:cTn id="37" dur="1" fill="hold">
+                                          <p:stCondLst>
+                                            <p:cond delay="0"/>
+                                          </p:stCondLst>
+                                        </p:cTn>
+                                        <p:tgtEl>
+                                          <p:spTgt spid="3">
+                                            <p:txEl>
+                                              <p:pRg st="4" end="4"/>
+                                            </p:txEl>
+                                          </p:spTgt>
+                                        </p:tgtEl>
+                                        <p:attrNameLst>
+                                          <p:attrName>style.visibility</p:attrName>
+                                        </p:attrNameLst>
+                                      </p:cBhvr>
+                                      <p:to>
+                                        <p:strVal val="visible"/>
+                                      </p:to>
+                                    </p:set>
+                                    <p:animEffect transition="in" filter="fade">
+                                      <p:cBhvr>
+                                        <p:cTn id="38" dur="500"/>
+                                        <p:tgtEl>
+                                          <p:spTgt spid="3">
+                                            <p:txEl>
+                                              <p:pRg st="4" end="4"/>
+                                            </p:txEl>
+                                          </p:spTgt>
+                                        </p:tgtEl>
+                                      </p:cBhvr>
+                                    </p:animEffect>
+                                  </p:childTnLst>
+                                </p:cTn>
+                              </p:par>
+                              <p:par>
+                                <p:cTn id="39" presetID="10" presetClass="entr" presetSubtype="0" fill="hold" grpId="0" nodeType="withEffect">
+                                  <p:stCondLst>
+                                    <p:cond delay="0"/>
+                                  </p:stCondLst>
+                                  <p:childTnLst>
+                                    <p:set>
+                                      <p:cBhvr>
+                                        <p:cTn id="40" dur="1" fill="hold">
+                                          <p:stCondLst>
+                                            <p:cond delay="0"/>
+                                          </p:stCondLst>
+                                        </p:cTn>
+                                        <p:tgtEl>
+                                          <p:spTgt spid="3">
+                                            <p:txEl>
+                                              <p:pRg st="5" end="5"/>
+                                            </p:txEl>
+                                          </p:spTgt>
+                                        </p:tgtEl>
+                                        <p:attrNameLst>
+                                          <p:attrName>style.visibility</p:attrName>
+                                        </p:attrNameLst>
+                                      </p:cBhvr>
+                                      <p:to>
+                                        <p:strVal val="visible"/>
+                                      </p:to>
+                                    </p:set>
+                                    <p:animEffect transition="in" filter="fade">
+                                      <p:cBhvr>
+                                        <p:cTn id="41" dur="500"/>
+                                        <p:tgtEl>
+                                          <p:spTgt spid="3">
+                                            <p:txEl>
+                                              <p:pRg st="5" end="5"/>
+                                            </p:txEl>
+                                          </p:spTgt>
+                                        </p:tgtEl>
+                                      </p:cBhvr>
+                                    </p:animEffect>
+                                  </p:childTnLst>
+                                </p:cTn>
+                              </p:par>
+                              <p:par>
+                                <p:cTn id="42" presetID="10" presetClass="entr" presetSubtype="0" fill="hold" grpId="0" nodeType="withEffect">
+                                  <p:stCondLst>
+                                    <p:cond delay="0"/>
+                                  </p:stCondLst>
+                                  <p:childTnLst>
+                                    <p:set>
+                                      <p:cBhvr>
+                                        <p:cTn id="43" dur="1" fill="hold">
+                                          <p:stCondLst>
+                                            <p:cond delay="0"/>
+                                          </p:stCondLst>
+                                        </p:cTn>
+                                        <p:tgtEl>
+                                          <p:spTgt spid="3">
+                                            <p:txEl>
+                                              <p:pRg st="6" end="6"/>
+                                            </p:txEl>
+                                          </p:spTgt>
+                                        </p:tgtEl>
+                                        <p:attrNameLst>
+                                          <p:attrName>style.visibility</p:attrName>
+                                        </p:attrNameLst>
+                                      </p:cBhvr>
+                                      <p:to>
+                                        <p:strVal val="visible"/>
+                                      </p:to>
+                                    </p:set>
+                                    <p:animEffect transition="in" filter="fade">
+                                      <p:cBhvr>
+                                        <p:cTn id="44" dur="500"/>
+                                        <p:tgtEl>
+                                          <p:spTgt spid="3">
+                                            <p:txEl>
+                                              <p:pRg st="6" end="6"/>
+                                            </p:txEl>
+                                          </p:spTgt>
+                                        </p:tgtEl>
+                                      </p:cBhvr>
+                                    </p:animEffect>
+                                  </p:childTnLst>
+                                </p:cTn>
+                              </p:par>
+                              <p:par>
+                                <p:cTn id="45" presetID="10" presetClass="entr" presetSubtype="0" fill="hold" grpId="0" nodeType="withEffect">
+                                  <p:stCondLst>
+                                    <p:cond delay="0"/>
+                                  </p:stCondLst>
+                                  <p:childTnLst>
+                                    <p:set>
+                                      <p:cBhvr>
+                                        <p:cTn id="46" dur="1" fill="hold">
+                                          <p:stCondLst>
+                                            <p:cond delay="0"/>
+                                          </p:stCondLst>
+                                        </p:cTn>
+                                        <p:tgtEl>
+                                          <p:spTgt spid="3">
+                                            <p:txEl>
+                                              <p:pRg st="7" end="7"/>
+                                            </p:txEl>
+                                          </p:spTgt>
+                                        </p:tgtEl>
+                                        <p:attrNameLst>
+                                          <p:attrName>style.visibility</p:attrName>
+                                        </p:attrNameLst>
+                                      </p:cBhvr>
+                                      <p:to>
+                                        <p:strVal val="visible"/>
+                                      </p:to>
+                                    </p:set>
+                                    <p:animEffect transition="in" filter="fade">
+                                      <p:cBhvr>
+                                        <p:cTn id="47" dur="500"/>
+                                        <p:tgtEl>
+                                          <p:spTgt spid="3">
+                                            <p:txEl>
+                                              <p:pRg st="7" end="7"/>
+                                            </p:txEl>
+                                          </p:spTgt>
+                                        </p:tgtEl>
+                                      </p:cBhvr>
+                                    </p:animEffect>
+                                  </p:childTnLst>
+                                </p:cTn>
+                              </p:par>
+                            </p:childTnLst>
+                          </p:cTn>
+                        </p:par>
+                      </p:childTnLst>
+                    </p:cTn>
+                  </p:par>
                 </p:childTnLst>
               </p:cTn>
               <p:prevCondLst>
@@ -5362,6 +5886,9 @@
     </p:tnLst>
     <p:bldLst>
       <p:bldP spid="2" grpId="0"/>
+      <p:bldP spid="3" grpId="0" uiExpand="1" build="p" bldLvl="2"/>
+      <p:bldP spid="4" grpId="0"/>
+      <p:bldP spid="4" grpId="1"/>
     </p:bldLst>
   </p:timing>
 </p:sld>
@@ -5370,6 +5897,16 @@
 <file path=ppt/slides/slide4.xml><?xml version="1.0" encoding="utf-8"?>
 <p:sld xmlns:a="http://schemas.openxmlformats.org/drawingml/2006/main" xmlns:r="http://schemas.openxmlformats.org/officeDocument/2006/relationships" xmlns:p="http://schemas.openxmlformats.org/presentationml/2006/main">
   <p:cSld>
+    <p:bg>
+      <p:bgPr>
+        <a:solidFill>
+          <a:schemeClr val="bg2">
+            <a:lumMod val="90000"/>
+          </a:schemeClr>
+        </a:solidFill>
+        <a:effectLst/>
+      </p:bgPr>
+    </p:bg>
     <p:spTree>
       <p:nvGrpSpPr>
         <p:cNvPr id="1" name=""/>
@@ -5451,7 +5988,7 @@
             </a:r>
             <a:r>
               <a:rPr lang="en-US" dirty="0"/>
-              <a:t> that made it fun. An example?</a:t>
+              <a:t> that made it fun. And, I have an example! Wanna See?</a:t>
             </a:r>
           </a:p>
           <a:p>
@@ -5488,12 +6025,327 @@
   <p:clrMapOvr>
     <a:masterClrMapping/>
   </p:clrMapOvr>
+  <p:transition spd="slow">
+    <p:push dir="u"/>
+  </p:transition>
+  <p:timing>
+    <p:tnLst>
+      <p:par>
+        <p:cTn id="1" dur="indefinite" restart="never" nodeType="tmRoot">
+          <p:childTnLst>
+            <p:seq concurrent="1" nextAc="seek">
+              <p:cTn id="2" dur="indefinite" nodeType="mainSeq">
+                <p:childTnLst>
+                  <p:par>
+                    <p:cTn id="3" fill="hold">
+                      <p:stCondLst>
+                        <p:cond delay="indefinite"/>
+                        <p:cond evt="onBegin" delay="0">
+                          <p:tn val="2"/>
+                        </p:cond>
+                      </p:stCondLst>
+                      <p:childTnLst>
+                        <p:par>
+                          <p:cTn id="4" fill="hold">
+                            <p:stCondLst>
+                              <p:cond delay="0"/>
+                            </p:stCondLst>
+                            <p:childTnLst>
+                              <p:par>
+                                <p:cTn id="5" presetID="21" presetClass="entr" presetSubtype="1" fill="hold" grpId="0" nodeType="afterEffect">
+                                  <p:stCondLst>
+                                    <p:cond delay="0"/>
+                                  </p:stCondLst>
+                                  <p:childTnLst>
+                                    <p:set>
+                                      <p:cBhvr>
+                                        <p:cTn id="6" dur="1" fill="hold">
+                                          <p:stCondLst>
+                                            <p:cond delay="0"/>
+                                          </p:stCondLst>
+                                        </p:cTn>
+                                        <p:tgtEl>
+                                          <p:spTgt spid="2"/>
+                                        </p:tgtEl>
+                                        <p:attrNameLst>
+                                          <p:attrName>style.visibility</p:attrName>
+                                        </p:attrNameLst>
+                                      </p:cBhvr>
+                                      <p:to>
+                                        <p:strVal val="visible"/>
+                                      </p:to>
+                                    </p:set>
+                                    <p:animEffect transition="in" filter="wheel(1)">
+                                      <p:cBhvr>
+                                        <p:cTn id="7" dur="2000"/>
+                                        <p:tgtEl>
+                                          <p:spTgt spid="2"/>
+                                        </p:tgtEl>
+                                      </p:cBhvr>
+                                    </p:animEffect>
+                                  </p:childTnLst>
+                                </p:cTn>
+                              </p:par>
+                            </p:childTnLst>
+                          </p:cTn>
+                        </p:par>
+                      </p:childTnLst>
+                    </p:cTn>
+                  </p:par>
+                  <p:par>
+                    <p:cTn id="8" fill="hold">
+                      <p:stCondLst>
+                        <p:cond delay="indefinite"/>
+                      </p:stCondLst>
+                      <p:childTnLst>
+                        <p:par>
+                          <p:cTn id="9" fill="hold">
+                            <p:stCondLst>
+                              <p:cond delay="0"/>
+                            </p:stCondLst>
+                            <p:childTnLst>
+                              <p:par>
+                                <p:cTn id="10" presetID="21" presetClass="entr" presetSubtype="1" fill="hold" grpId="0" nodeType="clickEffect">
+                                  <p:stCondLst>
+                                    <p:cond delay="0"/>
+                                  </p:stCondLst>
+                                  <p:childTnLst>
+                                    <p:set>
+                                      <p:cBhvr>
+                                        <p:cTn id="11" dur="1" fill="hold">
+                                          <p:stCondLst>
+                                            <p:cond delay="0"/>
+                                          </p:stCondLst>
+                                        </p:cTn>
+                                        <p:tgtEl>
+                                          <p:spTgt spid="3">
+                                            <p:txEl>
+                                              <p:pRg st="0" end="0"/>
+                                            </p:txEl>
+                                          </p:spTgt>
+                                        </p:tgtEl>
+                                        <p:attrNameLst>
+                                          <p:attrName>style.visibility</p:attrName>
+                                        </p:attrNameLst>
+                                      </p:cBhvr>
+                                      <p:to>
+                                        <p:strVal val="visible"/>
+                                      </p:to>
+                                    </p:set>
+                                    <p:animEffect transition="in" filter="wheel(1)">
+                                      <p:cBhvr>
+                                        <p:cTn id="12" dur="2000"/>
+                                        <p:tgtEl>
+                                          <p:spTgt spid="3">
+                                            <p:txEl>
+                                              <p:pRg st="0" end="0"/>
+                                            </p:txEl>
+                                          </p:spTgt>
+                                        </p:tgtEl>
+                                      </p:cBhvr>
+                                    </p:animEffect>
+                                  </p:childTnLst>
+                                </p:cTn>
+                              </p:par>
+                            </p:childTnLst>
+                          </p:cTn>
+                        </p:par>
+                      </p:childTnLst>
+                    </p:cTn>
+                  </p:par>
+                  <p:par>
+                    <p:cTn id="13" fill="hold">
+                      <p:stCondLst>
+                        <p:cond delay="indefinite"/>
+                      </p:stCondLst>
+                      <p:childTnLst>
+                        <p:par>
+                          <p:cTn id="14" fill="hold">
+                            <p:stCondLst>
+                              <p:cond delay="0"/>
+                            </p:stCondLst>
+                            <p:childTnLst>
+                              <p:par>
+                                <p:cTn id="15" presetID="21" presetClass="entr" presetSubtype="1" fill="hold" grpId="0" nodeType="clickEffect">
+                                  <p:stCondLst>
+                                    <p:cond delay="0"/>
+                                  </p:stCondLst>
+                                  <p:childTnLst>
+                                    <p:set>
+                                      <p:cBhvr>
+                                        <p:cTn id="16" dur="1" fill="hold">
+                                          <p:stCondLst>
+                                            <p:cond delay="0"/>
+                                          </p:stCondLst>
+                                        </p:cTn>
+                                        <p:tgtEl>
+                                          <p:spTgt spid="3">
+                                            <p:txEl>
+                                              <p:pRg st="1" end="1"/>
+                                            </p:txEl>
+                                          </p:spTgt>
+                                        </p:tgtEl>
+                                        <p:attrNameLst>
+                                          <p:attrName>style.visibility</p:attrName>
+                                        </p:attrNameLst>
+                                      </p:cBhvr>
+                                      <p:to>
+                                        <p:strVal val="visible"/>
+                                      </p:to>
+                                    </p:set>
+                                    <p:animEffect transition="in" filter="wheel(1)">
+                                      <p:cBhvr>
+                                        <p:cTn id="17" dur="2000"/>
+                                        <p:tgtEl>
+                                          <p:spTgt spid="3">
+                                            <p:txEl>
+                                              <p:pRg st="1" end="1"/>
+                                            </p:txEl>
+                                          </p:spTgt>
+                                        </p:tgtEl>
+                                      </p:cBhvr>
+                                    </p:animEffect>
+                                  </p:childTnLst>
+                                </p:cTn>
+                              </p:par>
+                              <p:par>
+                                <p:cTn id="18" presetID="21" presetClass="entr" presetSubtype="1" fill="hold" grpId="0" nodeType="withEffect">
+                                  <p:stCondLst>
+                                    <p:cond delay="500"/>
+                                  </p:stCondLst>
+                                  <p:iterate type="wd">
+                                    <p:tmPct val="0"/>
+                                  </p:iterate>
+                                  <p:childTnLst>
+                                    <p:set>
+                                      <p:cBhvr>
+                                        <p:cTn id="19" dur="1" fill="hold">
+                                          <p:stCondLst>
+                                            <p:cond delay="0"/>
+                                          </p:stCondLst>
+                                        </p:cTn>
+                                        <p:tgtEl>
+                                          <p:spTgt spid="3">
+                                            <p:txEl>
+                                              <p:pRg st="2" end="2"/>
+                                            </p:txEl>
+                                          </p:spTgt>
+                                        </p:tgtEl>
+                                        <p:attrNameLst>
+                                          <p:attrName>style.visibility</p:attrName>
+                                        </p:attrNameLst>
+                                      </p:cBhvr>
+                                      <p:to>
+                                        <p:strVal val="visible"/>
+                                      </p:to>
+                                    </p:set>
+                                    <p:animEffect transition="in" filter="wheel(1)">
+                                      <p:cBhvr>
+                                        <p:cTn id="20" dur="2000"/>
+                                        <p:tgtEl>
+                                          <p:spTgt spid="3">
+                                            <p:txEl>
+                                              <p:pRg st="2" end="2"/>
+                                            </p:txEl>
+                                          </p:spTgt>
+                                        </p:tgtEl>
+                                      </p:cBhvr>
+                                    </p:animEffect>
+                                  </p:childTnLst>
+                                </p:cTn>
+                              </p:par>
+                              <p:par>
+                                <p:cTn id="21" presetID="21" presetClass="entr" presetSubtype="1" fill="hold" grpId="0" nodeType="withEffect">
+                                  <p:stCondLst>
+                                    <p:cond delay="1000"/>
+                                  </p:stCondLst>
+                                  <p:iterate type="wd">
+                                    <p:tmPct val="0"/>
+                                  </p:iterate>
+                                  <p:childTnLst>
+                                    <p:set>
+                                      <p:cBhvr>
+                                        <p:cTn id="22" dur="1" fill="hold">
+                                          <p:stCondLst>
+                                            <p:cond delay="0"/>
+                                          </p:stCondLst>
+                                        </p:cTn>
+                                        <p:tgtEl>
+                                          <p:spTgt spid="3">
+                                            <p:txEl>
+                                              <p:pRg st="3" end="3"/>
+                                            </p:txEl>
+                                          </p:spTgt>
+                                        </p:tgtEl>
+                                        <p:attrNameLst>
+                                          <p:attrName>style.visibility</p:attrName>
+                                        </p:attrNameLst>
+                                      </p:cBhvr>
+                                      <p:to>
+                                        <p:strVal val="visible"/>
+                                      </p:to>
+                                    </p:set>
+                                    <p:animEffect transition="in" filter="wheel(1)">
+                                      <p:cBhvr>
+                                        <p:cTn id="23" dur="2000"/>
+                                        <p:tgtEl>
+                                          <p:spTgt spid="3">
+                                            <p:txEl>
+                                              <p:pRg st="3" end="3"/>
+                                            </p:txEl>
+                                          </p:spTgt>
+                                        </p:tgtEl>
+                                      </p:cBhvr>
+                                    </p:animEffect>
+                                  </p:childTnLst>
+                                </p:cTn>
+                              </p:par>
+                            </p:childTnLst>
+                          </p:cTn>
+                        </p:par>
+                      </p:childTnLst>
+                    </p:cTn>
+                  </p:par>
+                </p:childTnLst>
+              </p:cTn>
+              <p:prevCondLst>
+                <p:cond evt="onPrev" delay="0">
+                  <p:tgtEl>
+                    <p:sldTgt/>
+                  </p:tgtEl>
+                </p:cond>
+              </p:prevCondLst>
+              <p:nextCondLst>
+                <p:cond evt="onNext" delay="0">
+                  <p:tgtEl>
+                    <p:sldTgt/>
+                  </p:tgtEl>
+                </p:cond>
+              </p:nextCondLst>
+            </p:seq>
+          </p:childTnLst>
+        </p:cTn>
+      </p:par>
+    </p:tnLst>
+    <p:bldLst>
+      <p:bldP spid="2" grpId="0"/>
+      <p:bldP spid="3" grpId="0" uiExpand="1" build="p" bldLvl="2"/>
+    </p:bldLst>
+  </p:timing>
 </p:sld>
 </file>
 
 <file path=ppt/slides/slide5.xml><?xml version="1.0" encoding="utf-8"?>
 <p:sld xmlns:a="http://schemas.openxmlformats.org/drawingml/2006/main" xmlns:r="http://schemas.openxmlformats.org/officeDocument/2006/relationships" xmlns:p="http://schemas.openxmlformats.org/presentationml/2006/main">
   <p:cSld>
+    <p:bg>
+      <p:bgPr>
+        <a:solidFill>
+          <a:schemeClr val="bg1"/>
+        </a:solidFill>
+        <a:effectLst/>
+      </p:bgPr>
+    </p:bg>
     <p:spTree>
       <p:nvGrpSpPr>
         <p:cNvPr id="1" name=""/>
@@ -5594,6 +6446,18 @@
   <p:clrMapOvr>
     <a:masterClrMapping/>
   </p:clrMapOvr>
+  <mc:AlternateContent xmlns:mc="http://schemas.openxmlformats.org/markup-compatibility/2006">
+    <mc:Choice xmlns:p14="http://schemas.microsoft.com/office/powerpoint/2010/main" Requires="p14">
+      <p:transition spd="slow" p14:dur="1500">
+        <p:split orient="vert"/>
+      </p:transition>
+    </mc:Choice>
+    <mc:Fallback>
+      <p:transition spd="slow">
+        <p:split orient="vert"/>
+      </p:transition>
+    </mc:Fallback>
+  </mc:AlternateContent>
 </p:sld>
 </file>
 
@@ -6511,6 +7375,9 @@
                     <p:cTn id="3" fill="hold">
                       <p:stCondLst>
                         <p:cond delay="indefinite"/>
+                        <p:cond evt="onBegin" delay="0">
+                          <p:tn val="2"/>
+                        </p:cond>
                       </p:stCondLst>
                       <p:childTnLst>
                         <p:par>
@@ -6520,7 +7387,7 @@
                             </p:stCondLst>
                             <p:childTnLst>
                               <p:par>
-                                <p:cTn id="5" presetID="1" presetClass="entr" presetSubtype="0" fill="hold" grpId="0" nodeType="clickEffect">
+                                <p:cTn id="5" presetID="1" presetClass="entr" presetSubtype="0" fill="hold" grpId="0" nodeType="afterEffect">
                                   <p:stCondLst>
                                     <p:cond delay="0"/>
                                   </p:stCondLst>

--- a/Current Presentation/Charlie Fall Term 2024 presentation.pptx
+++ b/Current Presentation/Charlie Fall Term 2024 presentation.pptx
@@ -6558,8 +6558,8 @@
         </p:blipFill>
         <p:spPr>
           <a:xfrm>
-            <a:off x="3986784" y="2395728"/>
-            <a:ext cx="3584448" cy="2473086"/>
+            <a:off x="2707539" y="1513114"/>
+            <a:ext cx="6142938" cy="4238314"/>
           </a:xfrm>
           <a:prstGeom prst="rect">
             <a:avLst/>

--- a/Current Presentation/Charlie Fall Term 2024 presentation.pptx
+++ b/Current Presentation/Charlie Fall Term 2024 presentation.pptx
@@ -5203,15 +5203,7 @@
             <a:pPr lvl="1"/>
             <a:r>
               <a:rPr lang="en-US" dirty="0"/>
-              <a:t>And find out that apparently mine was one of the most simplified ones without utilizing more complex </a:t>
-            </a:r>
-            <a:r>
-              <a:rPr lang="en-US" dirty="0" err="1"/>
-              <a:t>behaviours</a:t>
-            </a:r>
-            <a:r>
-              <a:rPr lang="en-US" dirty="0"/>
-              <a:t>. Best part though?</a:t>
+              <a:t>And designed a very effective and efficient one. Best part though?</a:t>
             </a:r>
           </a:p>
           <a:p>
@@ -5284,8 +5276,8 @@
   </p:clrMapOvr>
   <mc:AlternateContent xmlns:mc="http://schemas.openxmlformats.org/markup-compatibility/2006">
     <mc:Choice xmlns:p14="http://schemas.microsoft.com/office/powerpoint/2010/main" Requires="p14">
-      <p:transition spd="slow" p14:dur="1400">
-        <p14:ripple/>
+      <p:transition spd="slow" p14:dur="4000">
+        <p14:vortex dir="r"/>
       </p:transition>
     </mc:Choice>
     <mc:Fallback>
@@ -5306,9 +5298,6 @@
                     <p:cTn id="3" fill="hold">
                       <p:stCondLst>
                         <p:cond delay="indefinite"/>
-                        <p:cond evt="onBegin" delay="0">
-                          <p:tn val="2"/>
-                        </p:cond>
                       </p:stCondLst>
                       <p:childTnLst>
                         <p:par>
@@ -5318,10 +5307,13 @@
                             </p:stCondLst>
                             <p:childTnLst>
                               <p:par>
-                                <p:cTn id="5" presetID="14" presetClass="entr" presetSubtype="10" fill="hold" grpId="0" nodeType="afterEffect">
+                                <p:cTn id="5" presetID="31" presetClass="entr" presetSubtype="0" fill="hold" grpId="0" nodeType="clickEffect">
                                   <p:stCondLst>
-                                    <p:cond delay="500"/>
+                                    <p:cond delay="0"/>
                                   </p:stCondLst>
+                                  <p:iterate type="wd">
+                                    <p:tmPct val="1250"/>
+                                  </p:iterate>
                                   <p:childTnLst>
                                     <p:set>
                                       <p:cBhvr>
@@ -5341,9 +5333,78 @@
                                         <p:strVal val="visible"/>
                                       </p:to>
                                     </p:set>
-                                    <p:animEffect transition="in" filter="randombar(horizontal)">
+                                    <p:anim calcmode="lin" valueType="num">
                                       <p:cBhvr>
-                                        <p:cTn id="7" dur="500"/>
+                                        <p:cTn id="7" dur="1000" fill="hold"/>
+                                        <p:tgtEl>
+                                          <p:spTgt spid="2"/>
+                                        </p:tgtEl>
+                                        <p:attrNameLst>
+                                          <p:attrName>ppt_w</p:attrName>
+                                        </p:attrNameLst>
+                                      </p:cBhvr>
+                                      <p:tavLst>
+                                        <p:tav tm="0">
+                                          <p:val>
+                                            <p:fltVal val="0"/>
+                                          </p:val>
+                                        </p:tav>
+                                        <p:tav tm="100000">
+                                          <p:val>
+                                            <p:strVal val="#ppt_w"/>
+                                          </p:val>
+                                        </p:tav>
+                                      </p:tavLst>
+                                    </p:anim>
+                                    <p:anim calcmode="lin" valueType="num">
+                                      <p:cBhvr>
+                                        <p:cTn id="8" dur="1000" fill="hold"/>
+                                        <p:tgtEl>
+                                          <p:spTgt spid="2"/>
+                                        </p:tgtEl>
+                                        <p:attrNameLst>
+                                          <p:attrName>ppt_h</p:attrName>
+                                        </p:attrNameLst>
+                                      </p:cBhvr>
+                                      <p:tavLst>
+                                        <p:tav tm="0">
+                                          <p:val>
+                                            <p:fltVal val="0"/>
+                                          </p:val>
+                                        </p:tav>
+                                        <p:tav tm="100000">
+                                          <p:val>
+                                            <p:strVal val="#ppt_h"/>
+                                          </p:val>
+                                        </p:tav>
+                                      </p:tavLst>
+                                    </p:anim>
+                                    <p:anim calcmode="lin" valueType="num">
+                                      <p:cBhvr>
+                                        <p:cTn id="9" dur="1000" fill="hold"/>
+                                        <p:tgtEl>
+                                          <p:spTgt spid="2"/>
+                                        </p:tgtEl>
+                                        <p:attrNameLst>
+                                          <p:attrName>style.rotation</p:attrName>
+                                        </p:attrNameLst>
+                                      </p:cBhvr>
+                                      <p:tavLst>
+                                        <p:tav tm="0">
+                                          <p:val>
+                                            <p:fltVal val="90"/>
+                                          </p:val>
+                                        </p:tav>
+                                        <p:tav tm="100000">
+                                          <p:val>
+                                            <p:fltVal val="0"/>
+                                          </p:val>
+                                        </p:tav>
+                                      </p:tavLst>
+                                    </p:anim>
+                                    <p:animEffect transition="in" filter="fade">
+                                      <p:cBhvr>
+                                        <p:cTn id="10" dur="1000"/>
                                         <p:tgtEl>
                                           <p:spTgt spid="2"/>
                                         </p:tgtEl>
@@ -5359,26 +5420,29 @@
                     </p:cTn>
                   </p:par>
                   <p:par>
-                    <p:cTn id="8" fill="hold">
+                    <p:cTn id="11" fill="hold">
                       <p:stCondLst>
                         <p:cond delay="indefinite"/>
                       </p:stCondLst>
                       <p:childTnLst>
                         <p:par>
-                          <p:cTn id="9" fill="hold">
+                          <p:cTn id="12" fill="hold">
                             <p:stCondLst>
                               <p:cond delay="0"/>
                             </p:stCondLst>
                             <p:childTnLst>
                               <p:par>
-                                <p:cTn id="10" presetID="10" presetClass="entr" presetSubtype="0" fill="hold" grpId="0" nodeType="clickEffect">
+                                <p:cTn id="13" presetID="1" presetClass="entr" presetSubtype="0" fill="hold" grpId="0" nodeType="clickEffect">
                                   <p:stCondLst>
                                     <p:cond delay="0"/>
                                   </p:stCondLst>
+                                  <p:iterate type="lt">
+                                    <p:tmAbs val="100"/>
+                                  </p:iterate>
                                   <p:childTnLst>
                                     <p:set>
                                       <p:cBhvr>
-                                        <p:cTn id="11" dur="1" fill="hold">
+                                        <p:cTn id="14" dur="1" fill="hold">
                                           <p:stCondLst>
                                             <p:cond delay="0"/>
                                           </p:stCondLst>
@@ -5398,48 +5462,27 @@
                                         <p:strVal val="visible"/>
                                       </p:to>
                                     </p:set>
-                                    <p:animEffect transition="in" filter="fade">
-                                      <p:cBhvr>
-                                        <p:cTn id="12" dur="500"/>
-                                        <p:tgtEl>
-                                          <p:spTgt spid="3">
-                                            <p:txEl>
-                                              <p:pRg st="0" end="0"/>
-                                            </p:txEl>
-                                          </p:spTgt>
-                                        </p:tgtEl>
-                                      </p:cBhvr>
-                                    </p:animEffect>
                                   </p:childTnLst>
                                 </p:cTn>
                               </p:par>
                             </p:childTnLst>
                           </p:cTn>
                         </p:par>
-                      </p:childTnLst>
-                    </p:cTn>
-                  </p:par>
-                  <p:par>
-                    <p:cTn id="13" fill="hold">
-                      <p:stCondLst>
-                        <p:cond delay="indefinite"/>
-                      </p:stCondLst>
-                      <p:childTnLst>
                         <p:par>
-                          <p:cTn id="14" fill="hold">
+                          <p:cTn id="15" fill="hold">
                             <p:stCondLst>
-                              <p:cond delay="0"/>
+                              <p:cond delay="8401"/>
                             </p:stCondLst>
                             <p:childTnLst>
                               <p:par>
-                                <p:cTn id="15" presetID="10" presetClass="entr" presetSubtype="0" fill="hold" grpId="0" nodeType="clickEffect">
+                                <p:cTn id="16" presetID="1" presetClass="entr" presetSubtype="0" fill="hold" grpId="0" nodeType="afterEffect">
                                   <p:stCondLst>
-                                    <p:cond delay="0"/>
+                                    <p:cond delay="100"/>
                                   </p:stCondLst>
                                   <p:childTnLst>
                                     <p:set>
                                       <p:cBhvr>
-                                        <p:cTn id="16" dur="1" fill="hold">
+                                        <p:cTn id="17" dur="1" fill="hold">
                                           <p:stCondLst>
                                             <p:cond delay="0"/>
                                           </p:stCondLst>
@@ -5455,35 +5498,36 @@
                                         <p:strVal val="visible"/>
                                       </p:to>
                                     </p:set>
-                                    <p:animEffect transition="in" filter="fade">
-                                      <p:cBhvr>
-                                        <p:cTn id="17" dur="500"/>
-                                        <p:tgtEl>
-                                          <p:spTgt spid="4"/>
-                                        </p:tgtEl>
-                                      </p:cBhvr>
-                                    </p:animEffect>
                                   </p:childTnLst>
                                 </p:cTn>
                               </p:par>
                             </p:childTnLst>
                           </p:cTn>
                         </p:par>
+                      </p:childTnLst>
+                    </p:cTn>
+                  </p:par>
+                  <p:par>
+                    <p:cTn id="18" fill="hold">
+                      <p:stCondLst>
+                        <p:cond delay="indefinite"/>
+                      </p:stCondLst>
+                      <p:childTnLst>
                         <p:par>
-                          <p:cTn id="18" fill="hold">
+                          <p:cTn id="19" fill="hold">
                             <p:stCondLst>
-                              <p:cond delay="500"/>
+                              <p:cond delay="0"/>
                             </p:stCondLst>
                             <p:childTnLst>
                               <p:par>
-                                <p:cTn id="19" presetID="10" presetClass="entr" presetSubtype="0" fill="hold" grpId="0" nodeType="afterEffect">
+                                <p:cTn id="20" presetID="1" presetClass="entr" presetSubtype="0" fill="hold" grpId="0" nodeType="clickEffect">
                                   <p:stCondLst>
-                                    <p:cond delay="500"/>
+                                    <p:cond delay="0"/>
                                   </p:stCondLst>
                                   <p:childTnLst>
                                     <p:set>
                                       <p:cBhvr>
-                                        <p:cTn id="20" dur="1" fill="hold">
+                                        <p:cTn id="21" dur="1" fill="hold">
                                           <p:stCondLst>
                                             <p:cond delay="0"/>
                                           </p:stCondLst>
@@ -5503,30 +5547,27 @@
                                         <p:strVal val="visible"/>
                                       </p:to>
                                     </p:set>
-                                    <p:animEffect transition="in" filter="fade">
-                                      <p:cBhvr>
-                                        <p:cTn id="21" dur="500"/>
-                                        <p:tgtEl>
-                                          <p:spTgt spid="3">
-                                            <p:txEl>
-                                              <p:pRg st="1" end="1"/>
-                                            </p:txEl>
-                                          </p:spTgt>
-                                        </p:tgtEl>
-                                      </p:cBhvr>
-                                    </p:animEffect>
                                   </p:childTnLst>
                                 </p:cTn>
                               </p:par>
+                            </p:childTnLst>
+                          </p:cTn>
+                        </p:par>
+                        <p:par>
+                          <p:cTn id="22" fill="hold">
+                            <p:stCondLst>
+                              <p:cond delay="0"/>
+                            </p:stCondLst>
+                            <p:childTnLst>
                               <p:par>
-                                <p:cTn id="22" presetID="1" presetClass="exit" presetSubtype="0" fill="hold" grpId="1" nodeType="withEffect">
+                                <p:cTn id="23" presetID="1" presetClass="exit" presetSubtype="0" fill="hold" grpId="1" nodeType="afterEffect">
                                   <p:stCondLst>
-                                    <p:cond delay="250"/>
+                                    <p:cond delay="400"/>
                                   </p:stCondLst>
                                   <p:childTnLst>
                                     <p:set>
                                       <p:cBhvr>
-                                        <p:cTn id="23" dur="1" fill="hold">
+                                        <p:cTn id="24" dur="1" fill="hold">
                                           <p:stCondLst>
                                             <p:cond delay="0"/>
                                           </p:stCondLst>
@@ -5552,26 +5593,26 @@
                     </p:cTn>
                   </p:par>
                   <p:par>
-                    <p:cTn id="24" fill="hold">
+                    <p:cTn id="25" fill="hold">
                       <p:stCondLst>
                         <p:cond delay="indefinite"/>
                       </p:stCondLst>
                       <p:childTnLst>
                         <p:par>
-                          <p:cTn id="25" fill="hold">
+                          <p:cTn id="26" fill="hold">
                             <p:stCondLst>
                               <p:cond delay="0"/>
                             </p:stCondLst>
                             <p:childTnLst>
                               <p:par>
-                                <p:cTn id="26" presetID="10" presetClass="entr" presetSubtype="0" fill="hold" grpId="0" nodeType="clickEffect">
+                                <p:cTn id="27" presetID="2" presetClass="entr" presetSubtype="8" fill="hold" grpId="0" nodeType="clickEffect">
                                   <p:stCondLst>
                                     <p:cond delay="0"/>
                                   </p:stCondLst>
                                   <p:childTnLst>
                                     <p:set>
                                       <p:cBhvr>
-                                        <p:cTn id="27" dur="1" fill="hold">
+                                        <p:cTn id="28" dur="1" fill="hold">
                                           <p:stCondLst>
                                             <p:cond delay="0"/>
                                           </p:stCondLst>
@@ -5591,9 +5632,9 @@
                                         <p:strVal val="visible"/>
                                       </p:to>
                                     </p:set>
-                                    <p:animEffect transition="in" filter="fade">
-                                      <p:cBhvr>
-                                        <p:cTn id="28" dur="500"/>
+                                    <p:anim calcmode="lin" valueType="num">
+                                      <p:cBhvr additive="base">
+                                        <p:cTn id="29" dur="500" fill="hold"/>
                                         <p:tgtEl>
                                           <p:spTgt spid="3">
                                             <p:txEl>
@@ -5601,8 +5642,50 @@
                                             </p:txEl>
                                           </p:spTgt>
                                         </p:tgtEl>
+                                        <p:attrNameLst>
+                                          <p:attrName>ppt_x</p:attrName>
+                                        </p:attrNameLst>
                                       </p:cBhvr>
-                                    </p:animEffect>
+                                      <p:tavLst>
+                                        <p:tav tm="0">
+                                          <p:val>
+                                            <p:strVal val="0-#ppt_w/2"/>
+                                          </p:val>
+                                        </p:tav>
+                                        <p:tav tm="100000">
+                                          <p:val>
+                                            <p:strVal val="#ppt_x"/>
+                                          </p:val>
+                                        </p:tav>
+                                      </p:tavLst>
+                                    </p:anim>
+                                    <p:anim calcmode="lin" valueType="num">
+                                      <p:cBhvr additive="base">
+                                        <p:cTn id="30" dur="500" fill="hold"/>
+                                        <p:tgtEl>
+                                          <p:spTgt spid="3">
+                                            <p:txEl>
+                                              <p:pRg st="2" end="2"/>
+                                            </p:txEl>
+                                          </p:spTgt>
+                                        </p:tgtEl>
+                                        <p:attrNameLst>
+                                          <p:attrName>ppt_y</p:attrName>
+                                        </p:attrNameLst>
+                                      </p:cBhvr>
+                                      <p:tavLst>
+                                        <p:tav tm="0">
+                                          <p:val>
+                                            <p:strVal val="#ppt_y"/>
+                                          </p:val>
+                                        </p:tav>
+                                        <p:tav tm="100000">
+                                          <p:val>
+                                            <p:strVal val="#ppt_y"/>
+                                          </p:val>
+                                        </p:tav>
+                                      </p:tavLst>
+                                    </p:anim>
                                   </p:childTnLst>
                                 </p:cTn>
                               </p:par>
@@ -5613,26 +5696,26 @@
                     </p:cTn>
                   </p:par>
                   <p:par>
-                    <p:cTn id="29" fill="hold">
+                    <p:cTn id="31" fill="hold">
                       <p:stCondLst>
                         <p:cond delay="indefinite"/>
                       </p:stCondLst>
                       <p:childTnLst>
                         <p:par>
-                          <p:cTn id="30" fill="hold">
+                          <p:cTn id="32" fill="hold">
                             <p:stCondLst>
                               <p:cond delay="0"/>
                             </p:stCondLst>
                             <p:childTnLst>
                               <p:par>
-                                <p:cTn id="31" presetID="10" presetClass="entr" presetSubtype="0" fill="hold" grpId="0" nodeType="clickEffect">
+                                <p:cTn id="33" presetID="2" presetClass="entr" presetSubtype="2" fill="hold" grpId="0" nodeType="clickEffect">
                                   <p:stCondLst>
                                     <p:cond delay="0"/>
                                   </p:stCondLst>
                                   <p:childTnLst>
                                     <p:set>
                                       <p:cBhvr>
-                                        <p:cTn id="32" dur="1" fill="hold">
+                                        <p:cTn id="34" dur="1" fill="hold">
                                           <p:stCondLst>
                                             <p:cond delay="0"/>
                                           </p:stCondLst>
@@ -5652,9 +5735,9 @@
                                         <p:strVal val="visible"/>
                                       </p:to>
                                     </p:set>
-                                    <p:animEffect transition="in" filter="fade">
-                                      <p:cBhvr>
-                                        <p:cTn id="33" dur="500"/>
+                                    <p:anim calcmode="lin" valueType="num">
+                                      <p:cBhvr additive="base">
+                                        <p:cTn id="35" dur="500" fill="hold"/>
                                         <p:tgtEl>
                                           <p:spTgt spid="3">
                                             <p:txEl>
@@ -5662,8 +5745,50 @@
                                             </p:txEl>
                                           </p:spTgt>
                                         </p:tgtEl>
+                                        <p:attrNameLst>
+                                          <p:attrName>ppt_x</p:attrName>
+                                        </p:attrNameLst>
                                       </p:cBhvr>
-                                    </p:animEffect>
+                                      <p:tavLst>
+                                        <p:tav tm="0">
+                                          <p:val>
+                                            <p:strVal val="1+#ppt_w/2"/>
+                                          </p:val>
+                                        </p:tav>
+                                        <p:tav tm="100000">
+                                          <p:val>
+                                            <p:strVal val="#ppt_x"/>
+                                          </p:val>
+                                        </p:tav>
+                                      </p:tavLst>
+                                    </p:anim>
+                                    <p:anim calcmode="lin" valueType="num">
+                                      <p:cBhvr additive="base">
+                                        <p:cTn id="36" dur="500" fill="hold"/>
+                                        <p:tgtEl>
+                                          <p:spTgt spid="3">
+                                            <p:txEl>
+                                              <p:pRg st="3" end="3"/>
+                                            </p:txEl>
+                                          </p:spTgt>
+                                        </p:tgtEl>
+                                        <p:attrNameLst>
+                                          <p:attrName>ppt_y</p:attrName>
+                                        </p:attrNameLst>
+                                      </p:cBhvr>
+                                      <p:tavLst>
+                                        <p:tav tm="0">
+                                          <p:val>
+                                            <p:strVal val="#ppt_y"/>
+                                          </p:val>
+                                        </p:tav>
+                                        <p:tav tm="100000">
+                                          <p:val>
+                                            <p:strVal val="#ppt_y"/>
+                                          </p:val>
+                                        </p:tav>
+                                      </p:tavLst>
+                                    </p:anim>
                                   </p:childTnLst>
                                 </p:cTn>
                               </p:par>
@@ -5674,26 +5799,26 @@
                     </p:cTn>
                   </p:par>
                   <p:par>
-                    <p:cTn id="34" fill="hold">
+                    <p:cTn id="37" fill="hold">
                       <p:stCondLst>
                         <p:cond delay="indefinite"/>
                       </p:stCondLst>
                       <p:childTnLst>
                         <p:par>
-                          <p:cTn id="35" fill="hold">
+                          <p:cTn id="38" fill="hold">
                             <p:stCondLst>
                               <p:cond delay="0"/>
                             </p:stCondLst>
                             <p:childTnLst>
                               <p:par>
-                                <p:cTn id="36" presetID="10" presetClass="entr" presetSubtype="0" fill="hold" grpId="0" nodeType="clickEffect">
+                                <p:cTn id="39" presetID="2" presetClass="entr" presetSubtype="4" fill="hold" grpId="0" nodeType="clickEffect">
                                   <p:stCondLst>
                                     <p:cond delay="0"/>
                                   </p:stCondLst>
                                   <p:childTnLst>
                                     <p:set>
                                       <p:cBhvr>
-                                        <p:cTn id="37" dur="1" fill="hold">
+                                        <p:cTn id="40" dur="1" fill="hold">
                                           <p:stCondLst>
                                             <p:cond delay="0"/>
                                           </p:stCondLst>
@@ -5713,9 +5838,9 @@
                                         <p:strVal val="visible"/>
                                       </p:to>
                                     </p:set>
-                                    <p:animEffect transition="in" filter="fade">
-                                      <p:cBhvr>
-                                        <p:cTn id="38" dur="500"/>
+                                    <p:anim calcmode="lin" valueType="num">
+                                      <p:cBhvr additive="base">
+                                        <p:cTn id="41" dur="500" fill="hold"/>
                                         <p:tgtEl>
                                           <p:spTgt spid="3">
                                             <p:txEl>
@@ -5723,20 +5848,62 @@
                                             </p:txEl>
                                           </p:spTgt>
                                         </p:tgtEl>
+                                        <p:attrNameLst>
+                                          <p:attrName>ppt_x</p:attrName>
+                                        </p:attrNameLst>
                                       </p:cBhvr>
-                                    </p:animEffect>
+                                      <p:tavLst>
+                                        <p:tav tm="0">
+                                          <p:val>
+                                            <p:strVal val="#ppt_x"/>
+                                          </p:val>
+                                        </p:tav>
+                                        <p:tav tm="100000">
+                                          <p:val>
+                                            <p:strVal val="#ppt_x"/>
+                                          </p:val>
+                                        </p:tav>
+                                      </p:tavLst>
+                                    </p:anim>
+                                    <p:anim calcmode="lin" valueType="num">
+                                      <p:cBhvr additive="base">
+                                        <p:cTn id="42" dur="500" fill="hold"/>
+                                        <p:tgtEl>
+                                          <p:spTgt spid="3">
+                                            <p:txEl>
+                                              <p:pRg st="4" end="4"/>
+                                            </p:txEl>
+                                          </p:spTgt>
+                                        </p:tgtEl>
+                                        <p:attrNameLst>
+                                          <p:attrName>ppt_y</p:attrName>
+                                        </p:attrNameLst>
+                                      </p:cBhvr>
+                                      <p:tavLst>
+                                        <p:tav tm="0">
+                                          <p:val>
+                                            <p:strVal val="1+#ppt_h/2"/>
+                                          </p:val>
+                                        </p:tav>
+                                        <p:tav tm="100000">
+                                          <p:val>
+                                            <p:strVal val="#ppt_y"/>
+                                          </p:val>
+                                        </p:tav>
+                                      </p:tavLst>
+                                    </p:anim>
                                   </p:childTnLst>
                                 </p:cTn>
                               </p:par>
                               <p:par>
-                                <p:cTn id="39" presetID="10" presetClass="entr" presetSubtype="0" fill="hold" grpId="0" nodeType="withEffect">
+                                <p:cTn id="43" presetID="2" presetClass="entr" presetSubtype="4" fill="hold" grpId="0" nodeType="withEffect">
                                   <p:stCondLst>
                                     <p:cond delay="0"/>
                                   </p:stCondLst>
                                   <p:childTnLst>
                                     <p:set>
                                       <p:cBhvr>
-                                        <p:cTn id="40" dur="1" fill="hold">
+                                        <p:cTn id="44" dur="1" fill="hold">
                                           <p:stCondLst>
                                             <p:cond delay="0"/>
                                           </p:stCondLst>
@@ -5756,9 +5923,9 @@
                                         <p:strVal val="visible"/>
                                       </p:to>
                                     </p:set>
-                                    <p:animEffect transition="in" filter="fade">
-                                      <p:cBhvr>
-                                        <p:cTn id="41" dur="500"/>
+                                    <p:anim calcmode="lin" valueType="num">
+                                      <p:cBhvr additive="base">
+                                        <p:cTn id="45" dur="500" fill="hold"/>
                                         <p:tgtEl>
                                           <p:spTgt spid="3">
                                             <p:txEl>
@@ -5766,20 +5933,62 @@
                                             </p:txEl>
                                           </p:spTgt>
                                         </p:tgtEl>
+                                        <p:attrNameLst>
+                                          <p:attrName>ppt_x</p:attrName>
+                                        </p:attrNameLst>
                                       </p:cBhvr>
-                                    </p:animEffect>
+                                      <p:tavLst>
+                                        <p:tav tm="0">
+                                          <p:val>
+                                            <p:strVal val="#ppt_x"/>
+                                          </p:val>
+                                        </p:tav>
+                                        <p:tav tm="100000">
+                                          <p:val>
+                                            <p:strVal val="#ppt_x"/>
+                                          </p:val>
+                                        </p:tav>
+                                      </p:tavLst>
+                                    </p:anim>
+                                    <p:anim calcmode="lin" valueType="num">
+                                      <p:cBhvr additive="base">
+                                        <p:cTn id="46" dur="500" fill="hold"/>
+                                        <p:tgtEl>
+                                          <p:spTgt spid="3">
+                                            <p:txEl>
+                                              <p:pRg st="5" end="5"/>
+                                            </p:txEl>
+                                          </p:spTgt>
+                                        </p:tgtEl>
+                                        <p:attrNameLst>
+                                          <p:attrName>ppt_y</p:attrName>
+                                        </p:attrNameLst>
+                                      </p:cBhvr>
+                                      <p:tavLst>
+                                        <p:tav tm="0">
+                                          <p:val>
+                                            <p:strVal val="1+#ppt_h/2"/>
+                                          </p:val>
+                                        </p:tav>
+                                        <p:tav tm="100000">
+                                          <p:val>
+                                            <p:strVal val="#ppt_y"/>
+                                          </p:val>
+                                        </p:tav>
+                                      </p:tavLst>
+                                    </p:anim>
                                   </p:childTnLst>
                                 </p:cTn>
                               </p:par>
                               <p:par>
-                                <p:cTn id="42" presetID="10" presetClass="entr" presetSubtype="0" fill="hold" grpId="0" nodeType="withEffect">
+                                <p:cTn id="47" presetID="2" presetClass="entr" presetSubtype="4" fill="hold" grpId="0" nodeType="withEffect">
                                   <p:stCondLst>
                                     <p:cond delay="0"/>
                                   </p:stCondLst>
                                   <p:childTnLst>
                                     <p:set>
                                       <p:cBhvr>
-                                        <p:cTn id="43" dur="1" fill="hold">
+                                        <p:cTn id="48" dur="1" fill="hold">
                                           <p:stCondLst>
                                             <p:cond delay="0"/>
                                           </p:stCondLst>
@@ -5799,9 +6008,9 @@
                                         <p:strVal val="visible"/>
                                       </p:to>
                                     </p:set>
-                                    <p:animEffect transition="in" filter="fade">
-                                      <p:cBhvr>
-                                        <p:cTn id="44" dur="500"/>
+                                    <p:anim calcmode="lin" valueType="num">
+                                      <p:cBhvr additive="base">
+                                        <p:cTn id="49" dur="500" fill="hold"/>
                                         <p:tgtEl>
                                           <p:spTgt spid="3">
                                             <p:txEl>
@@ -5809,20 +6018,62 @@
                                             </p:txEl>
                                           </p:spTgt>
                                         </p:tgtEl>
+                                        <p:attrNameLst>
+                                          <p:attrName>ppt_x</p:attrName>
+                                        </p:attrNameLst>
                                       </p:cBhvr>
-                                    </p:animEffect>
+                                      <p:tavLst>
+                                        <p:tav tm="0">
+                                          <p:val>
+                                            <p:strVal val="#ppt_x"/>
+                                          </p:val>
+                                        </p:tav>
+                                        <p:tav tm="100000">
+                                          <p:val>
+                                            <p:strVal val="#ppt_x"/>
+                                          </p:val>
+                                        </p:tav>
+                                      </p:tavLst>
+                                    </p:anim>
+                                    <p:anim calcmode="lin" valueType="num">
+                                      <p:cBhvr additive="base">
+                                        <p:cTn id="50" dur="500" fill="hold"/>
+                                        <p:tgtEl>
+                                          <p:spTgt spid="3">
+                                            <p:txEl>
+                                              <p:pRg st="6" end="6"/>
+                                            </p:txEl>
+                                          </p:spTgt>
+                                        </p:tgtEl>
+                                        <p:attrNameLst>
+                                          <p:attrName>ppt_y</p:attrName>
+                                        </p:attrNameLst>
+                                      </p:cBhvr>
+                                      <p:tavLst>
+                                        <p:tav tm="0">
+                                          <p:val>
+                                            <p:strVal val="1+#ppt_h/2"/>
+                                          </p:val>
+                                        </p:tav>
+                                        <p:tav tm="100000">
+                                          <p:val>
+                                            <p:strVal val="#ppt_y"/>
+                                          </p:val>
+                                        </p:tav>
+                                      </p:tavLst>
+                                    </p:anim>
                                   </p:childTnLst>
                                 </p:cTn>
                               </p:par>
                               <p:par>
-                                <p:cTn id="45" presetID="10" presetClass="entr" presetSubtype="0" fill="hold" grpId="0" nodeType="withEffect">
+                                <p:cTn id="51" presetID="2" presetClass="entr" presetSubtype="4" fill="hold" grpId="0" nodeType="withEffect">
                                   <p:stCondLst>
                                     <p:cond delay="0"/>
                                   </p:stCondLst>
                                   <p:childTnLst>
                                     <p:set>
                                       <p:cBhvr>
-                                        <p:cTn id="46" dur="1" fill="hold">
+                                        <p:cTn id="52" dur="1" fill="hold">
                                           <p:stCondLst>
                                             <p:cond delay="0"/>
                                           </p:stCondLst>
@@ -5842,9 +6093,9 @@
                                         <p:strVal val="visible"/>
                                       </p:to>
                                     </p:set>
-                                    <p:animEffect transition="in" filter="fade">
-                                      <p:cBhvr>
-                                        <p:cTn id="47" dur="500"/>
+                                    <p:anim calcmode="lin" valueType="num">
+                                      <p:cBhvr additive="base">
+                                        <p:cTn id="53" dur="500" fill="hold"/>
                                         <p:tgtEl>
                                           <p:spTgt spid="3">
                                             <p:txEl>
@@ -5852,8 +6103,50 @@
                                             </p:txEl>
                                           </p:spTgt>
                                         </p:tgtEl>
+                                        <p:attrNameLst>
+                                          <p:attrName>ppt_x</p:attrName>
+                                        </p:attrNameLst>
                                       </p:cBhvr>
-                                    </p:animEffect>
+                                      <p:tavLst>
+                                        <p:tav tm="0">
+                                          <p:val>
+                                            <p:strVal val="#ppt_x"/>
+                                          </p:val>
+                                        </p:tav>
+                                        <p:tav tm="100000">
+                                          <p:val>
+                                            <p:strVal val="#ppt_x"/>
+                                          </p:val>
+                                        </p:tav>
+                                      </p:tavLst>
+                                    </p:anim>
+                                    <p:anim calcmode="lin" valueType="num">
+                                      <p:cBhvr additive="base">
+                                        <p:cTn id="54" dur="500" fill="hold"/>
+                                        <p:tgtEl>
+                                          <p:spTgt spid="3">
+                                            <p:txEl>
+                                              <p:pRg st="7" end="7"/>
+                                            </p:txEl>
+                                          </p:spTgt>
+                                        </p:tgtEl>
+                                        <p:attrNameLst>
+                                          <p:attrName>ppt_y</p:attrName>
+                                        </p:attrNameLst>
+                                      </p:cBhvr>
+                                      <p:tavLst>
+                                        <p:tav tm="0">
+                                          <p:val>
+                                            <p:strVal val="1+#ppt_h/2"/>
+                                          </p:val>
+                                        </p:tav>
+                                        <p:tav tm="100000">
+                                          <p:val>
+                                            <p:strVal val="#ppt_y"/>
+                                          </p:val>
+                                        </p:tav>
+                                      </p:tavLst>
+                                    </p:anim>
                                   </p:childTnLst>
                                 </p:cTn>
                               </p:par>
@@ -6166,10 +6459,13 @@
                             </p:stCondLst>
                             <p:childTnLst>
                               <p:par>
-                                <p:cTn id="15" presetID="21" presetClass="entr" presetSubtype="1" fill="hold" grpId="0" nodeType="clickEffect">
+                                <p:cTn id="15" presetID="45" presetClass="entr" presetSubtype="0" fill="hold" grpId="0" nodeType="clickEffect">
                                   <p:stCondLst>
                                     <p:cond delay="0"/>
                                   </p:stCondLst>
+                                  <p:iterate type="lt">
+                                    <p:tmPct val="5000"/>
+                                  </p:iterate>
                                   <p:childTnLst>
                                     <p:set>
                                       <p:cBhvr>
@@ -6193,7 +6489,7 @@
                                         <p:strVal val="visible"/>
                                       </p:to>
                                     </p:set>
-                                    <p:animEffect transition="in" filter="wheel(1)">
+                                    <p:animEffect transition="in" filter="fade">
                                       <p:cBhvr>
                                         <p:cTn id="17" dur="2000"/>
                                         <p:tgtEl>
@@ -6205,13 +6501,67 @@
                                         </p:tgtEl>
                                       </p:cBhvr>
                                     </p:animEffect>
+                                    <p:anim calcmode="lin" valueType="num">
+                                      <p:cBhvr>
+                                        <p:cTn id="18" dur="2000" fill="hold"/>
+                                        <p:tgtEl>
+                                          <p:spTgt spid="3">
+                                            <p:txEl>
+                                              <p:pRg st="1" end="1"/>
+                                            </p:txEl>
+                                          </p:spTgt>
+                                        </p:tgtEl>
+                                        <p:attrNameLst>
+                                          <p:attrName>ppt_w</p:attrName>
+                                        </p:attrNameLst>
+                                      </p:cBhvr>
+                                      <p:tavLst>
+                                        <p:tav tm="0" fmla="#ppt_w*sin(2.5*pi*$)">
+                                          <p:val>
+                                            <p:fltVal val="0"/>
+                                          </p:val>
+                                        </p:tav>
+                                        <p:tav tm="100000">
+                                          <p:val>
+                                            <p:fltVal val="1"/>
+                                          </p:val>
+                                        </p:tav>
+                                      </p:tavLst>
+                                    </p:anim>
+                                    <p:anim calcmode="lin" valueType="num">
+                                      <p:cBhvr>
+                                        <p:cTn id="19" dur="2000" fill="hold"/>
+                                        <p:tgtEl>
+                                          <p:spTgt spid="3">
+                                            <p:txEl>
+                                              <p:pRg st="1" end="1"/>
+                                            </p:txEl>
+                                          </p:spTgt>
+                                        </p:tgtEl>
+                                        <p:attrNameLst>
+                                          <p:attrName>ppt_h</p:attrName>
+                                        </p:attrNameLst>
+                                      </p:cBhvr>
+                                      <p:tavLst>
+                                        <p:tav tm="0">
+                                          <p:val>
+                                            <p:strVal val="#ppt_h"/>
+                                          </p:val>
+                                        </p:tav>
+                                        <p:tav tm="100000">
+                                          <p:val>
+                                            <p:strVal val="#ppt_h"/>
+                                          </p:val>
+                                        </p:tav>
+                                      </p:tavLst>
+                                    </p:anim>
                                   </p:childTnLst>
                                 </p:cTn>
                               </p:par>
                               <p:par>
-                                <p:cTn id="18" presetID="21" presetClass="entr" presetSubtype="1" fill="hold" grpId="0" nodeType="withEffect">
+                                <p:cTn id="20" presetID="21" presetClass="entr" presetSubtype="1" fill="hold" grpId="0" nodeType="withEffect">
                                   <p:stCondLst>
-                                    <p:cond delay="500"/>
+                                    <p:cond delay="1000"/>
                                   </p:stCondLst>
                                   <p:iterate type="wd">
                                     <p:tmPct val="0"/>
@@ -6219,7 +6569,7 @@
                                   <p:childTnLst>
                                     <p:set>
                                       <p:cBhvr>
-                                        <p:cTn id="19" dur="1" fill="hold">
+                                        <p:cTn id="21" dur="1" fill="hold">
                                           <p:stCondLst>
                                             <p:cond delay="0"/>
                                           </p:stCondLst>
@@ -6241,7 +6591,7 @@
                                     </p:set>
                                     <p:animEffect transition="in" filter="wheel(1)">
                                       <p:cBhvr>
-                                        <p:cTn id="20" dur="2000"/>
+                                        <p:cTn id="22" dur="2000"/>
                                         <p:tgtEl>
                                           <p:spTgt spid="3">
                                             <p:txEl>
@@ -6255,9 +6605,9 @@
                                 </p:cTn>
                               </p:par>
                               <p:par>
-                                <p:cTn id="21" presetID="21" presetClass="entr" presetSubtype="1" fill="hold" grpId="0" nodeType="withEffect">
+                                <p:cTn id="23" presetID="21" presetClass="entr" presetSubtype="1" fill="hold" grpId="0" nodeType="withEffect">
                                   <p:stCondLst>
-                                    <p:cond delay="1000"/>
+                                    <p:cond delay="2000"/>
                                   </p:stCondLst>
                                   <p:iterate type="wd">
                                     <p:tmPct val="0"/>
@@ -6265,7 +6615,7 @@
                                   <p:childTnLst>
                                     <p:set>
                                       <p:cBhvr>
-                                        <p:cTn id="22" dur="1" fill="hold">
+                                        <p:cTn id="24" dur="1" fill="hold">
                                           <p:stCondLst>
                                             <p:cond delay="0"/>
                                           </p:stCondLst>
@@ -6287,7 +6637,7 @@
                                     </p:set>
                                     <p:animEffect transition="in" filter="wheel(1)">
                                       <p:cBhvr>
-                                        <p:cTn id="23" dur="2000"/>
+                                        <p:cTn id="25" dur="2000"/>
                                         <p:tgtEl>
                                           <p:spTgt spid="3">
                                             <p:txEl>
@@ -6447,17 +6797,324 @@
     <a:masterClrMapping/>
   </p:clrMapOvr>
   <mc:AlternateContent xmlns:mc="http://schemas.openxmlformats.org/markup-compatibility/2006">
-    <mc:Choice xmlns:p14="http://schemas.microsoft.com/office/powerpoint/2010/main" Requires="p14">
-      <p:transition spd="slow" p14:dur="1500">
-        <p:split orient="vert"/>
+    <mc:Choice xmlns:p15="http://schemas.microsoft.com/office/powerpoint/2012/main" Requires="p15">
+      <p:transition xmlns:p14="http://schemas.microsoft.com/office/powerpoint/2010/main" spd="slow" p14:dur="1250">
+        <p15:prstTrans prst="pageCurlDouble"/>
       </p:transition>
     </mc:Choice>
     <mc:Fallback>
       <p:transition spd="slow">
-        <p:split orient="vert"/>
+        <p:fade/>
       </p:transition>
     </mc:Fallback>
   </mc:AlternateContent>
+  <p:timing>
+    <p:tnLst>
+      <p:par>
+        <p:cTn id="1" dur="indefinite" restart="never" nodeType="tmRoot">
+          <p:childTnLst>
+            <p:seq concurrent="1" nextAc="seek">
+              <p:cTn id="2" dur="indefinite" nodeType="mainSeq">
+                <p:childTnLst>
+                  <p:par>
+                    <p:cTn id="3" fill="hold">
+                      <p:stCondLst>
+                        <p:cond delay="indefinite"/>
+                        <p:cond evt="onBegin" delay="0">
+                          <p:tn val="2"/>
+                        </p:cond>
+                      </p:stCondLst>
+                      <p:childTnLst>
+                        <p:par>
+                          <p:cTn id="4" fill="hold">
+                            <p:stCondLst>
+                              <p:cond delay="0"/>
+                            </p:stCondLst>
+                            <p:childTnLst>
+                              <p:par>
+                                <p:cTn id="5" presetID="2" presetClass="entr" presetSubtype="4" fill="hold" grpId="0" nodeType="afterEffect">
+                                  <p:stCondLst>
+                                    <p:cond delay="0"/>
+                                  </p:stCondLst>
+                                  <p:childTnLst>
+                                    <p:set>
+                                      <p:cBhvr>
+                                        <p:cTn id="6" dur="1" fill="hold">
+                                          <p:stCondLst>
+                                            <p:cond delay="0"/>
+                                          </p:stCondLst>
+                                        </p:cTn>
+                                        <p:tgtEl>
+                                          <p:spTgt spid="2"/>
+                                        </p:tgtEl>
+                                        <p:attrNameLst>
+                                          <p:attrName>style.visibility</p:attrName>
+                                        </p:attrNameLst>
+                                      </p:cBhvr>
+                                      <p:to>
+                                        <p:strVal val="visible"/>
+                                      </p:to>
+                                    </p:set>
+                                    <p:anim calcmode="lin" valueType="num">
+                                      <p:cBhvr additive="base">
+                                        <p:cTn id="7" dur="500" fill="hold"/>
+                                        <p:tgtEl>
+                                          <p:spTgt spid="2"/>
+                                        </p:tgtEl>
+                                        <p:attrNameLst>
+                                          <p:attrName>ppt_x</p:attrName>
+                                        </p:attrNameLst>
+                                      </p:cBhvr>
+                                      <p:tavLst>
+                                        <p:tav tm="0">
+                                          <p:val>
+                                            <p:strVal val="#ppt_x"/>
+                                          </p:val>
+                                        </p:tav>
+                                        <p:tav tm="100000">
+                                          <p:val>
+                                            <p:strVal val="#ppt_x"/>
+                                          </p:val>
+                                        </p:tav>
+                                      </p:tavLst>
+                                    </p:anim>
+                                    <p:anim calcmode="lin" valueType="num">
+                                      <p:cBhvr additive="base">
+                                        <p:cTn id="8" dur="500" fill="hold"/>
+                                        <p:tgtEl>
+                                          <p:spTgt spid="2"/>
+                                        </p:tgtEl>
+                                        <p:attrNameLst>
+                                          <p:attrName>ppt_y</p:attrName>
+                                        </p:attrNameLst>
+                                      </p:cBhvr>
+                                      <p:tavLst>
+                                        <p:tav tm="0">
+                                          <p:val>
+                                            <p:strVal val="1+#ppt_h/2"/>
+                                          </p:val>
+                                        </p:tav>
+                                        <p:tav tm="100000">
+                                          <p:val>
+                                            <p:strVal val="#ppt_y"/>
+                                          </p:val>
+                                        </p:tav>
+                                      </p:tavLst>
+                                    </p:anim>
+                                  </p:childTnLst>
+                                </p:cTn>
+                              </p:par>
+                            </p:childTnLst>
+                          </p:cTn>
+                        </p:par>
+                      </p:childTnLst>
+                    </p:cTn>
+                  </p:par>
+                  <p:par>
+                    <p:cTn id="9" fill="hold">
+                      <p:stCondLst>
+                        <p:cond delay="indefinite"/>
+                      </p:stCondLst>
+                      <p:childTnLst>
+                        <p:par>
+                          <p:cTn id="10" fill="hold">
+                            <p:stCondLst>
+                              <p:cond delay="0"/>
+                            </p:stCondLst>
+                            <p:childTnLst>
+                              <p:par>
+                                <p:cTn id="11" presetID="38" presetClass="entr" presetSubtype="0" accel="50000" fill="hold" grpId="0" nodeType="clickEffect">
+                                  <p:stCondLst>
+                                    <p:cond delay="0"/>
+                                  </p:stCondLst>
+                                  <p:iterate type="lt">
+                                    <p:tmPct val="1000"/>
+                                  </p:iterate>
+                                  <p:childTnLst>
+                                    <p:set>
+                                      <p:cBhvr>
+                                        <p:cTn id="12" dur="1" fill="hold">
+                                          <p:stCondLst>
+                                            <p:cond delay="0"/>
+                                          </p:stCondLst>
+                                        </p:cTn>
+                                        <p:tgtEl>
+                                          <p:spTgt spid="3"/>
+                                        </p:tgtEl>
+                                        <p:attrNameLst>
+                                          <p:attrName>style.visibility</p:attrName>
+                                        </p:attrNameLst>
+                                      </p:cBhvr>
+                                      <p:to>
+                                        <p:strVal val="visible"/>
+                                      </p:to>
+                                    </p:set>
+                                    <p:set>
+                                      <p:cBhvr>
+                                        <p:cTn id="13" dur="455" fill="hold">
+                                          <p:stCondLst>
+                                            <p:cond delay="0"/>
+                                          </p:stCondLst>
+                                        </p:cTn>
+                                        <p:tgtEl>
+                                          <p:spTgt spid="3"/>
+                                        </p:tgtEl>
+                                        <p:attrNameLst>
+                                          <p:attrName>style.rotation</p:attrName>
+                                        </p:attrNameLst>
+                                      </p:cBhvr>
+                                      <p:to>
+                                        <p:strVal val="-45.0"/>
+                                      </p:to>
+                                    </p:set>
+                                    <p:anim calcmode="lin" valueType="num">
+                                      <p:cBhvr>
+                                        <p:cTn id="14" dur="455" fill="hold">
+                                          <p:stCondLst>
+                                            <p:cond delay="455"/>
+                                          </p:stCondLst>
+                                        </p:cTn>
+                                        <p:tgtEl>
+                                          <p:spTgt spid="3"/>
+                                        </p:tgtEl>
+                                        <p:attrNameLst>
+                                          <p:attrName>style.rotation</p:attrName>
+                                        </p:attrNameLst>
+                                      </p:cBhvr>
+                                      <p:tavLst>
+                                        <p:tav tm="0">
+                                          <p:val>
+                                            <p:fltVal val="-45"/>
+                                          </p:val>
+                                        </p:tav>
+                                        <p:tav tm="69900">
+                                          <p:val>
+                                            <p:fltVal val="45"/>
+                                          </p:val>
+                                        </p:tav>
+                                        <p:tav tm="100000">
+                                          <p:val>
+                                            <p:fltVal val="0"/>
+                                          </p:val>
+                                        </p:tav>
+                                      </p:tavLst>
+                                    </p:anim>
+                                    <p:anim calcmode="lin" valueType="num">
+                                      <p:cBhvr>
+                                        <p:cTn id="15" dur="455" fill="hold">
+                                          <p:stCondLst>
+                                            <p:cond delay="0"/>
+                                          </p:stCondLst>
+                                        </p:cTn>
+                                        <p:tgtEl>
+                                          <p:spTgt spid="3"/>
+                                        </p:tgtEl>
+                                        <p:attrNameLst>
+                                          <p:attrName>ppt_y</p:attrName>
+                                        </p:attrNameLst>
+                                      </p:cBhvr>
+                                      <p:tavLst>
+                                        <p:tav tm="0">
+                                          <p:val>
+                                            <p:strVal val="#ppt_y-1"/>
+                                          </p:val>
+                                        </p:tav>
+                                        <p:tav tm="100000">
+                                          <p:val>
+                                            <p:strVal val="#ppt_y-(0.354*#ppt_w-0.172*#ppt_h)"/>
+                                          </p:val>
+                                        </p:tav>
+                                      </p:tavLst>
+                                    </p:anim>
+                                    <p:anim calcmode="lin" valueType="num">
+                                      <p:cBhvr>
+                                        <p:cTn id="16" dur="156" decel="50000" autoRev="1" fill="hold">
+                                          <p:stCondLst>
+                                            <p:cond delay="455"/>
+                                          </p:stCondLst>
+                                        </p:cTn>
+                                        <p:tgtEl>
+                                          <p:spTgt spid="3"/>
+                                        </p:tgtEl>
+                                        <p:attrNameLst>
+                                          <p:attrName>ppt_y</p:attrName>
+                                        </p:attrNameLst>
+                                      </p:cBhvr>
+                                      <p:tavLst>
+                                        <p:tav tm="0">
+                                          <p:val>
+                                            <p:strVal val="#ppt_y-(0.354*#ppt_w-0.172*#ppt_h)"/>
+                                          </p:val>
+                                        </p:tav>
+                                        <p:tav tm="100000">
+                                          <p:val>
+                                            <p:strVal val="#ppt_y-(0.354*#ppt_w-0.172*#ppt_h)-#ppt_h/2"/>
+                                          </p:val>
+                                        </p:tav>
+                                      </p:tavLst>
+                                    </p:anim>
+                                    <p:anim calcmode="lin" valueType="num">
+                                      <p:cBhvr>
+                                        <p:cTn id="17" dur="136" fill="hold">
+                                          <p:stCondLst>
+                                            <p:cond delay="864"/>
+                                          </p:stCondLst>
+                                        </p:cTn>
+                                        <p:tgtEl>
+                                          <p:spTgt spid="3"/>
+                                        </p:tgtEl>
+                                        <p:attrNameLst>
+                                          <p:attrName>ppt_y</p:attrName>
+                                        </p:attrNameLst>
+                                      </p:cBhvr>
+                                      <p:tavLst>
+                                        <p:tav tm="0">
+                                          <p:val>
+                                            <p:strVal val="#ppt_y-(0.354*#ppt_w-0.172*#ppt_h)"/>
+                                          </p:val>
+                                        </p:tav>
+                                        <p:tav tm="100000">
+                                          <p:val>
+                                            <p:strVal val="#ppt_y"/>
+                                          </p:val>
+                                        </p:tav>
+                                      </p:tavLst>
+                                    </p:anim>
+                                  </p:childTnLst>
+                                </p:cTn>
+                              </p:par>
+                            </p:childTnLst>
+                          </p:cTn>
+                        </p:par>
+                      </p:childTnLst>
+                    </p:cTn>
+                  </p:par>
+                </p:childTnLst>
+              </p:cTn>
+              <p:prevCondLst>
+                <p:cond evt="onPrev" delay="0">
+                  <p:tgtEl>
+                    <p:sldTgt/>
+                  </p:tgtEl>
+                </p:cond>
+              </p:prevCondLst>
+              <p:nextCondLst>
+                <p:cond evt="onNext" delay="0">
+                  <p:tgtEl>
+                    <p:sldTgt/>
+                  </p:tgtEl>
+                </p:cond>
+              </p:nextCondLst>
+            </p:seq>
+          </p:childTnLst>
+        </p:cTn>
+      </p:par>
+    </p:tnLst>
+    <p:bldLst>
+      <p:bldP spid="2" grpId="0"/>
+      <p:bldP spid="3" grpId="0"/>
+    </p:bldLst>
+  </p:timing>
 </p:sld>
 </file>
 

--- a/Current Presentation/Charlie Fall Term 2024 presentation.pptx
+++ b/Current Presentation/Charlie Fall Term 2024 presentation.pptx
@@ -5264,6 +5264,114 @@
           </a:p>
         </p:txBody>
       </p:sp>
+      <p:pic>
+        <p:nvPicPr>
+          <p:cNvPr id="6" name="Picture 5" descr="A screenshot of a computer&#10;&#10;Description automatically generated">
+            <a:extLst>
+              <a:ext uri="{FF2B5EF4-FFF2-40B4-BE49-F238E27FC236}">
+                <a16:creationId xmlns:a16="http://schemas.microsoft.com/office/drawing/2014/main" id="{8434DF8B-74D2-F432-B4EC-D4BE6807CE60}"/>
+              </a:ext>
+            </a:extLst>
+          </p:cNvPr>
+          <p:cNvPicPr>
+            <a:picLocks noChangeAspect="1"/>
+          </p:cNvPicPr>
+          <p:nvPr/>
+        </p:nvPicPr>
+        <p:blipFill>
+          <a:blip r:embed="rId2">
+            <a:extLst>
+              <a:ext uri="{28A0092B-C50C-407E-A947-70E740481C1C}">
+                <a14:useLocalDpi xmlns:a14="http://schemas.microsoft.com/office/drawing/2010/main" val="0"/>
+              </a:ext>
+            </a:extLst>
+          </a:blip>
+          <a:stretch>
+            <a:fillRect/>
+          </a:stretch>
+        </p:blipFill>
+        <p:spPr>
+          <a:xfrm>
+            <a:off x="133618" y="4019148"/>
+            <a:ext cx="4427496" cy="2684991"/>
+          </a:xfrm>
+          <a:prstGeom prst="rect">
+            <a:avLst/>
+          </a:prstGeom>
+        </p:spPr>
+      </p:pic>
+      <p:pic>
+        <p:nvPicPr>
+          <p:cNvPr id="8" name="Picture 7" descr="A screenshot of a computer&#10;&#10;Description automatically generated">
+            <a:extLst>
+              <a:ext uri="{FF2B5EF4-FFF2-40B4-BE49-F238E27FC236}">
+                <a16:creationId xmlns:a16="http://schemas.microsoft.com/office/drawing/2014/main" id="{201BFC43-DC4B-D20C-6976-473CF1C269CA}"/>
+              </a:ext>
+            </a:extLst>
+          </p:cNvPr>
+          <p:cNvPicPr>
+            <a:picLocks noChangeAspect="1"/>
+          </p:cNvPicPr>
+          <p:nvPr/>
+        </p:nvPicPr>
+        <p:blipFill>
+          <a:blip r:embed="rId3">
+            <a:extLst>
+              <a:ext uri="{28A0092B-C50C-407E-A947-70E740481C1C}">
+                <a14:useLocalDpi xmlns:a14="http://schemas.microsoft.com/office/drawing/2010/main" val="0"/>
+              </a:ext>
+            </a:extLst>
+          </a:blip>
+          <a:stretch>
+            <a:fillRect/>
+          </a:stretch>
+        </p:blipFill>
+        <p:spPr>
+          <a:xfrm>
+            <a:off x="107341" y="97526"/>
+            <a:ext cx="3531026" cy="2057847"/>
+          </a:xfrm>
+          <a:prstGeom prst="rect">
+            <a:avLst/>
+          </a:prstGeom>
+        </p:spPr>
+      </p:pic>
+      <p:pic>
+        <p:nvPicPr>
+          <p:cNvPr id="12" name="Picture 11" descr="A screenshot of a computer&#10;&#10;Description automatically generated">
+            <a:extLst>
+              <a:ext uri="{FF2B5EF4-FFF2-40B4-BE49-F238E27FC236}">
+                <a16:creationId xmlns:a16="http://schemas.microsoft.com/office/drawing/2014/main" id="{7B1456DA-EEA9-DCB3-01D2-8AF761264BB3}"/>
+              </a:ext>
+            </a:extLst>
+          </p:cNvPr>
+          <p:cNvPicPr>
+            <a:picLocks noChangeAspect="1"/>
+          </p:cNvPicPr>
+          <p:nvPr/>
+        </p:nvPicPr>
+        <p:blipFill>
+          <a:blip r:embed="rId2">
+            <a:extLst>
+              <a:ext uri="{28A0092B-C50C-407E-A947-70E740481C1C}">
+                <a14:useLocalDpi xmlns:a14="http://schemas.microsoft.com/office/drawing/2010/main" val="0"/>
+              </a:ext>
+            </a:extLst>
+          </a:blip>
+          <a:stretch>
+            <a:fillRect/>
+          </a:stretch>
+        </p:blipFill>
+        <p:spPr>
+          <a:xfrm>
+            <a:off x="7895152" y="4179408"/>
+            <a:ext cx="4163230" cy="2524731"/>
+          </a:xfrm>
+          <a:prstGeom prst="rect">
+            <a:avLst/>
+          </a:prstGeom>
+        </p:spPr>
+      </p:pic>
     </p:spTree>
     <p:extLst>
       <p:ext uri="{BB962C8B-B14F-4D97-AF65-F5344CB8AC3E}">
@@ -5311,9 +5419,6 @@
                                   <p:stCondLst>
                                     <p:cond delay="0"/>
                                   </p:stCondLst>
-                                  <p:iterate type="wd">
-                                    <p:tmPct val="1250"/>
-                                  </p:iterate>
                                   <p:childTnLst>
                                     <p:set>
                                       <p:cBhvr>
@@ -6156,6 +6261,401 @@
                       </p:childTnLst>
                     </p:cTn>
                   </p:par>
+                  <p:par>
+                    <p:cTn id="55" fill="hold">
+                      <p:stCondLst>
+                        <p:cond delay="indefinite"/>
+                      </p:stCondLst>
+                      <p:childTnLst>
+                        <p:par>
+                          <p:cTn id="56" fill="hold">
+                            <p:stCondLst>
+                              <p:cond delay="0"/>
+                            </p:stCondLst>
+                            <p:childTnLst>
+                              <p:par>
+                                <p:cTn id="57" presetID="1" presetClass="exit" presetSubtype="0" fill="hold" grpId="1" nodeType="clickEffect">
+                                  <p:stCondLst>
+                                    <p:cond delay="0"/>
+                                  </p:stCondLst>
+                                  <p:childTnLst>
+                                    <p:set>
+                                      <p:cBhvr>
+                                        <p:cTn id="58" dur="1" fill="hold">
+                                          <p:stCondLst>
+                                            <p:cond delay="0"/>
+                                          </p:stCondLst>
+                                        </p:cTn>
+                                        <p:tgtEl>
+                                          <p:spTgt spid="2"/>
+                                        </p:tgtEl>
+                                        <p:attrNameLst>
+                                          <p:attrName>style.visibility</p:attrName>
+                                        </p:attrNameLst>
+                                      </p:cBhvr>
+                                      <p:to>
+                                        <p:strVal val="hidden"/>
+                                      </p:to>
+                                    </p:set>
+                                  </p:childTnLst>
+                                </p:cTn>
+                              </p:par>
+                              <p:par>
+                                <p:cTn id="59" presetID="1" presetClass="exit" presetSubtype="0" fill="hold" grpId="1" nodeType="withEffect">
+                                  <p:stCondLst>
+                                    <p:cond delay="0"/>
+                                  </p:stCondLst>
+                                  <p:iterate type="lt">
+                                    <p:tmAbs val="0"/>
+                                  </p:iterate>
+                                  <p:childTnLst>
+                                    <p:set>
+                                      <p:cBhvr>
+                                        <p:cTn id="60" dur="1" fill="hold">
+                                          <p:stCondLst>
+                                            <p:cond delay="0"/>
+                                          </p:stCondLst>
+                                        </p:cTn>
+                                        <p:tgtEl>
+                                          <p:spTgt spid="3">
+                                            <p:txEl>
+                                              <p:pRg st="0" end="0"/>
+                                            </p:txEl>
+                                          </p:spTgt>
+                                        </p:tgtEl>
+                                        <p:attrNameLst>
+                                          <p:attrName>style.visibility</p:attrName>
+                                        </p:attrNameLst>
+                                      </p:cBhvr>
+                                      <p:to>
+                                        <p:strVal val="hidden"/>
+                                      </p:to>
+                                    </p:set>
+                                  </p:childTnLst>
+                                </p:cTn>
+                              </p:par>
+                              <p:par>
+                                <p:cTn id="61" presetID="1" presetClass="exit" presetSubtype="0" fill="hold" grpId="1" nodeType="withEffect">
+                                  <p:stCondLst>
+                                    <p:cond delay="0"/>
+                                  </p:stCondLst>
+                                  <p:childTnLst>
+                                    <p:set>
+                                      <p:cBhvr>
+                                        <p:cTn id="62" dur="1" fill="hold">
+                                          <p:stCondLst>
+                                            <p:cond delay="0"/>
+                                          </p:stCondLst>
+                                        </p:cTn>
+                                        <p:tgtEl>
+                                          <p:spTgt spid="3">
+                                            <p:txEl>
+                                              <p:pRg st="1" end="1"/>
+                                            </p:txEl>
+                                          </p:spTgt>
+                                        </p:tgtEl>
+                                        <p:attrNameLst>
+                                          <p:attrName>style.visibility</p:attrName>
+                                        </p:attrNameLst>
+                                      </p:cBhvr>
+                                      <p:to>
+                                        <p:strVal val="hidden"/>
+                                      </p:to>
+                                    </p:set>
+                                  </p:childTnLst>
+                                </p:cTn>
+                              </p:par>
+                              <p:par>
+                                <p:cTn id="63" presetID="1" presetClass="exit" presetSubtype="0" fill="hold" grpId="1" nodeType="withEffect">
+                                  <p:stCondLst>
+                                    <p:cond delay="0"/>
+                                  </p:stCondLst>
+                                  <p:childTnLst>
+                                    <p:set>
+                                      <p:cBhvr>
+                                        <p:cTn id="64" dur="1" fill="hold">
+                                          <p:stCondLst>
+                                            <p:cond delay="0"/>
+                                          </p:stCondLst>
+                                        </p:cTn>
+                                        <p:tgtEl>
+                                          <p:spTgt spid="3">
+                                            <p:txEl>
+                                              <p:pRg st="2" end="2"/>
+                                            </p:txEl>
+                                          </p:spTgt>
+                                        </p:tgtEl>
+                                        <p:attrNameLst>
+                                          <p:attrName>style.visibility</p:attrName>
+                                        </p:attrNameLst>
+                                      </p:cBhvr>
+                                      <p:to>
+                                        <p:strVal val="hidden"/>
+                                      </p:to>
+                                    </p:set>
+                                  </p:childTnLst>
+                                </p:cTn>
+                              </p:par>
+                              <p:par>
+                                <p:cTn id="65" presetID="1" presetClass="exit" presetSubtype="0" fill="hold" grpId="1" nodeType="withEffect">
+                                  <p:stCondLst>
+                                    <p:cond delay="0"/>
+                                  </p:stCondLst>
+                                  <p:childTnLst>
+                                    <p:set>
+                                      <p:cBhvr>
+                                        <p:cTn id="66" dur="1" fill="hold">
+                                          <p:stCondLst>
+                                            <p:cond delay="0"/>
+                                          </p:stCondLst>
+                                        </p:cTn>
+                                        <p:tgtEl>
+                                          <p:spTgt spid="3">
+                                            <p:txEl>
+                                              <p:pRg st="3" end="3"/>
+                                            </p:txEl>
+                                          </p:spTgt>
+                                        </p:tgtEl>
+                                        <p:attrNameLst>
+                                          <p:attrName>style.visibility</p:attrName>
+                                        </p:attrNameLst>
+                                      </p:cBhvr>
+                                      <p:to>
+                                        <p:strVal val="hidden"/>
+                                      </p:to>
+                                    </p:set>
+                                  </p:childTnLst>
+                                </p:cTn>
+                              </p:par>
+                              <p:par>
+                                <p:cTn id="67" presetID="1" presetClass="exit" presetSubtype="0" fill="hold" grpId="1" nodeType="withEffect">
+                                  <p:stCondLst>
+                                    <p:cond delay="0"/>
+                                  </p:stCondLst>
+                                  <p:childTnLst>
+                                    <p:set>
+                                      <p:cBhvr>
+                                        <p:cTn id="68" dur="1" fill="hold">
+                                          <p:stCondLst>
+                                            <p:cond delay="0"/>
+                                          </p:stCondLst>
+                                        </p:cTn>
+                                        <p:tgtEl>
+                                          <p:spTgt spid="3">
+                                            <p:txEl>
+                                              <p:pRg st="4" end="4"/>
+                                            </p:txEl>
+                                          </p:spTgt>
+                                        </p:tgtEl>
+                                        <p:attrNameLst>
+                                          <p:attrName>style.visibility</p:attrName>
+                                        </p:attrNameLst>
+                                      </p:cBhvr>
+                                      <p:to>
+                                        <p:strVal val="hidden"/>
+                                      </p:to>
+                                    </p:set>
+                                  </p:childTnLst>
+                                </p:cTn>
+                              </p:par>
+                              <p:par>
+                                <p:cTn id="69" presetID="1" presetClass="exit" presetSubtype="0" fill="hold" grpId="1" nodeType="withEffect">
+                                  <p:stCondLst>
+                                    <p:cond delay="0"/>
+                                  </p:stCondLst>
+                                  <p:childTnLst>
+                                    <p:set>
+                                      <p:cBhvr>
+                                        <p:cTn id="70" dur="1" fill="hold">
+                                          <p:stCondLst>
+                                            <p:cond delay="0"/>
+                                          </p:stCondLst>
+                                        </p:cTn>
+                                        <p:tgtEl>
+                                          <p:spTgt spid="3">
+                                            <p:txEl>
+                                              <p:pRg st="5" end="5"/>
+                                            </p:txEl>
+                                          </p:spTgt>
+                                        </p:tgtEl>
+                                        <p:attrNameLst>
+                                          <p:attrName>style.visibility</p:attrName>
+                                        </p:attrNameLst>
+                                      </p:cBhvr>
+                                      <p:to>
+                                        <p:strVal val="hidden"/>
+                                      </p:to>
+                                    </p:set>
+                                  </p:childTnLst>
+                                </p:cTn>
+                              </p:par>
+                              <p:par>
+                                <p:cTn id="71" presetID="1" presetClass="exit" presetSubtype="0" fill="hold" grpId="1" nodeType="withEffect">
+                                  <p:stCondLst>
+                                    <p:cond delay="0"/>
+                                  </p:stCondLst>
+                                  <p:childTnLst>
+                                    <p:set>
+                                      <p:cBhvr>
+                                        <p:cTn id="72" dur="1" fill="hold">
+                                          <p:stCondLst>
+                                            <p:cond delay="0"/>
+                                          </p:stCondLst>
+                                        </p:cTn>
+                                        <p:tgtEl>
+                                          <p:spTgt spid="3">
+                                            <p:txEl>
+                                              <p:pRg st="6" end="6"/>
+                                            </p:txEl>
+                                          </p:spTgt>
+                                        </p:tgtEl>
+                                        <p:attrNameLst>
+                                          <p:attrName>style.visibility</p:attrName>
+                                        </p:attrNameLst>
+                                      </p:cBhvr>
+                                      <p:to>
+                                        <p:strVal val="hidden"/>
+                                      </p:to>
+                                    </p:set>
+                                  </p:childTnLst>
+                                </p:cTn>
+                              </p:par>
+                              <p:par>
+                                <p:cTn id="73" presetID="1" presetClass="exit" presetSubtype="0" fill="hold" grpId="1" nodeType="withEffect">
+                                  <p:stCondLst>
+                                    <p:cond delay="0"/>
+                                  </p:stCondLst>
+                                  <p:childTnLst>
+                                    <p:set>
+                                      <p:cBhvr>
+                                        <p:cTn id="74" dur="1" fill="hold">
+                                          <p:stCondLst>
+                                            <p:cond delay="0"/>
+                                          </p:stCondLst>
+                                        </p:cTn>
+                                        <p:tgtEl>
+                                          <p:spTgt spid="3">
+                                            <p:txEl>
+                                              <p:pRg st="7" end="7"/>
+                                            </p:txEl>
+                                          </p:spTgt>
+                                        </p:tgtEl>
+                                        <p:attrNameLst>
+                                          <p:attrName>style.visibility</p:attrName>
+                                        </p:attrNameLst>
+                                      </p:cBhvr>
+                                      <p:to>
+                                        <p:strVal val="hidden"/>
+                                      </p:to>
+                                    </p:set>
+                                  </p:childTnLst>
+                                </p:cTn>
+                              </p:par>
+                            </p:childTnLst>
+                          </p:cTn>
+                        </p:par>
+                        <p:par>
+                          <p:cTn id="75" fill="hold">
+                            <p:stCondLst>
+                              <p:cond delay="0"/>
+                            </p:stCondLst>
+                            <p:childTnLst>
+                              <p:par>
+                                <p:cTn id="76" presetID="1" presetClass="entr" presetSubtype="0" fill="hold" nodeType="afterEffect">
+                                  <p:stCondLst>
+                                    <p:cond delay="250"/>
+                                  </p:stCondLst>
+                                  <p:childTnLst>
+                                    <p:set>
+                                      <p:cBhvr>
+                                        <p:cTn id="77" dur="1" fill="hold">
+                                          <p:stCondLst>
+                                            <p:cond delay="0"/>
+                                          </p:stCondLst>
+                                        </p:cTn>
+                                        <p:tgtEl>
+                                          <p:spTgt spid="12"/>
+                                        </p:tgtEl>
+                                        <p:attrNameLst>
+                                          <p:attrName>style.visibility</p:attrName>
+                                        </p:attrNameLst>
+                                      </p:cBhvr>
+                                      <p:to>
+                                        <p:strVal val="visible"/>
+                                      </p:to>
+                                    </p:set>
+                                  </p:childTnLst>
+                                </p:cTn>
+                              </p:par>
+                            </p:childTnLst>
+                          </p:cTn>
+                        </p:par>
+                        <p:par>
+                          <p:cTn id="78" fill="hold">
+                            <p:stCondLst>
+                              <p:cond delay="250"/>
+                            </p:stCondLst>
+                            <p:childTnLst>
+                              <p:par>
+                                <p:cTn id="79" presetID="1" presetClass="entr" presetSubtype="0" fill="hold" nodeType="afterEffect">
+                                  <p:stCondLst>
+                                    <p:cond delay="0"/>
+                                  </p:stCondLst>
+                                  <p:childTnLst>
+                                    <p:set>
+                                      <p:cBhvr>
+                                        <p:cTn id="80" dur="1" fill="hold">
+                                          <p:stCondLst>
+                                            <p:cond delay="0"/>
+                                          </p:stCondLst>
+                                        </p:cTn>
+                                        <p:tgtEl>
+                                          <p:spTgt spid="6"/>
+                                        </p:tgtEl>
+                                        <p:attrNameLst>
+                                          <p:attrName>style.visibility</p:attrName>
+                                        </p:attrNameLst>
+                                      </p:cBhvr>
+                                      <p:to>
+                                        <p:strVal val="visible"/>
+                                      </p:to>
+                                    </p:set>
+                                  </p:childTnLst>
+                                </p:cTn>
+                              </p:par>
+                              <p:par>
+                                <p:cTn id="81" presetID="1" presetClass="entr" presetSubtype="0" fill="hold" nodeType="withEffect">
+                                  <p:stCondLst>
+                                    <p:cond delay="0"/>
+                                  </p:stCondLst>
+                                  <p:childTnLst>
+                                    <p:set>
+                                      <p:cBhvr>
+                                        <p:cTn id="82" dur="1" fill="hold">
+                                          <p:stCondLst>
+                                            <p:cond delay="0"/>
+                                          </p:stCondLst>
+                                        </p:cTn>
+                                        <p:tgtEl>
+                                          <p:spTgt spid="8"/>
+                                        </p:tgtEl>
+                                        <p:attrNameLst>
+                                          <p:attrName>style.visibility</p:attrName>
+                                        </p:attrNameLst>
+                                      </p:cBhvr>
+                                      <p:to>
+                                        <p:strVal val="visible"/>
+                                      </p:to>
+                                    </p:set>
+                                  </p:childTnLst>
+                                </p:cTn>
+                              </p:par>
+                            </p:childTnLst>
+                          </p:cTn>
+                        </p:par>
+                      </p:childTnLst>
+                    </p:cTn>
+                  </p:par>
                 </p:childTnLst>
               </p:cTn>
               <p:prevCondLst>
@@ -6179,7 +6679,9 @@
     </p:tnLst>
     <p:bldLst>
       <p:bldP spid="2" grpId="0"/>
+      <p:bldP spid="2" grpId="1"/>
       <p:bldP spid="3" grpId="0" uiExpand="1" build="p" bldLvl="2"/>
+      <p:bldP spid="3" grpId="1" build="p"/>
       <p:bldP spid="4" grpId="0"/>
       <p:bldP spid="4" grpId="1"/>
     </p:bldLst>
